--- a/流程圖.pptx
+++ b/流程圖.pptx
@@ -105,7 +105,74 @@
       </a:defRPr>
     </a:lvl9pPr>
   </p:defaultTextStyle>
+  <p:extLst>
+    <p:ext uri="{EFAFB233-063F-42B5-8137-9DF3F51BA10A}">
+      <p15:sldGuideLst xmlns:p15="http://schemas.microsoft.com/office/powerpoint/2012/main"/>
+    </p:ext>
+  </p:extLst>
 </p:presentation>
+</file>
+
+<file path=ppt/commentAuthors.xml><?xml version="1.0" encoding="utf-8"?>
+<p:cmAuthorLst xmlns:a="http://schemas.openxmlformats.org/drawingml/2006/main" xmlns:r="http://schemas.openxmlformats.org/officeDocument/2006/relationships" xmlns:p="http://schemas.openxmlformats.org/presentationml/2006/main">
+  <p:cmAuthor id="1" name="王品傑(Jay Wang)" initials="王品傑(Jay" lastIdx="9" clrIdx="0">
+    <p:extLst>
+      <p:ext uri="{19B8F6BF-5375-455C-9EA6-DF929625EA0E}">
+        <p15:presenceInfo xmlns:p15="http://schemas.microsoft.com/office/powerpoint/2012/main" userId="S-1-5-21-3266260194-846616801-1183021836-42140" providerId="AD"/>
+      </p:ext>
+    </p:extLst>
+  </p:cmAuthor>
+</p:cmAuthorLst>
+</file>
+
+<file path=ppt/comments/comment1.xml><?xml version="1.0" encoding="utf-8"?>
+<p:cmLst xmlns:a="http://schemas.openxmlformats.org/drawingml/2006/main" xmlns:r="http://schemas.openxmlformats.org/officeDocument/2006/relationships" xmlns:p="http://schemas.openxmlformats.org/presentationml/2006/main">
+  <p:cm authorId="1" dt="2020-04-13T15:24:21.112" idx="2">
+    <p:pos x="2665" y="286"/>
+    <p:text>DispatcherServlet：整個流程控制的中心，控制其它組件執行，統一調度，對組件進行解耦，提高每個組件的		擴展性。</p:text>
+    <p:extLst>
+      <p:ext uri="{C676402C-5697-4E1C-873F-D02D1690AC5C}">
+        <p15:threadingInfo xmlns:p15="http://schemas.microsoft.com/office/powerpoint/2012/main" timeZoneBias="-480"/>
+      </p:ext>
+    </p:extLst>
+  </p:cm>
+  <p:cm authorId="1" dt="2020-04-13T15:25:49.954" idx="4">
+    <p:pos x="4552" y="-56"/>
+    <p:text>HandlerMapping：根據URL去查找處理器通過擴展處理器映射器實現不同的映射方式，例如：配置文件方式，實現接口方式，註解方式等。</p:text>
+    <p:extLst>
+      <p:ext uri="{C676402C-5697-4E1C-873F-D02D1690AC5C}">
+        <p15:threadingInfo xmlns:p15="http://schemas.microsoft.com/office/powerpoint/2012/main" timeZoneBias="-480"/>
+      </p:ext>
+    </p:extLst>
+  </p:cm>
+  <p:cm authorId="1" dt="2020-04-13T15:27:07.916" idx="7">
+    <p:pos x="6578" y="3109"/>
+    <p:text>ViewResovler：進行視圖解析，多返回的字符串，進行處理，可以解析成對應的頁面, 例如：jsp、freemarker、pdf、excel等，在xml文件面進行配置。</p:text>
+    <p:extLst>
+      <p:ext uri="{C676402C-5697-4E1C-873F-D02D1690AC5C}">
+        <p15:threadingInfo xmlns:p15="http://schemas.microsoft.com/office/powerpoint/2012/main" timeZoneBias="-480"/>
+      </p:ext>
+    </p:extLst>
+  </p:cm>
+  <p:cm authorId="1" dt="2020-04-13T15:29:11.809" idx="8">
+    <p:pos x="6743" y="450"/>
+    <p:text>HandlerAdapter：會把處理器包裝成適配器，這樣就可以支持多種類型的處理器,(返回結果不同如:ModelAndView,集合(list,map),可以擴展)。</p:text>
+    <p:extLst>
+      <p:ext uri="{C676402C-5697-4E1C-873F-D02D1690AC5C}">
+        <p15:threadingInfo xmlns:p15="http://schemas.microsoft.com/office/powerpoint/2012/main" timeZoneBias="-480"/>
+      </p:ext>
+    </p:extLst>
+  </p:cm>
+  <p:cm authorId="1" dt="2020-04-13T15:30:02.858" idx="9">
+    <p:pos x="6359" y="1625"/>
+    <p:text>Handler：也就是Controller裡面的對應RequestMaping方法。</p:text>
+    <p:extLst>
+      <p:ext uri="{C676402C-5697-4E1C-873F-D02D1690AC5C}">
+        <p15:threadingInfo xmlns:p15="http://schemas.microsoft.com/office/powerpoint/2012/main" timeZoneBias="-480"/>
+      </p:ext>
+    </p:extLst>
+  </p:cm>
+</p:cmLst>
 </file>
 
 <file path=ppt/slideLayouts/slideLayout1.xml><?xml version="1.0" encoding="utf-8"?>
@@ -239,7 +306,7 @@
           <a:p>
             <a:fld id="{A82C37CB-E071-4591-97EF-45EBE93349F3}" type="datetimeFigureOut">
               <a:rPr lang="zh-TW" altLang="en-US" smtClean="0"/>
-              <a:t>2020/3/13</a:t>
+              <a:t>2020/4/13</a:t>
             </a:fld>
             <a:endParaRPr lang="zh-TW" altLang="en-US"/>
           </a:p>
@@ -409,7 +476,7 @@
           <a:p>
             <a:fld id="{A82C37CB-E071-4591-97EF-45EBE93349F3}" type="datetimeFigureOut">
               <a:rPr lang="zh-TW" altLang="en-US" smtClean="0"/>
-              <a:t>2020/3/13</a:t>
+              <a:t>2020/4/13</a:t>
             </a:fld>
             <a:endParaRPr lang="zh-TW" altLang="en-US"/>
           </a:p>
@@ -589,7 +656,7 @@
           <a:p>
             <a:fld id="{A82C37CB-E071-4591-97EF-45EBE93349F3}" type="datetimeFigureOut">
               <a:rPr lang="zh-TW" altLang="en-US" smtClean="0"/>
-              <a:t>2020/3/13</a:t>
+              <a:t>2020/4/13</a:t>
             </a:fld>
             <a:endParaRPr lang="zh-TW" altLang="en-US"/>
           </a:p>
@@ -759,7 +826,7 @@
           <a:p>
             <a:fld id="{A82C37CB-E071-4591-97EF-45EBE93349F3}" type="datetimeFigureOut">
               <a:rPr lang="zh-TW" altLang="en-US" smtClean="0"/>
-              <a:t>2020/3/13</a:t>
+              <a:t>2020/4/13</a:t>
             </a:fld>
             <a:endParaRPr lang="zh-TW" altLang="en-US"/>
           </a:p>
@@ -1005,7 +1072,7 @@
           <a:p>
             <a:fld id="{A82C37CB-E071-4591-97EF-45EBE93349F3}" type="datetimeFigureOut">
               <a:rPr lang="zh-TW" altLang="en-US" smtClean="0"/>
-              <a:t>2020/3/13</a:t>
+              <a:t>2020/4/13</a:t>
             </a:fld>
             <a:endParaRPr lang="zh-TW" altLang="en-US"/>
           </a:p>
@@ -1237,7 +1304,7 @@
           <a:p>
             <a:fld id="{A82C37CB-E071-4591-97EF-45EBE93349F3}" type="datetimeFigureOut">
               <a:rPr lang="zh-TW" altLang="en-US" smtClean="0"/>
-              <a:t>2020/3/13</a:t>
+              <a:t>2020/4/13</a:t>
             </a:fld>
             <a:endParaRPr lang="zh-TW" altLang="en-US"/>
           </a:p>
@@ -1604,7 +1671,7 @@
           <a:p>
             <a:fld id="{A82C37CB-E071-4591-97EF-45EBE93349F3}" type="datetimeFigureOut">
               <a:rPr lang="zh-TW" altLang="en-US" smtClean="0"/>
-              <a:t>2020/3/13</a:t>
+              <a:t>2020/4/13</a:t>
             </a:fld>
             <a:endParaRPr lang="zh-TW" altLang="en-US"/>
           </a:p>
@@ -1722,7 +1789,7 @@
           <a:p>
             <a:fld id="{A82C37CB-E071-4591-97EF-45EBE93349F3}" type="datetimeFigureOut">
               <a:rPr lang="zh-TW" altLang="en-US" smtClean="0"/>
-              <a:t>2020/3/13</a:t>
+              <a:t>2020/4/13</a:t>
             </a:fld>
             <a:endParaRPr lang="zh-TW" altLang="en-US"/>
           </a:p>
@@ -1817,7 +1884,7 @@
           <a:p>
             <a:fld id="{A82C37CB-E071-4591-97EF-45EBE93349F3}" type="datetimeFigureOut">
               <a:rPr lang="zh-TW" altLang="en-US" smtClean="0"/>
-              <a:t>2020/3/13</a:t>
+              <a:t>2020/4/13</a:t>
             </a:fld>
             <a:endParaRPr lang="zh-TW" altLang="en-US"/>
           </a:p>
@@ -2094,7 +2161,7 @@
           <a:p>
             <a:fld id="{A82C37CB-E071-4591-97EF-45EBE93349F3}" type="datetimeFigureOut">
               <a:rPr lang="zh-TW" altLang="en-US" smtClean="0"/>
-              <a:t>2020/3/13</a:t>
+              <a:t>2020/4/13</a:t>
             </a:fld>
             <a:endParaRPr lang="zh-TW" altLang="en-US"/>
           </a:p>
@@ -2347,7 +2414,7 @@
           <a:p>
             <a:fld id="{A82C37CB-E071-4591-97EF-45EBE93349F3}" type="datetimeFigureOut">
               <a:rPr lang="zh-TW" altLang="en-US" smtClean="0"/>
-              <a:t>2020/3/13</a:t>
+              <a:t>2020/4/13</a:t>
             </a:fld>
             <a:endParaRPr lang="zh-TW" altLang="en-US"/>
           </a:p>
@@ -2560,7 +2627,7 @@
           <a:p>
             <a:fld id="{A82C37CB-E071-4591-97EF-45EBE93349F3}" type="datetimeFigureOut">
               <a:rPr lang="zh-TW" altLang="en-US" smtClean="0"/>
-              <a:t>2020/3/13</a:t>
+              <a:t>2020/4/13</a:t>
             </a:fld>
             <a:endParaRPr lang="zh-TW" altLang="en-US"/>
           </a:p>
@@ -4042,6 +4109,13 @@
   <p:clrMapOvr>
     <a:masterClrMapping/>
   </p:clrMapOvr>
+  <p:timing>
+    <p:tnLst>
+      <p:par>
+        <p:cTn id="1" dur="indefinite" restart="never" nodeType="tmRoot"/>
+      </p:par>
+    </p:tnLst>
+  </p:timing>
 </p:sld>
 </file>
 
@@ -4072,31 +4146,2219 @@
             <p:ph type="title"/>
           </p:nvPr>
         </p:nvSpPr>
-        <p:spPr/>
-        <p:txBody>
-          <a:bodyPr/>
-          <a:lstStyle/>
-          <a:p>
-            <a:endParaRPr lang="zh-TW" altLang="en-US"/>
-          </a:p>
-        </p:txBody>
-      </p:sp>
-      <p:sp>
-        <p:nvSpPr>
-          <p:cNvPr id="3" name="內容版面配置區 2"/>
-          <p:cNvSpPr>
-            <a:spLocks noGrp="1"/>
-          </p:cNvSpPr>
-          <p:nvPr>
-            <p:ph idx="1"/>
-          </p:nvPr>
-        </p:nvSpPr>
-        <p:spPr/>
-        <p:txBody>
-          <a:bodyPr/>
-          <a:lstStyle/>
-          <a:p>
-            <a:endParaRPr lang="zh-TW" altLang="en-US"/>
+        <p:spPr>
+          <a:xfrm>
+            <a:off x="0" y="-36576"/>
+            <a:ext cx="5644896" cy="649859"/>
+          </a:xfrm>
+        </p:spPr>
+        <p:txBody>
+          <a:bodyPr>
+            <a:normAutofit/>
+          </a:bodyPr>
+          <a:lstStyle/>
+          <a:p>
+            <a:r>
+              <a:rPr lang="en-US" altLang="zh-TW" sz="1600" u="sng" dirty="0" err="1" smtClean="0">
+                <a:latin typeface="Cambria" panose="02040503050406030204" pitchFamily="18" charset="0"/>
+                <a:ea typeface="微軟正黑體 Light" panose="020B0304030504040204" pitchFamily="34" charset="-120"/>
+              </a:rPr>
+              <a:t>SpringMVC</a:t>
+            </a:r>
+            <a:r>
+              <a:rPr lang="zh-TW" altLang="en-US" sz="1600" u="sng" dirty="0" smtClean="0">
+                <a:latin typeface="Cambria" panose="02040503050406030204" pitchFamily="18" charset="0"/>
+                <a:ea typeface="微軟正黑體 Light" panose="020B0304030504040204" pitchFamily="34" charset="-120"/>
+              </a:rPr>
+              <a:t>運行流程</a:t>
+            </a:r>
+            <a:endParaRPr lang="zh-TW" altLang="en-US" sz="1600" u="sng" dirty="0">
+              <a:latin typeface="Cambria" panose="02040503050406030204" pitchFamily="18" charset="0"/>
+              <a:ea typeface="微軟正黑體 Light" panose="020B0304030504040204" pitchFamily="34" charset="-120"/>
+            </a:endParaRPr>
+          </a:p>
+        </p:txBody>
+      </p:sp>
+      <p:sp>
+        <p:nvSpPr>
+          <p:cNvPr id="4" name="橢圓 3"/>
+          <p:cNvSpPr/>
+          <p:nvPr/>
+        </p:nvSpPr>
+        <p:spPr>
+          <a:xfrm>
+            <a:off x="4003025" y="4674267"/>
+            <a:ext cx="1500500" cy="583561"/>
+          </a:xfrm>
+          <a:prstGeom prst="ellipse">
+            <a:avLst/>
+          </a:prstGeom>
+          <a:solidFill>
+            <a:srgbClr val="0070C0"/>
+          </a:solidFill>
+        </p:spPr>
+        <p:style>
+          <a:lnRef idx="2">
+            <a:schemeClr val="accent6">
+              <a:shade val="50000"/>
+            </a:schemeClr>
+          </a:lnRef>
+          <a:fillRef idx="1">
+            <a:schemeClr val="accent6"/>
+          </a:fillRef>
+          <a:effectRef idx="0">
+            <a:schemeClr val="accent6"/>
+          </a:effectRef>
+          <a:fontRef idx="minor">
+            <a:schemeClr val="lt1"/>
+          </a:fontRef>
+        </p:style>
+        <p:txBody>
+          <a:bodyPr rtlCol="0" anchor="ctr"/>
+          <a:lstStyle/>
+          <a:p>
+            <a:pPr algn="ctr"/>
+            <a:r>
+              <a:rPr lang="en-US" altLang="zh-TW" sz="1600" dirty="0" smtClean="0">
+                <a:latin typeface="Cambria" panose="02040503050406030204" pitchFamily="18" charset="0"/>
+                <a:ea typeface="微軟正黑體 Light" panose="020B0304030504040204" pitchFamily="34" charset="-120"/>
+              </a:rPr>
+              <a:t>404</a:t>
+            </a:r>
+            <a:r>
+              <a:rPr lang="zh-TW" altLang="en-US" sz="1600" dirty="0" smtClean="0">
+                <a:latin typeface="Cambria" panose="02040503050406030204" pitchFamily="18" charset="0"/>
+                <a:ea typeface="微軟正黑體 Light" panose="020B0304030504040204" pitchFamily="34" charset="-120"/>
+              </a:rPr>
+              <a:t>頁面</a:t>
+            </a:r>
+            <a:endParaRPr lang="zh-TW" altLang="en-US" sz="1600" dirty="0">
+              <a:latin typeface="Cambria" panose="02040503050406030204" pitchFamily="18" charset="0"/>
+              <a:ea typeface="微軟正黑體 Light" panose="020B0304030504040204" pitchFamily="34" charset="-120"/>
+            </a:endParaRPr>
+          </a:p>
+        </p:txBody>
+      </p:sp>
+      <p:sp>
+        <p:nvSpPr>
+          <p:cNvPr id="7" name="圓角矩形 6"/>
+          <p:cNvSpPr/>
+          <p:nvPr/>
+        </p:nvSpPr>
+        <p:spPr>
+          <a:xfrm>
+            <a:off x="1179416" y="1632854"/>
+            <a:ext cx="1883664" cy="694944"/>
+          </a:xfrm>
+          <a:prstGeom prst="roundRect">
+            <a:avLst/>
+          </a:prstGeom>
+        </p:spPr>
+        <p:style>
+          <a:lnRef idx="1">
+            <a:schemeClr val="accent2"/>
+          </a:lnRef>
+          <a:fillRef idx="2">
+            <a:schemeClr val="accent2"/>
+          </a:fillRef>
+          <a:effectRef idx="1">
+            <a:schemeClr val="accent2"/>
+          </a:effectRef>
+          <a:fontRef idx="minor">
+            <a:schemeClr val="dk1"/>
+          </a:fontRef>
+        </p:style>
+        <p:txBody>
+          <a:bodyPr rtlCol="0" anchor="ctr"/>
+          <a:lstStyle/>
+          <a:p>
+            <a:pPr algn="ctr"/>
+            <a:r>
+              <a:rPr lang="en-US" altLang="zh-TW" sz="1600" dirty="0" err="1" smtClean="0">
+                <a:latin typeface="Cambria" panose="02040503050406030204" pitchFamily="18" charset="0"/>
+                <a:ea typeface="微軟正黑體 Light" panose="020B0304030504040204" pitchFamily="34" charset="-120"/>
+              </a:rPr>
+              <a:t>SpringMVC</a:t>
+            </a:r>
+            <a:r>
+              <a:rPr lang="zh-TW" altLang="en-US" sz="1600" dirty="0" smtClean="0">
+                <a:latin typeface="Cambria" panose="02040503050406030204" pitchFamily="18" charset="0"/>
+                <a:ea typeface="微軟正黑體 Light" panose="020B0304030504040204" pitchFamily="34" charset="-120"/>
+              </a:rPr>
+              <a:t>中是否存在映射</a:t>
+            </a:r>
+            <a:r>
+              <a:rPr lang="en-US" altLang="zh-TW" sz="1600" dirty="0" smtClean="0">
+                <a:latin typeface="Cambria" panose="02040503050406030204" pitchFamily="18" charset="0"/>
+                <a:ea typeface="微軟正黑體 Light" panose="020B0304030504040204" pitchFamily="34" charset="-120"/>
+              </a:rPr>
+              <a:t>?</a:t>
+            </a:r>
+            <a:endParaRPr lang="zh-TW" altLang="en-US" sz="1600" dirty="0">
+              <a:latin typeface="Cambria" panose="02040503050406030204" pitchFamily="18" charset="0"/>
+              <a:ea typeface="微軟正黑體 Light" panose="020B0304030504040204" pitchFamily="34" charset="-120"/>
+            </a:endParaRPr>
+          </a:p>
+        </p:txBody>
+      </p:sp>
+      <p:sp>
+        <p:nvSpPr>
+          <p:cNvPr id="10" name="圓角矩形 9"/>
+          <p:cNvSpPr/>
+          <p:nvPr/>
+        </p:nvSpPr>
+        <p:spPr>
+          <a:xfrm>
+            <a:off x="271915" y="2439675"/>
+            <a:ext cx="1210056" cy="388620"/>
+          </a:xfrm>
+          <a:prstGeom prst="roundRect">
+            <a:avLst/>
+          </a:prstGeom>
+          <a:solidFill>
+            <a:srgbClr val="FFC000"/>
+          </a:solidFill>
+        </p:spPr>
+        <p:style>
+          <a:lnRef idx="1">
+            <a:schemeClr val="accent2"/>
+          </a:lnRef>
+          <a:fillRef idx="2">
+            <a:schemeClr val="accent2"/>
+          </a:fillRef>
+          <a:effectRef idx="1">
+            <a:schemeClr val="accent2"/>
+          </a:effectRef>
+          <a:fontRef idx="minor">
+            <a:schemeClr val="dk1"/>
+          </a:fontRef>
+        </p:style>
+        <p:txBody>
+          <a:bodyPr rtlCol="0" anchor="ctr"/>
+          <a:lstStyle/>
+          <a:p>
+            <a:pPr algn="ctr"/>
+            <a:r>
+              <a:rPr lang="zh-TW" altLang="en-US" sz="1600" dirty="0" smtClean="0">
+                <a:latin typeface="Cambria" panose="02040503050406030204" pitchFamily="18" charset="0"/>
+                <a:ea typeface="微軟正黑體 Light" panose="020B0304030504040204" pitchFamily="34" charset="-120"/>
+              </a:rPr>
+              <a:t>不存在</a:t>
+            </a:r>
+            <a:endParaRPr lang="zh-TW" altLang="en-US" sz="1600" dirty="0">
+              <a:latin typeface="Cambria" panose="02040503050406030204" pitchFamily="18" charset="0"/>
+              <a:ea typeface="微軟正黑體 Light" panose="020B0304030504040204" pitchFamily="34" charset="-120"/>
+            </a:endParaRPr>
+          </a:p>
+        </p:txBody>
+      </p:sp>
+      <p:sp>
+        <p:nvSpPr>
+          <p:cNvPr id="11" name="圓角矩形 10"/>
+          <p:cNvSpPr/>
+          <p:nvPr/>
+        </p:nvSpPr>
+        <p:spPr>
+          <a:xfrm>
+            <a:off x="403940" y="3015377"/>
+            <a:ext cx="3441192" cy="694944"/>
+          </a:xfrm>
+          <a:prstGeom prst="roundRect">
+            <a:avLst/>
+          </a:prstGeom>
+        </p:spPr>
+        <p:style>
+          <a:lnRef idx="1">
+            <a:schemeClr val="accent2"/>
+          </a:lnRef>
+          <a:fillRef idx="2">
+            <a:schemeClr val="accent2"/>
+          </a:fillRef>
+          <a:effectRef idx="1">
+            <a:schemeClr val="accent2"/>
+          </a:effectRef>
+          <a:fontRef idx="minor">
+            <a:schemeClr val="dk1"/>
+          </a:fontRef>
+        </p:style>
+        <p:txBody>
+          <a:bodyPr rtlCol="0" anchor="ctr"/>
+          <a:lstStyle/>
+          <a:p>
+            <a:pPr algn="ctr"/>
+            <a:r>
+              <a:rPr lang="zh-TW" altLang="en-US" sz="1600" dirty="0" smtClean="0">
+                <a:latin typeface="Cambria" panose="02040503050406030204" pitchFamily="18" charset="0"/>
+                <a:ea typeface="微軟正黑體 Light" panose="020B0304030504040204" pitchFamily="34" charset="-120"/>
+              </a:rPr>
+              <a:t>是否配置</a:t>
+            </a:r>
+            <a:endParaRPr lang="en-US" altLang="zh-TW" sz="1600" dirty="0" smtClean="0">
+              <a:latin typeface="Cambria" panose="02040503050406030204" pitchFamily="18" charset="0"/>
+              <a:ea typeface="微軟正黑體 Light" panose="020B0304030504040204" pitchFamily="34" charset="-120"/>
+            </a:endParaRPr>
+          </a:p>
+          <a:p>
+            <a:pPr algn="ctr"/>
+            <a:r>
+              <a:rPr lang="en-US" altLang="zh-TW" sz="1600" b="1" dirty="0" smtClean="0">
+                <a:solidFill>
+                  <a:srgbClr val="C00000"/>
+                </a:solidFill>
+                <a:latin typeface="Cambria" panose="02040503050406030204" pitchFamily="18" charset="0"/>
+                <a:ea typeface="微軟正黑體 Light" panose="020B0304030504040204" pitchFamily="34" charset="-120"/>
+              </a:rPr>
+              <a:t>&lt;</a:t>
+            </a:r>
+            <a:r>
+              <a:rPr lang="en-US" altLang="zh-TW" sz="1600" b="1" dirty="0" err="1" smtClean="0">
+                <a:solidFill>
+                  <a:srgbClr val="C00000"/>
+                </a:solidFill>
+                <a:latin typeface="Cambria" panose="02040503050406030204" pitchFamily="18" charset="0"/>
+                <a:ea typeface="微軟正黑體 Light" panose="020B0304030504040204" pitchFamily="34" charset="-120"/>
+              </a:rPr>
+              <a:t>mvc:default-servlet-handler</a:t>
+            </a:r>
+            <a:r>
+              <a:rPr lang="en-US" altLang="zh-TW" sz="1600" b="1" dirty="0" smtClean="0">
+                <a:solidFill>
+                  <a:srgbClr val="C00000"/>
+                </a:solidFill>
+                <a:latin typeface="Cambria" panose="02040503050406030204" pitchFamily="18" charset="0"/>
+                <a:ea typeface="微軟正黑體 Light" panose="020B0304030504040204" pitchFamily="34" charset="-120"/>
+              </a:rPr>
+              <a:t>/&gt;</a:t>
+            </a:r>
+            <a:endParaRPr lang="zh-TW" altLang="en-US" sz="1600" b="1" dirty="0">
+              <a:solidFill>
+                <a:srgbClr val="C00000"/>
+              </a:solidFill>
+              <a:latin typeface="Cambria" panose="02040503050406030204" pitchFamily="18" charset="0"/>
+              <a:ea typeface="微軟正黑體 Light" panose="020B0304030504040204" pitchFamily="34" charset="-120"/>
+            </a:endParaRPr>
+          </a:p>
+        </p:txBody>
+      </p:sp>
+      <p:sp>
+        <p:nvSpPr>
+          <p:cNvPr id="12" name="圓角矩形 11"/>
+          <p:cNvSpPr/>
+          <p:nvPr/>
+        </p:nvSpPr>
+        <p:spPr>
+          <a:xfrm>
+            <a:off x="271915" y="3868269"/>
+            <a:ext cx="1210056" cy="388620"/>
+          </a:xfrm>
+          <a:prstGeom prst="roundRect">
+            <a:avLst/>
+          </a:prstGeom>
+          <a:solidFill>
+            <a:srgbClr val="FFC000"/>
+          </a:solidFill>
+        </p:spPr>
+        <p:style>
+          <a:lnRef idx="1">
+            <a:schemeClr val="accent2"/>
+          </a:lnRef>
+          <a:fillRef idx="2">
+            <a:schemeClr val="accent2"/>
+          </a:fillRef>
+          <a:effectRef idx="1">
+            <a:schemeClr val="accent2"/>
+          </a:effectRef>
+          <a:fontRef idx="minor">
+            <a:schemeClr val="dk1"/>
+          </a:fontRef>
+        </p:style>
+        <p:txBody>
+          <a:bodyPr rtlCol="0" anchor="ctr"/>
+          <a:lstStyle/>
+          <a:p>
+            <a:pPr algn="ctr"/>
+            <a:r>
+              <a:rPr lang="zh-TW" altLang="en-US" sz="1600" dirty="0" smtClean="0">
+                <a:latin typeface="Cambria" panose="02040503050406030204" pitchFamily="18" charset="0"/>
+                <a:ea typeface="微軟正黑體 Light" panose="020B0304030504040204" pitchFamily="34" charset="-120"/>
+              </a:rPr>
+              <a:t>沒有配置</a:t>
+            </a:r>
+            <a:endParaRPr lang="en-US" altLang="zh-TW" sz="1600" dirty="0" smtClean="0">
+              <a:latin typeface="Cambria" panose="02040503050406030204" pitchFamily="18" charset="0"/>
+              <a:ea typeface="微軟正黑體 Light" panose="020B0304030504040204" pitchFamily="34" charset="-120"/>
+            </a:endParaRPr>
+          </a:p>
+        </p:txBody>
+      </p:sp>
+      <p:sp>
+        <p:nvSpPr>
+          <p:cNvPr id="13" name="矩形 12"/>
+          <p:cNvSpPr/>
+          <p:nvPr/>
+        </p:nvSpPr>
+        <p:spPr>
+          <a:xfrm>
+            <a:off x="201248" y="4414838"/>
+            <a:ext cx="3611720" cy="996696"/>
+          </a:xfrm>
+          <a:prstGeom prst="rect">
+            <a:avLst/>
+          </a:prstGeom>
+          <a:solidFill>
+            <a:srgbClr val="00B050"/>
+          </a:solidFill>
+        </p:spPr>
+        <p:style>
+          <a:lnRef idx="2">
+            <a:schemeClr val="accent5">
+              <a:shade val="50000"/>
+            </a:schemeClr>
+          </a:lnRef>
+          <a:fillRef idx="1">
+            <a:schemeClr val="accent5"/>
+          </a:fillRef>
+          <a:effectRef idx="0">
+            <a:schemeClr val="accent5"/>
+          </a:effectRef>
+          <a:fontRef idx="minor">
+            <a:schemeClr val="lt1"/>
+          </a:fontRef>
+        </p:style>
+        <p:txBody>
+          <a:bodyPr rtlCol="0" anchor="ctr"/>
+          <a:lstStyle/>
+          <a:p>
+            <a:pPr algn="ctr"/>
+            <a:r>
+              <a:rPr lang="zh-TW" altLang="en-US" sz="1600" dirty="0" smtClean="0">
+                <a:latin typeface="Cambria" panose="02040503050406030204" pitchFamily="18" charset="0"/>
+                <a:ea typeface="微軟正黑體 Light" panose="020B0304030504040204" pitchFamily="34" charset="-120"/>
+              </a:rPr>
+              <a:t>控制台</a:t>
+            </a:r>
+            <a:r>
+              <a:rPr lang="en-US" altLang="zh-TW" sz="1600" dirty="0" smtClean="0">
+                <a:latin typeface="Cambria" panose="02040503050406030204" pitchFamily="18" charset="0"/>
+                <a:ea typeface="微軟正黑體 Light" panose="020B0304030504040204" pitchFamily="34" charset="-120"/>
+              </a:rPr>
+              <a:t>:</a:t>
+            </a:r>
+            <a:r>
+              <a:rPr lang="en-US" altLang="zh-TW" sz="1600" b="1" dirty="0">
+                <a:solidFill>
+                  <a:srgbClr val="C00000"/>
+                </a:solidFill>
+                <a:latin typeface="Cambria" panose="02040503050406030204" pitchFamily="18" charset="0"/>
+                <a:ea typeface="微軟正黑體 Light" panose="020B0304030504040204" pitchFamily="34" charset="-120"/>
+              </a:rPr>
+              <a:t>No mapping found </a:t>
+            </a:r>
+            <a:r>
+              <a:rPr lang="en-US" altLang="zh-TW" sz="1600" dirty="0" smtClean="0">
+                <a:latin typeface="Cambria" panose="02040503050406030204" pitchFamily="18" charset="0"/>
+                <a:ea typeface="微軟正黑體 Light" panose="020B0304030504040204" pitchFamily="34" charset="-120"/>
+              </a:rPr>
+              <a:t>for HTTP request with URI [/xx/xx] in </a:t>
+            </a:r>
+            <a:r>
+              <a:rPr lang="en-US" altLang="zh-TW" sz="1600" dirty="0" err="1" smtClean="0">
+                <a:latin typeface="Cambria" panose="02040503050406030204" pitchFamily="18" charset="0"/>
+                <a:ea typeface="微軟正黑體 Light" panose="020B0304030504040204" pitchFamily="34" charset="-120"/>
+              </a:rPr>
+              <a:t>DispatcherServlet</a:t>
+            </a:r>
+            <a:endParaRPr lang="zh-TW" altLang="en-US" sz="1600" dirty="0">
+              <a:latin typeface="Cambria" panose="02040503050406030204" pitchFamily="18" charset="0"/>
+              <a:ea typeface="微軟正黑體 Light" panose="020B0304030504040204" pitchFamily="34" charset="-120"/>
+            </a:endParaRPr>
+          </a:p>
+        </p:txBody>
+      </p:sp>
+      <p:sp>
+        <p:nvSpPr>
+          <p:cNvPr id="14" name="矩形 13"/>
+          <p:cNvSpPr/>
+          <p:nvPr/>
+        </p:nvSpPr>
+        <p:spPr>
+          <a:xfrm>
+            <a:off x="201248" y="5687683"/>
+            <a:ext cx="3846576" cy="861822"/>
+          </a:xfrm>
+          <a:prstGeom prst="rect">
+            <a:avLst/>
+          </a:prstGeom>
+          <a:solidFill>
+            <a:srgbClr val="00B050"/>
+          </a:solidFill>
+        </p:spPr>
+        <p:style>
+          <a:lnRef idx="2">
+            <a:schemeClr val="accent5">
+              <a:shade val="50000"/>
+            </a:schemeClr>
+          </a:lnRef>
+          <a:fillRef idx="1">
+            <a:schemeClr val="accent5"/>
+          </a:fillRef>
+          <a:effectRef idx="0">
+            <a:schemeClr val="accent5"/>
+          </a:effectRef>
+          <a:fontRef idx="minor">
+            <a:schemeClr val="lt1"/>
+          </a:fontRef>
+        </p:style>
+        <p:txBody>
+          <a:bodyPr rtlCol="0" anchor="ctr"/>
+          <a:lstStyle/>
+          <a:p>
+            <a:pPr algn="ctr"/>
+            <a:r>
+              <a:rPr lang="zh-TW" altLang="en-US" sz="1600" dirty="0" smtClean="0">
+                <a:latin typeface="Cambria" panose="02040503050406030204" pitchFamily="18" charset="0"/>
+                <a:ea typeface="微軟正黑體 Light" panose="020B0304030504040204" pitchFamily="34" charset="-120"/>
+              </a:rPr>
+              <a:t>由</a:t>
+            </a:r>
+            <a:r>
+              <a:rPr lang="en-US" altLang="zh-TW" sz="1600" dirty="0" err="1" smtClean="0">
+                <a:latin typeface="Cambria" panose="02040503050406030204" pitchFamily="18" charset="0"/>
+                <a:ea typeface="微軟正黑體 Light" panose="020B0304030504040204" pitchFamily="34" charset="-120"/>
+              </a:rPr>
+              <a:t>HandlerExceptionResolver</a:t>
+            </a:r>
+            <a:r>
+              <a:rPr lang="zh-TW" altLang="en-US" sz="1600" dirty="0" smtClean="0">
+                <a:latin typeface="Cambria" panose="02040503050406030204" pitchFamily="18" charset="0"/>
+                <a:ea typeface="微軟正黑體 Light" panose="020B0304030504040204" pitchFamily="34" charset="-120"/>
+              </a:rPr>
+              <a:t>組件處理異常，得到新的</a:t>
+            </a:r>
+            <a:r>
+              <a:rPr lang="en-US" altLang="zh-TW" sz="1600" b="1" dirty="0" err="1">
+                <a:solidFill>
+                  <a:srgbClr val="C00000"/>
+                </a:solidFill>
+                <a:latin typeface="Cambria" panose="02040503050406030204" pitchFamily="18" charset="0"/>
+                <a:ea typeface="微軟正黑體 Light" panose="020B0304030504040204" pitchFamily="34" charset="-120"/>
+              </a:rPr>
+              <a:t>ModelAndView</a:t>
+            </a:r>
+            <a:r>
+              <a:rPr lang="zh-TW" altLang="en-US" sz="1600" dirty="0" smtClean="0">
+                <a:latin typeface="Cambria" panose="02040503050406030204" pitchFamily="18" charset="0"/>
+                <a:ea typeface="微軟正黑體 Light" panose="020B0304030504040204" pitchFamily="34" charset="-120"/>
+              </a:rPr>
+              <a:t>對象</a:t>
+            </a:r>
+            <a:endParaRPr lang="zh-TW" altLang="en-US" sz="1600" dirty="0">
+              <a:latin typeface="Cambria" panose="02040503050406030204" pitchFamily="18" charset="0"/>
+              <a:ea typeface="微軟正黑體 Light" panose="020B0304030504040204" pitchFamily="34" charset="-120"/>
+            </a:endParaRPr>
+          </a:p>
+        </p:txBody>
+      </p:sp>
+      <p:sp>
+        <p:nvSpPr>
+          <p:cNvPr id="16" name="圓角矩形 15"/>
+          <p:cNvSpPr/>
+          <p:nvPr/>
+        </p:nvSpPr>
+        <p:spPr>
+          <a:xfrm>
+            <a:off x="5427886" y="1467265"/>
+            <a:ext cx="1210056" cy="388620"/>
+          </a:xfrm>
+          <a:prstGeom prst="roundRect">
+            <a:avLst/>
+          </a:prstGeom>
+          <a:solidFill>
+            <a:srgbClr val="FFC000"/>
+          </a:solidFill>
+        </p:spPr>
+        <p:style>
+          <a:lnRef idx="1">
+            <a:schemeClr val="accent2"/>
+          </a:lnRef>
+          <a:fillRef idx="2">
+            <a:schemeClr val="accent2"/>
+          </a:fillRef>
+          <a:effectRef idx="1">
+            <a:schemeClr val="accent2"/>
+          </a:effectRef>
+          <a:fontRef idx="minor">
+            <a:schemeClr val="dk1"/>
+          </a:fontRef>
+        </p:style>
+        <p:txBody>
+          <a:bodyPr rtlCol="0" anchor="ctr"/>
+          <a:lstStyle/>
+          <a:p>
+            <a:pPr algn="ctr"/>
+            <a:r>
+              <a:rPr lang="zh-TW" altLang="en-US" sz="1600" dirty="0" smtClean="0">
+                <a:latin typeface="Cambria" panose="02040503050406030204" pitchFamily="18" charset="0"/>
+                <a:ea typeface="微軟正黑體 Light" panose="020B0304030504040204" pitchFamily="34" charset="-120"/>
+              </a:rPr>
+              <a:t>存在</a:t>
+            </a:r>
+            <a:endParaRPr lang="zh-TW" altLang="en-US" sz="1600" dirty="0">
+              <a:latin typeface="Cambria" panose="02040503050406030204" pitchFamily="18" charset="0"/>
+              <a:ea typeface="微軟正黑體 Light" panose="020B0304030504040204" pitchFamily="34" charset="-120"/>
+            </a:endParaRPr>
+          </a:p>
+        </p:txBody>
+      </p:sp>
+      <p:sp>
+        <p:nvSpPr>
+          <p:cNvPr id="17" name="圓角矩形 16"/>
+          <p:cNvSpPr/>
+          <p:nvPr/>
+        </p:nvSpPr>
+        <p:spPr>
+          <a:xfrm>
+            <a:off x="3879381" y="2650405"/>
+            <a:ext cx="1210056" cy="388620"/>
+          </a:xfrm>
+          <a:prstGeom prst="roundRect">
+            <a:avLst/>
+          </a:prstGeom>
+          <a:solidFill>
+            <a:srgbClr val="FFC000"/>
+          </a:solidFill>
+        </p:spPr>
+        <p:style>
+          <a:lnRef idx="1">
+            <a:schemeClr val="accent2"/>
+          </a:lnRef>
+          <a:fillRef idx="2">
+            <a:schemeClr val="accent2"/>
+          </a:fillRef>
+          <a:effectRef idx="1">
+            <a:schemeClr val="accent2"/>
+          </a:effectRef>
+          <a:fontRef idx="minor">
+            <a:schemeClr val="dk1"/>
+          </a:fontRef>
+        </p:style>
+        <p:txBody>
+          <a:bodyPr rtlCol="0" anchor="ctr"/>
+          <a:lstStyle/>
+          <a:p>
+            <a:pPr algn="ctr"/>
+            <a:r>
+              <a:rPr lang="zh-TW" altLang="en-US" sz="1600" dirty="0" smtClean="0">
+                <a:latin typeface="Cambria" panose="02040503050406030204" pitchFamily="18" charset="0"/>
+                <a:ea typeface="微軟正黑體 Light" panose="020B0304030504040204" pitchFamily="34" charset="-120"/>
+              </a:rPr>
+              <a:t>有配置</a:t>
+            </a:r>
+            <a:endParaRPr lang="en-US" altLang="zh-TW" sz="1600" dirty="0" smtClean="0">
+              <a:latin typeface="Cambria" panose="02040503050406030204" pitchFamily="18" charset="0"/>
+              <a:ea typeface="微軟正黑體 Light" panose="020B0304030504040204" pitchFamily="34" charset="-120"/>
+            </a:endParaRPr>
+          </a:p>
+        </p:txBody>
+      </p:sp>
+      <p:cxnSp>
+        <p:nvCxnSpPr>
+          <p:cNvPr id="19" name="肘形接點 18"/>
+          <p:cNvCxnSpPr>
+            <a:stCxn id="92" idx="2"/>
+            <a:endCxn id="7" idx="0"/>
+          </p:cNvCxnSpPr>
+          <p:nvPr/>
+        </p:nvCxnSpPr>
+        <p:spPr>
+          <a:xfrm rot="5400000">
+            <a:off x="2447255" y="991794"/>
+            <a:ext cx="315054" cy="967067"/>
+          </a:xfrm>
+          <a:prstGeom prst="bentConnector3">
+            <a:avLst/>
+          </a:prstGeom>
+          <a:ln w="28575">
+            <a:solidFill>
+              <a:schemeClr val="tx1"/>
+            </a:solidFill>
+            <a:tailEnd type="triangle"/>
+          </a:ln>
+        </p:spPr>
+        <p:style>
+          <a:lnRef idx="1">
+            <a:schemeClr val="dk1"/>
+          </a:lnRef>
+          <a:fillRef idx="0">
+            <a:schemeClr val="dk1"/>
+          </a:fillRef>
+          <a:effectRef idx="0">
+            <a:schemeClr val="dk1"/>
+          </a:effectRef>
+          <a:fontRef idx="minor">
+            <a:schemeClr val="tx1"/>
+          </a:fontRef>
+        </p:style>
+      </p:cxnSp>
+      <p:cxnSp>
+        <p:nvCxnSpPr>
+          <p:cNvPr id="21" name="肘形接點 20"/>
+          <p:cNvCxnSpPr>
+            <a:stCxn id="7" idx="2"/>
+            <a:endCxn id="11" idx="0"/>
+          </p:cNvCxnSpPr>
+          <p:nvPr/>
+        </p:nvCxnSpPr>
+        <p:spPr>
+          <a:xfrm rot="16200000" flipH="1">
+            <a:off x="1779103" y="2669943"/>
+            <a:ext cx="687579" cy="3288"/>
+          </a:xfrm>
+          <a:prstGeom prst="bentConnector3">
+            <a:avLst/>
+          </a:prstGeom>
+          <a:ln w="28575">
+            <a:solidFill>
+              <a:schemeClr val="tx1"/>
+            </a:solidFill>
+            <a:tailEnd type="triangle"/>
+          </a:ln>
+        </p:spPr>
+        <p:style>
+          <a:lnRef idx="1">
+            <a:schemeClr val="dk1"/>
+          </a:lnRef>
+          <a:fillRef idx="0">
+            <a:schemeClr val="dk1"/>
+          </a:fillRef>
+          <a:effectRef idx="0">
+            <a:schemeClr val="dk1"/>
+          </a:effectRef>
+          <a:fontRef idx="minor">
+            <a:schemeClr val="tx1"/>
+          </a:fontRef>
+        </p:style>
+      </p:cxnSp>
+      <p:cxnSp>
+        <p:nvCxnSpPr>
+          <p:cNvPr id="25" name="肘形接點 24"/>
+          <p:cNvCxnSpPr>
+            <a:stCxn id="11" idx="2"/>
+            <a:endCxn id="13" idx="0"/>
+          </p:cNvCxnSpPr>
+          <p:nvPr/>
+        </p:nvCxnSpPr>
+        <p:spPr>
+          <a:xfrm rot="5400000">
+            <a:off x="1713564" y="4003865"/>
+            <a:ext cx="704517" cy="117428"/>
+          </a:xfrm>
+          <a:prstGeom prst="bentConnector3">
+            <a:avLst/>
+          </a:prstGeom>
+          <a:ln w="28575">
+            <a:solidFill>
+              <a:schemeClr val="tx1"/>
+            </a:solidFill>
+            <a:tailEnd type="triangle"/>
+          </a:ln>
+        </p:spPr>
+        <p:style>
+          <a:lnRef idx="1">
+            <a:schemeClr val="dk1"/>
+          </a:lnRef>
+          <a:fillRef idx="0">
+            <a:schemeClr val="dk1"/>
+          </a:fillRef>
+          <a:effectRef idx="0">
+            <a:schemeClr val="dk1"/>
+          </a:effectRef>
+          <a:fontRef idx="minor">
+            <a:schemeClr val="tx1"/>
+          </a:fontRef>
+        </p:style>
+      </p:cxnSp>
+      <p:sp>
+        <p:nvSpPr>
+          <p:cNvPr id="26" name="橢圓 25"/>
+          <p:cNvSpPr/>
+          <p:nvPr/>
+        </p:nvSpPr>
+        <p:spPr>
+          <a:xfrm>
+            <a:off x="243040" y="754292"/>
+            <a:ext cx="1014984" cy="521208"/>
+          </a:xfrm>
+          <a:prstGeom prst="ellipse">
+            <a:avLst/>
+          </a:prstGeom>
+          <a:solidFill>
+            <a:srgbClr val="0070C0"/>
+          </a:solidFill>
+        </p:spPr>
+        <p:style>
+          <a:lnRef idx="2">
+            <a:schemeClr val="accent6">
+              <a:shade val="50000"/>
+            </a:schemeClr>
+          </a:lnRef>
+          <a:fillRef idx="1">
+            <a:schemeClr val="accent6"/>
+          </a:fillRef>
+          <a:effectRef idx="0">
+            <a:schemeClr val="accent6"/>
+          </a:effectRef>
+          <a:fontRef idx="minor">
+            <a:schemeClr val="lt1"/>
+          </a:fontRef>
+        </p:style>
+        <p:txBody>
+          <a:bodyPr rtlCol="0" anchor="ctr"/>
+          <a:lstStyle/>
+          <a:p>
+            <a:pPr algn="ctr"/>
+            <a:r>
+              <a:rPr lang="zh-TW" altLang="en-US" sz="1600" dirty="0" smtClean="0">
+                <a:latin typeface="Cambria" panose="02040503050406030204" pitchFamily="18" charset="0"/>
+                <a:ea typeface="微軟正黑體 Light" panose="020B0304030504040204" pitchFamily="34" charset="-120"/>
+              </a:rPr>
+              <a:t>請求</a:t>
+            </a:r>
+            <a:endParaRPr lang="zh-TW" altLang="en-US" sz="1600" dirty="0">
+              <a:latin typeface="Cambria" panose="02040503050406030204" pitchFamily="18" charset="0"/>
+              <a:ea typeface="微軟正黑體 Light" panose="020B0304030504040204" pitchFamily="34" charset="-120"/>
+            </a:endParaRPr>
+          </a:p>
+        </p:txBody>
+      </p:sp>
+      <p:cxnSp>
+        <p:nvCxnSpPr>
+          <p:cNvPr id="28" name="肘形接點 27"/>
+          <p:cNvCxnSpPr>
+            <a:endCxn id="4" idx="0"/>
+          </p:cNvCxnSpPr>
+          <p:nvPr/>
+        </p:nvCxnSpPr>
+        <p:spPr>
+          <a:xfrm>
+            <a:off x="2124536" y="4062579"/>
+            <a:ext cx="2628739" cy="611688"/>
+          </a:xfrm>
+          <a:prstGeom prst="bentConnector2">
+            <a:avLst/>
+          </a:prstGeom>
+          <a:ln w="28575">
+            <a:solidFill>
+              <a:schemeClr val="tx1"/>
+            </a:solidFill>
+            <a:tailEnd type="triangle"/>
+          </a:ln>
+        </p:spPr>
+        <p:style>
+          <a:lnRef idx="1">
+            <a:schemeClr val="dk1"/>
+          </a:lnRef>
+          <a:fillRef idx="0">
+            <a:schemeClr val="dk1"/>
+          </a:fillRef>
+          <a:effectRef idx="0">
+            <a:schemeClr val="dk1"/>
+          </a:effectRef>
+          <a:fontRef idx="minor">
+            <a:schemeClr val="tx1"/>
+          </a:fontRef>
+        </p:style>
+      </p:cxnSp>
+      <p:cxnSp>
+        <p:nvCxnSpPr>
+          <p:cNvPr id="30" name="肘形接點 29"/>
+          <p:cNvCxnSpPr>
+            <a:stCxn id="26" idx="6"/>
+            <a:endCxn id="92" idx="1"/>
+          </p:cNvCxnSpPr>
+          <p:nvPr/>
+        </p:nvCxnSpPr>
+        <p:spPr>
+          <a:xfrm>
+            <a:off x="1258024" y="1014896"/>
+            <a:ext cx="452483" cy="1152"/>
+          </a:xfrm>
+          <a:prstGeom prst="bentConnector3">
+            <a:avLst/>
+          </a:prstGeom>
+          <a:ln w="28575">
+            <a:solidFill>
+              <a:schemeClr val="tx1"/>
+            </a:solidFill>
+            <a:tailEnd type="triangle"/>
+          </a:ln>
+        </p:spPr>
+        <p:style>
+          <a:lnRef idx="1">
+            <a:schemeClr val="dk1"/>
+          </a:lnRef>
+          <a:fillRef idx="0">
+            <a:schemeClr val="dk1"/>
+          </a:fillRef>
+          <a:effectRef idx="0">
+            <a:schemeClr val="dk1"/>
+          </a:effectRef>
+          <a:fontRef idx="minor">
+            <a:schemeClr val="tx1"/>
+          </a:fontRef>
+        </p:style>
+      </p:cxnSp>
+      <p:sp>
+        <p:nvSpPr>
+          <p:cNvPr id="33" name="橢圓 32"/>
+          <p:cNvSpPr/>
+          <p:nvPr/>
+        </p:nvSpPr>
+        <p:spPr>
+          <a:xfrm>
+            <a:off x="5014596" y="3104767"/>
+            <a:ext cx="1738525" cy="521208"/>
+          </a:xfrm>
+          <a:prstGeom prst="ellipse">
+            <a:avLst/>
+          </a:prstGeom>
+          <a:solidFill>
+            <a:srgbClr val="0070C0"/>
+          </a:solidFill>
+        </p:spPr>
+        <p:style>
+          <a:lnRef idx="2">
+            <a:schemeClr val="accent6">
+              <a:shade val="50000"/>
+            </a:schemeClr>
+          </a:lnRef>
+          <a:fillRef idx="1">
+            <a:schemeClr val="accent6"/>
+          </a:fillRef>
+          <a:effectRef idx="0">
+            <a:schemeClr val="accent6"/>
+          </a:effectRef>
+          <a:fontRef idx="minor">
+            <a:schemeClr val="lt1"/>
+          </a:fontRef>
+        </p:style>
+        <p:txBody>
+          <a:bodyPr rtlCol="0" anchor="ctr"/>
+          <a:lstStyle/>
+          <a:p>
+            <a:pPr algn="ctr"/>
+            <a:r>
+              <a:rPr lang="zh-TW" altLang="en-US" sz="1600" dirty="0" smtClean="0">
+                <a:latin typeface="Cambria" panose="02040503050406030204" pitchFamily="18" charset="0"/>
+                <a:ea typeface="微軟正黑體 Light" panose="020B0304030504040204" pitchFamily="34" charset="-120"/>
+              </a:rPr>
+              <a:t>目標資源</a:t>
+            </a:r>
+            <a:endParaRPr lang="zh-TW" altLang="en-US" sz="1600" dirty="0">
+              <a:latin typeface="Cambria" panose="02040503050406030204" pitchFamily="18" charset="0"/>
+              <a:ea typeface="微軟正黑體 Light" panose="020B0304030504040204" pitchFamily="34" charset="-120"/>
+            </a:endParaRPr>
+          </a:p>
+        </p:txBody>
+      </p:sp>
+      <p:cxnSp>
+        <p:nvCxnSpPr>
+          <p:cNvPr id="35" name="肘形接點 34"/>
+          <p:cNvCxnSpPr>
+            <a:stCxn id="11" idx="3"/>
+            <a:endCxn id="33" idx="2"/>
+          </p:cNvCxnSpPr>
+          <p:nvPr/>
+        </p:nvCxnSpPr>
+        <p:spPr>
+          <a:xfrm>
+            <a:off x="3845132" y="3362849"/>
+            <a:ext cx="1169464" cy="2522"/>
+          </a:xfrm>
+          <a:prstGeom prst="bentConnector3">
+            <a:avLst/>
+          </a:prstGeom>
+          <a:ln w="28575">
+            <a:solidFill>
+              <a:schemeClr val="tx1"/>
+            </a:solidFill>
+            <a:tailEnd type="triangle"/>
+          </a:ln>
+        </p:spPr>
+        <p:style>
+          <a:lnRef idx="1">
+            <a:schemeClr val="dk1"/>
+          </a:lnRef>
+          <a:fillRef idx="0">
+            <a:schemeClr val="dk1"/>
+          </a:fillRef>
+          <a:effectRef idx="0">
+            <a:schemeClr val="dk1"/>
+          </a:effectRef>
+          <a:fontRef idx="minor">
+            <a:schemeClr val="tx1"/>
+          </a:fontRef>
+        </p:style>
+      </p:cxnSp>
+      <p:cxnSp>
+        <p:nvCxnSpPr>
+          <p:cNvPr id="38" name="肘形接點 37"/>
+          <p:cNvCxnSpPr>
+            <a:stCxn id="7" idx="3"/>
+          </p:cNvCxnSpPr>
+          <p:nvPr/>
+        </p:nvCxnSpPr>
+        <p:spPr>
+          <a:xfrm flipV="1">
+            <a:off x="3063080" y="631802"/>
+            <a:ext cx="3772236" cy="1348524"/>
+          </a:xfrm>
+          <a:prstGeom prst="bentConnector2">
+            <a:avLst/>
+          </a:prstGeom>
+          <a:ln w="28575">
+            <a:solidFill>
+              <a:schemeClr val="tx1"/>
+            </a:solidFill>
+            <a:tailEnd type="triangle"/>
+          </a:ln>
+        </p:spPr>
+        <p:style>
+          <a:lnRef idx="1">
+            <a:schemeClr val="dk1"/>
+          </a:lnRef>
+          <a:fillRef idx="0">
+            <a:schemeClr val="dk1"/>
+          </a:fillRef>
+          <a:effectRef idx="0">
+            <a:schemeClr val="dk1"/>
+          </a:effectRef>
+          <a:fontRef idx="minor">
+            <a:schemeClr val="tx1"/>
+          </a:fontRef>
+        </p:style>
+      </p:cxnSp>
+      <p:cxnSp>
+        <p:nvCxnSpPr>
+          <p:cNvPr id="47" name="肘形接點 46"/>
+          <p:cNvCxnSpPr/>
+          <p:nvPr/>
+        </p:nvCxnSpPr>
+        <p:spPr>
+          <a:xfrm>
+            <a:off x="8508668" y="330050"/>
+            <a:ext cx="1883664" cy="377809"/>
+          </a:xfrm>
+          <a:prstGeom prst="bentConnector2">
+            <a:avLst/>
+          </a:prstGeom>
+          <a:ln w="28575">
+            <a:solidFill>
+              <a:schemeClr val="tx1"/>
+            </a:solidFill>
+            <a:tailEnd type="triangle"/>
+          </a:ln>
+        </p:spPr>
+        <p:style>
+          <a:lnRef idx="1">
+            <a:schemeClr val="dk1"/>
+          </a:lnRef>
+          <a:fillRef idx="0">
+            <a:schemeClr val="dk1"/>
+          </a:fillRef>
+          <a:effectRef idx="0">
+            <a:schemeClr val="dk1"/>
+          </a:effectRef>
+          <a:fontRef idx="minor">
+            <a:schemeClr val="tx1"/>
+          </a:fontRef>
+        </p:style>
+      </p:cxnSp>
+      <p:cxnSp>
+        <p:nvCxnSpPr>
+          <p:cNvPr id="49" name="直線單箭頭接點 48"/>
+          <p:cNvCxnSpPr/>
+          <p:nvPr/>
+        </p:nvCxnSpPr>
+        <p:spPr>
+          <a:xfrm>
+            <a:off x="10392332" y="1311363"/>
+            <a:ext cx="0" cy="421583"/>
+          </a:xfrm>
+          <a:prstGeom prst="straightConnector1">
+            <a:avLst/>
+          </a:prstGeom>
+          <a:ln w="28575">
+            <a:solidFill>
+              <a:schemeClr val="tx1"/>
+            </a:solidFill>
+            <a:tailEnd type="triangle"/>
+          </a:ln>
+        </p:spPr>
+        <p:style>
+          <a:lnRef idx="1">
+            <a:schemeClr val="dk1"/>
+          </a:lnRef>
+          <a:fillRef idx="0">
+            <a:schemeClr val="dk1"/>
+          </a:fillRef>
+          <a:effectRef idx="0">
+            <a:schemeClr val="dk1"/>
+          </a:effectRef>
+          <a:fontRef idx="minor">
+            <a:schemeClr val="tx1"/>
+          </a:fontRef>
+        </p:style>
+      </p:cxnSp>
+      <p:cxnSp>
+        <p:nvCxnSpPr>
+          <p:cNvPr id="51" name="直線單箭頭接點 50"/>
+          <p:cNvCxnSpPr/>
+          <p:nvPr/>
+        </p:nvCxnSpPr>
+        <p:spPr>
+          <a:xfrm>
+            <a:off x="10392332" y="2336450"/>
+            <a:ext cx="0" cy="335137"/>
+          </a:xfrm>
+          <a:prstGeom prst="straightConnector1">
+            <a:avLst/>
+          </a:prstGeom>
+          <a:ln w="28575">
+            <a:solidFill>
+              <a:schemeClr val="tx1"/>
+            </a:solidFill>
+            <a:tailEnd type="triangle"/>
+          </a:ln>
+        </p:spPr>
+        <p:style>
+          <a:lnRef idx="1">
+            <a:schemeClr val="dk1"/>
+          </a:lnRef>
+          <a:fillRef idx="0">
+            <a:schemeClr val="dk1"/>
+          </a:fillRef>
+          <a:effectRef idx="0">
+            <a:schemeClr val="dk1"/>
+          </a:effectRef>
+          <a:fontRef idx="minor">
+            <a:schemeClr val="tx1"/>
+          </a:fontRef>
+        </p:style>
+      </p:cxnSp>
+      <p:cxnSp>
+        <p:nvCxnSpPr>
+          <p:cNvPr id="53" name="直線單箭頭接點 52"/>
+          <p:cNvCxnSpPr/>
+          <p:nvPr/>
+        </p:nvCxnSpPr>
+        <p:spPr>
+          <a:xfrm>
+            <a:off x="10392332" y="3275091"/>
+            <a:ext cx="0" cy="443115"/>
+          </a:xfrm>
+          <a:prstGeom prst="straightConnector1">
+            <a:avLst/>
+          </a:prstGeom>
+          <a:ln w="28575">
+            <a:solidFill>
+              <a:schemeClr val="tx1"/>
+            </a:solidFill>
+            <a:tailEnd type="triangle"/>
+          </a:ln>
+        </p:spPr>
+        <p:style>
+          <a:lnRef idx="1">
+            <a:schemeClr val="dk1"/>
+          </a:lnRef>
+          <a:fillRef idx="0">
+            <a:schemeClr val="dk1"/>
+          </a:fillRef>
+          <a:effectRef idx="0">
+            <a:schemeClr val="dk1"/>
+          </a:effectRef>
+          <a:fontRef idx="minor">
+            <a:schemeClr val="tx1"/>
+          </a:fontRef>
+        </p:style>
+      </p:cxnSp>
+      <p:sp>
+        <p:nvSpPr>
+          <p:cNvPr id="54" name="橢圓 53"/>
+          <p:cNvSpPr/>
+          <p:nvPr/>
+        </p:nvSpPr>
+        <p:spPr>
+          <a:xfrm>
+            <a:off x="6024507" y="3667494"/>
+            <a:ext cx="1621618" cy="706091"/>
+          </a:xfrm>
+          <a:prstGeom prst="ellipse">
+            <a:avLst/>
+          </a:prstGeom>
+          <a:solidFill>
+            <a:srgbClr val="0070C0"/>
+          </a:solidFill>
+        </p:spPr>
+        <p:style>
+          <a:lnRef idx="2">
+            <a:schemeClr val="accent6">
+              <a:shade val="50000"/>
+            </a:schemeClr>
+          </a:lnRef>
+          <a:fillRef idx="1">
+            <a:schemeClr val="accent6"/>
+          </a:fillRef>
+          <a:effectRef idx="0">
+            <a:schemeClr val="accent6"/>
+          </a:effectRef>
+          <a:fontRef idx="minor">
+            <a:schemeClr val="lt1"/>
+          </a:fontRef>
+        </p:style>
+        <p:txBody>
+          <a:bodyPr rtlCol="0" anchor="ctr"/>
+          <a:lstStyle/>
+          <a:p>
+            <a:pPr algn="ctr"/>
+            <a:r>
+              <a:rPr lang="zh-TW" altLang="en-US" sz="1600" dirty="0" smtClean="0">
+                <a:latin typeface="Cambria" panose="02040503050406030204" pitchFamily="18" charset="0"/>
+                <a:ea typeface="微軟正黑體 Light" panose="020B0304030504040204" pitchFamily="34" charset="-120"/>
+              </a:rPr>
+              <a:t>是否存在異常</a:t>
+            </a:r>
+            <a:endParaRPr lang="zh-TW" altLang="en-US" sz="1600" dirty="0">
+              <a:latin typeface="Cambria" panose="02040503050406030204" pitchFamily="18" charset="0"/>
+              <a:ea typeface="微軟正黑體 Light" panose="020B0304030504040204" pitchFamily="34" charset="-120"/>
+            </a:endParaRPr>
+          </a:p>
+        </p:txBody>
+      </p:sp>
+      <p:cxnSp>
+        <p:nvCxnSpPr>
+          <p:cNvPr id="56" name="直線單箭頭接點 55"/>
+          <p:cNvCxnSpPr>
+            <a:endCxn id="54" idx="6"/>
+          </p:cNvCxnSpPr>
+          <p:nvPr/>
+        </p:nvCxnSpPr>
+        <p:spPr>
+          <a:xfrm flipH="1">
+            <a:off x="7646125" y="4019958"/>
+            <a:ext cx="1072855" cy="582"/>
+          </a:xfrm>
+          <a:prstGeom prst="straightConnector1">
+            <a:avLst/>
+          </a:prstGeom>
+          <a:ln w="28575">
+            <a:solidFill>
+              <a:schemeClr val="tx1"/>
+            </a:solidFill>
+            <a:tailEnd type="triangle"/>
+          </a:ln>
+        </p:spPr>
+        <p:style>
+          <a:lnRef idx="1">
+            <a:schemeClr val="dk1"/>
+          </a:lnRef>
+          <a:fillRef idx="0">
+            <a:schemeClr val="dk1"/>
+          </a:fillRef>
+          <a:effectRef idx="0">
+            <a:schemeClr val="dk1"/>
+          </a:effectRef>
+          <a:fontRef idx="minor">
+            <a:schemeClr val="tx1"/>
+          </a:fontRef>
+        </p:style>
+      </p:cxnSp>
+      <p:cxnSp>
+        <p:nvCxnSpPr>
+          <p:cNvPr id="58" name="肘形接點 57"/>
+          <p:cNvCxnSpPr>
+            <a:stCxn id="54" idx="4"/>
+          </p:cNvCxnSpPr>
+          <p:nvPr/>
+        </p:nvCxnSpPr>
+        <p:spPr>
+          <a:xfrm rot="16200000" flipH="1">
+            <a:off x="8271389" y="2937511"/>
+            <a:ext cx="655545" cy="3527691"/>
+          </a:xfrm>
+          <a:prstGeom prst="bentConnector3">
+            <a:avLst/>
+          </a:prstGeom>
+          <a:ln w="28575">
+            <a:solidFill>
+              <a:schemeClr val="tx1"/>
+            </a:solidFill>
+            <a:tailEnd type="triangle"/>
+          </a:ln>
+        </p:spPr>
+        <p:style>
+          <a:lnRef idx="1">
+            <a:schemeClr val="dk1"/>
+          </a:lnRef>
+          <a:fillRef idx="0">
+            <a:schemeClr val="dk1"/>
+          </a:fillRef>
+          <a:effectRef idx="0">
+            <a:schemeClr val="dk1"/>
+          </a:effectRef>
+          <a:fontRef idx="minor">
+            <a:schemeClr val="tx1"/>
+          </a:fontRef>
+        </p:style>
+      </p:cxnSp>
+      <p:sp>
+        <p:nvSpPr>
+          <p:cNvPr id="59" name="圓角矩形 58"/>
+          <p:cNvSpPr/>
+          <p:nvPr/>
+        </p:nvSpPr>
+        <p:spPr>
+          <a:xfrm>
+            <a:off x="7041097" y="4816819"/>
+            <a:ext cx="1210056" cy="388620"/>
+          </a:xfrm>
+          <a:prstGeom prst="roundRect">
+            <a:avLst/>
+          </a:prstGeom>
+          <a:solidFill>
+            <a:srgbClr val="FFC000"/>
+          </a:solidFill>
+        </p:spPr>
+        <p:style>
+          <a:lnRef idx="1">
+            <a:schemeClr val="accent2"/>
+          </a:lnRef>
+          <a:fillRef idx="2">
+            <a:schemeClr val="accent2"/>
+          </a:fillRef>
+          <a:effectRef idx="1">
+            <a:schemeClr val="accent2"/>
+          </a:effectRef>
+          <a:fontRef idx="minor">
+            <a:schemeClr val="dk1"/>
+          </a:fontRef>
+        </p:style>
+        <p:txBody>
+          <a:bodyPr rtlCol="0" anchor="ctr"/>
+          <a:lstStyle/>
+          <a:p>
+            <a:pPr algn="ctr"/>
+            <a:r>
+              <a:rPr lang="zh-TW" altLang="en-US" sz="1600" dirty="0" smtClean="0">
+                <a:latin typeface="Cambria" panose="02040503050406030204" pitchFamily="18" charset="0"/>
+                <a:ea typeface="微軟正黑體 Light" panose="020B0304030504040204" pitchFamily="34" charset="-120"/>
+              </a:rPr>
+              <a:t>不存在</a:t>
+            </a:r>
+            <a:endParaRPr lang="zh-TW" altLang="en-US" sz="1600" dirty="0">
+              <a:latin typeface="Cambria" panose="02040503050406030204" pitchFamily="18" charset="0"/>
+              <a:ea typeface="微軟正黑體 Light" panose="020B0304030504040204" pitchFamily="34" charset="-120"/>
+            </a:endParaRPr>
+          </a:p>
+        </p:txBody>
+      </p:sp>
+      <p:cxnSp>
+        <p:nvCxnSpPr>
+          <p:cNvPr id="63" name="肘形接點 62"/>
+          <p:cNvCxnSpPr>
+            <a:stCxn id="54" idx="2"/>
+            <a:endCxn id="14" idx="3"/>
+          </p:cNvCxnSpPr>
+          <p:nvPr/>
+        </p:nvCxnSpPr>
+        <p:spPr>
+          <a:xfrm rot="10800000" flipV="1">
+            <a:off x="4047825" y="4020540"/>
+            <a:ext cx="1976683" cy="2098054"/>
+          </a:xfrm>
+          <a:prstGeom prst="bentConnector3">
+            <a:avLst>
+              <a:gd name="adj1" fmla="val 15427"/>
+            </a:avLst>
+          </a:prstGeom>
+          <a:ln w="28575">
+            <a:solidFill>
+              <a:schemeClr val="tx1"/>
+            </a:solidFill>
+            <a:tailEnd type="triangle"/>
+          </a:ln>
+        </p:spPr>
+        <p:style>
+          <a:lnRef idx="1">
+            <a:schemeClr val="dk1"/>
+          </a:lnRef>
+          <a:fillRef idx="0">
+            <a:schemeClr val="dk1"/>
+          </a:fillRef>
+          <a:effectRef idx="0">
+            <a:schemeClr val="dk1"/>
+          </a:effectRef>
+          <a:fontRef idx="minor">
+            <a:schemeClr val="tx1"/>
+          </a:fontRef>
+        </p:style>
+      </p:cxnSp>
+      <p:sp>
+        <p:nvSpPr>
+          <p:cNvPr id="66" name="圓角矩形 65"/>
+          <p:cNvSpPr/>
+          <p:nvPr/>
+        </p:nvSpPr>
+        <p:spPr>
+          <a:xfrm>
+            <a:off x="4293469" y="5607433"/>
+            <a:ext cx="1210056" cy="388620"/>
+          </a:xfrm>
+          <a:prstGeom prst="roundRect">
+            <a:avLst/>
+          </a:prstGeom>
+          <a:solidFill>
+            <a:srgbClr val="FFC000"/>
+          </a:solidFill>
+        </p:spPr>
+        <p:style>
+          <a:lnRef idx="1">
+            <a:schemeClr val="accent2"/>
+          </a:lnRef>
+          <a:fillRef idx="2">
+            <a:schemeClr val="accent2"/>
+          </a:fillRef>
+          <a:effectRef idx="1">
+            <a:schemeClr val="accent2"/>
+          </a:effectRef>
+          <a:fontRef idx="minor">
+            <a:schemeClr val="dk1"/>
+          </a:fontRef>
+        </p:style>
+        <p:txBody>
+          <a:bodyPr rtlCol="0" anchor="ctr"/>
+          <a:lstStyle/>
+          <a:p>
+            <a:pPr algn="ctr"/>
+            <a:r>
+              <a:rPr lang="zh-TW" altLang="en-US" sz="1600" dirty="0" smtClean="0">
+                <a:latin typeface="Cambria" panose="02040503050406030204" pitchFamily="18" charset="0"/>
+                <a:ea typeface="微軟正黑體 Light" panose="020B0304030504040204" pitchFamily="34" charset="-120"/>
+              </a:rPr>
+              <a:t>存在</a:t>
+            </a:r>
+            <a:endParaRPr lang="zh-TW" altLang="en-US" sz="1600" dirty="0">
+              <a:latin typeface="Cambria" panose="02040503050406030204" pitchFamily="18" charset="0"/>
+              <a:ea typeface="微軟正黑體 Light" panose="020B0304030504040204" pitchFamily="34" charset="-120"/>
+            </a:endParaRPr>
+          </a:p>
+        </p:txBody>
+      </p:sp>
+      <p:sp>
+        <p:nvSpPr>
+          <p:cNvPr id="67" name="橢圓 66"/>
+          <p:cNvSpPr/>
+          <p:nvPr/>
+        </p:nvSpPr>
+        <p:spPr>
+          <a:xfrm>
+            <a:off x="9848957" y="6075749"/>
+            <a:ext cx="1738525" cy="521208"/>
+          </a:xfrm>
+          <a:prstGeom prst="ellipse">
+            <a:avLst/>
+          </a:prstGeom>
+          <a:solidFill>
+            <a:srgbClr val="0070C0"/>
+          </a:solidFill>
+        </p:spPr>
+        <p:style>
+          <a:lnRef idx="2">
+            <a:schemeClr val="accent6">
+              <a:shade val="50000"/>
+            </a:schemeClr>
+          </a:lnRef>
+          <a:fillRef idx="1">
+            <a:schemeClr val="accent6"/>
+          </a:fillRef>
+          <a:effectRef idx="0">
+            <a:schemeClr val="accent6"/>
+          </a:effectRef>
+          <a:fontRef idx="minor">
+            <a:schemeClr val="lt1"/>
+          </a:fontRef>
+        </p:style>
+        <p:txBody>
+          <a:bodyPr rtlCol="0" anchor="ctr"/>
+          <a:lstStyle/>
+          <a:p>
+            <a:pPr algn="ctr"/>
+            <a:r>
+              <a:rPr lang="zh-TW" altLang="en-US" sz="1600" dirty="0" smtClean="0">
+                <a:latin typeface="Cambria" panose="02040503050406030204" pitchFamily="18" charset="0"/>
+                <a:ea typeface="微軟正黑體 Light" panose="020B0304030504040204" pitchFamily="34" charset="-120"/>
+              </a:rPr>
+              <a:t>渲染視圖</a:t>
+            </a:r>
+            <a:endParaRPr lang="zh-TW" altLang="en-US" sz="1600" dirty="0">
+              <a:latin typeface="Cambria" panose="02040503050406030204" pitchFamily="18" charset="0"/>
+              <a:ea typeface="微軟正黑體 Light" panose="020B0304030504040204" pitchFamily="34" charset="-120"/>
+            </a:endParaRPr>
+          </a:p>
+        </p:txBody>
+      </p:sp>
+      <p:sp>
+        <p:nvSpPr>
+          <p:cNvPr id="68" name="矩形 67"/>
+          <p:cNvSpPr/>
+          <p:nvPr/>
+        </p:nvSpPr>
+        <p:spPr>
+          <a:xfrm>
+            <a:off x="6144301" y="6038306"/>
+            <a:ext cx="3346704" cy="603504"/>
+          </a:xfrm>
+          <a:prstGeom prst="rect">
+            <a:avLst/>
+          </a:prstGeom>
+          <a:solidFill>
+            <a:srgbClr val="00B050"/>
+          </a:solidFill>
+        </p:spPr>
+        <p:style>
+          <a:lnRef idx="2">
+            <a:schemeClr val="accent5">
+              <a:shade val="50000"/>
+            </a:schemeClr>
+          </a:lnRef>
+          <a:fillRef idx="1">
+            <a:schemeClr val="accent5"/>
+          </a:fillRef>
+          <a:effectRef idx="0">
+            <a:schemeClr val="accent5"/>
+          </a:effectRef>
+          <a:fontRef idx="minor">
+            <a:schemeClr val="lt1"/>
+          </a:fontRef>
+        </p:style>
+        <p:txBody>
+          <a:bodyPr rtlCol="0" anchor="ctr"/>
+          <a:lstStyle/>
+          <a:p>
+            <a:pPr algn="ctr"/>
+            <a:r>
+              <a:rPr lang="zh-TW" altLang="en-US" sz="1600" dirty="0" smtClean="0">
+                <a:latin typeface="Cambria" panose="02040503050406030204" pitchFamily="18" charset="0"/>
+                <a:ea typeface="微軟正黑體 Light" panose="020B0304030504040204" pitchFamily="34" charset="-120"/>
+              </a:rPr>
+              <a:t>調用攔截器的</a:t>
+            </a:r>
+            <a:r>
+              <a:rPr lang="en-US" altLang="zh-TW" sz="1600" b="1" dirty="0" err="1">
+                <a:solidFill>
+                  <a:srgbClr val="C00000"/>
+                </a:solidFill>
+                <a:latin typeface="Cambria" panose="02040503050406030204" pitchFamily="18" charset="0"/>
+                <a:ea typeface="微軟正黑體 Light" panose="020B0304030504040204" pitchFamily="34" charset="-120"/>
+              </a:rPr>
+              <a:t>afterCompletion</a:t>
+            </a:r>
+            <a:r>
+              <a:rPr lang="en-US" altLang="zh-TW" sz="1600" b="1" dirty="0">
+                <a:solidFill>
+                  <a:srgbClr val="C00000"/>
+                </a:solidFill>
+                <a:latin typeface="Cambria" panose="02040503050406030204" pitchFamily="18" charset="0"/>
+                <a:ea typeface="微軟正黑體 Light" panose="020B0304030504040204" pitchFamily="34" charset="-120"/>
+              </a:rPr>
+              <a:t>()</a:t>
+            </a:r>
+            <a:endParaRPr lang="zh-TW" altLang="en-US" sz="1600" b="1" dirty="0">
+              <a:solidFill>
+                <a:srgbClr val="C00000"/>
+              </a:solidFill>
+              <a:latin typeface="Cambria" panose="02040503050406030204" pitchFamily="18" charset="0"/>
+              <a:ea typeface="微軟正黑體 Light" panose="020B0304030504040204" pitchFamily="34" charset="-120"/>
+            </a:endParaRPr>
+          </a:p>
+        </p:txBody>
+      </p:sp>
+      <p:cxnSp>
+        <p:nvCxnSpPr>
+          <p:cNvPr id="72" name="肘形接點 71"/>
+          <p:cNvCxnSpPr>
+            <a:stCxn id="14" idx="2"/>
+          </p:cNvCxnSpPr>
+          <p:nvPr/>
+        </p:nvCxnSpPr>
+        <p:spPr>
+          <a:xfrm rot="5400000" flipH="1" flipV="1">
+            <a:off x="4719963" y="2735455"/>
+            <a:ext cx="1218623" cy="6409478"/>
+          </a:xfrm>
+          <a:prstGeom prst="bentConnector4">
+            <a:avLst>
+              <a:gd name="adj1" fmla="val -12440"/>
+              <a:gd name="adj2" fmla="val 58996"/>
+            </a:avLst>
+          </a:prstGeom>
+          <a:ln w="28575">
+            <a:solidFill>
+              <a:schemeClr val="tx1"/>
+            </a:solidFill>
+            <a:tailEnd type="triangle"/>
+          </a:ln>
+        </p:spPr>
+        <p:style>
+          <a:lnRef idx="1">
+            <a:schemeClr val="dk1"/>
+          </a:lnRef>
+          <a:fillRef idx="0">
+            <a:schemeClr val="dk1"/>
+          </a:fillRef>
+          <a:effectRef idx="0">
+            <a:schemeClr val="dk1"/>
+          </a:effectRef>
+          <a:fontRef idx="minor">
+            <a:schemeClr val="tx1"/>
+          </a:fontRef>
+        </p:style>
+      </p:cxnSp>
+      <p:cxnSp>
+        <p:nvCxnSpPr>
+          <p:cNvPr id="76" name="肘形接點 75"/>
+          <p:cNvCxnSpPr>
+            <a:endCxn id="67" idx="0"/>
+          </p:cNvCxnSpPr>
+          <p:nvPr/>
+        </p:nvCxnSpPr>
+        <p:spPr>
+          <a:xfrm rot="16200000" flipH="1">
+            <a:off x="10319056" y="5676584"/>
+            <a:ext cx="443115" cy="355213"/>
+          </a:xfrm>
+          <a:prstGeom prst="bentConnector3">
+            <a:avLst/>
+          </a:prstGeom>
+          <a:ln w="28575">
+            <a:solidFill>
+              <a:schemeClr val="tx1"/>
+            </a:solidFill>
+            <a:tailEnd type="triangle"/>
+          </a:ln>
+        </p:spPr>
+        <p:style>
+          <a:lnRef idx="1">
+            <a:schemeClr val="dk1"/>
+          </a:lnRef>
+          <a:fillRef idx="0">
+            <a:schemeClr val="dk1"/>
+          </a:fillRef>
+          <a:effectRef idx="0">
+            <a:schemeClr val="dk1"/>
+          </a:effectRef>
+          <a:fontRef idx="minor">
+            <a:schemeClr val="tx1"/>
+          </a:fontRef>
+        </p:style>
+      </p:cxnSp>
+      <p:cxnSp>
+        <p:nvCxnSpPr>
+          <p:cNvPr id="80" name="直線單箭頭接點 79"/>
+          <p:cNvCxnSpPr>
+            <a:stCxn id="67" idx="2"/>
+            <a:endCxn id="68" idx="3"/>
+          </p:cNvCxnSpPr>
+          <p:nvPr/>
+        </p:nvCxnSpPr>
+        <p:spPr>
+          <a:xfrm flipH="1">
+            <a:off x="9491005" y="6336353"/>
+            <a:ext cx="357952" cy="3705"/>
+          </a:xfrm>
+          <a:prstGeom prst="straightConnector1">
+            <a:avLst/>
+          </a:prstGeom>
+          <a:ln w="28575">
+            <a:solidFill>
+              <a:schemeClr val="tx1"/>
+            </a:solidFill>
+            <a:tailEnd type="triangle"/>
+          </a:ln>
+        </p:spPr>
+        <p:style>
+          <a:lnRef idx="1">
+            <a:schemeClr val="dk1"/>
+          </a:lnRef>
+          <a:fillRef idx="0">
+            <a:schemeClr val="dk1"/>
+          </a:fillRef>
+          <a:effectRef idx="0">
+            <a:schemeClr val="dk1"/>
+          </a:effectRef>
+          <a:fontRef idx="minor">
+            <a:schemeClr val="tx1"/>
+          </a:fontRef>
+        </p:style>
+      </p:cxnSp>
+      <p:sp>
+        <p:nvSpPr>
+          <p:cNvPr id="92" name="矩形 91"/>
+          <p:cNvSpPr/>
+          <p:nvPr/>
+        </p:nvSpPr>
+        <p:spPr>
+          <a:xfrm>
+            <a:off x="1710507" y="714296"/>
+            <a:ext cx="2755615" cy="603504"/>
+          </a:xfrm>
+          <a:prstGeom prst="rect">
+            <a:avLst/>
+          </a:prstGeom>
+          <a:solidFill>
+            <a:srgbClr val="00B050"/>
+          </a:solidFill>
+        </p:spPr>
+        <p:style>
+          <a:lnRef idx="2">
+            <a:schemeClr val="accent5">
+              <a:shade val="50000"/>
+            </a:schemeClr>
+          </a:lnRef>
+          <a:fillRef idx="1">
+            <a:schemeClr val="accent5"/>
+          </a:fillRef>
+          <a:effectRef idx="0">
+            <a:schemeClr val="accent5"/>
+          </a:effectRef>
+          <a:fontRef idx="minor">
+            <a:schemeClr val="lt1"/>
+          </a:fontRef>
+        </p:style>
+        <p:txBody>
+          <a:bodyPr rtlCol="0" anchor="ctr"/>
+          <a:lstStyle/>
+          <a:p>
+            <a:pPr algn="ctr"/>
+            <a:r>
+              <a:rPr lang="en-US" altLang="zh-TW" sz="1600" b="1" dirty="0" err="1">
+                <a:solidFill>
+                  <a:srgbClr val="C00000"/>
+                </a:solidFill>
+                <a:latin typeface="Cambria" panose="02040503050406030204" pitchFamily="18" charset="0"/>
+                <a:ea typeface="微軟正黑體 Light" panose="020B0304030504040204" pitchFamily="34" charset="-120"/>
+              </a:rPr>
+              <a:t>springDispatcherServlet</a:t>
+            </a:r>
+            <a:r>
+              <a:rPr lang="en-US" altLang="zh-TW" sz="1600" dirty="0">
+                <a:solidFill>
+                  <a:srgbClr val="C00000"/>
+                </a:solidFill>
+                <a:latin typeface="Cambria" panose="02040503050406030204" pitchFamily="18" charset="0"/>
+                <a:ea typeface="微軟正黑體 Light" panose="020B0304030504040204" pitchFamily="34" charset="-120"/>
+              </a:rPr>
+              <a:t> </a:t>
+            </a:r>
+            <a:r>
+              <a:rPr lang="zh-TW" altLang="en-US" sz="1600" dirty="0">
+                <a:latin typeface="Cambria" panose="02040503050406030204" pitchFamily="18" charset="0"/>
+                <a:ea typeface="微軟正黑體 Light" panose="020B0304030504040204" pitchFamily="34" charset="-120"/>
+              </a:rPr>
+              <a:t>的 </a:t>
+            </a:r>
+            <a:r>
+              <a:rPr lang="en-US" altLang="zh-TW" sz="1600" dirty="0" err="1">
+                <a:latin typeface="Cambria" panose="02040503050406030204" pitchFamily="18" charset="0"/>
+                <a:ea typeface="微軟正黑體 Light" panose="020B0304030504040204" pitchFamily="34" charset="-120"/>
+              </a:rPr>
+              <a:t>url</a:t>
+            </a:r>
+            <a:r>
+              <a:rPr lang="en-US" altLang="zh-TW" sz="1600" dirty="0">
+                <a:latin typeface="Cambria" panose="02040503050406030204" pitchFamily="18" charset="0"/>
+                <a:ea typeface="微軟正黑體 Light" panose="020B0304030504040204" pitchFamily="34" charset="-120"/>
+              </a:rPr>
+              <a:t>-pattern</a:t>
+            </a:r>
+            <a:endParaRPr lang="zh-TW" altLang="en-US" sz="1600" dirty="0">
+              <a:latin typeface="Cambria" panose="02040503050406030204" pitchFamily="18" charset="0"/>
+              <a:ea typeface="微軟正黑體 Light" panose="020B0304030504040204" pitchFamily="34" charset="-120"/>
+            </a:endParaRPr>
+          </a:p>
+        </p:txBody>
+      </p:sp>
+      <p:sp>
+        <p:nvSpPr>
+          <p:cNvPr id="93" name="矩形 92"/>
+          <p:cNvSpPr/>
+          <p:nvPr/>
+        </p:nvSpPr>
+        <p:spPr>
+          <a:xfrm>
+            <a:off x="5161964" y="83347"/>
+            <a:ext cx="3346704" cy="603504"/>
+          </a:xfrm>
+          <a:prstGeom prst="rect">
+            <a:avLst/>
+          </a:prstGeom>
+          <a:solidFill>
+            <a:srgbClr val="00B050"/>
+          </a:solidFill>
+        </p:spPr>
+        <p:style>
+          <a:lnRef idx="2">
+            <a:schemeClr val="accent5">
+              <a:shade val="50000"/>
+            </a:schemeClr>
+          </a:lnRef>
+          <a:fillRef idx="1">
+            <a:schemeClr val="accent5"/>
+          </a:fillRef>
+          <a:effectRef idx="0">
+            <a:schemeClr val="accent5"/>
+          </a:effectRef>
+          <a:fontRef idx="minor">
+            <a:schemeClr val="lt1"/>
+          </a:fontRef>
+        </p:style>
+        <p:txBody>
+          <a:bodyPr rtlCol="0" anchor="ctr"/>
+          <a:lstStyle/>
+          <a:p>
+            <a:pPr algn="ctr"/>
+            <a:r>
+              <a:rPr lang="zh-TW" altLang="en-US" sz="1600" dirty="0" smtClean="0">
+                <a:latin typeface="Cambria" panose="02040503050406030204" pitchFamily="18" charset="0"/>
+                <a:ea typeface="微軟正黑體 Light" panose="020B0304030504040204" pitchFamily="34" charset="-120"/>
+              </a:rPr>
+              <a:t>由</a:t>
+            </a:r>
+            <a:r>
+              <a:rPr lang="en-US" altLang="zh-TW" sz="1600" b="1" dirty="0" err="1" smtClean="0">
+                <a:solidFill>
+                  <a:srgbClr val="C00000"/>
+                </a:solidFill>
+                <a:latin typeface="Cambria" panose="02040503050406030204" pitchFamily="18" charset="0"/>
+                <a:ea typeface="微軟正黑體 Light" panose="020B0304030504040204" pitchFamily="34" charset="-120"/>
+              </a:rPr>
+              <a:t>HandlerMapping</a:t>
+            </a:r>
+            <a:r>
+              <a:rPr lang="zh-TW" altLang="en-US" sz="1600" dirty="0" smtClean="0">
+                <a:latin typeface="Cambria" panose="02040503050406030204" pitchFamily="18" charset="0"/>
+                <a:ea typeface="微軟正黑體 Light" panose="020B0304030504040204" pitchFamily="34" charset="-120"/>
+              </a:rPr>
+              <a:t>獲取</a:t>
+            </a:r>
+            <a:r>
+              <a:rPr lang="en-US" altLang="zh-TW" sz="1600" b="1" dirty="0" err="1" smtClean="0">
+                <a:solidFill>
+                  <a:srgbClr val="C00000"/>
+                </a:solidFill>
+                <a:latin typeface="Cambria" panose="02040503050406030204" pitchFamily="18" charset="0"/>
+                <a:ea typeface="微軟正黑體 Light" panose="020B0304030504040204" pitchFamily="34" charset="-120"/>
+              </a:rPr>
+              <a:t>HandlerExceutionChain</a:t>
+            </a:r>
+            <a:r>
+              <a:rPr lang="zh-TW" altLang="en-US" sz="1600" dirty="0" smtClean="0">
+                <a:latin typeface="Cambria" panose="02040503050406030204" pitchFamily="18" charset="0"/>
+                <a:ea typeface="微軟正黑體 Light" panose="020B0304030504040204" pitchFamily="34" charset="-120"/>
+              </a:rPr>
+              <a:t>對象</a:t>
+            </a:r>
+            <a:endParaRPr lang="zh-TW" altLang="en-US" sz="1600" dirty="0">
+              <a:latin typeface="Cambria" panose="02040503050406030204" pitchFamily="18" charset="0"/>
+              <a:ea typeface="微軟正黑體 Light" panose="020B0304030504040204" pitchFamily="34" charset="-120"/>
+            </a:endParaRPr>
+          </a:p>
+        </p:txBody>
+      </p:sp>
+      <p:sp>
+        <p:nvSpPr>
+          <p:cNvPr id="94" name="矩形 93"/>
+          <p:cNvSpPr/>
+          <p:nvPr/>
+        </p:nvSpPr>
+        <p:spPr>
+          <a:xfrm>
+            <a:off x="8718980" y="3773255"/>
+            <a:ext cx="3346704" cy="603504"/>
+          </a:xfrm>
+          <a:prstGeom prst="rect">
+            <a:avLst/>
+          </a:prstGeom>
+          <a:solidFill>
+            <a:srgbClr val="00B050"/>
+          </a:solidFill>
+        </p:spPr>
+        <p:style>
+          <a:lnRef idx="2">
+            <a:schemeClr val="accent5">
+              <a:shade val="50000"/>
+            </a:schemeClr>
+          </a:lnRef>
+          <a:fillRef idx="1">
+            <a:schemeClr val="accent5"/>
+          </a:fillRef>
+          <a:effectRef idx="0">
+            <a:schemeClr val="accent5"/>
+          </a:effectRef>
+          <a:fontRef idx="minor">
+            <a:schemeClr val="lt1"/>
+          </a:fontRef>
+        </p:style>
+        <p:txBody>
+          <a:bodyPr rtlCol="0" anchor="ctr"/>
+          <a:lstStyle/>
+          <a:p>
+            <a:pPr algn="ctr"/>
+            <a:r>
+              <a:rPr lang="zh-TW" altLang="en-US" sz="1600" dirty="0" smtClean="0">
+                <a:latin typeface="Cambria" panose="02040503050406030204" pitchFamily="18" charset="0"/>
+                <a:ea typeface="微軟正黑體 Light" panose="020B0304030504040204" pitchFamily="34" charset="-120"/>
+              </a:rPr>
+              <a:t>調用攔截器</a:t>
+            </a:r>
+            <a:r>
+              <a:rPr lang="en-US" altLang="zh-TW" sz="1600" b="1" dirty="0" err="1" smtClean="0">
+                <a:solidFill>
+                  <a:srgbClr val="C00000"/>
+                </a:solidFill>
+                <a:latin typeface="Cambria" panose="02040503050406030204" pitchFamily="18" charset="0"/>
+                <a:ea typeface="微軟正黑體 Light" panose="020B0304030504040204" pitchFamily="34" charset="-120"/>
+              </a:rPr>
+              <a:t>PostHandle</a:t>
+            </a:r>
+            <a:r>
+              <a:rPr lang="zh-TW" altLang="en-US" sz="1600" dirty="0" smtClean="0">
+                <a:latin typeface="Cambria" panose="02040503050406030204" pitchFamily="18" charset="0"/>
+                <a:ea typeface="微軟正黑體 Light" panose="020B0304030504040204" pitchFamily="34" charset="-120"/>
+              </a:rPr>
+              <a:t>方法</a:t>
+            </a:r>
+            <a:endParaRPr lang="zh-TW" altLang="en-US" sz="1600" dirty="0">
+              <a:latin typeface="Cambria" panose="02040503050406030204" pitchFamily="18" charset="0"/>
+              <a:ea typeface="微軟正黑體 Light" panose="020B0304030504040204" pitchFamily="34" charset="-120"/>
+            </a:endParaRPr>
+          </a:p>
+        </p:txBody>
+      </p:sp>
+      <p:sp>
+        <p:nvSpPr>
+          <p:cNvPr id="95" name="矩形 94"/>
+          <p:cNvSpPr/>
+          <p:nvPr/>
+        </p:nvSpPr>
+        <p:spPr>
+          <a:xfrm>
+            <a:off x="8534014" y="5084179"/>
+            <a:ext cx="3657986" cy="603504"/>
+          </a:xfrm>
+          <a:prstGeom prst="rect">
+            <a:avLst/>
+          </a:prstGeom>
+          <a:solidFill>
+            <a:srgbClr val="00B050"/>
+          </a:solidFill>
+        </p:spPr>
+        <p:style>
+          <a:lnRef idx="2">
+            <a:schemeClr val="accent5">
+              <a:shade val="50000"/>
+            </a:schemeClr>
+          </a:lnRef>
+          <a:fillRef idx="1">
+            <a:schemeClr val="accent5"/>
+          </a:fillRef>
+          <a:effectRef idx="0">
+            <a:schemeClr val="accent5"/>
+          </a:effectRef>
+          <a:fontRef idx="minor">
+            <a:schemeClr val="lt1"/>
+          </a:fontRef>
+        </p:style>
+        <p:txBody>
+          <a:bodyPr rtlCol="0" anchor="ctr"/>
+          <a:lstStyle/>
+          <a:p>
+            <a:pPr algn="ctr"/>
+            <a:r>
+              <a:rPr lang="zh-TW" altLang="en-US" sz="1600" dirty="0" smtClean="0">
+                <a:latin typeface="Cambria" panose="02040503050406030204" pitchFamily="18" charset="0"/>
+                <a:ea typeface="微軟正黑體 Light" panose="020B0304030504040204" pitchFamily="34" charset="-120"/>
+              </a:rPr>
+              <a:t>由</a:t>
+            </a:r>
+            <a:r>
+              <a:rPr lang="en-US" altLang="zh-TW" sz="1600" b="1" dirty="0" err="1" smtClean="0">
+                <a:solidFill>
+                  <a:srgbClr val="C00000"/>
+                </a:solidFill>
+                <a:latin typeface="Cambria" panose="02040503050406030204" pitchFamily="18" charset="0"/>
+                <a:ea typeface="微軟正黑體 Light" panose="020B0304030504040204" pitchFamily="34" charset="-120"/>
+              </a:rPr>
+              <a:t>ViewResolver</a:t>
+            </a:r>
+            <a:r>
+              <a:rPr lang="zh-TW" altLang="en-US" sz="1600" dirty="0" smtClean="0">
+                <a:latin typeface="Cambria" panose="02040503050406030204" pitchFamily="18" charset="0"/>
+                <a:ea typeface="微軟正黑體 Light" panose="020B0304030504040204" pitchFamily="34" charset="-120"/>
+              </a:rPr>
+              <a:t>組件根據</a:t>
+            </a:r>
+            <a:r>
+              <a:rPr lang="en-US" altLang="zh-TW" sz="1600" b="1" dirty="0" err="1" smtClean="0">
+                <a:solidFill>
+                  <a:srgbClr val="C00000"/>
+                </a:solidFill>
+                <a:latin typeface="Cambria" panose="02040503050406030204" pitchFamily="18" charset="0"/>
+                <a:ea typeface="微軟正黑體 Light" panose="020B0304030504040204" pitchFamily="34" charset="-120"/>
+              </a:rPr>
+              <a:t>ModelAndView</a:t>
+            </a:r>
+            <a:r>
+              <a:rPr lang="zh-TW" altLang="en-US" sz="1600" dirty="0" smtClean="0">
+                <a:latin typeface="Cambria" panose="02040503050406030204" pitchFamily="18" charset="0"/>
+                <a:ea typeface="微軟正黑體 Light" panose="020B0304030504040204" pitchFamily="34" charset="-120"/>
+              </a:rPr>
+              <a:t>對象得到實際</a:t>
+            </a:r>
+            <a:r>
+              <a:rPr lang="en-US" altLang="zh-TW" sz="1600" dirty="0" smtClean="0">
+                <a:latin typeface="Cambria" panose="02040503050406030204" pitchFamily="18" charset="0"/>
+                <a:ea typeface="微軟正黑體 Light" panose="020B0304030504040204" pitchFamily="34" charset="-120"/>
+              </a:rPr>
+              <a:t>View</a:t>
+            </a:r>
+            <a:endParaRPr lang="zh-TW" altLang="en-US" sz="1600" dirty="0">
+              <a:latin typeface="Cambria" panose="02040503050406030204" pitchFamily="18" charset="0"/>
+              <a:ea typeface="微軟正黑體 Light" panose="020B0304030504040204" pitchFamily="34" charset="-120"/>
+            </a:endParaRPr>
+          </a:p>
+        </p:txBody>
+      </p:sp>
+      <p:sp>
+        <p:nvSpPr>
+          <p:cNvPr id="96" name="矩形 95"/>
+          <p:cNvSpPr/>
+          <p:nvPr/>
+        </p:nvSpPr>
+        <p:spPr>
+          <a:xfrm>
+            <a:off x="8718980" y="2726636"/>
+            <a:ext cx="3346704" cy="603504"/>
+          </a:xfrm>
+          <a:prstGeom prst="rect">
+            <a:avLst/>
+          </a:prstGeom>
+          <a:solidFill>
+            <a:srgbClr val="00B050"/>
+          </a:solidFill>
+        </p:spPr>
+        <p:style>
+          <a:lnRef idx="2">
+            <a:schemeClr val="accent5">
+              <a:shade val="50000"/>
+            </a:schemeClr>
+          </a:lnRef>
+          <a:fillRef idx="1">
+            <a:schemeClr val="accent5"/>
+          </a:fillRef>
+          <a:effectRef idx="0">
+            <a:schemeClr val="accent5"/>
+          </a:effectRef>
+          <a:fontRef idx="minor">
+            <a:schemeClr val="lt1"/>
+          </a:fontRef>
+        </p:style>
+        <p:txBody>
+          <a:bodyPr rtlCol="0" anchor="ctr"/>
+          <a:lstStyle/>
+          <a:p>
+            <a:pPr algn="ctr"/>
+            <a:r>
+              <a:rPr lang="zh-TW" altLang="en-US" sz="1600" dirty="0" smtClean="0">
+                <a:latin typeface="Cambria" panose="02040503050406030204" pitchFamily="18" charset="0"/>
+                <a:ea typeface="微軟正黑體 Light" panose="020B0304030504040204" pitchFamily="34" charset="-120"/>
+              </a:rPr>
+              <a:t>調用目標</a:t>
+            </a:r>
+            <a:r>
+              <a:rPr lang="en-US" altLang="zh-TW" sz="1600" b="1" dirty="0" smtClean="0">
+                <a:solidFill>
+                  <a:srgbClr val="C00000"/>
+                </a:solidFill>
+                <a:latin typeface="Cambria" panose="02040503050406030204" pitchFamily="18" charset="0"/>
+                <a:ea typeface="微軟正黑體 Light" panose="020B0304030504040204" pitchFamily="34" charset="-120"/>
+              </a:rPr>
+              <a:t>Handler</a:t>
+            </a:r>
+            <a:r>
+              <a:rPr lang="zh-TW" altLang="en-US" sz="1600" dirty="0" smtClean="0">
+                <a:latin typeface="Cambria" panose="02040503050406030204" pitchFamily="18" charset="0"/>
+                <a:ea typeface="微軟正黑體 Light" panose="020B0304030504040204" pitchFamily="34" charset="-120"/>
+              </a:rPr>
+              <a:t>的目標方法得到</a:t>
+            </a:r>
+            <a:r>
+              <a:rPr lang="en-US" altLang="zh-TW" sz="1600" b="1" dirty="0" err="1" smtClean="0">
+                <a:solidFill>
+                  <a:srgbClr val="C00000"/>
+                </a:solidFill>
+                <a:latin typeface="Cambria" panose="02040503050406030204" pitchFamily="18" charset="0"/>
+                <a:ea typeface="微軟正黑體 Light" panose="020B0304030504040204" pitchFamily="34" charset="-120"/>
+              </a:rPr>
+              <a:t>ModelAndView</a:t>
+            </a:r>
+            <a:endParaRPr lang="zh-TW" altLang="en-US" sz="1600" b="1" dirty="0">
+              <a:solidFill>
+                <a:srgbClr val="C00000"/>
+              </a:solidFill>
+              <a:latin typeface="Cambria" panose="02040503050406030204" pitchFamily="18" charset="0"/>
+              <a:ea typeface="微軟正黑體 Light" panose="020B0304030504040204" pitchFamily="34" charset="-120"/>
+            </a:endParaRPr>
+          </a:p>
+        </p:txBody>
+      </p:sp>
+      <p:sp>
+        <p:nvSpPr>
+          <p:cNvPr id="97" name="矩形 96"/>
+          <p:cNvSpPr/>
+          <p:nvPr/>
+        </p:nvSpPr>
+        <p:spPr>
+          <a:xfrm>
+            <a:off x="8718980" y="1787995"/>
+            <a:ext cx="3346704" cy="603504"/>
+          </a:xfrm>
+          <a:prstGeom prst="rect">
+            <a:avLst/>
+          </a:prstGeom>
+          <a:solidFill>
+            <a:srgbClr val="00B050"/>
+          </a:solidFill>
+        </p:spPr>
+        <p:style>
+          <a:lnRef idx="2">
+            <a:schemeClr val="accent5">
+              <a:shade val="50000"/>
+            </a:schemeClr>
+          </a:lnRef>
+          <a:fillRef idx="1">
+            <a:schemeClr val="accent5"/>
+          </a:fillRef>
+          <a:effectRef idx="0">
+            <a:schemeClr val="accent5"/>
+          </a:effectRef>
+          <a:fontRef idx="minor">
+            <a:schemeClr val="lt1"/>
+          </a:fontRef>
+        </p:style>
+        <p:txBody>
+          <a:bodyPr rtlCol="0" anchor="ctr"/>
+          <a:lstStyle/>
+          <a:p>
+            <a:pPr algn="ctr"/>
+            <a:r>
+              <a:rPr lang="zh-TW" altLang="en-US" sz="1600" dirty="0" smtClean="0">
+                <a:latin typeface="Cambria" panose="02040503050406030204" pitchFamily="18" charset="0"/>
+                <a:ea typeface="微軟正黑體 Light" panose="020B0304030504040204" pitchFamily="34" charset="-120"/>
+              </a:rPr>
+              <a:t>調用攔截器</a:t>
+            </a:r>
+            <a:r>
+              <a:rPr lang="en-US" altLang="zh-TW" sz="1600" b="1" dirty="0" err="1" smtClean="0">
+                <a:solidFill>
+                  <a:srgbClr val="C00000"/>
+                </a:solidFill>
+                <a:latin typeface="Cambria" panose="02040503050406030204" pitchFamily="18" charset="0"/>
+                <a:ea typeface="微軟正黑體 Light" panose="020B0304030504040204" pitchFamily="34" charset="-120"/>
+              </a:rPr>
+              <a:t>PreHandler</a:t>
+            </a:r>
+            <a:r>
+              <a:rPr lang="zh-TW" altLang="en-US" sz="1600" dirty="0" smtClean="0">
+                <a:latin typeface="Cambria" panose="02040503050406030204" pitchFamily="18" charset="0"/>
+                <a:ea typeface="微軟正黑體 Light" panose="020B0304030504040204" pitchFamily="34" charset="-120"/>
+              </a:rPr>
+              <a:t>方法</a:t>
+            </a:r>
+            <a:endParaRPr lang="zh-TW" altLang="en-US" sz="1600" dirty="0">
+              <a:latin typeface="Cambria" panose="02040503050406030204" pitchFamily="18" charset="0"/>
+              <a:ea typeface="微軟正黑體 Light" panose="020B0304030504040204" pitchFamily="34" charset="-120"/>
+            </a:endParaRPr>
+          </a:p>
+        </p:txBody>
+      </p:sp>
+      <p:sp>
+        <p:nvSpPr>
+          <p:cNvPr id="98" name="矩形 97"/>
+          <p:cNvSpPr/>
+          <p:nvPr/>
+        </p:nvSpPr>
+        <p:spPr>
+          <a:xfrm>
+            <a:off x="8718980" y="762908"/>
+            <a:ext cx="3346704" cy="603504"/>
+          </a:xfrm>
+          <a:prstGeom prst="rect">
+            <a:avLst/>
+          </a:prstGeom>
+          <a:solidFill>
+            <a:srgbClr val="00B050"/>
+          </a:solidFill>
+        </p:spPr>
+        <p:style>
+          <a:lnRef idx="2">
+            <a:schemeClr val="accent5">
+              <a:shade val="50000"/>
+            </a:schemeClr>
+          </a:lnRef>
+          <a:fillRef idx="1">
+            <a:schemeClr val="accent5"/>
+          </a:fillRef>
+          <a:effectRef idx="0">
+            <a:schemeClr val="accent5"/>
+          </a:effectRef>
+          <a:fontRef idx="minor">
+            <a:schemeClr val="lt1"/>
+          </a:fontRef>
+        </p:style>
+        <p:txBody>
+          <a:bodyPr rtlCol="0" anchor="ctr"/>
+          <a:lstStyle/>
+          <a:p>
+            <a:pPr algn="ctr"/>
+            <a:r>
+              <a:rPr lang="zh-TW" altLang="en-US" sz="1600" dirty="0" smtClean="0">
+                <a:latin typeface="Cambria" panose="02040503050406030204" pitchFamily="18" charset="0"/>
+                <a:ea typeface="微軟正黑體 Light" panose="020B0304030504040204" pitchFamily="34" charset="-120"/>
+              </a:rPr>
+              <a:t>獲取</a:t>
+            </a:r>
+            <a:r>
+              <a:rPr lang="en-US" altLang="zh-TW" sz="1600" b="1" dirty="0" err="1" smtClean="0">
+                <a:solidFill>
+                  <a:srgbClr val="C00000"/>
+                </a:solidFill>
+                <a:latin typeface="Cambria" panose="02040503050406030204" pitchFamily="18" charset="0"/>
+                <a:ea typeface="微軟正黑體 Light" panose="020B0304030504040204" pitchFamily="34" charset="-120"/>
+              </a:rPr>
+              <a:t>HandlerAdapter</a:t>
+            </a:r>
+            <a:r>
+              <a:rPr lang="zh-TW" altLang="en-US" sz="1600" dirty="0" smtClean="0">
+                <a:latin typeface="Cambria" panose="02040503050406030204" pitchFamily="18" charset="0"/>
+                <a:ea typeface="微軟正黑體 Light" panose="020B0304030504040204" pitchFamily="34" charset="-120"/>
+              </a:rPr>
+              <a:t>對象</a:t>
+            </a:r>
+            <a:endParaRPr lang="zh-TW" altLang="en-US" sz="1600" dirty="0">
+              <a:latin typeface="Cambria" panose="02040503050406030204" pitchFamily="18" charset="0"/>
+              <a:ea typeface="微軟正黑體 Light" panose="020B0304030504040204" pitchFamily="34" charset="-120"/>
+            </a:endParaRPr>
           </a:p>
         </p:txBody>
       </p:sp>
@@ -4110,6 +6372,13 @@
   <p:clrMapOvr>
     <a:masterClrMapping/>
   </p:clrMapOvr>
+  <p:timing>
+    <p:tnLst>
+      <p:par>
+        <p:cTn id="1" dur="indefinite" restart="never" nodeType="tmRoot"/>
+      </p:par>
+    </p:tnLst>
+  </p:timing>
 </p:sld>
 </file>
 

--- a/流程圖.pptx
+++ b/流程圖.pptx
@@ -7,6 +7,8 @@
   <p:sldIdLst>
     <p:sldId id="256" r:id="rId2"/>
     <p:sldId id="257" r:id="rId3"/>
+    <p:sldId id="258" r:id="rId4"/>
+    <p:sldId id="259" r:id="rId5"/>
   </p:sldIdLst>
   <p:sldSz cx="12192000" cy="6858000"/>
   <p:notesSz cx="6858000" cy="9144000"/>
@@ -306,7 +308,7 @@
           <a:p>
             <a:fld id="{A82C37CB-E071-4591-97EF-45EBE93349F3}" type="datetimeFigureOut">
               <a:rPr lang="zh-TW" altLang="en-US" smtClean="0"/>
-              <a:t>2020/4/13</a:t>
+              <a:t>2020/4/14</a:t>
             </a:fld>
             <a:endParaRPr lang="zh-TW" altLang="en-US"/>
           </a:p>
@@ -476,7 +478,7 @@
           <a:p>
             <a:fld id="{A82C37CB-E071-4591-97EF-45EBE93349F3}" type="datetimeFigureOut">
               <a:rPr lang="zh-TW" altLang="en-US" smtClean="0"/>
-              <a:t>2020/4/13</a:t>
+              <a:t>2020/4/14</a:t>
             </a:fld>
             <a:endParaRPr lang="zh-TW" altLang="en-US"/>
           </a:p>
@@ -656,7 +658,7 @@
           <a:p>
             <a:fld id="{A82C37CB-E071-4591-97EF-45EBE93349F3}" type="datetimeFigureOut">
               <a:rPr lang="zh-TW" altLang="en-US" smtClean="0"/>
-              <a:t>2020/4/13</a:t>
+              <a:t>2020/4/14</a:t>
             </a:fld>
             <a:endParaRPr lang="zh-TW" altLang="en-US"/>
           </a:p>
@@ -826,7 +828,7 @@
           <a:p>
             <a:fld id="{A82C37CB-E071-4591-97EF-45EBE93349F3}" type="datetimeFigureOut">
               <a:rPr lang="zh-TW" altLang="en-US" smtClean="0"/>
-              <a:t>2020/4/13</a:t>
+              <a:t>2020/4/14</a:t>
             </a:fld>
             <a:endParaRPr lang="zh-TW" altLang="en-US"/>
           </a:p>
@@ -1072,7 +1074,7 @@
           <a:p>
             <a:fld id="{A82C37CB-E071-4591-97EF-45EBE93349F3}" type="datetimeFigureOut">
               <a:rPr lang="zh-TW" altLang="en-US" smtClean="0"/>
-              <a:t>2020/4/13</a:t>
+              <a:t>2020/4/14</a:t>
             </a:fld>
             <a:endParaRPr lang="zh-TW" altLang="en-US"/>
           </a:p>
@@ -1304,7 +1306,7 @@
           <a:p>
             <a:fld id="{A82C37CB-E071-4591-97EF-45EBE93349F3}" type="datetimeFigureOut">
               <a:rPr lang="zh-TW" altLang="en-US" smtClean="0"/>
-              <a:t>2020/4/13</a:t>
+              <a:t>2020/4/14</a:t>
             </a:fld>
             <a:endParaRPr lang="zh-TW" altLang="en-US"/>
           </a:p>
@@ -1671,7 +1673,7 @@
           <a:p>
             <a:fld id="{A82C37CB-E071-4591-97EF-45EBE93349F3}" type="datetimeFigureOut">
               <a:rPr lang="zh-TW" altLang="en-US" smtClean="0"/>
-              <a:t>2020/4/13</a:t>
+              <a:t>2020/4/14</a:t>
             </a:fld>
             <a:endParaRPr lang="zh-TW" altLang="en-US"/>
           </a:p>
@@ -1789,7 +1791,7 @@
           <a:p>
             <a:fld id="{A82C37CB-E071-4591-97EF-45EBE93349F3}" type="datetimeFigureOut">
               <a:rPr lang="zh-TW" altLang="en-US" smtClean="0"/>
-              <a:t>2020/4/13</a:t>
+              <a:t>2020/4/14</a:t>
             </a:fld>
             <a:endParaRPr lang="zh-TW" altLang="en-US"/>
           </a:p>
@@ -1884,7 +1886,7 @@
           <a:p>
             <a:fld id="{A82C37CB-E071-4591-97EF-45EBE93349F3}" type="datetimeFigureOut">
               <a:rPr lang="zh-TW" altLang="en-US" smtClean="0"/>
-              <a:t>2020/4/13</a:t>
+              <a:t>2020/4/14</a:t>
             </a:fld>
             <a:endParaRPr lang="zh-TW" altLang="en-US"/>
           </a:p>
@@ -2161,7 +2163,7 @@
           <a:p>
             <a:fld id="{A82C37CB-E071-4591-97EF-45EBE93349F3}" type="datetimeFigureOut">
               <a:rPr lang="zh-TW" altLang="en-US" smtClean="0"/>
-              <a:t>2020/4/13</a:t>
+              <a:t>2020/4/14</a:t>
             </a:fld>
             <a:endParaRPr lang="zh-TW" altLang="en-US"/>
           </a:p>
@@ -2414,7 +2416,7 @@
           <a:p>
             <a:fld id="{A82C37CB-E071-4591-97EF-45EBE93349F3}" type="datetimeFigureOut">
               <a:rPr lang="zh-TW" altLang="en-US" smtClean="0"/>
-              <a:t>2020/4/13</a:t>
+              <a:t>2020/4/14</a:t>
             </a:fld>
             <a:endParaRPr lang="zh-TW" altLang="en-US"/>
           </a:p>
@@ -2627,7 +2629,7 @@
           <a:p>
             <a:fld id="{A82C37CB-E071-4591-97EF-45EBE93349F3}" type="datetimeFigureOut">
               <a:rPr lang="zh-TW" altLang="en-US" smtClean="0"/>
-              <a:t>2020/4/13</a:t>
+              <a:t>2020/4/14</a:t>
             </a:fld>
             <a:endParaRPr lang="zh-TW" altLang="en-US"/>
           </a:p>
@@ -6382,6 +6384,714 @@
 </p:sld>
 </file>
 
+<file path=ppt/slides/slide3.xml><?xml version="1.0" encoding="utf-8"?>
+<p:sld xmlns:a="http://schemas.openxmlformats.org/drawingml/2006/main" xmlns:r="http://schemas.openxmlformats.org/officeDocument/2006/relationships" xmlns:p="http://schemas.openxmlformats.org/presentationml/2006/main">
+  <p:cSld>
+    <p:spTree>
+      <p:nvGrpSpPr>
+        <p:cNvPr id="1" name=""/>
+        <p:cNvGrpSpPr/>
+        <p:nvPr/>
+      </p:nvGrpSpPr>
+      <p:grpSpPr>
+        <a:xfrm>
+          <a:off x="0" y="0"/>
+          <a:ext cx="0" cy="0"/>
+          <a:chOff x="0" y="0"/>
+          <a:chExt cx="0" cy="0"/>
+        </a:xfrm>
+      </p:grpSpPr>
+      <p:sp>
+        <p:nvSpPr>
+          <p:cNvPr id="2" name="標題 1"/>
+          <p:cNvSpPr>
+            <a:spLocks noGrp="1"/>
+          </p:cNvSpPr>
+          <p:nvPr>
+            <p:ph type="title"/>
+          </p:nvPr>
+        </p:nvSpPr>
+        <p:spPr>
+          <a:xfrm>
+            <a:off x="0" y="1"/>
+            <a:ext cx="12124944" cy="6611112"/>
+          </a:xfrm>
+        </p:spPr>
+        <p:txBody>
+          <a:bodyPr>
+            <a:normAutofit fontScale="90000"/>
+          </a:bodyPr>
+          <a:lstStyle/>
+          <a:p>
+            <a:r>
+              <a:rPr lang="en-US" altLang="zh-TW" sz="4000" smtClean="0">
+                <a:latin typeface="Cambria" panose="02040503050406030204" pitchFamily="18" charset="0"/>
+                <a:ea typeface="新細明體" panose="02020500000000000000" pitchFamily="18" charset="-120"/>
+              </a:rPr>
+              <a:t/>
+            </a:r>
+            <a:br>
+              <a:rPr lang="en-US" altLang="zh-TW" sz="4000" smtClean="0">
+                <a:latin typeface="Cambria" panose="02040503050406030204" pitchFamily="18" charset="0"/>
+                <a:ea typeface="新細明體" panose="02020500000000000000" pitchFamily="18" charset="-120"/>
+              </a:rPr>
+            </a:br>
+            <a:r>
+              <a:rPr lang="en-US" altLang="zh-TW" sz="3600" smtClean="0">
+                <a:latin typeface="Cambria" panose="02040503050406030204" pitchFamily="18" charset="0"/>
+                <a:ea typeface="新細明體" panose="02020500000000000000" pitchFamily="18" charset="-120"/>
+              </a:rPr>
+              <a:t>1.</a:t>
+            </a:r>
+            <a:r>
+              <a:rPr lang="zh-TW" altLang="en-US" sz="3600" smtClean="0">
+                <a:latin typeface="Cambria" panose="02040503050406030204" pitchFamily="18" charset="0"/>
+                <a:ea typeface="新細明體" panose="02020500000000000000" pitchFamily="18" charset="-120"/>
+              </a:rPr>
+              <a:t>需要進行</a:t>
+            </a:r>
+            <a:r>
+              <a:rPr lang="en-US" altLang="zh-TW" sz="3600" smtClean="0">
+                <a:latin typeface="Cambria" panose="02040503050406030204" pitchFamily="18" charset="0"/>
+                <a:ea typeface="新細明體" panose="02020500000000000000" pitchFamily="18" charset="-120"/>
+              </a:rPr>
+              <a:t>Spring</a:t>
+            </a:r>
+            <a:r>
+              <a:rPr lang="zh-TW" altLang="en-US" sz="3600" smtClean="0">
+                <a:latin typeface="Cambria" panose="02040503050406030204" pitchFamily="18" charset="0"/>
+                <a:ea typeface="新細明體" panose="02020500000000000000" pitchFamily="18" charset="-120"/>
+              </a:rPr>
+              <a:t>整合</a:t>
+            </a:r>
+            <a:r>
+              <a:rPr lang="en-US" altLang="zh-TW" sz="3600" smtClean="0">
+                <a:latin typeface="Cambria" panose="02040503050406030204" pitchFamily="18" charset="0"/>
+                <a:ea typeface="新細明體" panose="02020500000000000000" pitchFamily="18" charset="-120"/>
+              </a:rPr>
+              <a:t>SpringMVC</a:t>
+            </a:r>
+            <a:r>
+              <a:rPr lang="zh-TW" altLang="en-US" sz="3600" smtClean="0">
+                <a:latin typeface="Cambria" panose="02040503050406030204" pitchFamily="18" charset="0"/>
+                <a:ea typeface="新細明體" panose="02020500000000000000" pitchFamily="18" charset="-120"/>
+              </a:rPr>
+              <a:t>嗎</a:t>
+            </a:r>
+            <a:r>
+              <a:rPr lang="en-US" altLang="zh-TW" sz="3600" smtClean="0">
+                <a:latin typeface="Cambria" panose="02040503050406030204" pitchFamily="18" charset="0"/>
+                <a:ea typeface="新細明體" panose="02020500000000000000" pitchFamily="18" charset="-120"/>
+              </a:rPr>
+              <a:t>?</a:t>
+            </a:r>
+            <a:br>
+              <a:rPr lang="en-US" altLang="zh-TW" sz="3600" smtClean="0">
+                <a:latin typeface="Cambria" panose="02040503050406030204" pitchFamily="18" charset="0"/>
+                <a:ea typeface="新細明體" panose="02020500000000000000" pitchFamily="18" charset="-120"/>
+              </a:rPr>
+            </a:br>
+            <a:r>
+              <a:rPr lang="en-US" altLang="zh-TW" sz="3600" smtClean="0">
+                <a:latin typeface="Cambria" panose="02040503050406030204" pitchFamily="18" charset="0"/>
+                <a:ea typeface="新細明體" panose="02020500000000000000" pitchFamily="18" charset="-120"/>
+              </a:rPr>
+              <a:t>2.</a:t>
+            </a:r>
+            <a:r>
+              <a:rPr lang="zh-TW" altLang="en-US" sz="3600" smtClean="0">
+                <a:latin typeface="Cambria" panose="02040503050406030204" pitchFamily="18" charset="0"/>
+                <a:ea typeface="新細明體" panose="02020500000000000000" pitchFamily="18" charset="-120"/>
+              </a:rPr>
+              <a:t>是否需要加入</a:t>
+            </a:r>
+            <a:r>
+              <a:rPr lang="en-US" altLang="zh-TW" sz="3600" smtClean="0">
+                <a:latin typeface="Cambria" panose="02040503050406030204" pitchFamily="18" charset="0"/>
+                <a:ea typeface="新細明體" panose="02020500000000000000" pitchFamily="18" charset="-120"/>
+              </a:rPr>
+              <a:t>Spring</a:t>
+            </a:r>
+            <a:r>
+              <a:rPr lang="zh-TW" altLang="en-US" sz="3600" smtClean="0">
+                <a:latin typeface="Cambria" panose="02040503050406030204" pitchFamily="18" charset="0"/>
+                <a:ea typeface="新細明體" panose="02020500000000000000" pitchFamily="18" charset="-120"/>
+              </a:rPr>
+              <a:t>的</a:t>
+            </a:r>
+            <a:r>
+              <a:rPr lang="en-US" altLang="zh-TW" sz="3600" smtClean="0">
+                <a:latin typeface="Cambria" panose="02040503050406030204" pitchFamily="18" charset="0"/>
+                <a:ea typeface="新細明體" panose="02020500000000000000" pitchFamily="18" charset="-120"/>
+              </a:rPr>
+              <a:t>IOC</a:t>
+            </a:r>
+            <a:r>
+              <a:rPr lang="zh-TW" altLang="en-US" sz="3600" smtClean="0">
+                <a:latin typeface="Cambria" panose="02040503050406030204" pitchFamily="18" charset="0"/>
+                <a:ea typeface="新細明體" panose="02020500000000000000" pitchFamily="18" charset="-120"/>
+              </a:rPr>
+              <a:t>容器</a:t>
+            </a:r>
+            <a:r>
+              <a:rPr lang="en-US" altLang="zh-TW" sz="3600" smtClean="0">
+                <a:latin typeface="Cambria" panose="02040503050406030204" pitchFamily="18" charset="0"/>
+                <a:ea typeface="新細明體" panose="02020500000000000000" pitchFamily="18" charset="-120"/>
+              </a:rPr>
+              <a:t>?</a:t>
+            </a:r>
+            <a:br>
+              <a:rPr lang="en-US" altLang="zh-TW" sz="3600" smtClean="0">
+                <a:latin typeface="Cambria" panose="02040503050406030204" pitchFamily="18" charset="0"/>
+                <a:ea typeface="新細明體" panose="02020500000000000000" pitchFamily="18" charset="-120"/>
+              </a:rPr>
+            </a:br>
+            <a:r>
+              <a:rPr lang="en-US" altLang="zh-TW" sz="3600" smtClean="0">
+                <a:latin typeface="Cambria" panose="02040503050406030204" pitchFamily="18" charset="0"/>
+                <a:ea typeface="新細明體" panose="02020500000000000000" pitchFamily="18" charset="-120"/>
+              </a:rPr>
+              <a:t>3.</a:t>
+            </a:r>
+            <a:r>
+              <a:rPr lang="zh-TW" altLang="en-US" sz="3600" smtClean="0">
+                <a:latin typeface="Cambria" panose="02040503050406030204" pitchFamily="18" charset="0"/>
+                <a:ea typeface="新細明體" panose="02020500000000000000" pitchFamily="18" charset="-120"/>
+              </a:rPr>
+              <a:t>是否需要在</a:t>
+            </a:r>
+            <a:r>
+              <a:rPr lang="en-US" altLang="zh-TW" sz="3600" smtClean="0">
+                <a:latin typeface="Cambria" panose="02040503050406030204" pitchFamily="18" charset="0"/>
+                <a:ea typeface="新細明體" panose="02020500000000000000" pitchFamily="18" charset="-120"/>
+              </a:rPr>
+              <a:t>web.xml</a:t>
+            </a:r>
+            <a:r>
+              <a:rPr lang="zh-TW" altLang="en-US" sz="3600" smtClean="0">
+                <a:latin typeface="Cambria" panose="02040503050406030204" pitchFamily="18" charset="0"/>
+                <a:ea typeface="新細明體" panose="02020500000000000000" pitchFamily="18" charset="-120"/>
+              </a:rPr>
+              <a:t>文件中配置啟動</a:t>
+            </a:r>
+            <a:r>
+              <a:rPr lang="en-US" altLang="zh-TW" sz="3600" smtClean="0">
+                <a:latin typeface="Cambria" panose="02040503050406030204" pitchFamily="18" charset="0"/>
+                <a:ea typeface="新細明體" panose="02020500000000000000" pitchFamily="18" charset="-120"/>
+              </a:rPr>
+              <a:t>SpringIOC</a:t>
+            </a:r>
+            <a:r>
+              <a:rPr lang="zh-TW" altLang="en-US" sz="3600" smtClean="0">
+                <a:latin typeface="Cambria" panose="02040503050406030204" pitchFamily="18" charset="0"/>
+                <a:ea typeface="新細明體" panose="02020500000000000000" pitchFamily="18" charset="-120"/>
+              </a:rPr>
+              <a:t>容  </a:t>
+            </a:r>
+            <a:r>
+              <a:rPr lang="en-US" altLang="zh-TW" sz="3600" smtClean="0">
+                <a:latin typeface="Cambria" panose="02040503050406030204" pitchFamily="18" charset="0"/>
+                <a:ea typeface="新細明體" panose="02020500000000000000" pitchFamily="18" charset="-120"/>
+              </a:rPr>
+              <a:t/>
+            </a:r>
+            <a:br>
+              <a:rPr lang="en-US" altLang="zh-TW" sz="3600" smtClean="0">
+                <a:latin typeface="Cambria" panose="02040503050406030204" pitchFamily="18" charset="0"/>
+                <a:ea typeface="新細明體" panose="02020500000000000000" pitchFamily="18" charset="-120"/>
+              </a:rPr>
+            </a:br>
+            <a:r>
+              <a:rPr lang="en-US" altLang="zh-TW" sz="3600">
+                <a:latin typeface="Cambria" panose="02040503050406030204" pitchFamily="18" charset="0"/>
+                <a:ea typeface="新細明體" panose="02020500000000000000" pitchFamily="18" charset="-120"/>
+              </a:rPr>
+              <a:t> </a:t>
+            </a:r>
+            <a:r>
+              <a:rPr lang="en-US" altLang="zh-TW" sz="3600" smtClean="0">
+                <a:latin typeface="Cambria" panose="02040503050406030204" pitchFamily="18" charset="0"/>
+                <a:ea typeface="新細明體" panose="02020500000000000000" pitchFamily="18" charset="-120"/>
+              </a:rPr>
+              <a:t>  </a:t>
+            </a:r>
+            <a:r>
+              <a:rPr lang="zh-TW" altLang="en-US" sz="3600" smtClean="0">
+                <a:latin typeface="Cambria" panose="02040503050406030204" pitchFamily="18" charset="0"/>
+                <a:ea typeface="新細明體" panose="02020500000000000000" pitchFamily="18" charset="-120"/>
+              </a:rPr>
+              <a:t>器的</a:t>
+            </a:r>
+            <a:r>
+              <a:rPr lang="en-US" altLang="zh-TW" sz="3600" smtClean="0">
+                <a:latin typeface="Cambria" panose="02040503050406030204" pitchFamily="18" charset="0"/>
+                <a:ea typeface="新細明體" panose="02020500000000000000" pitchFamily="18" charset="-120"/>
+              </a:rPr>
+              <a:t>ContextLoaderListener?</a:t>
+            </a:r>
+            <a:br>
+              <a:rPr lang="en-US" altLang="zh-TW" sz="3600" smtClean="0">
+                <a:latin typeface="Cambria" panose="02040503050406030204" pitchFamily="18" charset="0"/>
+                <a:ea typeface="新細明體" panose="02020500000000000000" pitchFamily="18" charset="-120"/>
+              </a:rPr>
+            </a:br>
+            <a:r>
+              <a:rPr lang="en-US" altLang="zh-TW" sz="3600" smtClean="0">
+                <a:latin typeface="Cambria" panose="02040503050406030204" pitchFamily="18" charset="0"/>
+                <a:ea typeface="新細明體" panose="02020500000000000000" pitchFamily="18" charset="-120"/>
+              </a:rPr>
+              <a:t/>
+            </a:r>
+            <a:br>
+              <a:rPr lang="en-US" altLang="zh-TW" sz="3600" smtClean="0">
+                <a:latin typeface="Cambria" panose="02040503050406030204" pitchFamily="18" charset="0"/>
+                <a:ea typeface="新細明體" panose="02020500000000000000" pitchFamily="18" charset="-120"/>
+              </a:rPr>
+            </a:br>
+            <a:r>
+              <a:rPr lang="zh-TW" altLang="en-US" sz="3600" smtClean="0">
+                <a:latin typeface="Cambria" panose="02040503050406030204" pitchFamily="18" charset="0"/>
+                <a:ea typeface="新細明體" panose="02020500000000000000" pitchFamily="18" charset="-120"/>
+              </a:rPr>
+              <a:t>需要</a:t>
+            </a:r>
+            <a:r>
+              <a:rPr lang="en-US" altLang="zh-TW" sz="3600" smtClean="0">
+                <a:latin typeface="Cambria" panose="02040503050406030204" pitchFamily="18" charset="0"/>
+                <a:ea typeface="新細明體" panose="02020500000000000000" pitchFamily="18" charset="-120"/>
+              </a:rPr>
+              <a:t>(</a:t>
+            </a:r>
+            <a:r>
+              <a:rPr lang="zh-TW" altLang="en-US" sz="3600" smtClean="0">
+                <a:latin typeface="Cambria" panose="02040503050406030204" pitchFamily="18" charset="0"/>
+                <a:ea typeface="新細明體" panose="02020500000000000000" pitchFamily="18" charset="-120"/>
+              </a:rPr>
+              <a:t>建議</a:t>
+            </a:r>
+            <a:r>
+              <a:rPr lang="en-US" altLang="zh-TW" sz="3600" smtClean="0">
+                <a:latin typeface="Cambria" panose="02040503050406030204" pitchFamily="18" charset="0"/>
+                <a:ea typeface="新細明體" panose="02020500000000000000" pitchFamily="18" charset="-120"/>
+              </a:rPr>
+              <a:t>):</a:t>
+            </a:r>
+            <a:r>
+              <a:rPr lang="zh-TW" altLang="en-US" sz="3600" smtClean="0">
+                <a:latin typeface="Cambria" panose="02040503050406030204" pitchFamily="18" charset="0"/>
+                <a:ea typeface="新細明體" panose="02020500000000000000" pitchFamily="18" charset="-120"/>
+              </a:rPr>
+              <a:t>通常情況下，類似數據來源、事務、整合其他</a:t>
+            </a:r>
+            <a:r>
+              <a:rPr lang="en-US" altLang="zh-TW" sz="3600" smtClean="0">
+                <a:latin typeface="Cambria" panose="02040503050406030204" pitchFamily="18" charset="0"/>
+                <a:ea typeface="新細明體" panose="02020500000000000000" pitchFamily="18" charset="-120"/>
+              </a:rPr>
+              <a:t/>
+            </a:r>
+            <a:br>
+              <a:rPr lang="en-US" altLang="zh-TW" sz="3600" smtClean="0">
+                <a:latin typeface="Cambria" panose="02040503050406030204" pitchFamily="18" charset="0"/>
+                <a:ea typeface="新細明體" panose="02020500000000000000" pitchFamily="18" charset="-120"/>
+              </a:rPr>
+            </a:br>
+            <a:r>
+              <a:rPr lang="zh-TW" altLang="en-US" sz="3600" smtClean="0">
+                <a:latin typeface="Cambria" panose="02040503050406030204" pitchFamily="18" charset="0"/>
+                <a:ea typeface="新細明體" panose="02020500000000000000" pitchFamily="18" charset="-120"/>
+              </a:rPr>
+              <a:t>                       框架都是放在</a:t>
+            </a:r>
+            <a:r>
+              <a:rPr lang="en-US" altLang="zh-TW" sz="3600" smtClean="0">
+                <a:latin typeface="Cambria" panose="02040503050406030204" pitchFamily="18" charset="0"/>
+                <a:ea typeface="新細明體" panose="02020500000000000000" pitchFamily="18" charset="-120"/>
+              </a:rPr>
+              <a:t>Spring</a:t>
+            </a:r>
+            <a:r>
+              <a:rPr lang="zh-TW" altLang="en-US" sz="3600" smtClean="0">
+                <a:latin typeface="Cambria" panose="02040503050406030204" pitchFamily="18" charset="0"/>
+                <a:ea typeface="新細明體" panose="02020500000000000000" pitchFamily="18" charset="-120"/>
+              </a:rPr>
+              <a:t>的配置文件中</a:t>
+            </a:r>
+            <a:r>
+              <a:rPr lang="en-US" altLang="zh-TW" sz="3600" smtClean="0">
+                <a:latin typeface="Cambria" panose="02040503050406030204" pitchFamily="18" charset="0"/>
+                <a:ea typeface="新細明體" panose="02020500000000000000" pitchFamily="18" charset="-120"/>
+              </a:rPr>
+              <a:t>(</a:t>
+            </a:r>
+            <a:r>
+              <a:rPr lang="zh-TW" altLang="en-US" sz="3600" smtClean="0">
+                <a:latin typeface="Cambria" panose="02040503050406030204" pitchFamily="18" charset="0"/>
+                <a:ea typeface="新細明體" panose="02020500000000000000" pitchFamily="18" charset="-120"/>
+              </a:rPr>
+              <a:t>而不是放在</a:t>
+            </a:r>
+            <a:r>
+              <a:rPr lang="en-US" altLang="zh-TW" sz="3600" smtClean="0">
+                <a:latin typeface="Cambria" panose="02040503050406030204" pitchFamily="18" charset="0"/>
+                <a:ea typeface="新細明體" panose="02020500000000000000" pitchFamily="18" charset="-120"/>
+              </a:rPr>
+              <a:t/>
+            </a:r>
+            <a:br>
+              <a:rPr lang="en-US" altLang="zh-TW" sz="3600" smtClean="0">
+                <a:latin typeface="Cambria" panose="02040503050406030204" pitchFamily="18" charset="0"/>
+                <a:ea typeface="新細明體" panose="02020500000000000000" pitchFamily="18" charset="-120"/>
+              </a:rPr>
+            </a:br>
+            <a:r>
+              <a:rPr lang="zh-TW" altLang="en-US" sz="3600">
+                <a:latin typeface="Cambria" panose="02040503050406030204" pitchFamily="18" charset="0"/>
+                <a:ea typeface="新細明體" panose="02020500000000000000" pitchFamily="18" charset="-120"/>
+              </a:rPr>
+              <a:t> </a:t>
+            </a:r>
+            <a:r>
+              <a:rPr lang="zh-TW" altLang="en-US" sz="3600" smtClean="0">
+                <a:latin typeface="Cambria" panose="02040503050406030204" pitchFamily="18" charset="0"/>
+                <a:ea typeface="新細明體" panose="02020500000000000000" pitchFamily="18" charset="-120"/>
+              </a:rPr>
+              <a:t>                      </a:t>
+            </a:r>
+            <a:r>
+              <a:rPr lang="en-US" altLang="zh-TW" sz="3600" smtClean="0">
+                <a:latin typeface="Cambria" panose="02040503050406030204" pitchFamily="18" charset="0"/>
+                <a:ea typeface="新細明體" panose="02020500000000000000" pitchFamily="18" charset="-120"/>
+              </a:rPr>
+              <a:t>SpringMVC</a:t>
+            </a:r>
+            <a:r>
+              <a:rPr lang="zh-TW" altLang="en-US" sz="3600" smtClean="0">
+                <a:latin typeface="Cambria" panose="02040503050406030204" pitchFamily="18" charset="0"/>
+                <a:ea typeface="新細明體" panose="02020500000000000000" pitchFamily="18" charset="-120"/>
+              </a:rPr>
+              <a:t>的配置文件中</a:t>
+            </a:r>
+            <a:r>
+              <a:rPr lang="en-US" altLang="zh-TW" sz="3600" smtClean="0">
+                <a:latin typeface="Cambria" panose="02040503050406030204" pitchFamily="18" charset="0"/>
+                <a:ea typeface="新細明體" panose="02020500000000000000" pitchFamily="18" charset="-120"/>
+              </a:rPr>
+              <a:t>)</a:t>
+            </a:r>
+            <a:r>
+              <a:rPr lang="en-US" altLang="zh-TW" sz="3600">
+                <a:latin typeface="Cambria" panose="02040503050406030204" pitchFamily="18" charset="0"/>
+                <a:ea typeface="新細明體" panose="02020500000000000000" pitchFamily="18" charset="-120"/>
+              </a:rPr>
+              <a:t>,</a:t>
+            </a:r>
+            <a:r>
+              <a:rPr lang="zh-TW" altLang="en-US" sz="3600" smtClean="0">
+                <a:latin typeface="Cambria" panose="02040503050406030204" pitchFamily="18" charset="0"/>
+                <a:ea typeface="新細明體" panose="02020500000000000000" pitchFamily="18" charset="-120"/>
+              </a:rPr>
+              <a:t>實際放入</a:t>
+            </a:r>
+            <a:r>
+              <a:rPr lang="en-US" altLang="zh-TW" sz="3600" smtClean="0">
+                <a:latin typeface="Cambria" panose="02040503050406030204" pitchFamily="18" charset="0"/>
+                <a:ea typeface="新細明體" panose="02020500000000000000" pitchFamily="18" charset="-120"/>
+              </a:rPr>
+              <a:t>Spring</a:t>
+            </a:r>
+            <a:r>
+              <a:rPr lang="zh-TW" altLang="en-US" sz="3600" smtClean="0">
+                <a:latin typeface="Cambria" panose="02040503050406030204" pitchFamily="18" charset="0"/>
+                <a:ea typeface="新細明體" panose="02020500000000000000" pitchFamily="18" charset="-120"/>
+              </a:rPr>
+              <a:t>配置</a:t>
+            </a:r>
+            <a:r>
+              <a:rPr lang="en-US" altLang="zh-TW" sz="3600" smtClean="0">
+                <a:latin typeface="Cambria" panose="02040503050406030204" pitchFamily="18" charset="0"/>
+                <a:ea typeface="新細明體" panose="02020500000000000000" pitchFamily="18" charset="-120"/>
+              </a:rPr>
+              <a:t/>
+            </a:r>
+            <a:br>
+              <a:rPr lang="en-US" altLang="zh-TW" sz="3600" smtClean="0">
+                <a:latin typeface="Cambria" panose="02040503050406030204" pitchFamily="18" charset="0"/>
+                <a:ea typeface="新細明體" panose="02020500000000000000" pitchFamily="18" charset="-120"/>
+              </a:rPr>
+            </a:br>
+            <a:r>
+              <a:rPr lang="en-US" altLang="zh-TW" sz="3600" smtClean="0">
+                <a:latin typeface="Cambria" panose="02040503050406030204" pitchFamily="18" charset="0"/>
+                <a:ea typeface="新細明體" panose="02020500000000000000" pitchFamily="18" charset="-120"/>
+              </a:rPr>
+              <a:t>                       </a:t>
+            </a:r>
+            <a:r>
+              <a:rPr lang="zh-TW" altLang="en-US" sz="3600" smtClean="0">
+                <a:latin typeface="Cambria" panose="02040503050406030204" pitchFamily="18" charset="0"/>
+                <a:ea typeface="新細明體" panose="02020500000000000000" pitchFamily="18" charset="-120"/>
+              </a:rPr>
+              <a:t>文件對應的</a:t>
+            </a:r>
+            <a:r>
+              <a:rPr lang="en-US" altLang="zh-TW" sz="3600" smtClean="0">
+                <a:latin typeface="Cambria" panose="02040503050406030204" pitchFamily="18" charset="0"/>
+                <a:ea typeface="新細明體" panose="02020500000000000000" pitchFamily="18" charset="-120"/>
+              </a:rPr>
+              <a:t>IOC</a:t>
+            </a:r>
+            <a:r>
+              <a:rPr lang="zh-TW" altLang="en-US" sz="3600" smtClean="0">
+                <a:latin typeface="Cambria" panose="02040503050406030204" pitchFamily="18" charset="0"/>
+                <a:ea typeface="新細明體" panose="02020500000000000000" pitchFamily="18" charset="-120"/>
+              </a:rPr>
+              <a:t>容器中還有</a:t>
+            </a:r>
+            <a:r>
+              <a:rPr lang="en-US" altLang="zh-TW" sz="3600" smtClean="0">
+                <a:latin typeface="Cambria" panose="02040503050406030204" pitchFamily="18" charset="0"/>
+                <a:ea typeface="新細明體" panose="02020500000000000000" pitchFamily="18" charset="-120"/>
+              </a:rPr>
+              <a:t>Service</a:t>
+            </a:r>
+            <a:r>
+              <a:rPr lang="zh-TW" altLang="en-US" sz="3600" smtClean="0">
+                <a:latin typeface="Cambria" panose="02040503050406030204" pitchFamily="18" charset="0"/>
+                <a:ea typeface="新細明體" panose="02020500000000000000" pitchFamily="18" charset="-120"/>
+              </a:rPr>
+              <a:t>和</a:t>
+            </a:r>
+            <a:r>
+              <a:rPr lang="en-US" altLang="zh-TW" sz="3600" smtClean="0">
+                <a:latin typeface="Cambria" panose="02040503050406030204" pitchFamily="18" charset="0"/>
+                <a:ea typeface="新細明體" panose="02020500000000000000" pitchFamily="18" charset="-120"/>
+              </a:rPr>
+              <a:t>DAO</a:t>
+            </a:r>
+            <a:r>
+              <a:rPr lang="zh-TW" altLang="en-US" sz="3600" smtClean="0">
+                <a:latin typeface="Cambria" panose="02040503050406030204" pitchFamily="18" charset="0"/>
+                <a:ea typeface="新細明體" panose="02020500000000000000" pitchFamily="18" charset="-120"/>
+              </a:rPr>
+              <a:t>。</a:t>
+            </a:r>
+            <a:r>
+              <a:rPr lang="en-US" altLang="zh-TW" sz="3600" smtClean="0">
+                <a:latin typeface="Cambria" panose="02040503050406030204" pitchFamily="18" charset="0"/>
+                <a:ea typeface="新細明體" panose="02020500000000000000" pitchFamily="18" charset="-120"/>
+              </a:rPr>
+              <a:t/>
+            </a:r>
+            <a:br>
+              <a:rPr lang="en-US" altLang="zh-TW" sz="3600" smtClean="0">
+                <a:latin typeface="Cambria" panose="02040503050406030204" pitchFamily="18" charset="0"/>
+                <a:ea typeface="新細明體" panose="02020500000000000000" pitchFamily="18" charset="-120"/>
+              </a:rPr>
+            </a:br>
+            <a:r>
+              <a:rPr lang="en-US" altLang="zh-TW" sz="3600">
+                <a:latin typeface="Cambria" panose="02040503050406030204" pitchFamily="18" charset="0"/>
+                <a:ea typeface="新細明體" panose="02020500000000000000" pitchFamily="18" charset="-120"/>
+              </a:rPr>
+              <a:t/>
+            </a:r>
+            <a:br>
+              <a:rPr lang="en-US" altLang="zh-TW" sz="3600">
+                <a:latin typeface="Cambria" panose="02040503050406030204" pitchFamily="18" charset="0"/>
+                <a:ea typeface="新細明體" panose="02020500000000000000" pitchFamily="18" charset="-120"/>
+              </a:rPr>
+            </a:br>
+            <a:r>
+              <a:rPr lang="zh-TW" altLang="en-US" sz="3600" smtClean="0">
+                <a:latin typeface="Cambria" panose="02040503050406030204" pitchFamily="18" charset="0"/>
+                <a:ea typeface="新細明體" panose="02020500000000000000" pitchFamily="18" charset="-120"/>
+              </a:rPr>
+              <a:t>不需要</a:t>
+            </a:r>
+            <a:r>
+              <a:rPr lang="en-US" altLang="zh-TW" sz="3600" smtClean="0">
+                <a:latin typeface="Cambria" panose="02040503050406030204" pitchFamily="18" charset="0"/>
+                <a:ea typeface="新細明體" panose="02020500000000000000" pitchFamily="18" charset="-120"/>
+              </a:rPr>
+              <a:t>:</a:t>
+            </a:r>
+            <a:r>
+              <a:rPr lang="zh-TW" altLang="en-US" sz="3600" smtClean="0">
+                <a:latin typeface="Cambria" panose="02040503050406030204" pitchFamily="18" charset="0"/>
+                <a:ea typeface="新細明體" panose="02020500000000000000" pitchFamily="18" charset="-120"/>
+              </a:rPr>
+              <a:t>都放在</a:t>
+            </a:r>
+            <a:r>
+              <a:rPr lang="en-US" altLang="zh-TW" sz="3600" smtClean="0">
+                <a:latin typeface="Cambria" panose="02040503050406030204" pitchFamily="18" charset="0"/>
+                <a:ea typeface="新細明體" panose="02020500000000000000" pitchFamily="18" charset="-120"/>
+              </a:rPr>
+              <a:t>SpringMVC</a:t>
+            </a:r>
+            <a:r>
+              <a:rPr lang="zh-TW" altLang="en-US" sz="3600" smtClean="0">
+                <a:latin typeface="Cambria" panose="02040503050406030204" pitchFamily="18" charset="0"/>
+                <a:ea typeface="新細明體" panose="02020500000000000000" pitchFamily="18" charset="-120"/>
+              </a:rPr>
+              <a:t>的配置文件當中，然後使用</a:t>
+            </a:r>
+            <a:r>
+              <a:rPr lang="en-US" altLang="zh-TW" sz="3600" smtClean="0">
+                <a:latin typeface="Cambria" panose="02040503050406030204" pitchFamily="18" charset="0"/>
+                <a:ea typeface="新細明體" panose="02020500000000000000" pitchFamily="18" charset="-120"/>
+              </a:rPr>
+              <a:t/>
+            </a:r>
+            <a:br>
+              <a:rPr lang="en-US" altLang="zh-TW" sz="3600" smtClean="0">
+                <a:latin typeface="Cambria" panose="02040503050406030204" pitchFamily="18" charset="0"/>
+                <a:ea typeface="新細明體" panose="02020500000000000000" pitchFamily="18" charset="-120"/>
+              </a:rPr>
+            </a:br>
+            <a:r>
+              <a:rPr lang="zh-TW" altLang="en-US" sz="3600">
+                <a:latin typeface="Cambria" panose="02040503050406030204" pitchFamily="18" charset="0"/>
+                <a:ea typeface="新細明體" panose="02020500000000000000" pitchFamily="18" charset="-120"/>
+              </a:rPr>
+              <a:t> </a:t>
+            </a:r>
+            <a:r>
+              <a:rPr lang="zh-TW" altLang="en-US" sz="3600" smtClean="0">
+                <a:latin typeface="Cambria" panose="02040503050406030204" pitchFamily="18" charset="0"/>
+                <a:ea typeface="新細明體" panose="02020500000000000000" pitchFamily="18" charset="-120"/>
+              </a:rPr>
+              <a:t>              </a:t>
+            </a:r>
+            <a:r>
+              <a:rPr lang="en-US" altLang="zh-TW" sz="3600" smtClean="0">
+                <a:latin typeface="Cambria" panose="02040503050406030204" pitchFamily="18" charset="0"/>
+                <a:ea typeface="新細明體" panose="02020500000000000000" pitchFamily="18" charset="-120"/>
+              </a:rPr>
+              <a:t>import</a:t>
+            </a:r>
+            <a:r>
+              <a:rPr lang="zh-TW" altLang="en-US" sz="3600" smtClean="0">
+                <a:latin typeface="Cambria" panose="02040503050406030204" pitchFamily="18" charset="0"/>
+                <a:ea typeface="新細明體" panose="02020500000000000000" pitchFamily="18" charset="-120"/>
+              </a:rPr>
+              <a:t>導入配置文件中。</a:t>
+            </a:r>
+            <a:r>
+              <a:rPr lang="en-US" altLang="zh-TW" sz="4000" smtClean="0">
+                <a:latin typeface="Cambria" panose="02040503050406030204" pitchFamily="18" charset="0"/>
+                <a:ea typeface="新細明體" panose="02020500000000000000" pitchFamily="18" charset="-120"/>
+              </a:rPr>
+              <a:t/>
+            </a:r>
+            <a:br>
+              <a:rPr lang="en-US" altLang="zh-TW" sz="4000" smtClean="0">
+                <a:latin typeface="Cambria" panose="02040503050406030204" pitchFamily="18" charset="0"/>
+                <a:ea typeface="新細明體" panose="02020500000000000000" pitchFamily="18" charset="-120"/>
+              </a:rPr>
+            </a:br>
+            <a:r>
+              <a:rPr lang="en-US" altLang="zh-TW" sz="4000">
+                <a:latin typeface="Cambria" panose="02040503050406030204" pitchFamily="18" charset="0"/>
+                <a:ea typeface="新細明體" panose="02020500000000000000" pitchFamily="18" charset="-120"/>
+              </a:rPr>
+              <a:t/>
+            </a:r>
+            <a:br>
+              <a:rPr lang="en-US" altLang="zh-TW" sz="4000">
+                <a:latin typeface="Cambria" panose="02040503050406030204" pitchFamily="18" charset="0"/>
+                <a:ea typeface="新細明體" panose="02020500000000000000" pitchFamily="18" charset="-120"/>
+              </a:rPr>
+            </a:br>
+            <a:endParaRPr lang="zh-TW" altLang="en-US" sz="4000">
+              <a:latin typeface="Cambria" panose="02040503050406030204" pitchFamily="18" charset="0"/>
+              <a:ea typeface="新細明體" panose="02020500000000000000" pitchFamily="18" charset="-120"/>
+            </a:endParaRPr>
+          </a:p>
+        </p:txBody>
+      </p:sp>
+    </p:spTree>
+    <p:extLst>
+      <p:ext uri="{BB962C8B-B14F-4D97-AF65-F5344CB8AC3E}">
+        <p14:creationId xmlns:p14="http://schemas.microsoft.com/office/powerpoint/2010/main" val="1724047622"/>
+      </p:ext>
+    </p:extLst>
+  </p:cSld>
+  <p:clrMapOvr>
+    <a:masterClrMapping/>
+  </p:clrMapOvr>
+</p:sld>
+</file>
+
+<file path=ppt/slides/slide4.xml><?xml version="1.0" encoding="utf-8"?>
+<p:sld xmlns:a="http://schemas.openxmlformats.org/drawingml/2006/main" xmlns:r="http://schemas.openxmlformats.org/officeDocument/2006/relationships" xmlns:p="http://schemas.openxmlformats.org/presentationml/2006/main">
+  <p:cSld>
+    <p:spTree>
+      <p:nvGrpSpPr>
+        <p:cNvPr id="1" name=""/>
+        <p:cNvGrpSpPr/>
+        <p:nvPr/>
+      </p:nvGrpSpPr>
+      <p:grpSpPr>
+        <a:xfrm>
+          <a:off x="0" y="0"/>
+          <a:ext cx="0" cy="0"/>
+          <a:chOff x="0" y="0"/>
+          <a:chExt cx="0" cy="0"/>
+        </a:xfrm>
+      </p:grpSpPr>
+      <p:sp>
+        <p:nvSpPr>
+          <p:cNvPr id="2" name="標題 1"/>
+          <p:cNvSpPr>
+            <a:spLocks noGrp="1"/>
+          </p:cNvSpPr>
+          <p:nvPr>
+            <p:ph type="ctrTitle"/>
+          </p:nvPr>
+        </p:nvSpPr>
+        <p:spPr/>
+        <p:txBody>
+          <a:bodyPr/>
+          <a:lstStyle/>
+          <a:p>
+            <a:endParaRPr lang="zh-TW" altLang="en-US"/>
+          </a:p>
+        </p:txBody>
+      </p:sp>
+      <p:sp>
+        <p:nvSpPr>
+          <p:cNvPr id="3" name="副標題 2"/>
+          <p:cNvSpPr>
+            <a:spLocks noGrp="1"/>
+          </p:cNvSpPr>
+          <p:nvPr>
+            <p:ph type="subTitle" idx="1"/>
+          </p:nvPr>
+        </p:nvSpPr>
+        <p:spPr/>
+        <p:txBody>
+          <a:bodyPr/>
+          <a:lstStyle/>
+          <a:p>
+            <a:endParaRPr lang="zh-TW" altLang="en-US"/>
+          </a:p>
+        </p:txBody>
+      </p:sp>
+    </p:spTree>
+    <p:extLst>
+      <p:ext uri="{BB962C8B-B14F-4D97-AF65-F5344CB8AC3E}">
+        <p14:creationId xmlns:p14="http://schemas.microsoft.com/office/powerpoint/2010/main" val="2574302671"/>
+      </p:ext>
+    </p:extLst>
+  </p:cSld>
+  <p:clrMapOvr>
+    <a:masterClrMapping/>
+  </p:clrMapOvr>
+</p:sld>
+</file>
+
 <file path=ppt/theme/theme1.xml><?xml version="1.0" encoding="utf-8"?>
 <a:theme xmlns:a="http://schemas.openxmlformats.org/drawingml/2006/main" name="Office 佈景主題">
   <a:themeElements>

--- a/流程圖.pptx
+++ b/流程圖.pptx
@@ -17,6 +17,7 @@
     <p:sldId id="265" r:id="rId11"/>
     <p:sldId id="266" r:id="rId12"/>
     <p:sldId id="267" r:id="rId13"/>
+    <p:sldId id="268" r:id="rId14"/>
   </p:sldIdLst>
   <p:sldSz cx="12192000" cy="6858000"/>
   <p:notesSz cx="6858000" cy="9144000"/>
@@ -316,7 +317,7 @@
           <a:p>
             <a:fld id="{A82C37CB-E071-4591-97EF-45EBE93349F3}" type="datetimeFigureOut">
               <a:rPr lang="zh-TW" altLang="en-US" smtClean="0"/>
-              <a:t>2020/4/17</a:t>
+              <a:t>2020/4/20</a:t>
             </a:fld>
             <a:endParaRPr lang="zh-TW" altLang="en-US"/>
           </a:p>
@@ -486,7 +487,7 @@
           <a:p>
             <a:fld id="{A82C37CB-E071-4591-97EF-45EBE93349F3}" type="datetimeFigureOut">
               <a:rPr lang="zh-TW" altLang="en-US" smtClean="0"/>
-              <a:t>2020/4/17</a:t>
+              <a:t>2020/4/20</a:t>
             </a:fld>
             <a:endParaRPr lang="zh-TW" altLang="en-US"/>
           </a:p>
@@ -666,7 +667,7 @@
           <a:p>
             <a:fld id="{A82C37CB-E071-4591-97EF-45EBE93349F3}" type="datetimeFigureOut">
               <a:rPr lang="zh-TW" altLang="en-US" smtClean="0"/>
-              <a:t>2020/4/17</a:t>
+              <a:t>2020/4/20</a:t>
             </a:fld>
             <a:endParaRPr lang="zh-TW" altLang="en-US"/>
           </a:p>
@@ -836,7 +837,7 @@
           <a:p>
             <a:fld id="{A82C37CB-E071-4591-97EF-45EBE93349F3}" type="datetimeFigureOut">
               <a:rPr lang="zh-TW" altLang="en-US" smtClean="0"/>
-              <a:t>2020/4/17</a:t>
+              <a:t>2020/4/20</a:t>
             </a:fld>
             <a:endParaRPr lang="zh-TW" altLang="en-US"/>
           </a:p>
@@ -1082,7 +1083,7 @@
           <a:p>
             <a:fld id="{A82C37CB-E071-4591-97EF-45EBE93349F3}" type="datetimeFigureOut">
               <a:rPr lang="zh-TW" altLang="en-US" smtClean="0"/>
-              <a:t>2020/4/17</a:t>
+              <a:t>2020/4/20</a:t>
             </a:fld>
             <a:endParaRPr lang="zh-TW" altLang="en-US"/>
           </a:p>
@@ -1314,7 +1315,7 @@
           <a:p>
             <a:fld id="{A82C37CB-E071-4591-97EF-45EBE93349F3}" type="datetimeFigureOut">
               <a:rPr lang="zh-TW" altLang="en-US" smtClean="0"/>
-              <a:t>2020/4/17</a:t>
+              <a:t>2020/4/20</a:t>
             </a:fld>
             <a:endParaRPr lang="zh-TW" altLang="en-US"/>
           </a:p>
@@ -1681,7 +1682,7 @@
           <a:p>
             <a:fld id="{A82C37CB-E071-4591-97EF-45EBE93349F3}" type="datetimeFigureOut">
               <a:rPr lang="zh-TW" altLang="en-US" smtClean="0"/>
-              <a:t>2020/4/17</a:t>
+              <a:t>2020/4/20</a:t>
             </a:fld>
             <a:endParaRPr lang="zh-TW" altLang="en-US"/>
           </a:p>
@@ -1799,7 +1800,7 @@
           <a:p>
             <a:fld id="{A82C37CB-E071-4591-97EF-45EBE93349F3}" type="datetimeFigureOut">
               <a:rPr lang="zh-TW" altLang="en-US" smtClean="0"/>
-              <a:t>2020/4/17</a:t>
+              <a:t>2020/4/20</a:t>
             </a:fld>
             <a:endParaRPr lang="zh-TW" altLang="en-US"/>
           </a:p>
@@ -1894,7 +1895,7 @@
           <a:p>
             <a:fld id="{A82C37CB-E071-4591-97EF-45EBE93349F3}" type="datetimeFigureOut">
               <a:rPr lang="zh-TW" altLang="en-US" smtClean="0"/>
-              <a:t>2020/4/17</a:t>
+              <a:t>2020/4/20</a:t>
             </a:fld>
             <a:endParaRPr lang="zh-TW" altLang="en-US"/>
           </a:p>
@@ -2171,7 +2172,7 @@
           <a:p>
             <a:fld id="{A82C37CB-E071-4591-97EF-45EBE93349F3}" type="datetimeFigureOut">
               <a:rPr lang="zh-TW" altLang="en-US" smtClean="0"/>
-              <a:t>2020/4/17</a:t>
+              <a:t>2020/4/20</a:t>
             </a:fld>
             <a:endParaRPr lang="zh-TW" altLang="en-US"/>
           </a:p>
@@ -2424,7 +2425,7 @@
           <a:p>
             <a:fld id="{A82C37CB-E071-4591-97EF-45EBE93349F3}" type="datetimeFigureOut">
               <a:rPr lang="zh-TW" altLang="en-US" smtClean="0"/>
-              <a:t>2020/4/17</a:t>
+              <a:t>2020/4/20</a:t>
             </a:fld>
             <a:endParaRPr lang="zh-TW" altLang="en-US"/>
           </a:p>
@@ -2637,7 +2638,7 @@
           <a:p>
             <a:fld id="{A82C37CB-E071-4591-97EF-45EBE93349F3}" type="datetimeFigureOut">
               <a:rPr lang="zh-TW" altLang="en-US" smtClean="0"/>
-              <a:t>2020/4/17</a:t>
+              <a:t>2020/4/20</a:t>
             </a:fld>
             <a:endParaRPr lang="zh-TW" altLang="en-US"/>
           </a:p>
@@ -4402,12 +4403,16 @@
         <p:spPr>
           <a:xfrm>
             <a:off x="8200644" y="1067502"/>
-            <a:ext cx="1545336" cy="400110"/>
+            <a:ext cx="1711452" cy="400110"/>
           </a:xfrm>
           <a:prstGeom prst="rect">
             <a:avLst/>
           </a:prstGeom>
-          <a:noFill/>
+          <a:solidFill>
+            <a:schemeClr val="bg1">
+              <a:lumMod val="85000"/>
+            </a:schemeClr>
+          </a:solidFill>
           <a:ln>
             <a:solidFill>
               <a:schemeClr val="tx1"/>
@@ -4421,14 +4426,26 @@
           <a:lstStyle/>
           <a:p>
             <a:r>
-              <a:rPr lang="en-US" altLang="zh-TW" sz="2000" smtClean="0"/>
+              <a:rPr lang="en-US" altLang="zh-TW" sz="2000" smtClean="0">
+                <a:latin typeface="Arial Unicode MS" panose="020B0604020202020204" pitchFamily="34" charset="-120"/>
+                <a:ea typeface="Arial Unicode MS" panose="020B0604020202020204" pitchFamily="34" charset="-120"/>
+                <a:cs typeface="Arial Unicode MS" panose="020B0604020202020204" pitchFamily="34" charset="-120"/>
+              </a:rPr>
               <a:t>Session </a:t>
             </a:r>
             <a:r>
-              <a:rPr lang="zh-TW" altLang="en-US" sz="2000" smtClean="0"/>
+              <a:rPr lang="zh-TW" altLang="en-US" sz="2000" smtClean="0">
+                <a:latin typeface="Arial Unicode MS" panose="020B0604020202020204" pitchFamily="34" charset="-120"/>
+                <a:ea typeface="Arial Unicode MS" panose="020B0604020202020204" pitchFamily="34" charset="-120"/>
+                <a:cs typeface="Arial Unicode MS" panose="020B0604020202020204" pitchFamily="34" charset="-120"/>
+              </a:rPr>
               <a:t>緩存</a:t>
             </a:r>
-            <a:endParaRPr lang="en-US" altLang="zh-TW" sz="2000" smtClean="0"/>
+            <a:endParaRPr lang="en-US" altLang="zh-TW" sz="2000" smtClean="0">
+              <a:latin typeface="Arial Unicode MS" panose="020B0604020202020204" pitchFamily="34" charset="-120"/>
+              <a:ea typeface="Arial Unicode MS" panose="020B0604020202020204" pitchFamily="34" charset="-120"/>
+              <a:cs typeface="Arial Unicode MS" panose="020B0604020202020204" pitchFamily="34" charset="-120"/>
+            </a:endParaRPr>
           </a:p>
         </p:txBody>
       </p:sp>
@@ -4441,12 +4458,16 @@
         <p:spPr>
           <a:xfrm>
             <a:off x="9745980" y="3162550"/>
-            <a:ext cx="2013204" cy="400110"/>
+            <a:ext cx="2068068" cy="400110"/>
           </a:xfrm>
           <a:prstGeom prst="rect">
             <a:avLst/>
           </a:prstGeom>
-          <a:noFill/>
+          <a:solidFill>
+            <a:schemeClr val="bg1">
+              <a:lumMod val="85000"/>
+            </a:schemeClr>
+          </a:solidFill>
           <a:ln>
             <a:solidFill>
               <a:schemeClr val="tx1"/>
@@ -4460,15 +4481,27 @@
           <a:lstStyle/>
           <a:p>
             <a:r>
-              <a:rPr lang="zh-TW" altLang="en-US" sz="2000" smtClean="0"/>
+              <a:rPr lang="zh-TW" altLang="en-US" sz="2000" smtClean="0">
+                <a:latin typeface="Arial Unicode MS" panose="020B0604020202020204" pitchFamily="34" charset="-120"/>
+                <a:ea typeface="Arial Unicode MS" panose="020B0604020202020204" pitchFamily="34" charset="-120"/>
+                <a:cs typeface="Arial Unicode MS" panose="020B0604020202020204" pitchFamily="34" charset="-120"/>
+              </a:rPr>
               <a:t>引用變量</a:t>
             </a:r>
             <a:r>
-              <a:rPr lang="en-US" altLang="zh-TW" sz="2000"/>
+              <a:rPr lang="en-US" altLang="zh-TW" sz="2000">
+                <a:latin typeface="Arial Unicode MS" panose="020B0604020202020204" pitchFamily="34" charset="-120"/>
+                <a:ea typeface="Arial Unicode MS" panose="020B0604020202020204" pitchFamily="34" charset="-120"/>
+                <a:cs typeface="Arial Unicode MS" panose="020B0604020202020204" pitchFamily="34" charset="-120"/>
+              </a:rPr>
               <a:t> </a:t>
             </a:r>
             <a:r>
-              <a:rPr lang="en-US" altLang="zh-TW" sz="2000" smtClean="0"/>
+              <a:rPr lang="en-US" altLang="zh-TW" sz="2000" smtClean="0">
+                <a:latin typeface="Arial Unicode MS" panose="020B0604020202020204" pitchFamily="34" charset="-120"/>
+                <a:ea typeface="Arial Unicode MS" panose="020B0604020202020204" pitchFamily="34" charset="-120"/>
+                <a:cs typeface="Arial Unicode MS" panose="020B0604020202020204" pitchFamily="34" charset="-120"/>
+              </a:rPr>
               <a:t>news2</a:t>
             </a:r>
           </a:p>
@@ -4483,12 +4516,16 @@
         <p:spPr>
           <a:xfrm>
             <a:off x="5919000" y="3343043"/>
-            <a:ext cx="1854565" cy="400110"/>
+            <a:ext cx="1926552" cy="400110"/>
           </a:xfrm>
           <a:prstGeom prst="rect">
             <a:avLst/>
           </a:prstGeom>
-          <a:noFill/>
+          <a:solidFill>
+            <a:schemeClr val="bg1">
+              <a:lumMod val="85000"/>
+            </a:schemeClr>
+          </a:solidFill>
           <a:ln>
             <a:solidFill>
               <a:schemeClr val="tx1"/>
@@ -4502,22 +4539,34 @@
           <a:lstStyle/>
           <a:p>
             <a:r>
-              <a:rPr lang="zh-TW" altLang="en-US" sz="2000"/>
-              <a:t>引用變</a:t>
-            </a:r>
-            <a:r>
-              <a:rPr lang="zh-TW" altLang="en-US" sz="2000"/>
-              <a:t>量</a:t>
-            </a:r>
-            <a:r>
-              <a:rPr lang="en-US" altLang="zh-TW" sz="2000"/>
+              <a:rPr lang="zh-TW" altLang="en-US" sz="2000">
+                <a:latin typeface="Arial Unicode MS" panose="020B0604020202020204" pitchFamily="34" charset="-120"/>
+                <a:ea typeface="Arial Unicode MS" panose="020B0604020202020204" pitchFamily="34" charset="-120"/>
+                <a:cs typeface="Arial Unicode MS" panose="020B0604020202020204" pitchFamily="34" charset="-120"/>
+              </a:rPr>
+              <a:t>引用變量</a:t>
+            </a:r>
+            <a:r>
+              <a:rPr lang="en-US" altLang="zh-TW" sz="2000">
+                <a:latin typeface="Arial Unicode MS" panose="020B0604020202020204" pitchFamily="34" charset="-120"/>
+                <a:ea typeface="Arial Unicode MS" panose="020B0604020202020204" pitchFamily="34" charset="-120"/>
+                <a:cs typeface="Arial Unicode MS" panose="020B0604020202020204" pitchFamily="34" charset="-120"/>
+              </a:rPr>
               <a:t> </a:t>
             </a:r>
             <a:r>
-              <a:rPr lang="en-US" altLang="zh-TW" sz="2000" smtClean="0"/>
+              <a:rPr lang="en-US" altLang="zh-TW" sz="2000" smtClean="0">
+                <a:latin typeface="Arial Unicode MS" panose="020B0604020202020204" pitchFamily="34" charset="-120"/>
+                <a:ea typeface="Arial Unicode MS" panose="020B0604020202020204" pitchFamily="34" charset="-120"/>
+                <a:cs typeface="Arial Unicode MS" panose="020B0604020202020204" pitchFamily="34" charset="-120"/>
+              </a:rPr>
               <a:t>news</a:t>
             </a:r>
-            <a:endParaRPr lang="en-US" altLang="zh-TW" sz="2000"/>
+            <a:endParaRPr lang="en-US" altLang="zh-TW" sz="2000">
+              <a:latin typeface="Arial Unicode MS" panose="020B0604020202020204" pitchFamily="34" charset="-120"/>
+              <a:ea typeface="Arial Unicode MS" panose="020B0604020202020204" pitchFamily="34" charset="-120"/>
+              <a:cs typeface="Arial Unicode MS" panose="020B0604020202020204" pitchFamily="34" charset="-120"/>
+            </a:endParaRPr>
           </a:p>
         </p:txBody>
       </p:sp>
@@ -4533,7 +4582,7 @@
         <p:spPr>
           <a:xfrm flipH="1">
             <a:off x="8334756" y="1467612"/>
-            <a:ext cx="638556" cy="771394"/>
+            <a:ext cx="721614" cy="771394"/>
           </a:xfrm>
           <a:prstGeom prst="straightConnector1">
             <a:avLst/>
@@ -4606,8 +4655,8 @@
         </p:nvCxnSpPr>
         <p:spPr>
           <a:xfrm flipV="1">
-            <a:off x="6846283" y="3027300"/>
-            <a:ext cx="774004" cy="315743"/>
+            <a:off x="6882276" y="3027300"/>
+            <a:ext cx="738011" cy="315743"/>
           </a:xfrm>
           <a:prstGeom prst="straightConnector1">
             <a:avLst/>
@@ -4918,10 +4967,18 @@
           <a:p>
             <a:pPr algn="ctr"/>
             <a:r>
-              <a:rPr lang="zh-TW" altLang="en-US" smtClean="0"/>
+              <a:rPr lang="zh-TW" altLang="en-US" smtClean="0">
+                <a:latin typeface="Arial Unicode MS" panose="020B0604020202020204" pitchFamily="34" charset="-120"/>
+                <a:ea typeface="Arial Unicode MS" panose="020B0604020202020204" pitchFamily="34" charset="-120"/>
+                <a:cs typeface="Arial Unicode MS" panose="020B0604020202020204" pitchFamily="34" charset="-120"/>
+              </a:rPr>
               <a:t>進入</a:t>
             </a:r>
-            <a:endParaRPr lang="zh-TW" altLang="en-US"/>
+            <a:endParaRPr lang="zh-TW" altLang="en-US">
+              <a:latin typeface="Arial Unicode MS" panose="020B0604020202020204" pitchFamily="34" charset="-120"/>
+              <a:ea typeface="Arial Unicode MS" panose="020B0604020202020204" pitchFamily="34" charset="-120"/>
+              <a:cs typeface="Arial Unicode MS" panose="020B0604020202020204" pitchFamily="34" charset="-120"/>
+            </a:endParaRPr>
           </a:p>
         </p:txBody>
       </p:sp>
@@ -5149,7 +5206,11 @@
           <a:lstStyle/>
           <a:p>
             <a:pPr algn="ctr"/>
-            <a:endParaRPr lang="zh-TW" altLang="en-US"/>
+            <a:endParaRPr lang="zh-TW" altLang="en-US">
+              <a:latin typeface="Arial Unicode MS" panose="020B0604020202020204" pitchFamily="34" charset="-120"/>
+              <a:ea typeface="Arial Unicode MS" panose="020B0604020202020204" pitchFamily="34" charset="-120"/>
+              <a:cs typeface="Arial Unicode MS" panose="020B0604020202020204" pitchFamily="34" charset="-120"/>
+            </a:endParaRPr>
           </a:p>
         </p:txBody>
       </p:sp>
@@ -5188,10 +5249,18 @@
           <a:p>
             <a:pPr algn="ctr"/>
             <a:r>
-              <a:rPr lang="zh-TW" altLang="en-US" smtClean="0"/>
+              <a:rPr lang="zh-TW" altLang="en-US" smtClean="0">
+                <a:latin typeface="Arial Unicode MS" panose="020B0604020202020204" pitchFamily="34" charset="-120"/>
+                <a:ea typeface="Arial Unicode MS" panose="020B0604020202020204" pitchFamily="34" charset="-120"/>
+                <a:cs typeface="Arial Unicode MS" panose="020B0604020202020204" pitchFamily="34" charset="-120"/>
+              </a:rPr>
               <a:t>結束</a:t>
             </a:r>
-            <a:endParaRPr lang="zh-TW" altLang="en-US"/>
+            <a:endParaRPr lang="zh-TW" altLang="en-US">
+              <a:latin typeface="Arial Unicode MS" panose="020B0604020202020204" pitchFamily="34" charset="-120"/>
+              <a:ea typeface="Arial Unicode MS" panose="020B0604020202020204" pitchFamily="34" charset="-120"/>
+              <a:cs typeface="Arial Unicode MS" panose="020B0604020202020204" pitchFamily="34" charset="-120"/>
+            </a:endParaRPr>
           </a:p>
         </p:txBody>
       </p:sp>
@@ -5579,15 +5648,26 @@
                 <a:solidFill>
                   <a:srgbClr val="0070C0"/>
                 </a:solidFill>
+                <a:latin typeface="Arial Unicode MS" panose="020B0604020202020204" pitchFamily="34" charset="-120"/>
+                <a:ea typeface="Arial Unicode MS" panose="020B0604020202020204" pitchFamily="34" charset="-120"/>
+                <a:cs typeface="Arial Unicode MS" panose="020B0604020202020204" pitchFamily="34" charset="-120"/>
               </a:rPr>
               <a:t>new</a:t>
             </a:r>
             <a:r>
-              <a:rPr lang="en-US" altLang="zh-TW"/>
+              <a:rPr lang="en-US" altLang="zh-TW">
+                <a:latin typeface="Arial Unicode MS" panose="020B0604020202020204" pitchFamily="34" charset="-120"/>
+                <a:ea typeface="Arial Unicode MS" panose="020B0604020202020204" pitchFamily="34" charset="-120"/>
+                <a:cs typeface="Arial Unicode MS" panose="020B0604020202020204" pitchFamily="34" charset="-120"/>
+              </a:rPr>
               <a:t> </a:t>
             </a:r>
             <a:r>
-              <a:rPr lang="zh-TW" altLang="en-US"/>
+              <a:rPr lang="zh-TW" altLang="en-US">
+                <a:latin typeface="Arial Unicode MS" panose="020B0604020202020204" pitchFamily="34" charset="-120"/>
+                <a:ea typeface="Arial Unicode MS" panose="020B0604020202020204" pitchFamily="34" charset="-120"/>
+                <a:cs typeface="Arial Unicode MS" panose="020B0604020202020204" pitchFamily="34" charset="-120"/>
+              </a:rPr>
               <a:t>語句</a:t>
             </a:r>
           </a:p>
@@ -5665,6 +5745,9 @@
                 <a:solidFill>
                   <a:srgbClr val="0070C0"/>
                 </a:solidFill>
+                <a:latin typeface="Arial Unicode MS" panose="020B0604020202020204" pitchFamily="34" charset="-120"/>
+                <a:ea typeface="Arial Unicode MS" panose="020B0604020202020204" pitchFamily="34" charset="-120"/>
+                <a:cs typeface="Arial Unicode MS" panose="020B0604020202020204" pitchFamily="34" charset="-120"/>
               </a:rPr>
               <a:t>G</a:t>
             </a:r>
@@ -5673,6 +5756,9 @@
                 <a:solidFill>
                   <a:srgbClr val="0070C0"/>
                 </a:solidFill>
+                <a:latin typeface="Arial Unicode MS" panose="020B0604020202020204" pitchFamily="34" charset="-120"/>
+                <a:ea typeface="Arial Unicode MS" panose="020B0604020202020204" pitchFamily="34" charset="-120"/>
+                <a:cs typeface="Arial Unicode MS" panose="020B0604020202020204" pitchFamily="34" charset="-120"/>
               </a:rPr>
               <a:t>et()</a:t>
             </a:r>
@@ -5683,25 +5769,40 @@
                 <a:solidFill>
                   <a:srgbClr val="0070C0"/>
                 </a:solidFill>
+                <a:latin typeface="Arial Unicode MS" panose="020B0604020202020204" pitchFamily="34" charset="-120"/>
+                <a:ea typeface="Arial Unicode MS" panose="020B0604020202020204" pitchFamily="34" charset="-120"/>
+                <a:cs typeface="Arial Unicode MS" panose="020B0604020202020204" pitchFamily="34" charset="-120"/>
               </a:rPr>
               <a:t>Load()</a:t>
             </a:r>
           </a:p>
           <a:p>
             <a:r>
-              <a:rPr lang="en-US" altLang="zh-TW" smtClean="0"/>
+              <a:rPr lang="en-US" altLang="zh-TW" smtClean="0">
+                <a:latin typeface="Arial Unicode MS" panose="020B0604020202020204" pitchFamily="34" charset="-120"/>
+                <a:ea typeface="Arial Unicode MS" panose="020B0604020202020204" pitchFamily="34" charset="-120"/>
+                <a:cs typeface="Arial Unicode MS" panose="020B0604020202020204" pitchFamily="34" charset="-120"/>
+              </a:rPr>
               <a:t>Quey.list()</a:t>
             </a:r>
           </a:p>
           <a:p>
             <a:r>
-              <a:rPr lang="en-US" altLang="zh-TW" smtClean="0"/>
+              <a:rPr lang="en-US" altLang="zh-TW" smtClean="0">
+                <a:latin typeface="Arial Unicode MS" panose="020B0604020202020204" pitchFamily="34" charset="-120"/>
+                <a:ea typeface="Arial Unicode MS" panose="020B0604020202020204" pitchFamily="34" charset="-120"/>
+                <a:cs typeface="Arial Unicode MS" panose="020B0604020202020204" pitchFamily="34" charset="-120"/>
+              </a:rPr>
               <a:t>Quey.uniqueResult()</a:t>
             </a:r>
           </a:p>
           <a:p>
             <a:r>
-              <a:rPr lang="en-US" altLang="zh-TW" smtClean="0"/>
+              <a:rPr lang="en-US" altLang="zh-TW" smtClean="0">
+                <a:latin typeface="Arial Unicode MS" panose="020B0604020202020204" pitchFamily="34" charset="-120"/>
+                <a:ea typeface="Arial Unicode MS" panose="020B0604020202020204" pitchFamily="34" charset="-120"/>
+                <a:cs typeface="Arial Unicode MS" panose="020B0604020202020204" pitchFamily="34" charset="-120"/>
+              </a:rPr>
               <a:t>Quey.iterator()</a:t>
             </a:r>
           </a:p>
@@ -5785,8 +5886,8 @@
         </p:nvSpPr>
         <p:spPr>
           <a:xfrm>
-            <a:off x="3593975" y="2048646"/>
-            <a:ext cx="1658873" cy="1200329"/>
+            <a:off x="3468245" y="2048646"/>
+            <a:ext cx="1784604" cy="1200329"/>
           </a:xfrm>
           <a:prstGeom prst="rect">
             <a:avLst/>
@@ -5810,13 +5911,20 @@
                 <a:solidFill>
                   <a:srgbClr val="0070C0"/>
                 </a:solidFill>
+                <a:latin typeface="Arial Unicode MS" panose="020B0604020202020204" pitchFamily="34" charset="-120"/>
+                <a:ea typeface="Arial Unicode MS" panose="020B0604020202020204" pitchFamily="34" charset="-120"/>
+                <a:cs typeface="Arial Unicode MS" panose="020B0604020202020204" pitchFamily="34" charset="-120"/>
               </a:rPr>
               <a:t>Save()</a:t>
             </a:r>
           </a:p>
           <a:p>
             <a:r>
-              <a:rPr lang="en-US" altLang="zh-TW" smtClean="0"/>
+              <a:rPr lang="en-US" altLang="zh-TW" smtClean="0">
+                <a:latin typeface="Arial Unicode MS" panose="020B0604020202020204" pitchFamily="34" charset="-120"/>
+                <a:ea typeface="Arial Unicode MS" panose="020B0604020202020204" pitchFamily="34" charset="-120"/>
+                <a:cs typeface="Arial Unicode MS" panose="020B0604020202020204" pitchFamily="34" charset="-120"/>
+              </a:rPr>
               <a:t>saveOrUpdate()</a:t>
             </a:r>
           </a:p>
@@ -5826,13 +5934,20 @@
                 <a:solidFill>
                   <a:srgbClr val="0070C0"/>
                 </a:solidFill>
+                <a:latin typeface="Arial Unicode MS" panose="020B0604020202020204" pitchFamily="34" charset="-120"/>
+                <a:ea typeface="Arial Unicode MS" panose="020B0604020202020204" pitchFamily="34" charset="-120"/>
+                <a:cs typeface="Arial Unicode MS" panose="020B0604020202020204" pitchFamily="34" charset="-120"/>
               </a:rPr>
               <a:t>Persist()</a:t>
             </a:r>
           </a:p>
           <a:p>
             <a:r>
-              <a:rPr lang="en-US" altLang="zh-TW" smtClean="0"/>
+              <a:rPr lang="en-US" altLang="zh-TW" smtClean="0">
+                <a:latin typeface="Arial Unicode MS" panose="020B0604020202020204" pitchFamily="34" charset="-120"/>
+                <a:ea typeface="Arial Unicode MS" panose="020B0604020202020204" pitchFamily="34" charset="-120"/>
+                <a:cs typeface="Arial Unicode MS" panose="020B0604020202020204" pitchFamily="34" charset="-120"/>
+              </a:rPr>
               <a:t>merge()</a:t>
             </a:r>
           </a:p>
@@ -5847,9 +5962,9 @@
           <p:nvPr/>
         </p:nvCxnSpPr>
         <p:spPr>
-          <a:xfrm flipV="1">
-            <a:off x="5252848" y="2648810"/>
-            <a:ext cx="266318" cy="1"/>
+          <a:xfrm>
+            <a:off x="5252849" y="2648811"/>
+            <a:ext cx="266317" cy="1"/>
           </a:xfrm>
           <a:prstGeom prst="straightConnector1">
             <a:avLst/>
@@ -5902,7 +6017,11 @@
           <a:lstStyle/>
           <a:p>
             <a:r>
-              <a:rPr lang="en-US" altLang="zh-TW" smtClean="0"/>
+              <a:rPr lang="en-US" altLang="zh-TW" smtClean="0">
+                <a:latin typeface="Arial Unicode MS" panose="020B0604020202020204" pitchFamily="34" charset="-120"/>
+                <a:ea typeface="Arial Unicode MS" panose="020B0604020202020204" pitchFamily="34" charset="-120"/>
+                <a:cs typeface="Arial Unicode MS" panose="020B0604020202020204" pitchFamily="34" charset="-120"/>
+              </a:rPr>
               <a:t>evict()</a:t>
             </a:r>
           </a:p>
@@ -5912,13 +6031,20 @@
                 <a:solidFill>
                   <a:srgbClr val="0070C0"/>
                 </a:solidFill>
+                <a:latin typeface="Arial Unicode MS" panose="020B0604020202020204" pitchFamily="34" charset="-120"/>
+                <a:ea typeface="Arial Unicode MS" panose="020B0604020202020204" pitchFamily="34" charset="-120"/>
+                <a:cs typeface="Arial Unicode MS" panose="020B0604020202020204" pitchFamily="34" charset="-120"/>
               </a:rPr>
               <a:t>close()</a:t>
             </a:r>
           </a:p>
           <a:p>
             <a:r>
-              <a:rPr lang="en-US" altLang="zh-TW" smtClean="0"/>
+              <a:rPr lang="en-US" altLang="zh-TW" smtClean="0">
+                <a:latin typeface="Arial Unicode MS" panose="020B0604020202020204" pitchFamily="34" charset="-120"/>
+                <a:ea typeface="Arial Unicode MS" panose="020B0604020202020204" pitchFamily="34" charset="-120"/>
+                <a:cs typeface="Arial Unicode MS" panose="020B0604020202020204" pitchFamily="34" charset="-120"/>
+              </a:rPr>
               <a:t>clear()</a:t>
             </a:r>
           </a:p>
@@ -5932,8 +6058,8 @@
         </p:nvSpPr>
         <p:spPr>
           <a:xfrm>
-            <a:off x="6109335" y="4225366"/>
-            <a:ext cx="1618488" cy="1200329"/>
+            <a:off x="6109334" y="4225366"/>
+            <a:ext cx="1908429" cy="1200329"/>
           </a:xfrm>
           <a:prstGeom prst="rect">
             <a:avLst/>
@@ -5957,25 +6083,40 @@
                 <a:solidFill>
                   <a:srgbClr val="0070C0"/>
                 </a:solidFill>
+                <a:latin typeface="Arial Unicode MS" panose="020B0604020202020204" pitchFamily="34" charset="-120"/>
+                <a:ea typeface="Arial Unicode MS" panose="020B0604020202020204" pitchFamily="34" charset="-120"/>
+                <a:cs typeface="Arial Unicode MS" panose="020B0604020202020204" pitchFamily="34" charset="-120"/>
               </a:rPr>
               <a:t>update()</a:t>
             </a:r>
           </a:p>
           <a:p>
             <a:r>
-              <a:rPr lang="en-US" altLang="zh-TW" smtClean="0"/>
+              <a:rPr lang="en-US" altLang="zh-TW" smtClean="0">
+                <a:latin typeface="Arial Unicode MS" panose="020B0604020202020204" pitchFamily="34" charset="-120"/>
+                <a:ea typeface="Arial Unicode MS" panose="020B0604020202020204" pitchFamily="34" charset="-120"/>
+                <a:cs typeface="Arial Unicode MS" panose="020B0604020202020204" pitchFamily="34" charset="-120"/>
+              </a:rPr>
               <a:t>saveOrUpdate()</a:t>
             </a:r>
           </a:p>
           <a:p>
             <a:r>
-              <a:rPr lang="en-US" altLang="zh-TW" smtClean="0"/>
+              <a:rPr lang="en-US" altLang="zh-TW" smtClean="0">
+                <a:latin typeface="Arial Unicode MS" panose="020B0604020202020204" pitchFamily="34" charset="-120"/>
+                <a:ea typeface="Arial Unicode MS" panose="020B0604020202020204" pitchFamily="34" charset="-120"/>
+                <a:cs typeface="Arial Unicode MS" panose="020B0604020202020204" pitchFamily="34" charset="-120"/>
+              </a:rPr>
               <a:t>Persist()</a:t>
             </a:r>
           </a:p>
           <a:p>
             <a:r>
-              <a:rPr lang="en-US" altLang="zh-TW" smtClean="0"/>
+              <a:rPr lang="en-US" altLang="zh-TW" smtClean="0">
+                <a:latin typeface="Arial Unicode MS" panose="020B0604020202020204" pitchFamily="34" charset="-120"/>
+                <a:ea typeface="Arial Unicode MS" panose="020B0604020202020204" pitchFamily="34" charset="-120"/>
+                <a:cs typeface="Arial Unicode MS" panose="020B0604020202020204" pitchFamily="34" charset="-120"/>
+              </a:rPr>
               <a:t>merge()</a:t>
             </a:r>
           </a:p>
@@ -5991,8 +6132,8 @@
         </p:nvCxnSpPr>
         <p:spPr>
           <a:xfrm flipH="1" flipV="1">
-            <a:off x="5793486" y="4815116"/>
-            <a:ext cx="315849" cy="10415"/>
+            <a:off x="5793488" y="4815118"/>
+            <a:ext cx="315846" cy="10413"/>
           </a:xfrm>
           <a:prstGeom prst="straightConnector1">
             <a:avLst/>
@@ -6085,14 +6226,26 @@
           <a:p>
             <a:pPr algn="ctr"/>
             <a:r>
-              <a:rPr lang="en-US" altLang="zh-TW"/>
+              <a:rPr lang="en-US" altLang="zh-TW">
+                <a:latin typeface="Arial Unicode MS" panose="020B0604020202020204" pitchFamily="34" charset="-120"/>
+                <a:ea typeface="Arial Unicode MS" panose="020B0604020202020204" pitchFamily="34" charset="-120"/>
+                <a:cs typeface="Arial Unicode MS" panose="020B0604020202020204" pitchFamily="34" charset="-120"/>
+              </a:rPr>
               <a:t>d</a:t>
             </a:r>
             <a:r>
-              <a:rPr lang="en-US" altLang="zh-TW" smtClean="0"/>
+              <a:rPr lang="en-US" altLang="zh-TW" smtClean="0">
+                <a:latin typeface="Arial Unicode MS" panose="020B0604020202020204" pitchFamily="34" charset="-120"/>
+                <a:ea typeface="Arial Unicode MS" panose="020B0604020202020204" pitchFamily="34" charset="-120"/>
+                <a:cs typeface="Arial Unicode MS" panose="020B0604020202020204" pitchFamily="34" charset="-120"/>
+              </a:rPr>
               <a:t>elete()</a:t>
             </a:r>
-            <a:endParaRPr lang="zh-TW" altLang="en-US"/>
+            <a:endParaRPr lang="zh-TW" altLang="en-US">
+              <a:latin typeface="Arial Unicode MS" panose="020B0604020202020204" pitchFamily="34" charset="-120"/>
+              <a:ea typeface="Arial Unicode MS" panose="020B0604020202020204" pitchFamily="34" charset="-120"/>
+              <a:cs typeface="Arial Unicode MS" panose="020B0604020202020204" pitchFamily="34" charset="-120"/>
+            </a:endParaRPr>
           </a:p>
         </p:txBody>
       </p:sp>
@@ -6130,14 +6283,26 @@
           <a:p>
             <a:pPr algn="ctr"/>
             <a:r>
-              <a:rPr lang="en-US" altLang="zh-TW"/>
+              <a:rPr lang="en-US" altLang="zh-TW">
+                <a:latin typeface="Arial Unicode MS" panose="020B0604020202020204" pitchFamily="34" charset="-120"/>
+                <a:ea typeface="Arial Unicode MS" panose="020B0604020202020204" pitchFamily="34" charset="-120"/>
+                <a:cs typeface="Arial Unicode MS" panose="020B0604020202020204" pitchFamily="34" charset="-120"/>
+              </a:rPr>
               <a:t>d</a:t>
             </a:r>
             <a:r>
-              <a:rPr lang="en-US" altLang="zh-TW" smtClean="0"/>
+              <a:rPr lang="en-US" altLang="zh-TW" smtClean="0">
+                <a:latin typeface="Arial Unicode MS" panose="020B0604020202020204" pitchFamily="34" charset="-120"/>
+                <a:ea typeface="Arial Unicode MS" panose="020B0604020202020204" pitchFamily="34" charset="-120"/>
+                <a:cs typeface="Arial Unicode MS" panose="020B0604020202020204" pitchFamily="34" charset="-120"/>
+              </a:rPr>
               <a:t>elete()</a:t>
             </a:r>
-            <a:endParaRPr lang="zh-TW" altLang="en-US"/>
+            <a:endParaRPr lang="zh-TW" altLang="en-US">
+              <a:latin typeface="Arial Unicode MS" panose="020B0604020202020204" pitchFamily="34" charset="-120"/>
+              <a:ea typeface="Arial Unicode MS" panose="020B0604020202020204" pitchFamily="34" charset="-120"/>
+              <a:cs typeface="Arial Unicode MS" panose="020B0604020202020204" pitchFamily="34" charset="-120"/>
+            </a:endParaRPr>
           </a:p>
         </p:txBody>
       </p:sp>
@@ -6346,10 +6511,3195 @@
           </a:p>
         </p:txBody>
       </p:sp>
+      <p:sp>
+        <p:nvSpPr>
+          <p:cNvPr id="38" name="文字方塊 37"/>
+          <p:cNvSpPr txBox="1"/>
+          <p:nvPr/>
+        </p:nvSpPr>
+        <p:spPr>
+          <a:xfrm>
+            <a:off x="311851" y="3856034"/>
+            <a:ext cx="2476499" cy="2585323"/>
+          </a:xfrm>
+          <a:prstGeom prst="rect">
+            <a:avLst/>
+          </a:prstGeom>
+          <a:noFill/>
+          <a:ln>
+            <a:solidFill>
+              <a:schemeClr val="tx1"/>
+            </a:solidFill>
+            <a:prstDash val="lgDashDotDot"/>
+          </a:ln>
+        </p:spPr>
+        <p:txBody>
+          <a:bodyPr wrap="square" rtlCol="0">
+            <a:spAutoFit/>
+          </a:bodyPr>
+          <a:lstStyle/>
+          <a:p>
+            <a:r>
+              <a:rPr lang="zh-TW" altLang="en-US" smtClean="0">
+                <a:latin typeface="Arial Unicode MS" panose="020B0604020202020204" pitchFamily="34" charset="-120"/>
+                <a:ea typeface="Arial Unicode MS" panose="020B0604020202020204" pitchFamily="34" charset="-120"/>
+                <a:cs typeface="Arial Unicode MS" panose="020B0604020202020204" pitchFamily="34" charset="-120"/>
+              </a:rPr>
+              <a:t>概念</a:t>
+            </a:r>
+            <a:r>
+              <a:rPr lang="en-US" altLang="zh-TW" smtClean="0">
+                <a:latin typeface="Arial Unicode MS" panose="020B0604020202020204" pitchFamily="34" charset="-120"/>
+                <a:ea typeface="Arial Unicode MS" panose="020B0604020202020204" pitchFamily="34" charset="-120"/>
+                <a:cs typeface="Arial Unicode MS" panose="020B0604020202020204" pitchFamily="34" charset="-120"/>
+              </a:rPr>
+              <a:t>:</a:t>
+            </a:r>
+          </a:p>
+          <a:p>
+            <a:endParaRPr lang="en-US" altLang="zh-TW" smtClean="0">
+              <a:latin typeface="Arial Unicode MS" panose="020B0604020202020204" pitchFamily="34" charset="-120"/>
+              <a:ea typeface="Arial Unicode MS" panose="020B0604020202020204" pitchFamily="34" charset="-120"/>
+              <a:cs typeface="Arial Unicode MS" panose="020B0604020202020204" pitchFamily="34" charset="-120"/>
+            </a:endParaRPr>
+          </a:p>
+          <a:p>
+            <a:r>
+              <a:rPr lang="zh-TW" altLang="en-US">
+                <a:latin typeface="Arial Unicode MS" panose="020B0604020202020204" pitchFamily="34" charset="-120"/>
+                <a:ea typeface="Arial Unicode MS" panose="020B0604020202020204" pitchFamily="34" charset="-120"/>
+                <a:cs typeface="Arial Unicode MS" panose="020B0604020202020204" pitchFamily="34" charset="-120"/>
+              </a:rPr>
+              <a:t>臨時</a:t>
+            </a:r>
+            <a:r>
+              <a:rPr lang="zh-TW" altLang="en-US" smtClean="0">
+                <a:latin typeface="Arial Unicode MS" panose="020B0604020202020204" pitchFamily="34" charset="-120"/>
+                <a:ea typeface="Arial Unicode MS" panose="020B0604020202020204" pitchFamily="34" charset="-120"/>
+                <a:cs typeface="Arial Unicode MS" panose="020B0604020202020204" pitchFamily="34" charset="-120"/>
+              </a:rPr>
+              <a:t>狀態 → </a:t>
+            </a:r>
+            <a:r>
+              <a:rPr lang="zh-TW" altLang="en-US" smtClean="0">
+                <a:solidFill>
+                  <a:srgbClr val="FF0000"/>
+                </a:solidFill>
+                <a:latin typeface="Arial Unicode MS" panose="020B0604020202020204" pitchFamily="34" charset="-120"/>
+                <a:ea typeface="Arial Unicode MS" panose="020B0604020202020204" pitchFamily="34" charset="-120"/>
+                <a:cs typeface="Arial Unicode MS" panose="020B0604020202020204" pitchFamily="34" charset="-120"/>
+              </a:rPr>
+              <a:t>公司訪客</a:t>
+            </a:r>
+            <a:endParaRPr lang="en-US" altLang="zh-TW" smtClean="0">
+              <a:solidFill>
+                <a:srgbClr val="FF0000"/>
+              </a:solidFill>
+              <a:latin typeface="Arial Unicode MS" panose="020B0604020202020204" pitchFamily="34" charset="-120"/>
+              <a:ea typeface="Arial Unicode MS" panose="020B0604020202020204" pitchFamily="34" charset="-120"/>
+              <a:cs typeface="Arial Unicode MS" panose="020B0604020202020204" pitchFamily="34" charset="-120"/>
+            </a:endParaRPr>
+          </a:p>
+          <a:p>
+            <a:endParaRPr lang="zh-TW" altLang="en-US">
+              <a:latin typeface="Arial Unicode MS" panose="020B0604020202020204" pitchFamily="34" charset="-120"/>
+              <a:ea typeface="Arial Unicode MS" panose="020B0604020202020204" pitchFamily="34" charset="-120"/>
+              <a:cs typeface="Arial Unicode MS" panose="020B0604020202020204" pitchFamily="34" charset="-120"/>
+            </a:endParaRPr>
+          </a:p>
+          <a:p>
+            <a:r>
+              <a:rPr lang="zh-TW" altLang="en-US">
+                <a:latin typeface="Arial Unicode MS" panose="020B0604020202020204" pitchFamily="34" charset="-120"/>
+                <a:ea typeface="Arial Unicode MS" panose="020B0604020202020204" pitchFamily="34" charset="-120"/>
+                <a:cs typeface="Arial Unicode MS" panose="020B0604020202020204" pitchFamily="34" charset="-120"/>
+              </a:rPr>
+              <a:t>持久化</a:t>
+            </a:r>
+            <a:r>
+              <a:rPr lang="zh-TW" altLang="en-US" smtClean="0">
+                <a:latin typeface="Arial Unicode MS" panose="020B0604020202020204" pitchFamily="34" charset="-120"/>
+                <a:ea typeface="Arial Unicode MS" panose="020B0604020202020204" pitchFamily="34" charset="-120"/>
+                <a:cs typeface="Arial Unicode MS" panose="020B0604020202020204" pitchFamily="34" charset="-120"/>
+              </a:rPr>
+              <a:t>狀態 → </a:t>
+            </a:r>
+            <a:r>
+              <a:rPr lang="zh-TW" altLang="en-US" smtClean="0">
+                <a:solidFill>
+                  <a:srgbClr val="FF0000"/>
+                </a:solidFill>
+                <a:latin typeface="Arial Unicode MS" panose="020B0604020202020204" pitchFamily="34" charset="-120"/>
+                <a:ea typeface="Arial Unicode MS" panose="020B0604020202020204" pitchFamily="34" charset="-120"/>
+                <a:cs typeface="Arial Unicode MS" panose="020B0604020202020204" pitchFamily="34" charset="-120"/>
+              </a:rPr>
+              <a:t>員工</a:t>
+            </a:r>
+            <a:endParaRPr lang="zh-TW" altLang="en-US">
+              <a:solidFill>
+                <a:srgbClr val="FF0000"/>
+              </a:solidFill>
+              <a:latin typeface="Arial Unicode MS" panose="020B0604020202020204" pitchFamily="34" charset="-120"/>
+              <a:ea typeface="Arial Unicode MS" panose="020B0604020202020204" pitchFamily="34" charset="-120"/>
+              <a:cs typeface="Arial Unicode MS" panose="020B0604020202020204" pitchFamily="34" charset="-120"/>
+            </a:endParaRPr>
+          </a:p>
+          <a:p>
+            <a:endParaRPr lang="en-US" altLang="zh-TW" smtClean="0">
+              <a:latin typeface="Arial Unicode MS" panose="020B0604020202020204" pitchFamily="34" charset="-120"/>
+              <a:ea typeface="Arial Unicode MS" panose="020B0604020202020204" pitchFamily="34" charset="-120"/>
+              <a:cs typeface="Arial Unicode MS" panose="020B0604020202020204" pitchFamily="34" charset="-120"/>
+            </a:endParaRPr>
+          </a:p>
+          <a:p>
+            <a:r>
+              <a:rPr lang="zh-TW" altLang="en-US" smtClean="0">
+                <a:latin typeface="Arial Unicode MS" panose="020B0604020202020204" pitchFamily="34" charset="-120"/>
+                <a:ea typeface="Arial Unicode MS" panose="020B0604020202020204" pitchFamily="34" charset="-120"/>
+                <a:cs typeface="Arial Unicode MS" panose="020B0604020202020204" pitchFamily="34" charset="-120"/>
+              </a:rPr>
+              <a:t>游離狀態 → </a:t>
+            </a:r>
+            <a:r>
+              <a:rPr lang="zh-TW" altLang="en-US" smtClean="0">
+                <a:solidFill>
+                  <a:srgbClr val="FF0000"/>
+                </a:solidFill>
+                <a:latin typeface="Arial Unicode MS" panose="020B0604020202020204" pitchFamily="34" charset="-120"/>
+                <a:ea typeface="Arial Unicode MS" panose="020B0604020202020204" pitchFamily="34" charset="-120"/>
+                <a:cs typeface="Arial Unicode MS" panose="020B0604020202020204" pitchFamily="34" charset="-120"/>
+              </a:rPr>
+              <a:t>請假員工</a:t>
+            </a:r>
+            <a:endParaRPr lang="zh-TW" altLang="en-US">
+              <a:solidFill>
+                <a:srgbClr val="FF0000"/>
+              </a:solidFill>
+              <a:latin typeface="Arial Unicode MS" panose="020B0604020202020204" pitchFamily="34" charset="-120"/>
+              <a:ea typeface="Arial Unicode MS" panose="020B0604020202020204" pitchFamily="34" charset="-120"/>
+              <a:cs typeface="Arial Unicode MS" panose="020B0604020202020204" pitchFamily="34" charset="-120"/>
+            </a:endParaRPr>
+          </a:p>
+          <a:p>
+            <a:endParaRPr lang="en-US" altLang="zh-TW" smtClean="0">
+              <a:latin typeface="Arial Unicode MS" panose="020B0604020202020204" pitchFamily="34" charset="-120"/>
+              <a:ea typeface="Arial Unicode MS" panose="020B0604020202020204" pitchFamily="34" charset="-120"/>
+              <a:cs typeface="Arial Unicode MS" panose="020B0604020202020204" pitchFamily="34" charset="-120"/>
+            </a:endParaRPr>
+          </a:p>
+          <a:p>
+            <a:r>
+              <a:rPr lang="zh-TW" altLang="en-US" smtClean="0">
+                <a:latin typeface="Arial Unicode MS" panose="020B0604020202020204" pitchFamily="34" charset="-120"/>
+                <a:ea typeface="Arial Unicode MS" panose="020B0604020202020204" pitchFamily="34" charset="-120"/>
+                <a:cs typeface="Arial Unicode MS" panose="020B0604020202020204" pitchFamily="34" charset="-120"/>
+              </a:rPr>
+              <a:t>刪除狀態 → </a:t>
+            </a:r>
+            <a:r>
+              <a:rPr lang="zh-TW" altLang="en-US" smtClean="0">
+                <a:solidFill>
+                  <a:srgbClr val="FF0000"/>
+                </a:solidFill>
+                <a:latin typeface="Arial Unicode MS" panose="020B0604020202020204" pitchFamily="34" charset="-120"/>
+                <a:ea typeface="Arial Unicode MS" panose="020B0604020202020204" pitchFamily="34" charset="-120"/>
+                <a:cs typeface="Arial Unicode MS" panose="020B0604020202020204" pitchFamily="34" charset="-120"/>
+              </a:rPr>
+              <a:t>開除員工</a:t>
+            </a:r>
+            <a:endParaRPr lang="zh-TW" altLang="en-US">
+              <a:solidFill>
+                <a:srgbClr val="FF0000"/>
+              </a:solidFill>
+              <a:latin typeface="Arial Unicode MS" panose="020B0604020202020204" pitchFamily="34" charset="-120"/>
+              <a:ea typeface="Arial Unicode MS" panose="020B0604020202020204" pitchFamily="34" charset="-120"/>
+              <a:cs typeface="Arial Unicode MS" panose="020B0604020202020204" pitchFamily="34" charset="-120"/>
+            </a:endParaRPr>
+          </a:p>
+        </p:txBody>
+      </p:sp>
     </p:spTree>
     <p:extLst>
       <p:ext uri="{BB962C8B-B14F-4D97-AF65-F5344CB8AC3E}">
         <p14:creationId xmlns:p14="http://schemas.microsoft.com/office/powerpoint/2010/main" val="60923352"/>
+      </p:ext>
+    </p:extLst>
+  </p:cSld>
+  <p:clrMapOvr>
+    <a:masterClrMapping/>
+  </p:clrMapOvr>
+</p:sld>
+</file>
+
+<file path=ppt/slides/slide13.xml><?xml version="1.0" encoding="utf-8"?>
+<p:sld xmlns:a="http://schemas.openxmlformats.org/drawingml/2006/main" xmlns:r="http://schemas.openxmlformats.org/officeDocument/2006/relationships" xmlns:p="http://schemas.openxmlformats.org/presentationml/2006/main">
+  <p:cSld>
+    <p:spTree>
+      <p:nvGrpSpPr>
+        <p:cNvPr id="1" name=""/>
+        <p:cNvGrpSpPr/>
+        <p:nvPr/>
+      </p:nvGrpSpPr>
+      <p:grpSpPr>
+        <a:xfrm>
+          <a:off x="0" y="0"/>
+          <a:ext cx="0" cy="0"/>
+          <a:chOff x="0" y="0"/>
+          <a:chExt cx="0" cy="0"/>
+        </a:xfrm>
+      </p:grpSpPr>
+      <p:graphicFrame>
+        <p:nvGraphicFramePr>
+          <p:cNvPr id="2" name="表格 1"/>
+          <p:cNvGraphicFramePr>
+            <a:graphicFrameLocks noGrp="1"/>
+          </p:cNvGraphicFramePr>
+          <p:nvPr>
+            <p:extLst>
+              <p:ext uri="{D42A27DB-BD31-4B8C-83A1-F6EECF244321}">
+                <p14:modId xmlns:p14="http://schemas.microsoft.com/office/powerpoint/2010/main" val="1848289072"/>
+              </p:ext>
+            </p:extLst>
+          </p:nvPr>
+        </p:nvGraphicFramePr>
+        <p:xfrm>
+          <a:off x="0" y="3"/>
+          <a:ext cx="12198096" cy="7167363"/>
+        </p:xfrm>
+        <a:graphic>
+          <a:graphicData uri="http://schemas.openxmlformats.org/drawingml/2006/table">
+            <a:tbl>
+              <a:tblPr firstRow="1" firstCol="1" bandRow="1">
+                <a:tableStyleId>{93296810-A885-4BE3-A3E7-6D5BEEA58F35}</a:tableStyleId>
+              </a:tblPr>
+              <a:tblGrid>
+                <a:gridCol w="3072384"/>
+                <a:gridCol w="4462271"/>
+                <a:gridCol w="1828800"/>
+                <a:gridCol w="2834641"/>
+              </a:tblGrid>
+              <a:tr h="284661">
+                <a:tc>
+                  <a:txBody>
+                    <a:bodyPr/>
+                    <a:lstStyle/>
+                    <a:p>
+                      <a:pPr algn="ctr">
+                        <a:spcAft>
+                          <a:spcPts val="0"/>
+                        </a:spcAft>
+                      </a:pPr>
+                      <a:r>
+                        <a:rPr lang="en-US" sz="1800" kern="100" baseline="0">
+                          <a:effectLst/>
+                          <a:latin typeface="Malgun Gothic" panose="020B0503020000020004" pitchFamily="34" charset="-127"/>
+                          <a:ea typeface="Malgun Gothic" panose="020B0503020000020004" pitchFamily="34" charset="-127"/>
+                        </a:rPr>
+                        <a:t>Hibernate</a:t>
+                      </a:r>
+                      <a:r>
+                        <a:rPr lang="zh-TW" sz="1800" kern="100" baseline="0">
+                          <a:effectLst/>
+                          <a:latin typeface="Malgun Gothic" panose="020B0503020000020004" pitchFamily="34" charset="-127"/>
+                          <a:ea typeface="Malgun Gothic" panose="020B0503020000020004" pitchFamily="34" charset="-127"/>
+                        </a:rPr>
+                        <a:t>映射類型</a:t>
+                      </a:r>
+                      <a:endParaRPr lang="zh-TW" sz="1800" kern="100" baseline="0">
+                        <a:effectLst/>
+                        <a:latin typeface="Malgun Gothic" panose="020B0503020000020004" pitchFamily="34" charset="-127"/>
+                        <a:ea typeface="Malgun Gothic" panose="020B0503020000020004" pitchFamily="34" charset="-127"/>
+                        <a:cs typeface="Times New Roman" panose="02020603050405020304" pitchFamily="18" charset="0"/>
+                      </a:endParaRPr>
+                    </a:p>
+                  </a:txBody>
+                  <a:tcPr marL="50992" marR="50992" marT="0" marB="0"/>
+                </a:tc>
+                <a:tc>
+                  <a:txBody>
+                    <a:bodyPr/>
+                    <a:lstStyle/>
+                    <a:p>
+                      <a:pPr algn="ctr">
+                        <a:spcAft>
+                          <a:spcPts val="0"/>
+                        </a:spcAft>
+                      </a:pPr>
+                      <a:r>
+                        <a:rPr lang="en-US" sz="1800" kern="100" baseline="0">
+                          <a:effectLst/>
+                          <a:latin typeface="Malgun Gothic" panose="020B0503020000020004" pitchFamily="34" charset="-127"/>
+                          <a:ea typeface="Malgun Gothic" panose="020B0503020000020004" pitchFamily="34" charset="-127"/>
+                        </a:rPr>
+                        <a:t>Java</a:t>
+                      </a:r>
+                      <a:r>
+                        <a:rPr lang="zh-TW" sz="1800" kern="100" baseline="0">
+                          <a:effectLst/>
+                          <a:latin typeface="Malgun Gothic" panose="020B0503020000020004" pitchFamily="34" charset="-127"/>
+                          <a:ea typeface="Malgun Gothic" panose="020B0503020000020004" pitchFamily="34" charset="-127"/>
+                        </a:rPr>
+                        <a:t>類型</a:t>
+                      </a:r>
+                      <a:endParaRPr lang="zh-TW" sz="1800" kern="100" baseline="0">
+                        <a:effectLst/>
+                        <a:latin typeface="Malgun Gothic" panose="020B0503020000020004" pitchFamily="34" charset="-127"/>
+                        <a:ea typeface="Malgun Gothic" panose="020B0503020000020004" pitchFamily="34" charset="-127"/>
+                        <a:cs typeface="Times New Roman" panose="02020603050405020304" pitchFamily="18" charset="0"/>
+                      </a:endParaRPr>
+                    </a:p>
+                  </a:txBody>
+                  <a:tcPr marL="50992" marR="50992" marT="0" marB="0"/>
+                </a:tc>
+                <a:tc>
+                  <a:txBody>
+                    <a:bodyPr/>
+                    <a:lstStyle/>
+                    <a:p>
+                      <a:pPr algn="ctr">
+                        <a:spcAft>
+                          <a:spcPts val="0"/>
+                        </a:spcAft>
+                      </a:pPr>
+                      <a:r>
+                        <a:rPr lang="zh-TW" sz="1800" kern="100" baseline="0">
+                          <a:effectLst/>
+                          <a:latin typeface="Malgun Gothic" panose="020B0503020000020004" pitchFamily="34" charset="-127"/>
+                          <a:ea typeface="Malgun Gothic" panose="020B0503020000020004" pitchFamily="34" charset="-127"/>
+                        </a:rPr>
+                        <a:t>標準</a:t>
+                      </a:r>
+                      <a:r>
+                        <a:rPr lang="en-US" sz="1800" kern="100" baseline="0">
+                          <a:effectLst/>
+                          <a:latin typeface="Malgun Gothic" panose="020B0503020000020004" pitchFamily="34" charset="-127"/>
+                          <a:ea typeface="Malgun Gothic" panose="020B0503020000020004" pitchFamily="34" charset="-127"/>
+                        </a:rPr>
+                        <a:t>SQL</a:t>
+                      </a:r>
+                      <a:r>
+                        <a:rPr lang="zh-TW" sz="1800" kern="100" baseline="0">
+                          <a:effectLst/>
+                          <a:latin typeface="Malgun Gothic" panose="020B0503020000020004" pitchFamily="34" charset="-127"/>
+                          <a:ea typeface="Malgun Gothic" panose="020B0503020000020004" pitchFamily="34" charset="-127"/>
+                        </a:rPr>
+                        <a:t>類型</a:t>
+                      </a:r>
+                      <a:endParaRPr lang="zh-TW" sz="1800" kern="100" baseline="0">
+                        <a:effectLst/>
+                        <a:latin typeface="Malgun Gothic" panose="020B0503020000020004" pitchFamily="34" charset="-127"/>
+                        <a:ea typeface="Malgun Gothic" panose="020B0503020000020004" pitchFamily="34" charset="-127"/>
+                        <a:cs typeface="Times New Roman" panose="02020603050405020304" pitchFamily="18" charset="0"/>
+                      </a:endParaRPr>
+                    </a:p>
+                  </a:txBody>
+                  <a:tcPr marL="50992" marR="50992" marT="0" marB="0"/>
+                </a:tc>
+                <a:tc>
+                  <a:txBody>
+                    <a:bodyPr/>
+                    <a:lstStyle/>
+                    <a:p>
+                      <a:pPr algn="ctr">
+                        <a:spcAft>
+                          <a:spcPts val="0"/>
+                        </a:spcAft>
+                      </a:pPr>
+                      <a:r>
+                        <a:rPr lang="zh-TW" sz="1800" kern="100" baseline="0">
+                          <a:effectLst/>
+                          <a:latin typeface="Malgun Gothic" panose="020B0503020000020004" pitchFamily="34" charset="-127"/>
+                          <a:ea typeface="Malgun Gothic" panose="020B0503020000020004" pitchFamily="34" charset="-127"/>
+                        </a:rPr>
+                        <a:t>字節大小</a:t>
+                      </a:r>
+                      <a:endParaRPr lang="zh-TW" sz="1800" kern="100" baseline="0">
+                        <a:effectLst/>
+                        <a:latin typeface="Malgun Gothic" panose="020B0503020000020004" pitchFamily="34" charset="-127"/>
+                        <a:ea typeface="Malgun Gothic" panose="020B0503020000020004" pitchFamily="34" charset="-127"/>
+                        <a:cs typeface="Times New Roman" panose="02020603050405020304" pitchFamily="18" charset="0"/>
+                      </a:endParaRPr>
+                    </a:p>
+                  </a:txBody>
+                  <a:tcPr marL="50992" marR="50992" marT="0" marB="0"/>
+                </a:tc>
+              </a:tr>
+              <a:tr h="284661">
+                <a:tc>
+                  <a:txBody>
+                    <a:bodyPr/>
+                    <a:lstStyle/>
+                    <a:p>
+                      <a:pPr algn="l">
+                        <a:spcAft>
+                          <a:spcPts val="0"/>
+                        </a:spcAft>
+                      </a:pPr>
+                      <a:r>
+                        <a:rPr lang="en-US" sz="1800" kern="100" baseline="0">
+                          <a:effectLst/>
+                          <a:latin typeface="Malgun Gothic" panose="020B0503020000020004" pitchFamily="34" charset="-127"/>
+                          <a:ea typeface="Malgun Gothic" panose="020B0503020000020004" pitchFamily="34" charset="-127"/>
+                        </a:rPr>
+                        <a:t>integer/int</a:t>
+                      </a:r>
+                      <a:endParaRPr lang="zh-TW" sz="1800" kern="100" baseline="0">
+                        <a:effectLst/>
+                        <a:latin typeface="Malgun Gothic" panose="020B0503020000020004" pitchFamily="34" charset="-127"/>
+                        <a:ea typeface="Malgun Gothic" panose="020B0503020000020004" pitchFamily="34" charset="-127"/>
+                        <a:cs typeface="Times New Roman" panose="02020603050405020304" pitchFamily="18" charset="0"/>
+                      </a:endParaRPr>
+                    </a:p>
+                  </a:txBody>
+                  <a:tcPr marL="50992" marR="50992" marT="0" marB="0"/>
+                </a:tc>
+                <a:tc>
+                  <a:txBody>
+                    <a:bodyPr/>
+                    <a:lstStyle/>
+                    <a:p>
+                      <a:pPr algn="l">
+                        <a:spcAft>
+                          <a:spcPts val="0"/>
+                        </a:spcAft>
+                      </a:pPr>
+                      <a:r>
+                        <a:rPr lang="en-US" sz="1800" kern="100" baseline="0">
+                          <a:effectLst/>
+                          <a:latin typeface="Malgun Gothic" panose="020B0503020000020004" pitchFamily="34" charset="-127"/>
+                          <a:ea typeface="Malgun Gothic" panose="020B0503020000020004" pitchFamily="34" charset="-127"/>
+                        </a:rPr>
+                        <a:t>java.lang.Integer/int</a:t>
+                      </a:r>
+                      <a:endParaRPr lang="zh-TW" sz="1800" kern="100" baseline="0">
+                        <a:effectLst/>
+                        <a:latin typeface="Malgun Gothic" panose="020B0503020000020004" pitchFamily="34" charset="-127"/>
+                        <a:ea typeface="Malgun Gothic" panose="020B0503020000020004" pitchFamily="34" charset="-127"/>
+                        <a:cs typeface="Times New Roman" panose="02020603050405020304" pitchFamily="18" charset="0"/>
+                      </a:endParaRPr>
+                    </a:p>
+                  </a:txBody>
+                  <a:tcPr marL="50992" marR="50992" marT="0" marB="0"/>
+                </a:tc>
+                <a:tc>
+                  <a:txBody>
+                    <a:bodyPr/>
+                    <a:lstStyle/>
+                    <a:p>
+                      <a:pPr algn="ctr">
+                        <a:spcAft>
+                          <a:spcPts val="0"/>
+                        </a:spcAft>
+                      </a:pPr>
+                      <a:r>
+                        <a:rPr lang="en-US" sz="1800" kern="100" baseline="0">
+                          <a:effectLst/>
+                          <a:latin typeface="Malgun Gothic" panose="020B0503020000020004" pitchFamily="34" charset="-127"/>
+                          <a:ea typeface="Malgun Gothic" panose="020B0503020000020004" pitchFamily="34" charset="-127"/>
+                        </a:rPr>
+                        <a:t>INTEGER</a:t>
+                      </a:r>
+                      <a:endParaRPr lang="zh-TW" sz="1800" kern="100" baseline="0">
+                        <a:effectLst/>
+                        <a:latin typeface="Malgun Gothic" panose="020B0503020000020004" pitchFamily="34" charset="-127"/>
+                        <a:ea typeface="Malgun Gothic" panose="020B0503020000020004" pitchFamily="34" charset="-127"/>
+                        <a:cs typeface="Times New Roman" panose="02020603050405020304" pitchFamily="18" charset="0"/>
+                      </a:endParaRPr>
+                    </a:p>
+                  </a:txBody>
+                  <a:tcPr marL="50992" marR="50992" marT="0" marB="0"/>
+                </a:tc>
+                <a:tc>
+                  <a:txBody>
+                    <a:bodyPr/>
+                    <a:lstStyle/>
+                    <a:p>
+                      <a:pPr algn="ctr">
+                        <a:spcAft>
+                          <a:spcPts val="0"/>
+                        </a:spcAft>
+                      </a:pPr>
+                      <a:r>
+                        <a:rPr lang="en-US" sz="1800" kern="100" baseline="0">
+                          <a:effectLst/>
+                          <a:latin typeface="Malgun Gothic" panose="020B0503020000020004" pitchFamily="34" charset="-127"/>
+                          <a:ea typeface="Malgun Gothic" panose="020B0503020000020004" pitchFamily="34" charset="-127"/>
+                        </a:rPr>
+                        <a:t>4Byte</a:t>
+                      </a:r>
+                      <a:endParaRPr lang="zh-TW" sz="1800" kern="100" baseline="0">
+                        <a:effectLst/>
+                        <a:latin typeface="Malgun Gothic" panose="020B0503020000020004" pitchFamily="34" charset="-127"/>
+                        <a:ea typeface="Malgun Gothic" panose="020B0503020000020004" pitchFamily="34" charset="-127"/>
+                        <a:cs typeface="Times New Roman" panose="02020603050405020304" pitchFamily="18" charset="0"/>
+                      </a:endParaRPr>
+                    </a:p>
+                  </a:txBody>
+                  <a:tcPr marL="50992" marR="50992" marT="0" marB="0"/>
+                </a:tc>
+              </a:tr>
+              <a:tr h="284661">
+                <a:tc>
+                  <a:txBody>
+                    <a:bodyPr/>
+                    <a:lstStyle/>
+                    <a:p>
+                      <a:pPr algn="l">
+                        <a:spcAft>
+                          <a:spcPts val="0"/>
+                        </a:spcAft>
+                      </a:pPr>
+                      <a:r>
+                        <a:rPr lang="en-US" sz="1800" kern="100" baseline="0">
+                          <a:effectLst/>
+                          <a:latin typeface="Malgun Gothic" panose="020B0503020000020004" pitchFamily="34" charset="-127"/>
+                          <a:ea typeface="Malgun Gothic" panose="020B0503020000020004" pitchFamily="34" charset="-127"/>
+                        </a:rPr>
+                        <a:t>long</a:t>
+                      </a:r>
+                      <a:endParaRPr lang="zh-TW" sz="1800" kern="100" baseline="0">
+                        <a:effectLst/>
+                        <a:latin typeface="Malgun Gothic" panose="020B0503020000020004" pitchFamily="34" charset="-127"/>
+                        <a:ea typeface="Malgun Gothic" panose="020B0503020000020004" pitchFamily="34" charset="-127"/>
+                        <a:cs typeface="Times New Roman" panose="02020603050405020304" pitchFamily="18" charset="0"/>
+                      </a:endParaRPr>
+                    </a:p>
+                  </a:txBody>
+                  <a:tcPr marL="50992" marR="50992" marT="0" marB="0"/>
+                </a:tc>
+                <a:tc>
+                  <a:txBody>
+                    <a:bodyPr/>
+                    <a:lstStyle/>
+                    <a:p>
+                      <a:pPr algn="l">
+                        <a:spcAft>
+                          <a:spcPts val="0"/>
+                        </a:spcAft>
+                      </a:pPr>
+                      <a:r>
+                        <a:rPr lang="en-US" sz="1800" kern="100" baseline="0">
+                          <a:effectLst/>
+                          <a:latin typeface="Malgun Gothic" panose="020B0503020000020004" pitchFamily="34" charset="-127"/>
+                          <a:ea typeface="Malgun Gothic" panose="020B0503020000020004" pitchFamily="34" charset="-127"/>
+                        </a:rPr>
+                        <a:t>java.lang.Long/long</a:t>
+                      </a:r>
+                      <a:endParaRPr lang="zh-TW" sz="1800" kern="100" baseline="0">
+                        <a:effectLst/>
+                        <a:latin typeface="Malgun Gothic" panose="020B0503020000020004" pitchFamily="34" charset="-127"/>
+                        <a:ea typeface="Malgun Gothic" panose="020B0503020000020004" pitchFamily="34" charset="-127"/>
+                        <a:cs typeface="Times New Roman" panose="02020603050405020304" pitchFamily="18" charset="0"/>
+                      </a:endParaRPr>
+                    </a:p>
+                  </a:txBody>
+                  <a:tcPr marL="50992" marR="50992" marT="0" marB="0"/>
+                </a:tc>
+                <a:tc>
+                  <a:txBody>
+                    <a:bodyPr/>
+                    <a:lstStyle/>
+                    <a:p>
+                      <a:pPr algn="ctr">
+                        <a:spcAft>
+                          <a:spcPts val="0"/>
+                        </a:spcAft>
+                      </a:pPr>
+                      <a:r>
+                        <a:rPr lang="en-US" sz="1800" kern="100" baseline="0">
+                          <a:effectLst/>
+                          <a:latin typeface="Malgun Gothic" panose="020B0503020000020004" pitchFamily="34" charset="-127"/>
+                          <a:ea typeface="Malgun Gothic" panose="020B0503020000020004" pitchFamily="34" charset="-127"/>
+                        </a:rPr>
+                        <a:t>BIGINT</a:t>
+                      </a:r>
+                      <a:endParaRPr lang="zh-TW" sz="1800" kern="100" baseline="0">
+                        <a:effectLst/>
+                        <a:latin typeface="Malgun Gothic" panose="020B0503020000020004" pitchFamily="34" charset="-127"/>
+                        <a:ea typeface="Malgun Gothic" panose="020B0503020000020004" pitchFamily="34" charset="-127"/>
+                        <a:cs typeface="Times New Roman" panose="02020603050405020304" pitchFamily="18" charset="0"/>
+                      </a:endParaRPr>
+                    </a:p>
+                  </a:txBody>
+                  <a:tcPr marL="50992" marR="50992" marT="0" marB="0"/>
+                </a:tc>
+                <a:tc>
+                  <a:txBody>
+                    <a:bodyPr/>
+                    <a:lstStyle/>
+                    <a:p>
+                      <a:pPr algn="ctr">
+                        <a:spcAft>
+                          <a:spcPts val="0"/>
+                        </a:spcAft>
+                      </a:pPr>
+                      <a:r>
+                        <a:rPr lang="en-US" sz="1800" kern="100" baseline="0">
+                          <a:effectLst/>
+                          <a:latin typeface="Malgun Gothic" panose="020B0503020000020004" pitchFamily="34" charset="-127"/>
+                          <a:ea typeface="Malgun Gothic" panose="020B0503020000020004" pitchFamily="34" charset="-127"/>
+                        </a:rPr>
+                        <a:t>8Byte</a:t>
+                      </a:r>
+                      <a:endParaRPr lang="zh-TW" sz="1800" kern="100" baseline="0">
+                        <a:effectLst/>
+                        <a:latin typeface="Malgun Gothic" panose="020B0503020000020004" pitchFamily="34" charset="-127"/>
+                        <a:ea typeface="Malgun Gothic" panose="020B0503020000020004" pitchFamily="34" charset="-127"/>
+                        <a:cs typeface="Times New Roman" panose="02020603050405020304" pitchFamily="18" charset="0"/>
+                      </a:endParaRPr>
+                    </a:p>
+                  </a:txBody>
+                  <a:tcPr marL="50992" marR="50992" marT="0" marB="0"/>
+                </a:tc>
+              </a:tr>
+              <a:tr h="284661">
+                <a:tc>
+                  <a:txBody>
+                    <a:bodyPr/>
+                    <a:lstStyle/>
+                    <a:p>
+                      <a:pPr algn="l">
+                        <a:spcAft>
+                          <a:spcPts val="0"/>
+                        </a:spcAft>
+                      </a:pPr>
+                      <a:r>
+                        <a:rPr lang="en-US" sz="1800" kern="100" baseline="0">
+                          <a:effectLst/>
+                          <a:latin typeface="Malgun Gothic" panose="020B0503020000020004" pitchFamily="34" charset="-127"/>
+                          <a:ea typeface="Malgun Gothic" panose="020B0503020000020004" pitchFamily="34" charset="-127"/>
+                        </a:rPr>
+                        <a:t>short</a:t>
+                      </a:r>
+                      <a:endParaRPr lang="zh-TW" sz="1800" kern="100" baseline="0">
+                        <a:effectLst/>
+                        <a:latin typeface="Malgun Gothic" panose="020B0503020000020004" pitchFamily="34" charset="-127"/>
+                        <a:ea typeface="Malgun Gothic" panose="020B0503020000020004" pitchFamily="34" charset="-127"/>
+                        <a:cs typeface="Times New Roman" panose="02020603050405020304" pitchFamily="18" charset="0"/>
+                      </a:endParaRPr>
+                    </a:p>
+                  </a:txBody>
+                  <a:tcPr marL="50992" marR="50992" marT="0" marB="0"/>
+                </a:tc>
+                <a:tc>
+                  <a:txBody>
+                    <a:bodyPr/>
+                    <a:lstStyle/>
+                    <a:p>
+                      <a:pPr algn="l">
+                        <a:spcAft>
+                          <a:spcPts val="0"/>
+                        </a:spcAft>
+                      </a:pPr>
+                      <a:r>
+                        <a:rPr lang="en-US" sz="1800" kern="100" baseline="0">
+                          <a:effectLst/>
+                          <a:latin typeface="Malgun Gothic" panose="020B0503020000020004" pitchFamily="34" charset="-127"/>
+                          <a:ea typeface="Malgun Gothic" panose="020B0503020000020004" pitchFamily="34" charset="-127"/>
+                        </a:rPr>
+                        <a:t>java.lang.Short/short</a:t>
+                      </a:r>
+                      <a:endParaRPr lang="zh-TW" sz="1800" kern="100" baseline="0">
+                        <a:effectLst/>
+                        <a:latin typeface="Malgun Gothic" panose="020B0503020000020004" pitchFamily="34" charset="-127"/>
+                        <a:ea typeface="Malgun Gothic" panose="020B0503020000020004" pitchFamily="34" charset="-127"/>
+                        <a:cs typeface="Times New Roman" panose="02020603050405020304" pitchFamily="18" charset="0"/>
+                      </a:endParaRPr>
+                    </a:p>
+                  </a:txBody>
+                  <a:tcPr marL="50992" marR="50992" marT="0" marB="0"/>
+                </a:tc>
+                <a:tc>
+                  <a:txBody>
+                    <a:bodyPr/>
+                    <a:lstStyle/>
+                    <a:p>
+                      <a:pPr algn="ctr">
+                        <a:spcAft>
+                          <a:spcPts val="0"/>
+                        </a:spcAft>
+                      </a:pPr>
+                      <a:r>
+                        <a:rPr lang="en-US" sz="1800" kern="100" baseline="0">
+                          <a:effectLst/>
+                          <a:latin typeface="Malgun Gothic" panose="020B0503020000020004" pitchFamily="34" charset="-127"/>
+                          <a:ea typeface="Malgun Gothic" panose="020B0503020000020004" pitchFamily="34" charset="-127"/>
+                        </a:rPr>
+                        <a:t>SMALLINT</a:t>
+                      </a:r>
+                      <a:endParaRPr lang="zh-TW" sz="1800" kern="100" baseline="0">
+                        <a:effectLst/>
+                        <a:latin typeface="Malgun Gothic" panose="020B0503020000020004" pitchFamily="34" charset="-127"/>
+                        <a:ea typeface="Malgun Gothic" panose="020B0503020000020004" pitchFamily="34" charset="-127"/>
+                        <a:cs typeface="Times New Roman" panose="02020603050405020304" pitchFamily="18" charset="0"/>
+                      </a:endParaRPr>
+                    </a:p>
+                  </a:txBody>
+                  <a:tcPr marL="50992" marR="50992" marT="0" marB="0"/>
+                </a:tc>
+                <a:tc>
+                  <a:txBody>
+                    <a:bodyPr/>
+                    <a:lstStyle/>
+                    <a:p>
+                      <a:pPr algn="ctr">
+                        <a:spcAft>
+                          <a:spcPts val="0"/>
+                        </a:spcAft>
+                      </a:pPr>
+                      <a:r>
+                        <a:rPr lang="en-US" sz="1800" kern="100" baseline="0">
+                          <a:effectLst/>
+                          <a:latin typeface="Malgun Gothic" panose="020B0503020000020004" pitchFamily="34" charset="-127"/>
+                          <a:ea typeface="Malgun Gothic" panose="020B0503020000020004" pitchFamily="34" charset="-127"/>
+                        </a:rPr>
+                        <a:t>2Byte</a:t>
+                      </a:r>
+                      <a:endParaRPr lang="zh-TW" sz="1800" kern="100" baseline="0">
+                        <a:effectLst/>
+                        <a:latin typeface="Malgun Gothic" panose="020B0503020000020004" pitchFamily="34" charset="-127"/>
+                        <a:ea typeface="Malgun Gothic" panose="020B0503020000020004" pitchFamily="34" charset="-127"/>
+                        <a:cs typeface="Times New Roman" panose="02020603050405020304" pitchFamily="18" charset="0"/>
+                      </a:endParaRPr>
+                    </a:p>
+                  </a:txBody>
+                  <a:tcPr marL="50992" marR="50992" marT="0" marB="0"/>
+                </a:tc>
+              </a:tr>
+              <a:tr h="284661">
+                <a:tc>
+                  <a:txBody>
+                    <a:bodyPr/>
+                    <a:lstStyle/>
+                    <a:p>
+                      <a:pPr algn="l">
+                        <a:spcAft>
+                          <a:spcPts val="0"/>
+                        </a:spcAft>
+                      </a:pPr>
+                      <a:r>
+                        <a:rPr lang="en-US" sz="1800" kern="100" baseline="0">
+                          <a:effectLst/>
+                          <a:latin typeface="Malgun Gothic" panose="020B0503020000020004" pitchFamily="34" charset="-127"/>
+                          <a:ea typeface="Malgun Gothic" panose="020B0503020000020004" pitchFamily="34" charset="-127"/>
+                        </a:rPr>
+                        <a:t>byte</a:t>
+                      </a:r>
+                      <a:endParaRPr lang="zh-TW" sz="1800" kern="100" baseline="0">
+                        <a:effectLst/>
+                        <a:latin typeface="Malgun Gothic" panose="020B0503020000020004" pitchFamily="34" charset="-127"/>
+                        <a:ea typeface="Malgun Gothic" panose="020B0503020000020004" pitchFamily="34" charset="-127"/>
+                        <a:cs typeface="Times New Roman" panose="02020603050405020304" pitchFamily="18" charset="0"/>
+                      </a:endParaRPr>
+                    </a:p>
+                  </a:txBody>
+                  <a:tcPr marL="50992" marR="50992" marT="0" marB="0"/>
+                </a:tc>
+                <a:tc>
+                  <a:txBody>
+                    <a:bodyPr/>
+                    <a:lstStyle/>
+                    <a:p>
+                      <a:pPr algn="l">
+                        <a:spcAft>
+                          <a:spcPts val="0"/>
+                        </a:spcAft>
+                      </a:pPr>
+                      <a:r>
+                        <a:rPr lang="en-US" sz="1800" kern="100" baseline="0">
+                          <a:effectLst/>
+                          <a:latin typeface="Malgun Gothic" panose="020B0503020000020004" pitchFamily="34" charset="-127"/>
+                          <a:ea typeface="Malgun Gothic" panose="020B0503020000020004" pitchFamily="34" charset="-127"/>
+                        </a:rPr>
+                        <a:t>java.lang.Byte/byte</a:t>
+                      </a:r>
+                      <a:endParaRPr lang="zh-TW" sz="1800" kern="100" baseline="0">
+                        <a:effectLst/>
+                        <a:latin typeface="Malgun Gothic" panose="020B0503020000020004" pitchFamily="34" charset="-127"/>
+                        <a:ea typeface="Malgun Gothic" panose="020B0503020000020004" pitchFamily="34" charset="-127"/>
+                        <a:cs typeface="Times New Roman" panose="02020603050405020304" pitchFamily="18" charset="0"/>
+                      </a:endParaRPr>
+                    </a:p>
+                  </a:txBody>
+                  <a:tcPr marL="50992" marR="50992" marT="0" marB="0"/>
+                </a:tc>
+                <a:tc>
+                  <a:txBody>
+                    <a:bodyPr/>
+                    <a:lstStyle/>
+                    <a:p>
+                      <a:pPr algn="ctr">
+                        <a:spcAft>
+                          <a:spcPts val="0"/>
+                        </a:spcAft>
+                      </a:pPr>
+                      <a:r>
+                        <a:rPr lang="en-US" sz="1800" kern="100" baseline="0">
+                          <a:effectLst/>
+                          <a:latin typeface="Malgun Gothic" panose="020B0503020000020004" pitchFamily="34" charset="-127"/>
+                          <a:ea typeface="Malgun Gothic" panose="020B0503020000020004" pitchFamily="34" charset="-127"/>
+                        </a:rPr>
+                        <a:t>TINYINT</a:t>
+                      </a:r>
+                      <a:endParaRPr lang="zh-TW" sz="1800" kern="100" baseline="0">
+                        <a:effectLst/>
+                        <a:latin typeface="Malgun Gothic" panose="020B0503020000020004" pitchFamily="34" charset="-127"/>
+                        <a:ea typeface="Malgun Gothic" panose="020B0503020000020004" pitchFamily="34" charset="-127"/>
+                        <a:cs typeface="Times New Roman" panose="02020603050405020304" pitchFamily="18" charset="0"/>
+                      </a:endParaRPr>
+                    </a:p>
+                  </a:txBody>
+                  <a:tcPr marL="50992" marR="50992" marT="0" marB="0"/>
+                </a:tc>
+                <a:tc>
+                  <a:txBody>
+                    <a:bodyPr/>
+                    <a:lstStyle/>
+                    <a:p>
+                      <a:pPr algn="ctr">
+                        <a:spcAft>
+                          <a:spcPts val="0"/>
+                        </a:spcAft>
+                      </a:pPr>
+                      <a:r>
+                        <a:rPr lang="en-US" sz="1800" kern="100" baseline="0">
+                          <a:effectLst/>
+                          <a:latin typeface="Malgun Gothic" panose="020B0503020000020004" pitchFamily="34" charset="-127"/>
+                          <a:ea typeface="Malgun Gothic" panose="020B0503020000020004" pitchFamily="34" charset="-127"/>
+                        </a:rPr>
+                        <a:t>1Byte</a:t>
+                      </a:r>
+                      <a:endParaRPr lang="zh-TW" sz="1800" kern="100" baseline="0">
+                        <a:effectLst/>
+                        <a:latin typeface="Malgun Gothic" panose="020B0503020000020004" pitchFamily="34" charset="-127"/>
+                        <a:ea typeface="Malgun Gothic" panose="020B0503020000020004" pitchFamily="34" charset="-127"/>
+                        <a:cs typeface="Times New Roman" panose="02020603050405020304" pitchFamily="18" charset="0"/>
+                      </a:endParaRPr>
+                    </a:p>
+                  </a:txBody>
+                  <a:tcPr marL="50992" marR="50992" marT="0" marB="0"/>
+                </a:tc>
+              </a:tr>
+              <a:tr h="284661">
+                <a:tc>
+                  <a:txBody>
+                    <a:bodyPr/>
+                    <a:lstStyle/>
+                    <a:p>
+                      <a:pPr algn="l">
+                        <a:spcAft>
+                          <a:spcPts val="0"/>
+                        </a:spcAft>
+                      </a:pPr>
+                      <a:r>
+                        <a:rPr lang="en-US" sz="1800" kern="100" baseline="0">
+                          <a:effectLst/>
+                          <a:latin typeface="Malgun Gothic" panose="020B0503020000020004" pitchFamily="34" charset="-127"/>
+                          <a:ea typeface="Malgun Gothic" panose="020B0503020000020004" pitchFamily="34" charset="-127"/>
+                        </a:rPr>
+                        <a:t>float</a:t>
+                      </a:r>
+                      <a:endParaRPr lang="zh-TW" sz="1800" kern="100" baseline="0">
+                        <a:effectLst/>
+                        <a:latin typeface="Malgun Gothic" panose="020B0503020000020004" pitchFamily="34" charset="-127"/>
+                        <a:ea typeface="Malgun Gothic" panose="020B0503020000020004" pitchFamily="34" charset="-127"/>
+                        <a:cs typeface="Times New Roman" panose="02020603050405020304" pitchFamily="18" charset="0"/>
+                      </a:endParaRPr>
+                    </a:p>
+                  </a:txBody>
+                  <a:tcPr marL="50992" marR="50992" marT="0" marB="0"/>
+                </a:tc>
+                <a:tc>
+                  <a:txBody>
+                    <a:bodyPr/>
+                    <a:lstStyle/>
+                    <a:p>
+                      <a:pPr algn="l">
+                        <a:spcAft>
+                          <a:spcPts val="0"/>
+                        </a:spcAft>
+                      </a:pPr>
+                      <a:r>
+                        <a:rPr lang="en-US" sz="1800" kern="100" baseline="0">
+                          <a:effectLst/>
+                          <a:latin typeface="Malgun Gothic" panose="020B0503020000020004" pitchFamily="34" charset="-127"/>
+                          <a:ea typeface="Malgun Gothic" panose="020B0503020000020004" pitchFamily="34" charset="-127"/>
+                        </a:rPr>
+                        <a:t>java.lang.Float/float</a:t>
+                      </a:r>
+                      <a:endParaRPr lang="zh-TW" sz="1800" kern="100" baseline="0">
+                        <a:effectLst/>
+                        <a:latin typeface="Malgun Gothic" panose="020B0503020000020004" pitchFamily="34" charset="-127"/>
+                        <a:ea typeface="Malgun Gothic" panose="020B0503020000020004" pitchFamily="34" charset="-127"/>
+                        <a:cs typeface="Times New Roman" panose="02020603050405020304" pitchFamily="18" charset="0"/>
+                      </a:endParaRPr>
+                    </a:p>
+                  </a:txBody>
+                  <a:tcPr marL="50992" marR="50992" marT="0" marB="0"/>
+                </a:tc>
+                <a:tc>
+                  <a:txBody>
+                    <a:bodyPr/>
+                    <a:lstStyle/>
+                    <a:p>
+                      <a:pPr algn="ctr">
+                        <a:spcAft>
+                          <a:spcPts val="0"/>
+                        </a:spcAft>
+                      </a:pPr>
+                      <a:r>
+                        <a:rPr lang="en-US" sz="1800" kern="100" baseline="0">
+                          <a:effectLst/>
+                          <a:latin typeface="Malgun Gothic" panose="020B0503020000020004" pitchFamily="34" charset="-127"/>
+                          <a:ea typeface="Malgun Gothic" panose="020B0503020000020004" pitchFamily="34" charset="-127"/>
+                        </a:rPr>
+                        <a:t>FLOAT</a:t>
+                      </a:r>
+                      <a:endParaRPr lang="zh-TW" sz="1800" kern="100" baseline="0">
+                        <a:effectLst/>
+                        <a:latin typeface="Malgun Gothic" panose="020B0503020000020004" pitchFamily="34" charset="-127"/>
+                        <a:ea typeface="Malgun Gothic" panose="020B0503020000020004" pitchFamily="34" charset="-127"/>
+                        <a:cs typeface="Times New Roman" panose="02020603050405020304" pitchFamily="18" charset="0"/>
+                      </a:endParaRPr>
+                    </a:p>
+                  </a:txBody>
+                  <a:tcPr marL="50992" marR="50992" marT="0" marB="0"/>
+                </a:tc>
+                <a:tc>
+                  <a:txBody>
+                    <a:bodyPr/>
+                    <a:lstStyle/>
+                    <a:p>
+                      <a:pPr algn="ctr">
+                        <a:spcAft>
+                          <a:spcPts val="0"/>
+                        </a:spcAft>
+                      </a:pPr>
+                      <a:r>
+                        <a:rPr lang="en-US" sz="1800" kern="100" baseline="0">
+                          <a:effectLst/>
+                          <a:latin typeface="Malgun Gothic" panose="020B0503020000020004" pitchFamily="34" charset="-127"/>
+                          <a:ea typeface="Malgun Gothic" panose="020B0503020000020004" pitchFamily="34" charset="-127"/>
+                        </a:rPr>
+                        <a:t>4Byte</a:t>
+                      </a:r>
+                      <a:endParaRPr lang="zh-TW" sz="1800" kern="100" baseline="0">
+                        <a:effectLst/>
+                        <a:latin typeface="Malgun Gothic" panose="020B0503020000020004" pitchFamily="34" charset="-127"/>
+                        <a:ea typeface="Malgun Gothic" panose="020B0503020000020004" pitchFamily="34" charset="-127"/>
+                        <a:cs typeface="Times New Roman" panose="02020603050405020304" pitchFamily="18" charset="0"/>
+                      </a:endParaRPr>
+                    </a:p>
+                  </a:txBody>
+                  <a:tcPr marL="50992" marR="50992" marT="0" marB="0"/>
+                </a:tc>
+              </a:tr>
+              <a:tr h="284661">
+                <a:tc>
+                  <a:txBody>
+                    <a:bodyPr/>
+                    <a:lstStyle/>
+                    <a:p>
+                      <a:pPr algn="l">
+                        <a:spcAft>
+                          <a:spcPts val="0"/>
+                        </a:spcAft>
+                      </a:pPr>
+                      <a:r>
+                        <a:rPr lang="en-US" sz="1800" kern="100" baseline="0">
+                          <a:effectLst/>
+                          <a:latin typeface="Malgun Gothic" panose="020B0503020000020004" pitchFamily="34" charset="-127"/>
+                          <a:ea typeface="Malgun Gothic" panose="020B0503020000020004" pitchFamily="34" charset="-127"/>
+                        </a:rPr>
+                        <a:t>double</a:t>
+                      </a:r>
+                      <a:endParaRPr lang="zh-TW" sz="1800" kern="100" baseline="0">
+                        <a:effectLst/>
+                        <a:latin typeface="Malgun Gothic" panose="020B0503020000020004" pitchFamily="34" charset="-127"/>
+                        <a:ea typeface="Malgun Gothic" panose="020B0503020000020004" pitchFamily="34" charset="-127"/>
+                        <a:cs typeface="Times New Roman" panose="02020603050405020304" pitchFamily="18" charset="0"/>
+                      </a:endParaRPr>
+                    </a:p>
+                  </a:txBody>
+                  <a:tcPr marL="50992" marR="50992" marT="0" marB="0"/>
+                </a:tc>
+                <a:tc>
+                  <a:txBody>
+                    <a:bodyPr/>
+                    <a:lstStyle/>
+                    <a:p>
+                      <a:pPr algn="l">
+                        <a:spcAft>
+                          <a:spcPts val="0"/>
+                        </a:spcAft>
+                      </a:pPr>
+                      <a:r>
+                        <a:rPr lang="en-US" sz="1800" kern="100" baseline="0">
+                          <a:effectLst/>
+                          <a:latin typeface="Malgun Gothic" panose="020B0503020000020004" pitchFamily="34" charset="-127"/>
+                          <a:ea typeface="Malgun Gothic" panose="020B0503020000020004" pitchFamily="34" charset="-127"/>
+                        </a:rPr>
+                        <a:t>java.lang.Double/double</a:t>
+                      </a:r>
+                      <a:endParaRPr lang="zh-TW" sz="1800" kern="100" baseline="0">
+                        <a:effectLst/>
+                        <a:latin typeface="Malgun Gothic" panose="020B0503020000020004" pitchFamily="34" charset="-127"/>
+                        <a:ea typeface="Malgun Gothic" panose="020B0503020000020004" pitchFamily="34" charset="-127"/>
+                        <a:cs typeface="Times New Roman" panose="02020603050405020304" pitchFamily="18" charset="0"/>
+                      </a:endParaRPr>
+                    </a:p>
+                  </a:txBody>
+                  <a:tcPr marL="50992" marR="50992" marT="0" marB="0"/>
+                </a:tc>
+                <a:tc>
+                  <a:txBody>
+                    <a:bodyPr/>
+                    <a:lstStyle/>
+                    <a:p>
+                      <a:pPr algn="ctr">
+                        <a:spcAft>
+                          <a:spcPts val="0"/>
+                        </a:spcAft>
+                      </a:pPr>
+                      <a:r>
+                        <a:rPr lang="en-US" sz="1800" kern="100" baseline="0">
+                          <a:effectLst/>
+                          <a:latin typeface="Malgun Gothic" panose="020B0503020000020004" pitchFamily="34" charset="-127"/>
+                          <a:ea typeface="Malgun Gothic" panose="020B0503020000020004" pitchFamily="34" charset="-127"/>
+                        </a:rPr>
+                        <a:t>DOUBLE</a:t>
+                      </a:r>
+                      <a:endParaRPr lang="zh-TW" sz="1800" kern="100" baseline="0">
+                        <a:effectLst/>
+                        <a:latin typeface="Malgun Gothic" panose="020B0503020000020004" pitchFamily="34" charset="-127"/>
+                        <a:ea typeface="Malgun Gothic" panose="020B0503020000020004" pitchFamily="34" charset="-127"/>
+                        <a:cs typeface="Times New Roman" panose="02020603050405020304" pitchFamily="18" charset="0"/>
+                      </a:endParaRPr>
+                    </a:p>
+                  </a:txBody>
+                  <a:tcPr marL="50992" marR="50992" marT="0" marB="0"/>
+                </a:tc>
+                <a:tc>
+                  <a:txBody>
+                    <a:bodyPr/>
+                    <a:lstStyle/>
+                    <a:p>
+                      <a:pPr algn="ctr">
+                        <a:spcAft>
+                          <a:spcPts val="0"/>
+                        </a:spcAft>
+                      </a:pPr>
+                      <a:r>
+                        <a:rPr lang="en-US" sz="1800" kern="100" baseline="0">
+                          <a:effectLst/>
+                          <a:latin typeface="Malgun Gothic" panose="020B0503020000020004" pitchFamily="34" charset="-127"/>
+                          <a:ea typeface="Malgun Gothic" panose="020B0503020000020004" pitchFamily="34" charset="-127"/>
+                        </a:rPr>
+                        <a:t>8Byte</a:t>
+                      </a:r>
+                      <a:endParaRPr lang="zh-TW" sz="1800" kern="100" baseline="0">
+                        <a:effectLst/>
+                        <a:latin typeface="Malgun Gothic" panose="020B0503020000020004" pitchFamily="34" charset="-127"/>
+                        <a:ea typeface="Malgun Gothic" panose="020B0503020000020004" pitchFamily="34" charset="-127"/>
+                        <a:cs typeface="Times New Roman" panose="02020603050405020304" pitchFamily="18" charset="0"/>
+                      </a:endParaRPr>
+                    </a:p>
+                  </a:txBody>
+                  <a:tcPr marL="50992" marR="50992" marT="0" marB="0"/>
+                </a:tc>
+              </a:tr>
+              <a:tr h="284661">
+                <a:tc>
+                  <a:txBody>
+                    <a:bodyPr/>
+                    <a:lstStyle/>
+                    <a:p>
+                      <a:pPr algn="l">
+                        <a:spcAft>
+                          <a:spcPts val="0"/>
+                        </a:spcAft>
+                      </a:pPr>
+                      <a:r>
+                        <a:rPr lang="en-US" sz="1800" kern="100" baseline="0">
+                          <a:effectLst/>
+                          <a:latin typeface="Malgun Gothic" panose="020B0503020000020004" pitchFamily="34" charset="-127"/>
+                          <a:ea typeface="Malgun Gothic" panose="020B0503020000020004" pitchFamily="34" charset="-127"/>
+                        </a:rPr>
+                        <a:t>big_decimal</a:t>
+                      </a:r>
+                      <a:endParaRPr lang="zh-TW" sz="1800" kern="100" baseline="0">
+                        <a:effectLst/>
+                        <a:latin typeface="Malgun Gothic" panose="020B0503020000020004" pitchFamily="34" charset="-127"/>
+                        <a:ea typeface="Malgun Gothic" panose="020B0503020000020004" pitchFamily="34" charset="-127"/>
+                        <a:cs typeface="Times New Roman" panose="02020603050405020304" pitchFamily="18" charset="0"/>
+                      </a:endParaRPr>
+                    </a:p>
+                  </a:txBody>
+                  <a:tcPr marL="50992" marR="50992" marT="0" marB="0"/>
+                </a:tc>
+                <a:tc>
+                  <a:txBody>
+                    <a:bodyPr/>
+                    <a:lstStyle/>
+                    <a:p>
+                      <a:pPr algn="l">
+                        <a:spcAft>
+                          <a:spcPts val="0"/>
+                        </a:spcAft>
+                      </a:pPr>
+                      <a:r>
+                        <a:rPr lang="en-US" sz="1800" kern="100" baseline="0">
+                          <a:effectLst/>
+                          <a:latin typeface="Malgun Gothic" panose="020B0503020000020004" pitchFamily="34" charset="-127"/>
+                          <a:ea typeface="Malgun Gothic" panose="020B0503020000020004" pitchFamily="34" charset="-127"/>
+                        </a:rPr>
+                        <a:t>java.math.BigDecimal</a:t>
+                      </a:r>
+                      <a:endParaRPr lang="zh-TW" sz="1800" kern="100" baseline="0">
+                        <a:effectLst/>
+                        <a:latin typeface="Malgun Gothic" panose="020B0503020000020004" pitchFamily="34" charset="-127"/>
+                        <a:ea typeface="Malgun Gothic" panose="020B0503020000020004" pitchFamily="34" charset="-127"/>
+                        <a:cs typeface="Times New Roman" panose="02020603050405020304" pitchFamily="18" charset="0"/>
+                      </a:endParaRPr>
+                    </a:p>
+                  </a:txBody>
+                  <a:tcPr marL="50992" marR="50992" marT="0" marB="0"/>
+                </a:tc>
+                <a:tc>
+                  <a:txBody>
+                    <a:bodyPr/>
+                    <a:lstStyle/>
+                    <a:p>
+                      <a:pPr algn="ctr">
+                        <a:spcAft>
+                          <a:spcPts val="0"/>
+                        </a:spcAft>
+                      </a:pPr>
+                      <a:r>
+                        <a:rPr lang="en-US" sz="1800" kern="100" baseline="0">
+                          <a:effectLst/>
+                          <a:latin typeface="Malgun Gothic" panose="020B0503020000020004" pitchFamily="34" charset="-127"/>
+                          <a:ea typeface="Malgun Gothic" panose="020B0503020000020004" pitchFamily="34" charset="-127"/>
+                        </a:rPr>
+                        <a:t>NUMERIC</a:t>
+                      </a:r>
+                      <a:endParaRPr lang="zh-TW" sz="1800" kern="100" baseline="0">
+                        <a:effectLst/>
+                        <a:latin typeface="Malgun Gothic" panose="020B0503020000020004" pitchFamily="34" charset="-127"/>
+                        <a:ea typeface="Malgun Gothic" panose="020B0503020000020004" pitchFamily="34" charset="-127"/>
+                        <a:cs typeface="Times New Roman" panose="02020603050405020304" pitchFamily="18" charset="0"/>
+                      </a:endParaRPr>
+                    </a:p>
+                  </a:txBody>
+                  <a:tcPr marL="50992" marR="50992" marT="0" marB="0"/>
+                </a:tc>
+                <a:tc>
+                  <a:txBody>
+                    <a:bodyPr/>
+                    <a:lstStyle/>
+                    <a:p>
+                      <a:pPr algn="ctr">
+                        <a:spcAft>
+                          <a:spcPts val="0"/>
+                        </a:spcAft>
+                      </a:pPr>
+                      <a:r>
+                        <a:rPr lang="en-US" sz="1800" kern="100" baseline="0">
+                          <a:effectLst/>
+                          <a:latin typeface="Malgun Gothic" panose="020B0503020000020004" pitchFamily="34" charset="-127"/>
+                          <a:ea typeface="Malgun Gothic" panose="020B0503020000020004" pitchFamily="34" charset="-127"/>
+                        </a:rPr>
+                        <a:t> </a:t>
+                      </a:r>
+                      <a:endParaRPr lang="zh-TW" sz="1800" kern="100" baseline="0">
+                        <a:effectLst/>
+                        <a:latin typeface="Malgun Gothic" panose="020B0503020000020004" pitchFamily="34" charset="-127"/>
+                        <a:ea typeface="Malgun Gothic" panose="020B0503020000020004" pitchFamily="34" charset="-127"/>
+                        <a:cs typeface="Times New Roman" panose="02020603050405020304" pitchFamily="18" charset="0"/>
+                      </a:endParaRPr>
+                    </a:p>
+                  </a:txBody>
+                  <a:tcPr marL="50992" marR="50992" marT="0" marB="0"/>
+                </a:tc>
+              </a:tr>
+              <a:tr h="284661">
+                <a:tc>
+                  <a:txBody>
+                    <a:bodyPr/>
+                    <a:lstStyle/>
+                    <a:p>
+                      <a:pPr algn="l">
+                        <a:spcAft>
+                          <a:spcPts val="0"/>
+                        </a:spcAft>
+                      </a:pPr>
+                      <a:r>
+                        <a:rPr lang="en-US" sz="1800" kern="100" baseline="0">
+                          <a:effectLst/>
+                          <a:latin typeface="Malgun Gothic" panose="020B0503020000020004" pitchFamily="34" charset="-127"/>
+                          <a:ea typeface="Malgun Gothic" panose="020B0503020000020004" pitchFamily="34" charset="-127"/>
+                        </a:rPr>
+                        <a:t>character</a:t>
+                      </a:r>
+                      <a:endParaRPr lang="zh-TW" sz="1800" kern="100" baseline="0">
+                        <a:effectLst/>
+                        <a:latin typeface="Malgun Gothic" panose="020B0503020000020004" pitchFamily="34" charset="-127"/>
+                        <a:ea typeface="Malgun Gothic" panose="020B0503020000020004" pitchFamily="34" charset="-127"/>
+                        <a:cs typeface="Times New Roman" panose="02020603050405020304" pitchFamily="18" charset="0"/>
+                      </a:endParaRPr>
+                    </a:p>
+                  </a:txBody>
+                  <a:tcPr marL="50992" marR="50992" marT="0" marB="0"/>
+                </a:tc>
+                <a:tc>
+                  <a:txBody>
+                    <a:bodyPr/>
+                    <a:lstStyle/>
+                    <a:p>
+                      <a:pPr algn="l">
+                        <a:spcAft>
+                          <a:spcPts val="0"/>
+                        </a:spcAft>
+                      </a:pPr>
+                      <a:r>
+                        <a:rPr lang="en-US" sz="1800" kern="100" baseline="0">
+                          <a:effectLst/>
+                          <a:latin typeface="Malgun Gothic" panose="020B0503020000020004" pitchFamily="34" charset="-127"/>
+                          <a:ea typeface="Malgun Gothic" panose="020B0503020000020004" pitchFamily="34" charset="-127"/>
+                        </a:rPr>
+                        <a:t>java.lang.Character/java.lang.String/char</a:t>
+                      </a:r>
+                      <a:endParaRPr lang="zh-TW" sz="1800" kern="100" baseline="0">
+                        <a:effectLst/>
+                        <a:latin typeface="Malgun Gothic" panose="020B0503020000020004" pitchFamily="34" charset="-127"/>
+                        <a:ea typeface="Malgun Gothic" panose="020B0503020000020004" pitchFamily="34" charset="-127"/>
+                        <a:cs typeface="Times New Roman" panose="02020603050405020304" pitchFamily="18" charset="0"/>
+                      </a:endParaRPr>
+                    </a:p>
+                  </a:txBody>
+                  <a:tcPr marL="50992" marR="50992" marT="0" marB="0"/>
+                </a:tc>
+                <a:tc>
+                  <a:txBody>
+                    <a:bodyPr/>
+                    <a:lstStyle/>
+                    <a:p>
+                      <a:pPr algn="ctr">
+                        <a:spcAft>
+                          <a:spcPts val="0"/>
+                        </a:spcAft>
+                      </a:pPr>
+                      <a:r>
+                        <a:rPr lang="en-US" sz="1800" kern="100" baseline="0">
+                          <a:effectLst/>
+                          <a:latin typeface="Malgun Gothic" panose="020B0503020000020004" pitchFamily="34" charset="-127"/>
+                          <a:ea typeface="Malgun Gothic" panose="020B0503020000020004" pitchFamily="34" charset="-127"/>
+                        </a:rPr>
+                        <a:t>CHAR</a:t>
+                      </a:r>
+                      <a:endParaRPr lang="zh-TW" sz="1800" kern="100" baseline="0">
+                        <a:effectLst/>
+                        <a:latin typeface="Malgun Gothic" panose="020B0503020000020004" pitchFamily="34" charset="-127"/>
+                        <a:ea typeface="Malgun Gothic" panose="020B0503020000020004" pitchFamily="34" charset="-127"/>
+                        <a:cs typeface="Times New Roman" panose="02020603050405020304" pitchFamily="18" charset="0"/>
+                      </a:endParaRPr>
+                    </a:p>
+                  </a:txBody>
+                  <a:tcPr marL="50992" marR="50992" marT="0" marB="0"/>
+                </a:tc>
+                <a:tc>
+                  <a:txBody>
+                    <a:bodyPr/>
+                    <a:lstStyle/>
+                    <a:p>
+                      <a:pPr algn="ctr">
+                        <a:spcAft>
+                          <a:spcPts val="0"/>
+                        </a:spcAft>
+                      </a:pPr>
+                      <a:r>
+                        <a:rPr lang="zh-TW" sz="1800" kern="100" baseline="0">
+                          <a:effectLst/>
+                          <a:latin typeface="Malgun Gothic" panose="020B0503020000020004" pitchFamily="34" charset="-127"/>
+                          <a:ea typeface="Malgun Gothic" panose="020B0503020000020004" pitchFamily="34" charset="-127"/>
+                        </a:rPr>
+                        <a:t>定長字符</a:t>
+                      </a:r>
+                      <a:endParaRPr lang="zh-TW" sz="1800" kern="100" baseline="0">
+                        <a:effectLst/>
+                        <a:latin typeface="Malgun Gothic" panose="020B0503020000020004" pitchFamily="34" charset="-127"/>
+                        <a:ea typeface="Malgun Gothic" panose="020B0503020000020004" pitchFamily="34" charset="-127"/>
+                        <a:cs typeface="Times New Roman" panose="02020603050405020304" pitchFamily="18" charset="0"/>
+                      </a:endParaRPr>
+                    </a:p>
+                  </a:txBody>
+                  <a:tcPr marL="50992" marR="50992" marT="0" marB="0"/>
+                </a:tc>
+              </a:tr>
+              <a:tr h="284661">
+                <a:tc>
+                  <a:txBody>
+                    <a:bodyPr/>
+                    <a:lstStyle/>
+                    <a:p>
+                      <a:pPr algn="l">
+                        <a:spcAft>
+                          <a:spcPts val="0"/>
+                        </a:spcAft>
+                      </a:pPr>
+                      <a:r>
+                        <a:rPr lang="en-US" sz="1800" kern="100" baseline="0">
+                          <a:effectLst/>
+                          <a:latin typeface="Malgun Gothic" panose="020B0503020000020004" pitchFamily="34" charset="-127"/>
+                          <a:ea typeface="Malgun Gothic" panose="020B0503020000020004" pitchFamily="34" charset="-127"/>
+                        </a:rPr>
+                        <a:t>string</a:t>
+                      </a:r>
+                      <a:endParaRPr lang="zh-TW" sz="1800" kern="100" baseline="0">
+                        <a:effectLst/>
+                        <a:latin typeface="Malgun Gothic" panose="020B0503020000020004" pitchFamily="34" charset="-127"/>
+                        <a:ea typeface="Malgun Gothic" panose="020B0503020000020004" pitchFamily="34" charset="-127"/>
+                        <a:cs typeface="Times New Roman" panose="02020603050405020304" pitchFamily="18" charset="0"/>
+                      </a:endParaRPr>
+                    </a:p>
+                  </a:txBody>
+                  <a:tcPr marL="50992" marR="50992" marT="0" marB="0"/>
+                </a:tc>
+                <a:tc>
+                  <a:txBody>
+                    <a:bodyPr/>
+                    <a:lstStyle/>
+                    <a:p>
+                      <a:pPr algn="l">
+                        <a:spcAft>
+                          <a:spcPts val="0"/>
+                        </a:spcAft>
+                      </a:pPr>
+                      <a:r>
+                        <a:rPr lang="en-US" sz="1800" kern="100" baseline="0">
+                          <a:effectLst/>
+                          <a:latin typeface="Malgun Gothic" panose="020B0503020000020004" pitchFamily="34" charset="-127"/>
+                          <a:ea typeface="Malgun Gothic" panose="020B0503020000020004" pitchFamily="34" charset="-127"/>
+                        </a:rPr>
+                        <a:t>java.lang.String</a:t>
+                      </a:r>
+                      <a:endParaRPr lang="zh-TW" sz="1800" kern="100" baseline="0">
+                        <a:effectLst/>
+                        <a:latin typeface="Malgun Gothic" panose="020B0503020000020004" pitchFamily="34" charset="-127"/>
+                        <a:ea typeface="Malgun Gothic" panose="020B0503020000020004" pitchFamily="34" charset="-127"/>
+                        <a:cs typeface="Times New Roman" panose="02020603050405020304" pitchFamily="18" charset="0"/>
+                      </a:endParaRPr>
+                    </a:p>
+                  </a:txBody>
+                  <a:tcPr marL="50992" marR="50992" marT="0" marB="0"/>
+                </a:tc>
+                <a:tc>
+                  <a:txBody>
+                    <a:bodyPr/>
+                    <a:lstStyle/>
+                    <a:p>
+                      <a:pPr algn="ctr">
+                        <a:spcAft>
+                          <a:spcPts val="0"/>
+                        </a:spcAft>
+                      </a:pPr>
+                      <a:r>
+                        <a:rPr lang="en-US" sz="1800" kern="100" baseline="0">
+                          <a:effectLst/>
+                          <a:latin typeface="Malgun Gothic" panose="020B0503020000020004" pitchFamily="34" charset="-127"/>
+                          <a:ea typeface="Malgun Gothic" panose="020B0503020000020004" pitchFamily="34" charset="-127"/>
+                        </a:rPr>
+                        <a:t>VARCHAR</a:t>
+                      </a:r>
+                      <a:endParaRPr lang="zh-TW" sz="1800" kern="100" baseline="0">
+                        <a:effectLst/>
+                        <a:latin typeface="Malgun Gothic" panose="020B0503020000020004" pitchFamily="34" charset="-127"/>
+                        <a:ea typeface="Malgun Gothic" panose="020B0503020000020004" pitchFamily="34" charset="-127"/>
+                        <a:cs typeface="Times New Roman" panose="02020603050405020304" pitchFamily="18" charset="0"/>
+                      </a:endParaRPr>
+                    </a:p>
+                  </a:txBody>
+                  <a:tcPr marL="50992" marR="50992" marT="0" marB="0"/>
+                </a:tc>
+                <a:tc>
+                  <a:txBody>
+                    <a:bodyPr/>
+                    <a:lstStyle/>
+                    <a:p>
+                      <a:pPr algn="ctr">
+                        <a:spcAft>
+                          <a:spcPts val="0"/>
+                        </a:spcAft>
+                      </a:pPr>
+                      <a:r>
+                        <a:rPr lang="zh-TW" sz="1800" kern="100" baseline="0">
+                          <a:effectLst/>
+                          <a:latin typeface="Malgun Gothic" panose="020B0503020000020004" pitchFamily="34" charset="-127"/>
+                          <a:ea typeface="Malgun Gothic" panose="020B0503020000020004" pitchFamily="34" charset="-127"/>
+                        </a:rPr>
+                        <a:t>變長字符</a:t>
+                      </a:r>
+                      <a:endParaRPr lang="zh-TW" sz="1800" kern="100" baseline="0">
+                        <a:effectLst/>
+                        <a:latin typeface="Malgun Gothic" panose="020B0503020000020004" pitchFamily="34" charset="-127"/>
+                        <a:ea typeface="Malgun Gothic" panose="020B0503020000020004" pitchFamily="34" charset="-127"/>
+                        <a:cs typeface="Times New Roman" panose="02020603050405020304" pitchFamily="18" charset="0"/>
+                      </a:endParaRPr>
+                    </a:p>
+                  </a:txBody>
+                  <a:tcPr marL="50992" marR="50992" marT="0" marB="0"/>
+                </a:tc>
+              </a:tr>
+              <a:tr h="335499">
+                <a:tc>
+                  <a:txBody>
+                    <a:bodyPr/>
+                    <a:lstStyle/>
+                    <a:p>
+                      <a:pPr algn="l">
+                        <a:spcAft>
+                          <a:spcPts val="0"/>
+                        </a:spcAft>
+                      </a:pPr>
+                      <a:r>
+                        <a:rPr lang="en-US" sz="1800" b="1" kern="100" baseline="0">
+                          <a:effectLst/>
+                          <a:latin typeface="Malgun Gothic" panose="020B0503020000020004" pitchFamily="34" charset="-127"/>
+                          <a:ea typeface="Malgun Gothic" panose="020B0503020000020004" pitchFamily="34" charset="-127"/>
+                        </a:rPr>
+                        <a:t>boolean/yes_no/true_false</a:t>
+                      </a:r>
+                      <a:endParaRPr lang="zh-TW" sz="1800" b="1" kern="100" baseline="0">
+                        <a:effectLst/>
+                        <a:latin typeface="Malgun Gothic" panose="020B0503020000020004" pitchFamily="34" charset="-127"/>
+                        <a:ea typeface="Malgun Gothic" panose="020B0503020000020004" pitchFamily="34" charset="-127"/>
+                        <a:cs typeface="Times New Roman" panose="02020603050405020304" pitchFamily="18" charset="0"/>
+                      </a:endParaRPr>
+                    </a:p>
+                  </a:txBody>
+                  <a:tcPr marL="50992" marR="50992" marT="0" marB="0"/>
+                </a:tc>
+                <a:tc>
+                  <a:txBody>
+                    <a:bodyPr/>
+                    <a:lstStyle/>
+                    <a:p>
+                      <a:pPr algn="l">
+                        <a:spcAft>
+                          <a:spcPts val="0"/>
+                        </a:spcAft>
+                      </a:pPr>
+                      <a:r>
+                        <a:rPr lang="en-US" sz="1800" kern="100" baseline="0" smtClean="0">
+                          <a:effectLst/>
+                          <a:latin typeface="Malgun Gothic" panose="020B0503020000020004" pitchFamily="34" charset="-127"/>
+                          <a:ea typeface="Malgun Gothic" panose="020B0503020000020004" pitchFamily="34" charset="-127"/>
+                        </a:rPr>
+                        <a:t>java.lang.Boolean/boolean</a:t>
+                      </a:r>
+                      <a:endParaRPr lang="zh-TW" sz="1800" kern="100" baseline="0">
+                        <a:effectLst/>
+                        <a:latin typeface="Malgun Gothic" panose="020B0503020000020004" pitchFamily="34" charset="-127"/>
+                        <a:ea typeface="Malgun Gothic" panose="020B0503020000020004" pitchFamily="34" charset="-127"/>
+                        <a:cs typeface="Times New Roman" panose="02020603050405020304" pitchFamily="18" charset="0"/>
+                      </a:endParaRPr>
+                    </a:p>
+                  </a:txBody>
+                  <a:tcPr marL="50992" marR="50992" marT="0" marB="0"/>
+                </a:tc>
+                <a:tc>
+                  <a:txBody>
+                    <a:bodyPr/>
+                    <a:lstStyle/>
+                    <a:p>
+                      <a:pPr algn="ctr">
+                        <a:spcAft>
+                          <a:spcPts val="0"/>
+                        </a:spcAft>
+                      </a:pPr>
+                      <a:r>
+                        <a:rPr lang="en-US" sz="1800" kern="100" baseline="0">
+                          <a:effectLst/>
+                          <a:latin typeface="Malgun Gothic" panose="020B0503020000020004" pitchFamily="34" charset="-127"/>
+                          <a:ea typeface="Malgun Gothic" panose="020B0503020000020004" pitchFamily="34" charset="-127"/>
+                        </a:rPr>
+                        <a:t>BIT</a:t>
+                      </a:r>
+                      <a:endParaRPr lang="zh-TW" sz="1800" kern="100" baseline="0">
+                        <a:effectLst/>
+                        <a:latin typeface="Malgun Gothic" panose="020B0503020000020004" pitchFamily="34" charset="-127"/>
+                        <a:ea typeface="Malgun Gothic" panose="020B0503020000020004" pitchFamily="34" charset="-127"/>
+                        <a:cs typeface="Times New Roman" panose="02020603050405020304" pitchFamily="18" charset="0"/>
+                      </a:endParaRPr>
+                    </a:p>
+                  </a:txBody>
+                  <a:tcPr marL="50992" marR="50992" marT="0" marB="0"/>
+                </a:tc>
+                <a:tc>
+                  <a:txBody>
+                    <a:bodyPr/>
+                    <a:lstStyle/>
+                    <a:p>
+                      <a:pPr algn="ctr">
+                        <a:spcAft>
+                          <a:spcPts val="0"/>
+                        </a:spcAft>
+                      </a:pPr>
+                      <a:r>
+                        <a:rPr lang="zh-TW" sz="1800" kern="100" baseline="0">
+                          <a:effectLst/>
+                          <a:latin typeface="Malgun Gothic" panose="020B0503020000020004" pitchFamily="34" charset="-127"/>
+                          <a:ea typeface="Malgun Gothic" panose="020B0503020000020004" pitchFamily="34" charset="-127"/>
+                        </a:rPr>
+                        <a:t>布爾類型</a:t>
+                      </a:r>
+                      <a:endParaRPr lang="zh-TW" sz="1800" kern="100" baseline="0">
+                        <a:effectLst/>
+                        <a:latin typeface="Malgun Gothic" panose="020B0503020000020004" pitchFamily="34" charset="-127"/>
+                        <a:ea typeface="Malgun Gothic" panose="020B0503020000020004" pitchFamily="34" charset="-127"/>
+                        <a:cs typeface="Times New Roman" panose="02020603050405020304" pitchFamily="18" charset="0"/>
+                      </a:endParaRPr>
+                    </a:p>
+                  </a:txBody>
+                  <a:tcPr marL="50992" marR="50992" marT="0" marB="0"/>
+                </a:tc>
+              </a:tr>
+              <a:tr h="284661">
+                <a:tc>
+                  <a:txBody>
+                    <a:bodyPr/>
+                    <a:lstStyle/>
+                    <a:p>
+                      <a:pPr algn="l">
+                        <a:spcAft>
+                          <a:spcPts val="0"/>
+                        </a:spcAft>
+                      </a:pPr>
+                      <a:r>
+                        <a:rPr lang="en-US" sz="1800" b="1" kern="100" baseline="0">
+                          <a:effectLst/>
+                          <a:latin typeface="Malgun Gothic" panose="020B0503020000020004" pitchFamily="34" charset="-127"/>
+                          <a:ea typeface="Malgun Gothic" panose="020B0503020000020004" pitchFamily="34" charset="-127"/>
+                        </a:rPr>
+                        <a:t>date</a:t>
+                      </a:r>
+                      <a:endParaRPr lang="zh-TW" sz="1800" b="1" kern="100" baseline="0">
+                        <a:effectLst/>
+                        <a:latin typeface="Malgun Gothic" panose="020B0503020000020004" pitchFamily="34" charset="-127"/>
+                        <a:ea typeface="Malgun Gothic" panose="020B0503020000020004" pitchFamily="34" charset="-127"/>
+                        <a:cs typeface="Times New Roman" panose="02020603050405020304" pitchFamily="18" charset="0"/>
+                      </a:endParaRPr>
+                    </a:p>
+                  </a:txBody>
+                  <a:tcPr marL="50992" marR="50992" marT="0" marB="0"/>
+                </a:tc>
+                <a:tc>
+                  <a:txBody>
+                    <a:bodyPr/>
+                    <a:lstStyle/>
+                    <a:p>
+                      <a:pPr algn="l">
+                        <a:spcAft>
+                          <a:spcPts val="0"/>
+                        </a:spcAft>
+                      </a:pPr>
+                      <a:r>
+                        <a:rPr lang="en-US" sz="1800" kern="100" baseline="0">
+                          <a:effectLst/>
+                          <a:latin typeface="Malgun Gothic" panose="020B0503020000020004" pitchFamily="34" charset="-127"/>
+                          <a:ea typeface="Malgun Gothic" panose="020B0503020000020004" pitchFamily="34" charset="-127"/>
+                        </a:rPr>
+                        <a:t>java.util.Date/java.sql.Date</a:t>
+                      </a:r>
+                      <a:endParaRPr lang="zh-TW" sz="1800" kern="100" baseline="0">
+                        <a:effectLst/>
+                        <a:latin typeface="Malgun Gothic" panose="020B0503020000020004" pitchFamily="34" charset="-127"/>
+                        <a:ea typeface="Malgun Gothic" panose="020B0503020000020004" pitchFamily="34" charset="-127"/>
+                        <a:cs typeface="Times New Roman" panose="02020603050405020304" pitchFamily="18" charset="0"/>
+                      </a:endParaRPr>
+                    </a:p>
+                  </a:txBody>
+                  <a:tcPr marL="50992" marR="50992" marT="0" marB="0"/>
+                </a:tc>
+                <a:tc>
+                  <a:txBody>
+                    <a:bodyPr/>
+                    <a:lstStyle/>
+                    <a:p>
+                      <a:pPr algn="ctr">
+                        <a:spcAft>
+                          <a:spcPts val="0"/>
+                        </a:spcAft>
+                      </a:pPr>
+                      <a:r>
+                        <a:rPr lang="en-US" sz="1800" kern="100" baseline="0">
+                          <a:effectLst/>
+                          <a:latin typeface="Malgun Gothic" panose="020B0503020000020004" pitchFamily="34" charset="-127"/>
+                          <a:ea typeface="Malgun Gothic" panose="020B0503020000020004" pitchFamily="34" charset="-127"/>
+                        </a:rPr>
+                        <a:t>DATE</a:t>
+                      </a:r>
+                      <a:endParaRPr lang="zh-TW" sz="1800" kern="100" baseline="0">
+                        <a:effectLst/>
+                        <a:latin typeface="Malgun Gothic" panose="020B0503020000020004" pitchFamily="34" charset="-127"/>
+                        <a:ea typeface="Malgun Gothic" panose="020B0503020000020004" pitchFamily="34" charset="-127"/>
+                        <a:cs typeface="Times New Roman" panose="02020603050405020304" pitchFamily="18" charset="0"/>
+                      </a:endParaRPr>
+                    </a:p>
+                  </a:txBody>
+                  <a:tcPr marL="50992" marR="50992" marT="0" marB="0"/>
+                </a:tc>
+                <a:tc>
+                  <a:txBody>
+                    <a:bodyPr/>
+                    <a:lstStyle/>
+                    <a:p>
+                      <a:pPr algn="ctr">
+                        <a:spcAft>
+                          <a:spcPts val="0"/>
+                        </a:spcAft>
+                      </a:pPr>
+                      <a:r>
+                        <a:rPr lang="zh-TW" sz="1800" kern="100" baseline="0">
+                          <a:effectLst/>
+                          <a:latin typeface="Malgun Gothic" panose="020B0503020000020004" pitchFamily="34" charset="-127"/>
+                          <a:ea typeface="Malgun Gothic" panose="020B0503020000020004" pitchFamily="34" charset="-127"/>
+                        </a:rPr>
+                        <a:t>日期</a:t>
+                      </a:r>
+                      <a:endParaRPr lang="zh-TW" sz="1800" kern="100" baseline="0">
+                        <a:effectLst/>
+                        <a:latin typeface="Malgun Gothic" panose="020B0503020000020004" pitchFamily="34" charset="-127"/>
+                        <a:ea typeface="Malgun Gothic" panose="020B0503020000020004" pitchFamily="34" charset="-127"/>
+                        <a:cs typeface="Times New Roman" panose="02020603050405020304" pitchFamily="18" charset="0"/>
+                      </a:endParaRPr>
+                    </a:p>
+                  </a:txBody>
+                  <a:tcPr marL="50992" marR="50992" marT="0" marB="0"/>
+                </a:tc>
+              </a:tr>
+              <a:tr h="284661">
+                <a:tc>
+                  <a:txBody>
+                    <a:bodyPr/>
+                    <a:lstStyle/>
+                    <a:p>
+                      <a:pPr algn="l">
+                        <a:spcAft>
+                          <a:spcPts val="0"/>
+                        </a:spcAft>
+                      </a:pPr>
+                      <a:r>
+                        <a:rPr lang="en-US" sz="1800" b="1" kern="100" baseline="0">
+                          <a:effectLst/>
+                          <a:latin typeface="Malgun Gothic" panose="020B0503020000020004" pitchFamily="34" charset="-127"/>
+                          <a:ea typeface="Malgun Gothic" panose="020B0503020000020004" pitchFamily="34" charset="-127"/>
+                        </a:rPr>
+                        <a:t>time</a:t>
+                      </a:r>
+                      <a:endParaRPr lang="zh-TW" sz="1800" b="1" kern="100" baseline="0">
+                        <a:effectLst/>
+                        <a:latin typeface="Malgun Gothic" panose="020B0503020000020004" pitchFamily="34" charset="-127"/>
+                        <a:ea typeface="Malgun Gothic" panose="020B0503020000020004" pitchFamily="34" charset="-127"/>
+                        <a:cs typeface="Times New Roman" panose="02020603050405020304" pitchFamily="18" charset="0"/>
+                      </a:endParaRPr>
+                    </a:p>
+                  </a:txBody>
+                  <a:tcPr marL="50992" marR="50992" marT="0" marB="0"/>
+                </a:tc>
+                <a:tc>
+                  <a:txBody>
+                    <a:bodyPr/>
+                    <a:lstStyle/>
+                    <a:p>
+                      <a:pPr algn="l">
+                        <a:spcAft>
+                          <a:spcPts val="0"/>
+                        </a:spcAft>
+                      </a:pPr>
+                      <a:r>
+                        <a:rPr lang="en-US" sz="1800" kern="100" baseline="0">
+                          <a:effectLst/>
+                          <a:latin typeface="Malgun Gothic" panose="020B0503020000020004" pitchFamily="34" charset="-127"/>
+                          <a:ea typeface="Malgun Gothic" panose="020B0503020000020004" pitchFamily="34" charset="-127"/>
+                        </a:rPr>
+                        <a:t>java.util.Date/java.sql.Time</a:t>
+                      </a:r>
+                      <a:endParaRPr lang="zh-TW" sz="1800" kern="100" baseline="0">
+                        <a:effectLst/>
+                        <a:latin typeface="Malgun Gothic" panose="020B0503020000020004" pitchFamily="34" charset="-127"/>
+                        <a:ea typeface="Malgun Gothic" panose="020B0503020000020004" pitchFamily="34" charset="-127"/>
+                        <a:cs typeface="Times New Roman" panose="02020603050405020304" pitchFamily="18" charset="0"/>
+                      </a:endParaRPr>
+                    </a:p>
+                  </a:txBody>
+                  <a:tcPr marL="50992" marR="50992" marT="0" marB="0"/>
+                </a:tc>
+                <a:tc>
+                  <a:txBody>
+                    <a:bodyPr/>
+                    <a:lstStyle/>
+                    <a:p>
+                      <a:pPr algn="ctr">
+                        <a:spcAft>
+                          <a:spcPts val="0"/>
+                        </a:spcAft>
+                      </a:pPr>
+                      <a:r>
+                        <a:rPr lang="en-US" sz="1800" kern="100" baseline="0">
+                          <a:effectLst/>
+                          <a:latin typeface="Malgun Gothic" panose="020B0503020000020004" pitchFamily="34" charset="-127"/>
+                          <a:ea typeface="Malgun Gothic" panose="020B0503020000020004" pitchFamily="34" charset="-127"/>
+                        </a:rPr>
+                        <a:t>TIME</a:t>
+                      </a:r>
+                      <a:endParaRPr lang="zh-TW" sz="1800" kern="100" baseline="0">
+                        <a:effectLst/>
+                        <a:latin typeface="Malgun Gothic" panose="020B0503020000020004" pitchFamily="34" charset="-127"/>
+                        <a:ea typeface="Malgun Gothic" panose="020B0503020000020004" pitchFamily="34" charset="-127"/>
+                        <a:cs typeface="Times New Roman" panose="02020603050405020304" pitchFamily="18" charset="0"/>
+                      </a:endParaRPr>
+                    </a:p>
+                  </a:txBody>
+                  <a:tcPr marL="50992" marR="50992" marT="0" marB="0"/>
+                </a:tc>
+                <a:tc>
+                  <a:txBody>
+                    <a:bodyPr/>
+                    <a:lstStyle/>
+                    <a:p>
+                      <a:pPr algn="ctr">
+                        <a:spcAft>
+                          <a:spcPts val="0"/>
+                        </a:spcAft>
+                      </a:pPr>
+                      <a:r>
+                        <a:rPr lang="zh-TW" sz="1800" kern="100" baseline="0">
+                          <a:effectLst/>
+                          <a:latin typeface="Malgun Gothic" panose="020B0503020000020004" pitchFamily="34" charset="-127"/>
+                          <a:ea typeface="Malgun Gothic" panose="020B0503020000020004" pitchFamily="34" charset="-127"/>
+                        </a:rPr>
+                        <a:t>時間</a:t>
+                      </a:r>
+                      <a:endParaRPr lang="zh-TW" sz="1800" kern="100" baseline="0">
+                        <a:effectLst/>
+                        <a:latin typeface="Malgun Gothic" panose="020B0503020000020004" pitchFamily="34" charset="-127"/>
+                        <a:ea typeface="Malgun Gothic" panose="020B0503020000020004" pitchFamily="34" charset="-127"/>
+                        <a:cs typeface="Times New Roman" panose="02020603050405020304" pitchFamily="18" charset="0"/>
+                      </a:endParaRPr>
+                    </a:p>
+                  </a:txBody>
+                  <a:tcPr marL="50992" marR="50992" marT="0" marB="0"/>
+                </a:tc>
+              </a:tr>
+              <a:tr h="284661">
+                <a:tc>
+                  <a:txBody>
+                    <a:bodyPr/>
+                    <a:lstStyle/>
+                    <a:p>
+                      <a:pPr algn="l">
+                        <a:spcAft>
+                          <a:spcPts val="0"/>
+                        </a:spcAft>
+                      </a:pPr>
+                      <a:r>
+                        <a:rPr lang="en-US" sz="1800" b="1" kern="100" baseline="0">
+                          <a:effectLst/>
+                          <a:latin typeface="Malgun Gothic" panose="020B0503020000020004" pitchFamily="34" charset="-127"/>
+                          <a:ea typeface="Malgun Gothic" panose="020B0503020000020004" pitchFamily="34" charset="-127"/>
+                        </a:rPr>
+                        <a:t>timestamp</a:t>
+                      </a:r>
+                      <a:endParaRPr lang="zh-TW" sz="1800" b="1" kern="100" baseline="0">
+                        <a:effectLst/>
+                        <a:latin typeface="Malgun Gothic" panose="020B0503020000020004" pitchFamily="34" charset="-127"/>
+                        <a:ea typeface="Malgun Gothic" panose="020B0503020000020004" pitchFamily="34" charset="-127"/>
+                        <a:cs typeface="Times New Roman" panose="02020603050405020304" pitchFamily="18" charset="0"/>
+                      </a:endParaRPr>
+                    </a:p>
+                  </a:txBody>
+                  <a:tcPr marL="50992" marR="50992" marT="0" marB="0"/>
+                </a:tc>
+                <a:tc>
+                  <a:txBody>
+                    <a:bodyPr/>
+                    <a:lstStyle/>
+                    <a:p>
+                      <a:pPr algn="l">
+                        <a:spcAft>
+                          <a:spcPts val="0"/>
+                        </a:spcAft>
+                      </a:pPr>
+                      <a:r>
+                        <a:rPr lang="en-US" sz="1800" kern="100" baseline="0">
+                          <a:effectLst/>
+                          <a:latin typeface="Malgun Gothic" panose="020B0503020000020004" pitchFamily="34" charset="-127"/>
+                          <a:ea typeface="Malgun Gothic" panose="020B0503020000020004" pitchFamily="34" charset="-127"/>
+                        </a:rPr>
+                        <a:t>java.util.Date/java.util.Timestamp</a:t>
+                      </a:r>
+                      <a:endParaRPr lang="zh-TW" sz="1800" kern="100" baseline="0">
+                        <a:effectLst/>
+                        <a:latin typeface="Malgun Gothic" panose="020B0503020000020004" pitchFamily="34" charset="-127"/>
+                        <a:ea typeface="Malgun Gothic" panose="020B0503020000020004" pitchFamily="34" charset="-127"/>
+                        <a:cs typeface="Times New Roman" panose="02020603050405020304" pitchFamily="18" charset="0"/>
+                      </a:endParaRPr>
+                    </a:p>
+                  </a:txBody>
+                  <a:tcPr marL="50992" marR="50992" marT="0" marB="0"/>
+                </a:tc>
+                <a:tc>
+                  <a:txBody>
+                    <a:bodyPr/>
+                    <a:lstStyle/>
+                    <a:p>
+                      <a:pPr algn="ctr">
+                        <a:spcAft>
+                          <a:spcPts val="0"/>
+                        </a:spcAft>
+                      </a:pPr>
+                      <a:r>
+                        <a:rPr lang="en-US" sz="1800" kern="100" baseline="0">
+                          <a:effectLst/>
+                          <a:latin typeface="Malgun Gothic" panose="020B0503020000020004" pitchFamily="34" charset="-127"/>
+                          <a:ea typeface="Malgun Gothic" panose="020B0503020000020004" pitchFamily="34" charset="-127"/>
+                        </a:rPr>
+                        <a:t>TIMESTAMP</a:t>
+                      </a:r>
+                      <a:endParaRPr lang="zh-TW" sz="1800" kern="100" baseline="0">
+                        <a:effectLst/>
+                        <a:latin typeface="Malgun Gothic" panose="020B0503020000020004" pitchFamily="34" charset="-127"/>
+                        <a:ea typeface="Malgun Gothic" panose="020B0503020000020004" pitchFamily="34" charset="-127"/>
+                        <a:cs typeface="Times New Roman" panose="02020603050405020304" pitchFamily="18" charset="0"/>
+                      </a:endParaRPr>
+                    </a:p>
+                  </a:txBody>
+                  <a:tcPr marL="50992" marR="50992" marT="0" marB="0"/>
+                </a:tc>
+                <a:tc>
+                  <a:txBody>
+                    <a:bodyPr/>
+                    <a:lstStyle/>
+                    <a:p>
+                      <a:pPr algn="ctr">
+                        <a:spcAft>
+                          <a:spcPts val="0"/>
+                        </a:spcAft>
+                      </a:pPr>
+                      <a:r>
+                        <a:rPr lang="zh-TW" sz="1800" kern="100" baseline="0">
+                          <a:effectLst/>
+                          <a:latin typeface="Malgun Gothic" panose="020B0503020000020004" pitchFamily="34" charset="-127"/>
+                          <a:ea typeface="Malgun Gothic" panose="020B0503020000020004" pitchFamily="34" charset="-127"/>
+                        </a:rPr>
+                        <a:t>日期</a:t>
+                      </a:r>
+                      <a:endParaRPr lang="zh-TW" sz="1800" kern="100" baseline="0">
+                        <a:effectLst/>
+                        <a:latin typeface="Malgun Gothic" panose="020B0503020000020004" pitchFamily="34" charset="-127"/>
+                        <a:ea typeface="Malgun Gothic" panose="020B0503020000020004" pitchFamily="34" charset="-127"/>
+                        <a:cs typeface="Times New Roman" panose="02020603050405020304" pitchFamily="18" charset="0"/>
+                      </a:endParaRPr>
+                    </a:p>
+                  </a:txBody>
+                  <a:tcPr marL="50992" marR="50992" marT="0" marB="0"/>
+                </a:tc>
+              </a:tr>
+              <a:tr h="284661">
+                <a:tc>
+                  <a:txBody>
+                    <a:bodyPr/>
+                    <a:lstStyle/>
+                    <a:p>
+                      <a:pPr algn="l">
+                        <a:spcAft>
+                          <a:spcPts val="0"/>
+                        </a:spcAft>
+                      </a:pPr>
+                      <a:r>
+                        <a:rPr lang="en-US" sz="1800" b="1" kern="100" baseline="0">
+                          <a:effectLst/>
+                          <a:latin typeface="Malgun Gothic" panose="020B0503020000020004" pitchFamily="34" charset="-127"/>
+                          <a:ea typeface="Malgun Gothic" panose="020B0503020000020004" pitchFamily="34" charset="-127"/>
+                        </a:rPr>
+                        <a:t>calendar</a:t>
+                      </a:r>
+                      <a:endParaRPr lang="zh-TW" sz="1800" b="1" kern="100" baseline="0">
+                        <a:effectLst/>
+                        <a:latin typeface="Malgun Gothic" panose="020B0503020000020004" pitchFamily="34" charset="-127"/>
+                        <a:ea typeface="Malgun Gothic" panose="020B0503020000020004" pitchFamily="34" charset="-127"/>
+                        <a:cs typeface="Times New Roman" panose="02020603050405020304" pitchFamily="18" charset="0"/>
+                      </a:endParaRPr>
+                    </a:p>
+                  </a:txBody>
+                  <a:tcPr marL="50992" marR="50992" marT="0" marB="0"/>
+                </a:tc>
+                <a:tc>
+                  <a:txBody>
+                    <a:bodyPr/>
+                    <a:lstStyle/>
+                    <a:p>
+                      <a:pPr algn="l">
+                        <a:spcAft>
+                          <a:spcPts val="0"/>
+                        </a:spcAft>
+                      </a:pPr>
+                      <a:r>
+                        <a:rPr lang="en-US" sz="1800" kern="100" baseline="0">
+                          <a:effectLst/>
+                          <a:latin typeface="Malgun Gothic" panose="020B0503020000020004" pitchFamily="34" charset="-127"/>
+                          <a:ea typeface="Malgun Gothic" panose="020B0503020000020004" pitchFamily="34" charset="-127"/>
+                        </a:rPr>
+                        <a:t>java.util.Calendar</a:t>
+                      </a:r>
+                      <a:endParaRPr lang="zh-TW" sz="1800" kern="100" baseline="0">
+                        <a:effectLst/>
+                        <a:latin typeface="Malgun Gothic" panose="020B0503020000020004" pitchFamily="34" charset="-127"/>
+                        <a:ea typeface="Malgun Gothic" panose="020B0503020000020004" pitchFamily="34" charset="-127"/>
+                        <a:cs typeface="Times New Roman" panose="02020603050405020304" pitchFamily="18" charset="0"/>
+                      </a:endParaRPr>
+                    </a:p>
+                  </a:txBody>
+                  <a:tcPr marL="50992" marR="50992" marT="0" marB="0"/>
+                </a:tc>
+                <a:tc>
+                  <a:txBody>
+                    <a:bodyPr/>
+                    <a:lstStyle/>
+                    <a:p>
+                      <a:pPr algn="ctr">
+                        <a:spcAft>
+                          <a:spcPts val="0"/>
+                        </a:spcAft>
+                      </a:pPr>
+                      <a:r>
+                        <a:rPr lang="en-US" sz="1800" kern="100" baseline="0">
+                          <a:effectLst/>
+                          <a:latin typeface="Malgun Gothic" panose="020B0503020000020004" pitchFamily="34" charset="-127"/>
+                          <a:ea typeface="Malgun Gothic" panose="020B0503020000020004" pitchFamily="34" charset="-127"/>
+                        </a:rPr>
+                        <a:t>TIMESTAMP</a:t>
+                      </a:r>
+                      <a:endParaRPr lang="zh-TW" sz="1800" kern="100" baseline="0">
+                        <a:effectLst/>
+                        <a:latin typeface="Malgun Gothic" panose="020B0503020000020004" pitchFamily="34" charset="-127"/>
+                        <a:ea typeface="Malgun Gothic" panose="020B0503020000020004" pitchFamily="34" charset="-127"/>
+                        <a:cs typeface="Times New Roman" panose="02020603050405020304" pitchFamily="18" charset="0"/>
+                      </a:endParaRPr>
+                    </a:p>
+                  </a:txBody>
+                  <a:tcPr marL="50992" marR="50992" marT="0" marB="0"/>
+                </a:tc>
+                <a:tc>
+                  <a:txBody>
+                    <a:bodyPr/>
+                    <a:lstStyle/>
+                    <a:p>
+                      <a:pPr algn="ctr">
+                        <a:spcAft>
+                          <a:spcPts val="0"/>
+                        </a:spcAft>
+                      </a:pPr>
+                      <a:r>
+                        <a:rPr lang="zh-TW" sz="1800" kern="100" baseline="0">
+                          <a:effectLst/>
+                          <a:latin typeface="Malgun Gothic" panose="020B0503020000020004" pitchFamily="34" charset="-127"/>
+                          <a:ea typeface="Malgun Gothic" panose="020B0503020000020004" pitchFamily="34" charset="-127"/>
+                        </a:rPr>
+                        <a:t>日期</a:t>
+                      </a:r>
+                      <a:endParaRPr lang="zh-TW" sz="1800" kern="100" baseline="0">
+                        <a:effectLst/>
+                        <a:latin typeface="Malgun Gothic" panose="020B0503020000020004" pitchFamily="34" charset="-127"/>
+                        <a:ea typeface="Malgun Gothic" panose="020B0503020000020004" pitchFamily="34" charset="-127"/>
+                        <a:cs typeface="Times New Roman" panose="02020603050405020304" pitchFamily="18" charset="0"/>
+                      </a:endParaRPr>
+                    </a:p>
+                  </a:txBody>
+                  <a:tcPr marL="50992" marR="50992" marT="0" marB="0"/>
+                </a:tc>
+              </a:tr>
+              <a:tr h="284661">
+                <a:tc>
+                  <a:txBody>
+                    <a:bodyPr/>
+                    <a:lstStyle/>
+                    <a:p>
+                      <a:pPr algn="l">
+                        <a:spcAft>
+                          <a:spcPts val="0"/>
+                        </a:spcAft>
+                      </a:pPr>
+                      <a:r>
+                        <a:rPr lang="en-US" sz="1800" b="1" kern="100" baseline="0">
+                          <a:effectLst/>
+                          <a:latin typeface="Malgun Gothic" panose="020B0503020000020004" pitchFamily="34" charset="-127"/>
+                          <a:ea typeface="Malgun Gothic" panose="020B0503020000020004" pitchFamily="34" charset="-127"/>
+                        </a:rPr>
+                        <a:t>calendar_dar</a:t>
+                      </a:r>
+                      <a:endParaRPr lang="zh-TW" sz="1800" b="1" kern="100" baseline="0">
+                        <a:effectLst/>
+                        <a:latin typeface="Malgun Gothic" panose="020B0503020000020004" pitchFamily="34" charset="-127"/>
+                        <a:ea typeface="Malgun Gothic" panose="020B0503020000020004" pitchFamily="34" charset="-127"/>
+                        <a:cs typeface="Times New Roman" panose="02020603050405020304" pitchFamily="18" charset="0"/>
+                      </a:endParaRPr>
+                    </a:p>
+                  </a:txBody>
+                  <a:tcPr marL="50992" marR="50992" marT="0" marB="0"/>
+                </a:tc>
+                <a:tc>
+                  <a:txBody>
+                    <a:bodyPr/>
+                    <a:lstStyle/>
+                    <a:p>
+                      <a:pPr algn="l">
+                        <a:spcAft>
+                          <a:spcPts val="0"/>
+                        </a:spcAft>
+                      </a:pPr>
+                      <a:r>
+                        <a:rPr lang="en-US" sz="1800" kern="100" baseline="0">
+                          <a:effectLst/>
+                          <a:latin typeface="Malgun Gothic" panose="020B0503020000020004" pitchFamily="34" charset="-127"/>
+                          <a:ea typeface="Malgun Gothic" panose="020B0503020000020004" pitchFamily="34" charset="-127"/>
+                        </a:rPr>
+                        <a:t>java.util.Calendar</a:t>
+                      </a:r>
+                      <a:endParaRPr lang="zh-TW" sz="1800" kern="100" baseline="0">
+                        <a:effectLst/>
+                        <a:latin typeface="Malgun Gothic" panose="020B0503020000020004" pitchFamily="34" charset="-127"/>
+                        <a:ea typeface="Malgun Gothic" panose="020B0503020000020004" pitchFamily="34" charset="-127"/>
+                        <a:cs typeface="Times New Roman" panose="02020603050405020304" pitchFamily="18" charset="0"/>
+                      </a:endParaRPr>
+                    </a:p>
+                  </a:txBody>
+                  <a:tcPr marL="50992" marR="50992" marT="0" marB="0"/>
+                </a:tc>
+                <a:tc>
+                  <a:txBody>
+                    <a:bodyPr/>
+                    <a:lstStyle/>
+                    <a:p>
+                      <a:pPr algn="ctr">
+                        <a:spcAft>
+                          <a:spcPts val="0"/>
+                        </a:spcAft>
+                      </a:pPr>
+                      <a:r>
+                        <a:rPr lang="en-US" sz="1800" kern="100" baseline="0">
+                          <a:effectLst/>
+                          <a:latin typeface="Malgun Gothic" panose="020B0503020000020004" pitchFamily="34" charset="-127"/>
+                          <a:ea typeface="Malgun Gothic" panose="020B0503020000020004" pitchFamily="34" charset="-127"/>
+                        </a:rPr>
+                        <a:t>DATE</a:t>
+                      </a:r>
+                      <a:endParaRPr lang="zh-TW" sz="1800" kern="100" baseline="0">
+                        <a:effectLst/>
+                        <a:latin typeface="Malgun Gothic" panose="020B0503020000020004" pitchFamily="34" charset="-127"/>
+                        <a:ea typeface="Malgun Gothic" panose="020B0503020000020004" pitchFamily="34" charset="-127"/>
+                        <a:cs typeface="Times New Roman" panose="02020603050405020304" pitchFamily="18" charset="0"/>
+                      </a:endParaRPr>
+                    </a:p>
+                  </a:txBody>
+                  <a:tcPr marL="50992" marR="50992" marT="0" marB="0"/>
+                </a:tc>
+                <a:tc>
+                  <a:txBody>
+                    <a:bodyPr/>
+                    <a:lstStyle/>
+                    <a:p>
+                      <a:pPr algn="ctr">
+                        <a:spcAft>
+                          <a:spcPts val="0"/>
+                        </a:spcAft>
+                      </a:pPr>
+                      <a:r>
+                        <a:rPr lang="zh-TW" sz="1800" kern="100" baseline="0">
+                          <a:effectLst/>
+                          <a:latin typeface="Malgun Gothic" panose="020B0503020000020004" pitchFamily="34" charset="-127"/>
+                          <a:ea typeface="Malgun Gothic" panose="020B0503020000020004" pitchFamily="34" charset="-127"/>
+                        </a:rPr>
+                        <a:t>日期</a:t>
+                      </a:r>
+                      <a:endParaRPr lang="zh-TW" sz="1800" kern="100" baseline="0">
+                        <a:effectLst/>
+                        <a:latin typeface="Malgun Gothic" panose="020B0503020000020004" pitchFamily="34" charset="-127"/>
+                        <a:ea typeface="Malgun Gothic" panose="020B0503020000020004" pitchFamily="34" charset="-127"/>
+                        <a:cs typeface="Times New Roman" panose="02020603050405020304" pitchFamily="18" charset="0"/>
+                      </a:endParaRPr>
+                    </a:p>
+                  </a:txBody>
+                  <a:tcPr marL="50992" marR="50992" marT="0" marB="0"/>
+                </a:tc>
+              </a:tr>
+              <a:tr h="284661">
+                <a:tc>
+                  <a:txBody>
+                    <a:bodyPr/>
+                    <a:lstStyle/>
+                    <a:p>
+                      <a:pPr algn="l">
+                        <a:spcAft>
+                          <a:spcPts val="0"/>
+                        </a:spcAft>
+                      </a:pPr>
+                      <a:r>
+                        <a:rPr lang="en-US" sz="1800" b="1" kern="100" baseline="0">
+                          <a:effectLst/>
+                          <a:latin typeface="Malgun Gothic" panose="020B0503020000020004" pitchFamily="34" charset="-127"/>
+                          <a:ea typeface="Malgun Gothic" panose="020B0503020000020004" pitchFamily="34" charset="-127"/>
+                        </a:rPr>
+                        <a:t>binary</a:t>
+                      </a:r>
+                      <a:endParaRPr lang="zh-TW" sz="1800" b="1" kern="100" baseline="0">
+                        <a:effectLst/>
+                        <a:latin typeface="Malgun Gothic" panose="020B0503020000020004" pitchFamily="34" charset="-127"/>
+                        <a:ea typeface="Malgun Gothic" panose="020B0503020000020004" pitchFamily="34" charset="-127"/>
+                        <a:cs typeface="Times New Roman" panose="02020603050405020304" pitchFamily="18" charset="0"/>
+                      </a:endParaRPr>
+                    </a:p>
+                  </a:txBody>
+                  <a:tcPr marL="50992" marR="50992" marT="0" marB="0"/>
+                </a:tc>
+                <a:tc>
+                  <a:txBody>
+                    <a:bodyPr/>
+                    <a:lstStyle/>
+                    <a:p>
+                      <a:pPr algn="l">
+                        <a:spcAft>
+                          <a:spcPts val="0"/>
+                        </a:spcAft>
+                      </a:pPr>
+                      <a:r>
+                        <a:rPr lang="en-US" sz="1800" kern="100" baseline="0">
+                          <a:effectLst/>
+                          <a:latin typeface="Malgun Gothic" panose="020B0503020000020004" pitchFamily="34" charset="-127"/>
+                          <a:ea typeface="Malgun Gothic" panose="020B0503020000020004" pitchFamily="34" charset="-127"/>
+                        </a:rPr>
+                        <a:t>byte[]</a:t>
+                      </a:r>
+                      <a:endParaRPr lang="zh-TW" sz="1800" kern="100" baseline="0">
+                        <a:effectLst/>
+                        <a:latin typeface="Malgun Gothic" panose="020B0503020000020004" pitchFamily="34" charset="-127"/>
+                        <a:ea typeface="Malgun Gothic" panose="020B0503020000020004" pitchFamily="34" charset="-127"/>
+                        <a:cs typeface="Times New Roman" panose="02020603050405020304" pitchFamily="18" charset="0"/>
+                      </a:endParaRPr>
+                    </a:p>
+                  </a:txBody>
+                  <a:tcPr marL="50992" marR="50992" marT="0" marB="0"/>
+                </a:tc>
+                <a:tc>
+                  <a:txBody>
+                    <a:bodyPr/>
+                    <a:lstStyle/>
+                    <a:p>
+                      <a:pPr algn="ctr">
+                        <a:spcAft>
+                          <a:spcPts val="0"/>
+                        </a:spcAft>
+                      </a:pPr>
+                      <a:r>
+                        <a:rPr lang="en-US" sz="1800" kern="100" baseline="0">
+                          <a:effectLst/>
+                          <a:latin typeface="Malgun Gothic" panose="020B0503020000020004" pitchFamily="34" charset="-127"/>
+                          <a:ea typeface="Malgun Gothic" panose="020B0503020000020004" pitchFamily="34" charset="-127"/>
+                        </a:rPr>
+                        <a:t>BLOB</a:t>
+                      </a:r>
+                      <a:endParaRPr lang="zh-TW" sz="1800" kern="100" baseline="0">
+                        <a:effectLst/>
+                        <a:latin typeface="Malgun Gothic" panose="020B0503020000020004" pitchFamily="34" charset="-127"/>
+                        <a:ea typeface="Malgun Gothic" panose="020B0503020000020004" pitchFamily="34" charset="-127"/>
+                        <a:cs typeface="Times New Roman" panose="02020603050405020304" pitchFamily="18" charset="0"/>
+                      </a:endParaRPr>
+                    </a:p>
+                  </a:txBody>
+                  <a:tcPr marL="50992" marR="50992" marT="0" marB="0"/>
+                </a:tc>
+                <a:tc>
+                  <a:txBody>
+                    <a:bodyPr/>
+                    <a:lstStyle/>
+                    <a:p>
+                      <a:pPr algn="ctr">
+                        <a:spcAft>
+                          <a:spcPts val="0"/>
+                        </a:spcAft>
+                      </a:pPr>
+                      <a:r>
+                        <a:rPr lang="en-US" sz="1800" kern="100" baseline="0">
+                          <a:effectLst/>
+                          <a:latin typeface="Malgun Gothic" panose="020B0503020000020004" pitchFamily="34" charset="-127"/>
+                          <a:ea typeface="Malgun Gothic" panose="020B0503020000020004" pitchFamily="34" charset="-127"/>
+                        </a:rPr>
+                        <a:t>BLOB</a:t>
+                      </a:r>
+                      <a:endParaRPr lang="zh-TW" sz="1800" kern="100" baseline="0">
+                        <a:effectLst/>
+                        <a:latin typeface="Malgun Gothic" panose="020B0503020000020004" pitchFamily="34" charset="-127"/>
+                        <a:ea typeface="Malgun Gothic" panose="020B0503020000020004" pitchFamily="34" charset="-127"/>
+                        <a:cs typeface="Times New Roman" panose="02020603050405020304" pitchFamily="18" charset="0"/>
+                      </a:endParaRPr>
+                    </a:p>
+                  </a:txBody>
+                  <a:tcPr marL="50992" marR="50992" marT="0" marB="0"/>
+                </a:tc>
+              </a:tr>
+              <a:tr h="284661">
+                <a:tc>
+                  <a:txBody>
+                    <a:bodyPr/>
+                    <a:lstStyle/>
+                    <a:p>
+                      <a:pPr algn="l">
+                        <a:spcAft>
+                          <a:spcPts val="0"/>
+                        </a:spcAft>
+                      </a:pPr>
+                      <a:r>
+                        <a:rPr lang="en-US" sz="1800" b="1" kern="100" baseline="0">
+                          <a:effectLst/>
+                          <a:latin typeface="Malgun Gothic" panose="020B0503020000020004" pitchFamily="34" charset="-127"/>
+                          <a:ea typeface="Malgun Gothic" panose="020B0503020000020004" pitchFamily="34" charset="-127"/>
+                        </a:rPr>
+                        <a:t>text</a:t>
+                      </a:r>
+                      <a:endParaRPr lang="zh-TW" sz="1800" b="1" kern="100" baseline="0">
+                        <a:effectLst/>
+                        <a:latin typeface="Malgun Gothic" panose="020B0503020000020004" pitchFamily="34" charset="-127"/>
+                        <a:ea typeface="Malgun Gothic" panose="020B0503020000020004" pitchFamily="34" charset="-127"/>
+                        <a:cs typeface="Times New Roman" panose="02020603050405020304" pitchFamily="18" charset="0"/>
+                      </a:endParaRPr>
+                    </a:p>
+                  </a:txBody>
+                  <a:tcPr marL="50992" marR="50992" marT="0" marB="0"/>
+                </a:tc>
+                <a:tc>
+                  <a:txBody>
+                    <a:bodyPr/>
+                    <a:lstStyle/>
+                    <a:p>
+                      <a:pPr algn="l">
+                        <a:spcAft>
+                          <a:spcPts val="0"/>
+                        </a:spcAft>
+                      </a:pPr>
+                      <a:r>
+                        <a:rPr lang="en-US" sz="1800" kern="100" baseline="0">
+                          <a:effectLst/>
+                          <a:latin typeface="Malgun Gothic" panose="020B0503020000020004" pitchFamily="34" charset="-127"/>
+                          <a:ea typeface="Malgun Gothic" panose="020B0503020000020004" pitchFamily="34" charset="-127"/>
+                        </a:rPr>
+                        <a:t>java.lang.String</a:t>
+                      </a:r>
+                      <a:endParaRPr lang="zh-TW" sz="1800" kern="100" baseline="0">
+                        <a:effectLst/>
+                        <a:latin typeface="Malgun Gothic" panose="020B0503020000020004" pitchFamily="34" charset="-127"/>
+                        <a:ea typeface="Malgun Gothic" panose="020B0503020000020004" pitchFamily="34" charset="-127"/>
+                        <a:cs typeface="Times New Roman" panose="02020603050405020304" pitchFamily="18" charset="0"/>
+                      </a:endParaRPr>
+                    </a:p>
+                  </a:txBody>
+                  <a:tcPr marL="50992" marR="50992" marT="0" marB="0"/>
+                </a:tc>
+                <a:tc>
+                  <a:txBody>
+                    <a:bodyPr/>
+                    <a:lstStyle/>
+                    <a:p>
+                      <a:pPr algn="ctr">
+                        <a:spcAft>
+                          <a:spcPts val="0"/>
+                        </a:spcAft>
+                      </a:pPr>
+                      <a:r>
+                        <a:rPr lang="en-US" sz="1800" kern="100" baseline="0">
+                          <a:effectLst/>
+                          <a:latin typeface="Malgun Gothic" panose="020B0503020000020004" pitchFamily="34" charset="-127"/>
+                          <a:ea typeface="Malgun Gothic" panose="020B0503020000020004" pitchFamily="34" charset="-127"/>
+                        </a:rPr>
+                        <a:t>CLOB</a:t>
+                      </a:r>
+                      <a:endParaRPr lang="zh-TW" sz="1800" kern="100" baseline="0">
+                        <a:effectLst/>
+                        <a:latin typeface="Malgun Gothic" panose="020B0503020000020004" pitchFamily="34" charset="-127"/>
+                        <a:ea typeface="Malgun Gothic" panose="020B0503020000020004" pitchFamily="34" charset="-127"/>
+                        <a:cs typeface="Times New Roman" panose="02020603050405020304" pitchFamily="18" charset="0"/>
+                      </a:endParaRPr>
+                    </a:p>
+                  </a:txBody>
+                  <a:tcPr marL="50992" marR="50992" marT="0" marB="0"/>
+                </a:tc>
+                <a:tc>
+                  <a:txBody>
+                    <a:bodyPr/>
+                    <a:lstStyle/>
+                    <a:p>
+                      <a:pPr algn="ctr">
+                        <a:spcAft>
+                          <a:spcPts val="0"/>
+                        </a:spcAft>
+                      </a:pPr>
+                      <a:r>
+                        <a:rPr lang="en-US" sz="1800" kern="100" baseline="0">
+                          <a:effectLst/>
+                          <a:latin typeface="Malgun Gothic" panose="020B0503020000020004" pitchFamily="34" charset="-127"/>
+                          <a:ea typeface="Malgun Gothic" panose="020B0503020000020004" pitchFamily="34" charset="-127"/>
+                        </a:rPr>
+                        <a:t>CLOB</a:t>
+                      </a:r>
+                      <a:endParaRPr lang="zh-TW" sz="1800" kern="100" baseline="0">
+                        <a:effectLst/>
+                        <a:latin typeface="Malgun Gothic" panose="020B0503020000020004" pitchFamily="34" charset="-127"/>
+                        <a:ea typeface="Malgun Gothic" panose="020B0503020000020004" pitchFamily="34" charset="-127"/>
+                        <a:cs typeface="Times New Roman" panose="02020603050405020304" pitchFamily="18" charset="0"/>
+                      </a:endParaRPr>
+                    </a:p>
+                  </a:txBody>
+                  <a:tcPr marL="50992" marR="50992" marT="0" marB="0"/>
+                </a:tc>
+              </a:tr>
+              <a:tr h="284661">
+                <a:tc>
+                  <a:txBody>
+                    <a:bodyPr/>
+                    <a:lstStyle/>
+                    <a:p>
+                      <a:pPr algn="l">
+                        <a:spcAft>
+                          <a:spcPts val="0"/>
+                        </a:spcAft>
+                      </a:pPr>
+                      <a:r>
+                        <a:rPr lang="en-US" sz="1800" b="1" kern="100" baseline="0">
+                          <a:effectLst/>
+                          <a:latin typeface="Malgun Gothic" panose="020B0503020000020004" pitchFamily="34" charset="-127"/>
+                          <a:ea typeface="Malgun Gothic" panose="020B0503020000020004" pitchFamily="34" charset="-127"/>
+                        </a:rPr>
+                        <a:t>serializable</a:t>
+                      </a:r>
+                      <a:endParaRPr lang="zh-TW" sz="1800" b="1" kern="100" baseline="0">
+                        <a:effectLst/>
+                        <a:latin typeface="Malgun Gothic" panose="020B0503020000020004" pitchFamily="34" charset="-127"/>
+                        <a:ea typeface="Malgun Gothic" panose="020B0503020000020004" pitchFamily="34" charset="-127"/>
+                        <a:cs typeface="Times New Roman" panose="02020603050405020304" pitchFamily="18" charset="0"/>
+                      </a:endParaRPr>
+                    </a:p>
+                  </a:txBody>
+                  <a:tcPr marL="50992" marR="50992" marT="0" marB="0"/>
+                </a:tc>
+                <a:tc>
+                  <a:txBody>
+                    <a:bodyPr/>
+                    <a:lstStyle/>
+                    <a:p>
+                      <a:pPr algn="l">
+                        <a:spcAft>
+                          <a:spcPts val="0"/>
+                        </a:spcAft>
+                      </a:pPr>
+                      <a:r>
+                        <a:rPr lang="zh-TW" sz="1800" kern="100" baseline="0">
+                          <a:effectLst/>
+                          <a:latin typeface="Malgun Gothic" panose="020B0503020000020004" pitchFamily="34" charset="-127"/>
+                          <a:ea typeface="Malgun Gothic" panose="020B0503020000020004" pitchFamily="34" charset="-127"/>
+                        </a:rPr>
+                        <a:t>實現</a:t>
+                      </a:r>
+                      <a:r>
+                        <a:rPr lang="en-US" sz="1800" kern="100" baseline="0">
+                          <a:effectLst/>
+                          <a:latin typeface="Malgun Gothic" panose="020B0503020000020004" pitchFamily="34" charset="-127"/>
+                          <a:ea typeface="Malgun Gothic" panose="020B0503020000020004" pitchFamily="34" charset="-127"/>
+                        </a:rPr>
+                        <a:t>java.io.Serializable</a:t>
+                      </a:r>
+                      <a:r>
+                        <a:rPr lang="zh-TW" sz="1800" kern="100" baseline="0">
+                          <a:effectLst/>
+                          <a:latin typeface="Malgun Gothic" panose="020B0503020000020004" pitchFamily="34" charset="-127"/>
+                          <a:ea typeface="Malgun Gothic" panose="020B0503020000020004" pitchFamily="34" charset="-127"/>
+                        </a:rPr>
+                        <a:t>接口的任意</a:t>
+                      </a:r>
+                      <a:r>
+                        <a:rPr lang="en-US" sz="1800" kern="100" baseline="0">
+                          <a:effectLst/>
+                          <a:latin typeface="Malgun Gothic" panose="020B0503020000020004" pitchFamily="34" charset="-127"/>
+                          <a:ea typeface="Malgun Gothic" panose="020B0503020000020004" pitchFamily="34" charset="-127"/>
+                        </a:rPr>
+                        <a:t>Java</a:t>
+                      </a:r>
+                      <a:r>
+                        <a:rPr lang="zh-TW" sz="1800" kern="100" baseline="0">
+                          <a:effectLst/>
+                          <a:latin typeface="Malgun Gothic" panose="020B0503020000020004" pitchFamily="34" charset="-127"/>
+                          <a:ea typeface="Malgun Gothic" panose="020B0503020000020004" pitchFamily="34" charset="-127"/>
+                        </a:rPr>
+                        <a:t>類</a:t>
+                      </a:r>
+                      <a:endParaRPr lang="zh-TW" sz="1800" kern="100" baseline="0">
+                        <a:effectLst/>
+                        <a:latin typeface="Malgun Gothic" panose="020B0503020000020004" pitchFamily="34" charset="-127"/>
+                        <a:ea typeface="Malgun Gothic" panose="020B0503020000020004" pitchFamily="34" charset="-127"/>
+                        <a:cs typeface="Times New Roman" panose="02020603050405020304" pitchFamily="18" charset="0"/>
+                      </a:endParaRPr>
+                    </a:p>
+                  </a:txBody>
+                  <a:tcPr marL="50992" marR="50992" marT="0" marB="0"/>
+                </a:tc>
+                <a:tc>
+                  <a:txBody>
+                    <a:bodyPr/>
+                    <a:lstStyle/>
+                    <a:p>
+                      <a:pPr algn="ctr">
+                        <a:spcAft>
+                          <a:spcPts val="0"/>
+                        </a:spcAft>
+                      </a:pPr>
+                      <a:r>
+                        <a:rPr lang="en-US" sz="1800" kern="100" baseline="0">
+                          <a:effectLst/>
+                          <a:latin typeface="Malgun Gothic" panose="020B0503020000020004" pitchFamily="34" charset="-127"/>
+                          <a:ea typeface="Malgun Gothic" panose="020B0503020000020004" pitchFamily="34" charset="-127"/>
+                        </a:rPr>
+                        <a:t>BLOB</a:t>
+                      </a:r>
+                      <a:endParaRPr lang="zh-TW" sz="1800" kern="100" baseline="0">
+                        <a:effectLst/>
+                        <a:latin typeface="Malgun Gothic" panose="020B0503020000020004" pitchFamily="34" charset="-127"/>
+                        <a:ea typeface="Malgun Gothic" panose="020B0503020000020004" pitchFamily="34" charset="-127"/>
+                        <a:cs typeface="Times New Roman" panose="02020603050405020304" pitchFamily="18" charset="0"/>
+                      </a:endParaRPr>
+                    </a:p>
+                  </a:txBody>
+                  <a:tcPr marL="50992" marR="50992" marT="0" marB="0"/>
+                </a:tc>
+                <a:tc>
+                  <a:txBody>
+                    <a:bodyPr/>
+                    <a:lstStyle/>
+                    <a:p>
+                      <a:pPr algn="ctr">
+                        <a:spcAft>
+                          <a:spcPts val="0"/>
+                        </a:spcAft>
+                      </a:pPr>
+                      <a:r>
+                        <a:rPr lang="en-US" sz="1800" kern="100" baseline="0">
+                          <a:effectLst/>
+                          <a:latin typeface="Malgun Gothic" panose="020B0503020000020004" pitchFamily="34" charset="-127"/>
+                          <a:ea typeface="Malgun Gothic" panose="020B0503020000020004" pitchFamily="34" charset="-127"/>
+                        </a:rPr>
+                        <a:t>BLOB</a:t>
+                      </a:r>
+                      <a:endParaRPr lang="zh-TW" sz="1800" kern="100" baseline="0">
+                        <a:effectLst/>
+                        <a:latin typeface="Malgun Gothic" panose="020B0503020000020004" pitchFamily="34" charset="-127"/>
+                        <a:ea typeface="Malgun Gothic" panose="020B0503020000020004" pitchFamily="34" charset="-127"/>
+                        <a:cs typeface="Times New Roman" panose="02020603050405020304" pitchFamily="18" charset="0"/>
+                      </a:endParaRPr>
+                    </a:p>
+                  </a:txBody>
+                  <a:tcPr marL="50992" marR="50992" marT="0" marB="0"/>
+                </a:tc>
+              </a:tr>
+              <a:tr h="284661">
+                <a:tc>
+                  <a:txBody>
+                    <a:bodyPr/>
+                    <a:lstStyle/>
+                    <a:p>
+                      <a:pPr algn="l">
+                        <a:spcAft>
+                          <a:spcPts val="0"/>
+                        </a:spcAft>
+                      </a:pPr>
+                      <a:r>
+                        <a:rPr lang="en-US" sz="1800" b="1" kern="100" baseline="0">
+                          <a:effectLst/>
+                          <a:latin typeface="Malgun Gothic" panose="020B0503020000020004" pitchFamily="34" charset="-127"/>
+                          <a:ea typeface="Malgun Gothic" panose="020B0503020000020004" pitchFamily="34" charset="-127"/>
+                        </a:rPr>
+                        <a:t>clob</a:t>
+                      </a:r>
+                      <a:endParaRPr lang="zh-TW" sz="1800" b="1" kern="100" baseline="0">
+                        <a:effectLst/>
+                        <a:latin typeface="Malgun Gothic" panose="020B0503020000020004" pitchFamily="34" charset="-127"/>
+                        <a:ea typeface="Malgun Gothic" panose="020B0503020000020004" pitchFamily="34" charset="-127"/>
+                        <a:cs typeface="Times New Roman" panose="02020603050405020304" pitchFamily="18" charset="0"/>
+                      </a:endParaRPr>
+                    </a:p>
+                  </a:txBody>
+                  <a:tcPr marL="50992" marR="50992" marT="0" marB="0"/>
+                </a:tc>
+                <a:tc>
+                  <a:txBody>
+                    <a:bodyPr/>
+                    <a:lstStyle/>
+                    <a:p>
+                      <a:pPr algn="l">
+                        <a:spcAft>
+                          <a:spcPts val="0"/>
+                        </a:spcAft>
+                      </a:pPr>
+                      <a:r>
+                        <a:rPr lang="en-US" sz="1800" kern="100" baseline="0">
+                          <a:effectLst/>
+                          <a:latin typeface="Malgun Gothic" panose="020B0503020000020004" pitchFamily="34" charset="-127"/>
+                          <a:ea typeface="Malgun Gothic" panose="020B0503020000020004" pitchFamily="34" charset="-127"/>
+                        </a:rPr>
+                        <a:t>java.sql.Clob</a:t>
+                      </a:r>
+                      <a:endParaRPr lang="zh-TW" sz="1800" kern="100" baseline="0">
+                        <a:effectLst/>
+                        <a:latin typeface="Malgun Gothic" panose="020B0503020000020004" pitchFamily="34" charset="-127"/>
+                        <a:ea typeface="Malgun Gothic" panose="020B0503020000020004" pitchFamily="34" charset="-127"/>
+                        <a:cs typeface="Times New Roman" panose="02020603050405020304" pitchFamily="18" charset="0"/>
+                      </a:endParaRPr>
+                    </a:p>
+                  </a:txBody>
+                  <a:tcPr marL="50992" marR="50992" marT="0" marB="0"/>
+                </a:tc>
+                <a:tc>
+                  <a:txBody>
+                    <a:bodyPr/>
+                    <a:lstStyle/>
+                    <a:p>
+                      <a:pPr algn="ctr">
+                        <a:spcAft>
+                          <a:spcPts val="0"/>
+                        </a:spcAft>
+                      </a:pPr>
+                      <a:r>
+                        <a:rPr lang="en-US" sz="1800" kern="100" baseline="0">
+                          <a:effectLst/>
+                          <a:latin typeface="Malgun Gothic" panose="020B0503020000020004" pitchFamily="34" charset="-127"/>
+                          <a:ea typeface="Malgun Gothic" panose="020B0503020000020004" pitchFamily="34" charset="-127"/>
+                        </a:rPr>
+                        <a:t>CLOB</a:t>
+                      </a:r>
+                      <a:endParaRPr lang="zh-TW" sz="1800" kern="100" baseline="0">
+                        <a:effectLst/>
+                        <a:latin typeface="Malgun Gothic" panose="020B0503020000020004" pitchFamily="34" charset="-127"/>
+                        <a:ea typeface="Malgun Gothic" panose="020B0503020000020004" pitchFamily="34" charset="-127"/>
+                        <a:cs typeface="Times New Roman" panose="02020603050405020304" pitchFamily="18" charset="0"/>
+                      </a:endParaRPr>
+                    </a:p>
+                  </a:txBody>
+                  <a:tcPr marL="50992" marR="50992" marT="0" marB="0"/>
+                </a:tc>
+                <a:tc>
+                  <a:txBody>
+                    <a:bodyPr/>
+                    <a:lstStyle/>
+                    <a:p>
+                      <a:pPr algn="ctr">
+                        <a:spcAft>
+                          <a:spcPts val="0"/>
+                        </a:spcAft>
+                      </a:pPr>
+                      <a:r>
+                        <a:rPr lang="en-US" sz="1800" kern="100" baseline="0">
+                          <a:effectLst/>
+                          <a:latin typeface="Malgun Gothic" panose="020B0503020000020004" pitchFamily="34" charset="-127"/>
+                          <a:ea typeface="Malgun Gothic" panose="020B0503020000020004" pitchFamily="34" charset="-127"/>
+                        </a:rPr>
+                        <a:t>CLOB</a:t>
+                      </a:r>
+                      <a:endParaRPr lang="zh-TW" sz="1800" kern="100" baseline="0">
+                        <a:effectLst/>
+                        <a:latin typeface="Malgun Gothic" panose="020B0503020000020004" pitchFamily="34" charset="-127"/>
+                        <a:ea typeface="Malgun Gothic" panose="020B0503020000020004" pitchFamily="34" charset="-127"/>
+                        <a:cs typeface="Times New Roman" panose="02020603050405020304" pitchFamily="18" charset="0"/>
+                      </a:endParaRPr>
+                    </a:p>
+                  </a:txBody>
+                  <a:tcPr marL="50992" marR="50992" marT="0" marB="0"/>
+                </a:tc>
+              </a:tr>
+              <a:tr h="284661">
+                <a:tc>
+                  <a:txBody>
+                    <a:bodyPr/>
+                    <a:lstStyle/>
+                    <a:p>
+                      <a:pPr algn="l">
+                        <a:spcAft>
+                          <a:spcPts val="0"/>
+                        </a:spcAft>
+                      </a:pPr>
+                      <a:r>
+                        <a:rPr lang="en-US" sz="1800" b="1" kern="100" baseline="0">
+                          <a:effectLst/>
+                          <a:latin typeface="Malgun Gothic" panose="020B0503020000020004" pitchFamily="34" charset="-127"/>
+                          <a:ea typeface="Malgun Gothic" panose="020B0503020000020004" pitchFamily="34" charset="-127"/>
+                        </a:rPr>
+                        <a:t>blob</a:t>
+                      </a:r>
+                      <a:endParaRPr lang="zh-TW" sz="1800" b="1" kern="100" baseline="0">
+                        <a:effectLst/>
+                        <a:latin typeface="Malgun Gothic" panose="020B0503020000020004" pitchFamily="34" charset="-127"/>
+                        <a:ea typeface="Malgun Gothic" panose="020B0503020000020004" pitchFamily="34" charset="-127"/>
+                        <a:cs typeface="Times New Roman" panose="02020603050405020304" pitchFamily="18" charset="0"/>
+                      </a:endParaRPr>
+                    </a:p>
+                  </a:txBody>
+                  <a:tcPr marL="50992" marR="50992" marT="0" marB="0"/>
+                </a:tc>
+                <a:tc>
+                  <a:txBody>
+                    <a:bodyPr/>
+                    <a:lstStyle/>
+                    <a:p>
+                      <a:pPr algn="l">
+                        <a:spcAft>
+                          <a:spcPts val="0"/>
+                        </a:spcAft>
+                      </a:pPr>
+                      <a:r>
+                        <a:rPr lang="en-US" sz="1800" kern="100" baseline="0">
+                          <a:effectLst/>
+                          <a:latin typeface="Malgun Gothic" panose="020B0503020000020004" pitchFamily="34" charset="-127"/>
+                          <a:ea typeface="Malgun Gothic" panose="020B0503020000020004" pitchFamily="34" charset="-127"/>
+                        </a:rPr>
+                        <a:t>java.sql.Blob</a:t>
+                      </a:r>
+                      <a:endParaRPr lang="zh-TW" sz="1800" kern="100" baseline="0">
+                        <a:effectLst/>
+                        <a:latin typeface="Malgun Gothic" panose="020B0503020000020004" pitchFamily="34" charset="-127"/>
+                        <a:ea typeface="Malgun Gothic" panose="020B0503020000020004" pitchFamily="34" charset="-127"/>
+                        <a:cs typeface="Times New Roman" panose="02020603050405020304" pitchFamily="18" charset="0"/>
+                      </a:endParaRPr>
+                    </a:p>
+                  </a:txBody>
+                  <a:tcPr marL="50992" marR="50992" marT="0" marB="0"/>
+                </a:tc>
+                <a:tc>
+                  <a:txBody>
+                    <a:bodyPr/>
+                    <a:lstStyle/>
+                    <a:p>
+                      <a:pPr algn="ctr">
+                        <a:spcAft>
+                          <a:spcPts val="0"/>
+                        </a:spcAft>
+                      </a:pPr>
+                      <a:r>
+                        <a:rPr lang="en-US" sz="1800" kern="100" baseline="0">
+                          <a:effectLst/>
+                          <a:latin typeface="Malgun Gothic" panose="020B0503020000020004" pitchFamily="34" charset="-127"/>
+                          <a:ea typeface="Malgun Gothic" panose="020B0503020000020004" pitchFamily="34" charset="-127"/>
+                        </a:rPr>
+                        <a:t>BLOB</a:t>
+                      </a:r>
+                      <a:endParaRPr lang="zh-TW" sz="1800" kern="100" baseline="0">
+                        <a:effectLst/>
+                        <a:latin typeface="Malgun Gothic" panose="020B0503020000020004" pitchFamily="34" charset="-127"/>
+                        <a:ea typeface="Malgun Gothic" panose="020B0503020000020004" pitchFamily="34" charset="-127"/>
+                        <a:cs typeface="Times New Roman" panose="02020603050405020304" pitchFamily="18" charset="0"/>
+                      </a:endParaRPr>
+                    </a:p>
+                  </a:txBody>
+                  <a:tcPr marL="50992" marR="50992" marT="0" marB="0"/>
+                </a:tc>
+                <a:tc>
+                  <a:txBody>
+                    <a:bodyPr/>
+                    <a:lstStyle/>
+                    <a:p>
+                      <a:pPr algn="ctr">
+                        <a:spcAft>
+                          <a:spcPts val="0"/>
+                        </a:spcAft>
+                      </a:pPr>
+                      <a:r>
+                        <a:rPr lang="en-US" sz="1800" kern="100" baseline="0">
+                          <a:effectLst/>
+                          <a:latin typeface="Malgun Gothic" panose="020B0503020000020004" pitchFamily="34" charset="-127"/>
+                          <a:ea typeface="Malgun Gothic" panose="020B0503020000020004" pitchFamily="34" charset="-127"/>
+                        </a:rPr>
+                        <a:t>BLOB</a:t>
+                      </a:r>
+                      <a:endParaRPr lang="zh-TW" sz="1800" kern="100" baseline="0">
+                        <a:effectLst/>
+                        <a:latin typeface="Malgun Gothic" panose="020B0503020000020004" pitchFamily="34" charset="-127"/>
+                        <a:ea typeface="Malgun Gothic" panose="020B0503020000020004" pitchFamily="34" charset="-127"/>
+                        <a:cs typeface="Times New Roman" panose="02020603050405020304" pitchFamily="18" charset="0"/>
+                      </a:endParaRPr>
+                    </a:p>
+                  </a:txBody>
+                  <a:tcPr marL="50992" marR="50992" marT="0" marB="0"/>
+                </a:tc>
+              </a:tr>
+              <a:tr h="284661">
+                <a:tc>
+                  <a:txBody>
+                    <a:bodyPr/>
+                    <a:lstStyle/>
+                    <a:p>
+                      <a:pPr algn="l">
+                        <a:spcAft>
+                          <a:spcPts val="0"/>
+                        </a:spcAft>
+                      </a:pPr>
+                      <a:r>
+                        <a:rPr lang="en-US" sz="1800" b="1" kern="100" baseline="0">
+                          <a:effectLst/>
+                          <a:latin typeface="Malgun Gothic" panose="020B0503020000020004" pitchFamily="34" charset="-127"/>
+                          <a:ea typeface="Malgun Gothic" panose="020B0503020000020004" pitchFamily="34" charset="-127"/>
+                        </a:rPr>
+                        <a:t>class</a:t>
+                      </a:r>
+                      <a:endParaRPr lang="zh-TW" sz="1800" b="1" kern="100" baseline="0">
+                        <a:effectLst/>
+                        <a:latin typeface="Malgun Gothic" panose="020B0503020000020004" pitchFamily="34" charset="-127"/>
+                        <a:ea typeface="Malgun Gothic" panose="020B0503020000020004" pitchFamily="34" charset="-127"/>
+                        <a:cs typeface="Times New Roman" panose="02020603050405020304" pitchFamily="18" charset="0"/>
+                      </a:endParaRPr>
+                    </a:p>
+                  </a:txBody>
+                  <a:tcPr marL="50992" marR="50992" marT="0" marB="0"/>
+                </a:tc>
+                <a:tc>
+                  <a:txBody>
+                    <a:bodyPr/>
+                    <a:lstStyle/>
+                    <a:p>
+                      <a:pPr algn="l">
+                        <a:spcAft>
+                          <a:spcPts val="0"/>
+                        </a:spcAft>
+                      </a:pPr>
+                      <a:r>
+                        <a:rPr lang="en-US" sz="1800" kern="100" baseline="0">
+                          <a:effectLst/>
+                          <a:latin typeface="Malgun Gothic" panose="020B0503020000020004" pitchFamily="34" charset="-127"/>
+                          <a:ea typeface="Malgun Gothic" panose="020B0503020000020004" pitchFamily="34" charset="-127"/>
+                        </a:rPr>
+                        <a:t>java.lang.Class</a:t>
+                      </a:r>
+                      <a:endParaRPr lang="zh-TW" sz="1800" kern="100" baseline="0">
+                        <a:effectLst/>
+                        <a:latin typeface="Malgun Gothic" panose="020B0503020000020004" pitchFamily="34" charset="-127"/>
+                        <a:ea typeface="Malgun Gothic" panose="020B0503020000020004" pitchFamily="34" charset="-127"/>
+                        <a:cs typeface="Times New Roman" panose="02020603050405020304" pitchFamily="18" charset="0"/>
+                      </a:endParaRPr>
+                    </a:p>
+                  </a:txBody>
+                  <a:tcPr marL="50992" marR="50992" marT="0" marB="0"/>
+                </a:tc>
+                <a:tc>
+                  <a:txBody>
+                    <a:bodyPr/>
+                    <a:lstStyle/>
+                    <a:p>
+                      <a:pPr algn="ctr">
+                        <a:spcAft>
+                          <a:spcPts val="0"/>
+                        </a:spcAft>
+                      </a:pPr>
+                      <a:r>
+                        <a:rPr lang="en-US" sz="1800" kern="100" baseline="0">
+                          <a:effectLst/>
+                          <a:latin typeface="Malgun Gothic" panose="020B0503020000020004" pitchFamily="34" charset="-127"/>
+                          <a:ea typeface="Malgun Gothic" panose="020B0503020000020004" pitchFamily="34" charset="-127"/>
+                        </a:rPr>
+                        <a:t>VARCHAR</a:t>
+                      </a:r>
+                      <a:endParaRPr lang="zh-TW" sz="1800" kern="100" baseline="0">
+                        <a:effectLst/>
+                        <a:latin typeface="Malgun Gothic" panose="020B0503020000020004" pitchFamily="34" charset="-127"/>
+                        <a:ea typeface="Malgun Gothic" panose="020B0503020000020004" pitchFamily="34" charset="-127"/>
+                        <a:cs typeface="Times New Roman" panose="02020603050405020304" pitchFamily="18" charset="0"/>
+                      </a:endParaRPr>
+                    </a:p>
+                  </a:txBody>
+                  <a:tcPr marL="50992" marR="50992" marT="0" marB="0"/>
+                </a:tc>
+                <a:tc>
+                  <a:txBody>
+                    <a:bodyPr/>
+                    <a:lstStyle/>
+                    <a:p>
+                      <a:pPr algn="ctr">
+                        <a:spcAft>
+                          <a:spcPts val="0"/>
+                        </a:spcAft>
+                      </a:pPr>
+                      <a:r>
+                        <a:rPr lang="zh-TW" sz="1800" kern="100" baseline="0">
+                          <a:effectLst/>
+                          <a:latin typeface="Malgun Gothic" panose="020B0503020000020004" pitchFamily="34" charset="-127"/>
+                          <a:ea typeface="Malgun Gothic" panose="020B0503020000020004" pitchFamily="34" charset="-127"/>
+                        </a:rPr>
+                        <a:t>定長字符</a:t>
+                      </a:r>
+                      <a:endParaRPr lang="zh-TW" sz="1800" kern="100" baseline="0">
+                        <a:effectLst/>
+                        <a:latin typeface="Malgun Gothic" panose="020B0503020000020004" pitchFamily="34" charset="-127"/>
+                        <a:ea typeface="Malgun Gothic" panose="020B0503020000020004" pitchFamily="34" charset="-127"/>
+                        <a:cs typeface="Times New Roman" panose="02020603050405020304" pitchFamily="18" charset="0"/>
+                      </a:endParaRPr>
+                    </a:p>
+                  </a:txBody>
+                  <a:tcPr marL="50992" marR="50992" marT="0" marB="0"/>
+                </a:tc>
+              </a:tr>
+              <a:tr h="284661">
+                <a:tc>
+                  <a:txBody>
+                    <a:bodyPr/>
+                    <a:lstStyle/>
+                    <a:p>
+                      <a:pPr algn="l">
+                        <a:spcAft>
+                          <a:spcPts val="0"/>
+                        </a:spcAft>
+                      </a:pPr>
+                      <a:r>
+                        <a:rPr lang="en-US" sz="1800" b="1" kern="100" baseline="0">
+                          <a:effectLst/>
+                          <a:latin typeface="Malgun Gothic" panose="020B0503020000020004" pitchFamily="34" charset="-127"/>
+                          <a:ea typeface="Malgun Gothic" panose="020B0503020000020004" pitchFamily="34" charset="-127"/>
+                        </a:rPr>
+                        <a:t>locale</a:t>
+                      </a:r>
+                      <a:endParaRPr lang="zh-TW" sz="1800" b="1" kern="100" baseline="0">
+                        <a:effectLst/>
+                        <a:latin typeface="Malgun Gothic" panose="020B0503020000020004" pitchFamily="34" charset="-127"/>
+                        <a:ea typeface="Malgun Gothic" panose="020B0503020000020004" pitchFamily="34" charset="-127"/>
+                        <a:cs typeface="Times New Roman" panose="02020603050405020304" pitchFamily="18" charset="0"/>
+                      </a:endParaRPr>
+                    </a:p>
+                  </a:txBody>
+                  <a:tcPr marL="50992" marR="50992" marT="0" marB="0"/>
+                </a:tc>
+                <a:tc>
+                  <a:txBody>
+                    <a:bodyPr/>
+                    <a:lstStyle/>
+                    <a:p>
+                      <a:pPr algn="l">
+                        <a:spcAft>
+                          <a:spcPts val="0"/>
+                        </a:spcAft>
+                      </a:pPr>
+                      <a:r>
+                        <a:rPr lang="en-US" sz="1800" kern="100" baseline="0">
+                          <a:effectLst/>
+                          <a:latin typeface="Malgun Gothic" panose="020B0503020000020004" pitchFamily="34" charset="-127"/>
+                          <a:ea typeface="Malgun Gothic" panose="020B0503020000020004" pitchFamily="34" charset="-127"/>
+                        </a:rPr>
+                        <a:t>java.util.Locale</a:t>
+                      </a:r>
+                      <a:endParaRPr lang="zh-TW" sz="1800" kern="100" baseline="0">
+                        <a:effectLst/>
+                        <a:latin typeface="Malgun Gothic" panose="020B0503020000020004" pitchFamily="34" charset="-127"/>
+                        <a:ea typeface="Malgun Gothic" panose="020B0503020000020004" pitchFamily="34" charset="-127"/>
+                        <a:cs typeface="Times New Roman" panose="02020603050405020304" pitchFamily="18" charset="0"/>
+                      </a:endParaRPr>
+                    </a:p>
+                  </a:txBody>
+                  <a:tcPr marL="50992" marR="50992" marT="0" marB="0"/>
+                </a:tc>
+                <a:tc>
+                  <a:txBody>
+                    <a:bodyPr/>
+                    <a:lstStyle/>
+                    <a:p>
+                      <a:pPr algn="ctr">
+                        <a:spcAft>
+                          <a:spcPts val="0"/>
+                        </a:spcAft>
+                      </a:pPr>
+                      <a:r>
+                        <a:rPr lang="en-US" sz="1800" kern="100" baseline="0">
+                          <a:effectLst/>
+                          <a:latin typeface="Malgun Gothic" panose="020B0503020000020004" pitchFamily="34" charset="-127"/>
+                          <a:ea typeface="Malgun Gothic" panose="020B0503020000020004" pitchFamily="34" charset="-127"/>
+                        </a:rPr>
+                        <a:t>VARCHAR</a:t>
+                      </a:r>
+                      <a:endParaRPr lang="zh-TW" sz="1800" kern="100" baseline="0">
+                        <a:effectLst/>
+                        <a:latin typeface="Malgun Gothic" panose="020B0503020000020004" pitchFamily="34" charset="-127"/>
+                        <a:ea typeface="Malgun Gothic" panose="020B0503020000020004" pitchFamily="34" charset="-127"/>
+                        <a:cs typeface="Times New Roman" panose="02020603050405020304" pitchFamily="18" charset="0"/>
+                      </a:endParaRPr>
+                    </a:p>
+                  </a:txBody>
+                  <a:tcPr marL="50992" marR="50992" marT="0" marB="0"/>
+                </a:tc>
+                <a:tc>
+                  <a:txBody>
+                    <a:bodyPr/>
+                    <a:lstStyle/>
+                    <a:p>
+                      <a:pPr algn="ctr">
+                        <a:spcAft>
+                          <a:spcPts val="0"/>
+                        </a:spcAft>
+                      </a:pPr>
+                      <a:r>
+                        <a:rPr lang="zh-TW" sz="1800" kern="100" baseline="0">
+                          <a:effectLst/>
+                          <a:latin typeface="Malgun Gothic" panose="020B0503020000020004" pitchFamily="34" charset="-127"/>
+                          <a:ea typeface="Malgun Gothic" panose="020B0503020000020004" pitchFamily="34" charset="-127"/>
+                        </a:rPr>
+                        <a:t>定長字符</a:t>
+                      </a:r>
+                      <a:endParaRPr lang="zh-TW" sz="1800" kern="100" baseline="0">
+                        <a:effectLst/>
+                        <a:latin typeface="Malgun Gothic" panose="020B0503020000020004" pitchFamily="34" charset="-127"/>
+                        <a:ea typeface="Malgun Gothic" panose="020B0503020000020004" pitchFamily="34" charset="-127"/>
+                        <a:cs typeface="Times New Roman" panose="02020603050405020304" pitchFamily="18" charset="0"/>
+                      </a:endParaRPr>
+                    </a:p>
+                  </a:txBody>
+                  <a:tcPr marL="50992" marR="50992" marT="0" marB="0"/>
+                </a:tc>
+              </a:tr>
+              <a:tr h="284661">
+                <a:tc>
+                  <a:txBody>
+                    <a:bodyPr/>
+                    <a:lstStyle/>
+                    <a:p>
+                      <a:pPr algn="l">
+                        <a:spcAft>
+                          <a:spcPts val="0"/>
+                        </a:spcAft>
+                      </a:pPr>
+                      <a:r>
+                        <a:rPr lang="en-US" sz="1800" b="1" kern="100" baseline="0">
+                          <a:effectLst/>
+                          <a:latin typeface="Malgun Gothic" panose="020B0503020000020004" pitchFamily="34" charset="-127"/>
+                          <a:ea typeface="Malgun Gothic" panose="020B0503020000020004" pitchFamily="34" charset="-127"/>
+                        </a:rPr>
+                        <a:t>timezone</a:t>
+                      </a:r>
+                      <a:endParaRPr lang="zh-TW" sz="1800" b="1" kern="100" baseline="0">
+                        <a:effectLst/>
+                        <a:latin typeface="Malgun Gothic" panose="020B0503020000020004" pitchFamily="34" charset="-127"/>
+                        <a:ea typeface="Malgun Gothic" panose="020B0503020000020004" pitchFamily="34" charset="-127"/>
+                        <a:cs typeface="Times New Roman" panose="02020603050405020304" pitchFamily="18" charset="0"/>
+                      </a:endParaRPr>
+                    </a:p>
+                  </a:txBody>
+                  <a:tcPr marL="50992" marR="50992" marT="0" marB="0"/>
+                </a:tc>
+                <a:tc>
+                  <a:txBody>
+                    <a:bodyPr/>
+                    <a:lstStyle/>
+                    <a:p>
+                      <a:pPr algn="l">
+                        <a:spcAft>
+                          <a:spcPts val="0"/>
+                        </a:spcAft>
+                      </a:pPr>
+                      <a:r>
+                        <a:rPr lang="en-US" sz="1800" kern="100" baseline="0">
+                          <a:effectLst/>
+                          <a:latin typeface="Malgun Gothic" panose="020B0503020000020004" pitchFamily="34" charset="-127"/>
+                          <a:ea typeface="Malgun Gothic" panose="020B0503020000020004" pitchFamily="34" charset="-127"/>
+                        </a:rPr>
+                        <a:t>java.util.TimeZone</a:t>
+                      </a:r>
+                      <a:endParaRPr lang="zh-TW" sz="1800" kern="100" baseline="0">
+                        <a:effectLst/>
+                        <a:latin typeface="Malgun Gothic" panose="020B0503020000020004" pitchFamily="34" charset="-127"/>
+                        <a:ea typeface="Malgun Gothic" panose="020B0503020000020004" pitchFamily="34" charset="-127"/>
+                        <a:cs typeface="Times New Roman" panose="02020603050405020304" pitchFamily="18" charset="0"/>
+                      </a:endParaRPr>
+                    </a:p>
+                  </a:txBody>
+                  <a:tcPr marL="50992" marR="50992" marT="0" marB="0"/>
+                </a:tc>
+                <a:tc>
+                  <a:txBody>
+                    <a:bodyPr/>
+                    <a:lstStyle/>
+                    <a:p>
+                      <a:pPr algn="ctr">
+                        <a:spcAft>
+                          <a:spcPts val="0"/>
+                        </a:spcAft>
+                      </a:pPr>
+                      <a:r>
+                        <a:rPr lang="en-US" sz="1800" kern="100" baseline="0">
+                          <a:effectLst/>
+                          <a:latin typeface="Malgun Gothic" panose="020B0503020000020004" pitchFamily="34" charset="-127"/>
+                          <a:ea typeface="Malgun Gothic" panose="020B0503020000020004" pitchFamily="34" charset="-127"/>
+                        </a:rPr>
+                        <a:t>VARCHAR</a:t>
+                      </a:r>
+                      <a:endParaRPr lang="zh-TW" sz="1800" kern="100" baseline="0">
+                        <a:effectLst/>
+                        <a:latin typeface="Malgun Gothic" panose="020B0503020000020004" pitchFamily="34" charset="-127"/>
+                        <a:ea typeface="Malgun Gothic" panose="020B0503020000020004" pitchFamily="34" charset="-127"/>
+                        <a:cs typeface="Times New Roman" panose="02020603050405020304" pitchFamily="18" charset="0"/>
+                      </a:endParaRPr>
+                    </a:p>
+                  </a:txBody>
+                  <a:tcPr marL="50992" marR="50992" marT="0" marB="0"/>
+                </a:tc>
+                <a:tc>
+                  <a:txBody>
+                    <a:bodyPr/>
+                    <a:lstStyle/>
+                    <a:p>
+                      <a:pPr algn="ctr">
+                        <a:spcAft>
+                          <a:spcPts val="0"/>
+                        </a:spcAft>
+                      </a:pPr>
+                      <a:r>
+                        <a:rPr lang="zh-TW" sz="1800" kern="100" baseline="0">
+                          <a:effectLst/>
+                          <a:latin typeface="Malgun Gothic" panose="020B0503020000020004" pitchFamily="34" charset="-127"/>
+                          <a:ea typeface="Malgun Gothic" panose="020B0503020000020004" pitchFamily="34" charset="-127"/>
+                        </a:rPr>
+                        <a:t>定長字符</a:t>
+                      </a:r>
+                      <a:endParaRPr lang="zh-TW" sz="1800" kern="100" baseline="0">
+                        <a:effectLst/>
+                        <a:latin typeface="Malgun Gothic" panose="020B0503020000020004" pitchFamily="34" charset="-127"/>
+                        <a:ea typeface="Malgun Gothic" panose="020B0503020000020004" pitchFamily="34" charset="-127"/>
+                        <a:cs typeface="Times New Roman" panose="02020603050405020304" pitchFamily="18" charset="0"/>
+                      </a:endParaRPr>
+                    </a:p>
+                  </a:txBody>
+                  <a:tcPr marL="50992" marR="50992" marT="0" marB="0"/>
+                </a:tc>
+              </a:tr>
+              <a:tr h="284661">
+                <a:tc>
+                  <a:txBody>
+                    <a:bodyPr/>
+                    <a:lstStyle/>
+                    <a:p>
+                      <a:pPr algn="l">
+                        <a:spcAft>
+                          <a:spcPts val="0"/>
+                        </a:spcAft>
+                      </a:pPr>
+                      <a:r>
+                        <a:rPr lang="en-US" sz="1800" b="1" kern="100" baseline="0">
+                          <a:effectLst/>
+                          <a:latin typeface="Malgun Gothic" panose="020B0503020000020004" pitchFamily="34" charset="-127"/>
+                          <a:ea typeface="Malgun Gothic" panose="020B0503020000020004" pitchFamily="34" charset="-127"/>
+                        </a:rPr>
+                        <a:t>currency</a:t>
+                      </a:r>
+                      <a:endParaRPr lang="zh-TW" sz="1800" b="1" kern="100" baseline="0">
+                        <a:effectLst/>
+                        <a:latin typeface="Malgun Gothic" panose="020B0503020000020004" pitchFamily="34" charset="-127"/>
+                        <a:ea typeface="Malgun Gothic" panose="020B0503020000020004" pitchFamily="34" charset="-127"/>
+                        <a:cs typeface="Times New Roman" panose="02020603050405020304" pitchFamily="18" charset="0"/>
+                      </a:endParaRPr>
+                    </a:p>
+                  </a:txBody>
+                  <a:tcPr marL="50992" marR="50992" marT="0" marB="0"/>
+                </a:tc>
+                <a:tc>
+                  <a:txBody>
+                    <a:bodyPr/>
+                    <a:lstStyle/>
+                    <a:p>
+                      <a:pPr algn="l">
+                        <a:spcAft>
+                          <a:spcPts val="0"/>
+                        </a:spcAft>
+                      </a:pPr>
+                      <a:r>
+                        <a:rPr lang="en-US" sz="1800" kern="100" baseline="0">
+                          <a:effectLst/>
+                          <a:latin typeface="Malgun Gothic" panose="020B0503020000020004" pitchFamily="34" charset="-127"/>
+                          <a:ea typeface="Malgun Gothic" panose="020B0503020000020004" pitchFamily="34" charset="-127"/>
+                        </a:rPr>
+                        <a:t>java.util.Currency</a:t>
+                      </a:r>
+                      <a:endParaRPr lang="zh-TW" sz="1800" kern="100" baseline="0">
+                        <a:effectLst/>
+                        <a:latin typeface="Malgun Gothic" panose="020B0503020000020004" pitchFamily="34" charset="-127"/>
+                        <a:ea typeface="Malgun Gothic" panose="020B0503020000020004" pitchFamily="34" charset="-127"/>
+                        <a:cs typeface="Times New Roman" panose="02020603050405020304" pitchFamily="18" charset="0"/>
+                      </a:endParaRPr>
+                    </a:p>
+                  </a:txBody>
+                  <a:tcPr marL="50992" marR="50992" marT="0" marB="0"/>
+                </a:tc>
+                <a:tc>
+                  <a:txBody>
+                    <a:bodyPr/>
+                    <a:lstStyle/>
+                    <a:p>
+                      <a:pPr algn="ctr">
+                        <a:spcAft>
+                          <a:spcPts val="0"/>
+                        </a:spcAft>
+                      </a:pPr>
+                      <a:r>
+                        <a:rPr lang="en-US" sz="1800" kern="100" baseline="0">
+                          <a:effectLst/>
+                          <a:latin typeface="Malgun Gothic" panose="020B0503020000020004" pitchFamily="34" charset="-127"/>
+                          <a:ea typeface="Malgun Gothic" panose="020B0503020000020004" pitchFamily="34" charset="-127"/>
+                        </a:rPr>
+                        <a:t>VARCHAR</a:t>
+                      </a:r>
+                      <a:endParaRPr lang="zh-TW" sz="1800" kern="100" baseline="0">
+                        <a:effectLst/>
+                        <a:latin typeface="Malgun Gothic" panose="020B0503020000020004" pitchFamily="34" charset="-127"/>
+                        <a:ea typeface="Malgun Gothic" panose="020B0503020000020004" pitchFamily="34" charset="-127"/>
+                        <a:cs typeface="Times New Roman" panose="02020603050405020304" pitchFamily="18" charset="0"/>
+                      </a:endParaRPr>
+                    </a:p>
+                  </a:txBody>
+                  <a:tcPr marL="50992" marR="50992" marT="0" marB="0"/>
+                </a:tc>
+                <a:tc>
+                  <a:txBody>
+                    <a:bodyPr/>
+                    <a:lstStyle/>
+                    <a:p>
+                      <a:pPr algn="ctr">
+                        <a:spcAft>
+                          <a:spcPts val="0"/>
+                        </a:spcAft>
+                      </a:pPr>
+                      <a:r>
+                        <a:rPr lang="zh-TW" sz="1800" kern="100" baseline="0">
+                          <a:effectLst/>
+                          <a:latin typeface="Malgun Gothic" panose="020B0503020000020004" pitchFamily="34" charset="-127"/>
+                          <a:ea typeface="Malgun Gothic" panose="020B0503020000020004" pitchFamily="34" charset="-127"/>
+                        </a:rPr>
+                        <a:t>定長字符</a:t>
+                      </a:r>
+                      <a:endParaRPr lang="zh-TW" sz="1800" kern="100" baseline="0">
+                        <a:effectLst/>
+                        <a:latin typeface="Malgun Gothic" panose="020B0503020000020004" pitchFamily="34" charset="-127"/>
+                        <a:ea typeface="Malgun Gothic" panose="020B0503020000020004" pitchFamily="34" charset="-127"/>
+                        <a:cs typeface="Times New Roman" panose="02020603050405020304" pitchFamily="18" charset="0"/>
+                      </a:endParaRPr>
+                    </a:p>
+                  </a:txBody>
+                  <a:tcPr marL="50992" marR="50992" marT="0" marB="0"/>
+                </a:tc>
+              </a:tr>
+            </a:tbl>
+          </a:graphicData>
+        </a:graphic>
+      </p:graphicFrame>
+    </p:spTree>
+    <p:extLst>
+      <p:ext uri="{BB962C8B-B14F-4D97-AF65-F5344CB8AC3E}">
+        <p14:creationId xmlns:p14="http://schemas.microsoft.com/office/powerpoint/2010/main" val="1994537218"/>
       </p:ext>
     </p:extLst>
   </p:cSld>
@@ -11413,7 +14763,11 @@
           <a:prstGeom prst="rect">
             <a:avLst/>
           </a:prstGeom>
-          <a:noFill/>
+          <a:solidFill>
+            <a:schemeClr val="bg1">
+              <a:lumMod val="85000"/>
+            </a:schemeClr>
+          </a:solidFill>
           <a:ln>
             <a:solidFill>
               <a:schemeClr val="tx1"/>
@@ -11448,7 +14802,11 @@
           <a:prstGeom prst="rect">
             <a:avLst/>
           </a:prstGeom>
-          <a:noFill/>
+          <a:solidFill>
+            <a:schemeClr val="bg1">
+              <a:lumMod val="85000"/>
+            </a:schemeClr>
+          </a:solidFill>
           <a:ln>
             <a:solidFill>
               <a:schemeClr val="tx1"/>
@@ -11483,7 +14841,11 @@
           <a:prstGeom prst="rect">
             <a:avLst/>
           </a:prstGeom>
-          <a:noFill/>
+          <a:solidFill>
+            <a:schemeClr val="bg1">
+              <a:lumMod val="85000"/>
+            </a:schemeClr>
+          </a:solidFill>
           <a:ln>
             <a:solidFill>
               <a:schemeClr val="tx1"/>
@@ -12517,7 +15879,11 @@
           <a:prstGeom prst="rect">
             <a:avLst/>
           </a:prstGeom>
-          <a:noFill/>
+          <a:solidFill>
+            <a:schemeClr val="bg1">
+              <a:lumMod val="85000"/>
+            </a:schemeClr>
+          </a:solidFill>
           <a:ln>
             <a:solidFill>
               <a:schemeClr val="tx1"/>
@@ -12602,7 +15968,11 @@
           <a:prstGeom prst="rect">
             <a:avLst/>
           </a:prstGeom>
-          <a:noFill/>
+          <a:solidFill>
+            <a:schemeClr val="bg1">
+              <a:lumMod val="85000"/>
+            </a:schemeClr>
+          </a:solidFill>
           <a:ln>
             <a:solidFill>
               <a:schemeClr val="tx1"/>
@@ -12685,7 +16055,11 @@
           <a:prstGeom prst="rect">
             <a:avLst/>
           </a:prstGeom>
-          <a:noFill/>
+          <a:solidFill>
+            <a:schemeClr val="bg1">
+              <a:lumMod val="85000"/>
+            </a:schemeClr>
+          </a:solidFill>
           <a:ln>
             <a:solidFill>
               <a:schemeClr val="tx1"/>
@@ -12760,7 +16134,11 @@
           <a:prstGeom prst="rect">
             <a:avLst/>
           </a:prstGeom>
-          <a:noFill/>
+          <a:solidFill>
+            <a:schemeClr val="bg1">
+              <a:lumMod val="85000"/>
+            </a:schemeClr>
+          </a:solidFill>
           <a:ln>
             <a:solidFill>
               <a:schemeClr val="tx1"/>

--- a/流程圖.pptx
+++ b/流程圖.pptx
@@ -18,6 +18,8 @@
     <p:sldId id="266" r:id="rId12"/>
     <p:sldId id="267" r:id="rId13"/>
     <p:sldId id="268" r:id="rId14"/>
+    <p:sldId id="269" r:id="rId15"/>
+    <p:sldId id="270" r:id="rId16"/>
   </p:sldIdLst>
   <p:sldSz cx="12192000" cy="6858000"/>
   <p:notesSz cx="6858000" cy="9144000"/>
@@ -317,7 +319,7 @@
           <a:p>
             <a:fld id="{A82C37CB-E071-4591-97EF-45EBE93349F3}" type="datetimeFigureOut">
               <a:rPr lang="zh-TW" altLang="en-US" smtClean="0"/>
-              <a:t>2020/4/20</a:t>
+              <a:t>2020/4/29</a:t>
             </a:fld>
             <a:endParaRPr lang="zh-TW" altLang="en-US"/>
           </a:p>
@@ -487,7 +489,7 @@
           <a:p>
             <a:fld id="{A82C37CB-E071-4591-97EF-45EBE93349F3}" type="datetimeFigureOut">
               <a:rPr lang="zh-TW" altLang="en-US" smtClean="0"/>
-              <a:t>2020/4/20</a:t>
+              <a:t>2020/4/29</a:t>
             </a:fld>
             <a:endParaRPr lang="zh-TW" altLang="en-US"/>
           </a:p>
@@ -667,7 +669,7 @@
           <a:p>
             <a:fld id="{A82C37CB-E071-4591-97EF-45EBE93349F3}" type="datetimeFigureOut">
               <a:rPr lang="zh-TW" altLang="en-US" smtClean="0"/>
-              <a:t>2020/4/20</a:t>
+              <a:t>2020/4/29</a:t>
             </a:fld>
             <a:endParaRPr lang="zh-TW" altLang="en-US"/>
           </a:p>
@@ -837,7 +839,7 @@
           <a:p>
             <a:fld id="{A82C37CB-E071-4591-97EF-45EBE93349F3}" type="datetimeFigureOut">
               <a:rPr lang="zh-TW" altLang="en-US" smtClean="0"/>
-              <a:t>2020/4/20</a:t>
+              <a:t>2020/4/29</a:t>
             </a:fld>
             <a:endParaRPr lang="zh-TW" altLang="en-US"/>
           </a:p>
@@ -1083,7 +1085,7 @@
           <a:p>
             <a:fld id="{A82C37CB-E071-4591-97EF-45EBE93349F3}" type="datetimeFigureOut">
               <a:rPr lang="zh-TW" altLang="en-US" smtClean="0"/>
-              <a:t>2020/4/20</a:t>
+              <a:t>2020/4/29</a:t>
             </a:fld>
             <a:endParaRPr lang="zh-TW" altLang="en-US"/>
           </a:p>
@@ -1315,7 +1317,7 @@
           <a:p>
             <a:fld id="{A82C37CB-E071-4591-97EF-45EBE93349F3}" type="datetimeFigureOut">
               <a:rPr lang="zh-TW" altLang="en-US" smtClean="0"/>
-              <a:t>2020/4/20</a:t>
+              <a:t>2020/4/29</a:t>
             </a:fld>
             <a:endParaRPr lang="zh-TW" altLang="en-US"/>
           </a:p>
@@ -1682,7 +1684,7 @@
           <a:p>
             <a:fld id="{A82C37CB-E071-4591-97EF-45EBE93349F3}" type="datetimeFigureOut">
               <a:rPr lang="zh-TW" altLang="en-US" smtClean="0"/>
-              <a:t>2020/4/20</a:t>
+              <a:t>2020/4/29</a:t>
             </a:fld>
             <a:endParaRPr lang="zh-TW" altLang="en-US"/>
           </a:p>
@@ -1800,7 +1802,7 @@
           <a:p>
             <a:fld id="{A82C37CB-E071-4591-97EF-45EBE93349F3}" type="datetimeFigureOut">
               <a:rPr lang="zh-TW" altLang="en-US" smtClean="0"/>
-              <a:t>2020/4/20</a:t>
+              <a:t>2020/4/29</a:t>
             </a:fld>
             <a:endParaRPr lang="zh-TW" altLang="en-US"/>
           </a:p>
@@ -1895,7 +1897,7 @@
           <a:p>
             <a:fld id="{A82C37CB-E071-4591-97EF-45EBE93349F3}" type="datetimeFigureOut">
               <a:rPr lang="zh-TW" altLang="en-US" smtClean="0"/>
-              <a:t>2020/4/20</a:t>
+              <a:t>2020/4/29</a:t>
             </a:fld>
             <a:endParaRPr lang="zh-TW" altLang="en-US"/>
           </a:p>
@@ -2172,7 +2174,7 @@
           <a:p>
             <a:fld id="{A82C37CB-E071-4591-97EF-45EBE93349F3}" type="datetimeFigureOut">
               <a:rPr lang="zh-TW" altLang="en-US" smtClean="0"/>
-              <a:t>2020/4/20</a:t>
+              <a:t>2020/4/29</a:t>
             </a:fld>
             <a:endParaRPr lang="zh-TW" altLang="en-US"/>
           </a:p>
@@ -2425,7 +2427,7 @@
           <a:p>
             <a:fld id="{A82C37CB-E071-4591-97EF-45EBE93349F3}" type="datetimeFigureOut">
               <a:rPr lang="zh-TW" altLang="en-US" smtClean="0"/>
-              <a:t>2020/4/20</a:t>
+              <a:t>2020/4/29</a:t>
             </a:fld>
             <a:endParaRPr lang="zh-TW" altLang="en-US"/>
           </a:p>
@@ -2638,7 +2640,7 @@
           <a:p>
             <a:fld id="{A82C37CB-E071-4591-97EF-45EBE93349F3}" type="datetimeFigureOut">
               <a:rPr lang="zh-TW" altLang="en-US" smtClean="0"/>
-              <a:t>2020/4/20</a:t>
+              <a:t>2020/4/29</a:t>
             </a:fld>
             <a:endParaRPr lang="zh-TW" altLang="en-US"/>
           </a:p>
@@ -9709,6 +9711,66 @@
 </p:sld>
 </file>
 
+<file path=ppt/slides/slide14.xml><?xml version="1.0" encoding="utf-8"?>
+<p:sld xmlns:a="http://schemas.openxmlformats.org/drawingml/2006/main" xmlns:r="http://schemas.openxmlformats.org/officeDocument/2006/relationships" xmlns:p="http://schemas.openxmlformats.org/presentationml/2006/main">
+  <p:cSld>
+    <p:spTree>
+      <p:nvGrpSpPr>
+        <p:cNvPr id="1" name=""/>
+        <p:cNvGrpSpPr/>
+        <p:nvPr/>
+      </p:nvGrpSpPr>
+      <p:grpSpPr>
+        <a:xfrm>
+          <a:off x="0" y="0"/>
+          <a:ext cx="0" cy="0"/>
+          <a:chOff x="0" y="0"/>
+          <a:chExt cx="0" cy="0"/>
+        </a:xfrm>
+      </p:grpSpPr>
+    </p:spTree>
+    <p:extLst>
+      <p:ext uri="{BB962C8B-B14F-4D97-AF65-F5344CB8AC3E}">
+        <p14:creationId xmlns:p14="http://schemas.microsoft.com/office/powerpoint/2010/main" val="2342552225"/>
+      </p:ext>
+    </p:extLst>
+  </p:cSld>
+  <p:clrMapOvr>
+    <a:masterClrMapping/>
+  </p:clrMapOvr>
+</p:sld>
+</file>
+
+<file path=ppt/slides/slide15.xml><?xml version="1.0" encoding="utf-8"?>
+<p:sld xmlns:a="http://schemas.openxmlformats.org/drawingml/2006/main" xmlns:r="http://schemas.openxmlformats.org/officeDocument/2006/relationships" xmlns:p="http://schemas.openxmlformats.org/presentationml/2006/main">
+  <p:cSld>
+    <p:spTree>
+      <p:nvGrpSpPr>
+        <p:cNvPr id="1" name=""/>
+        <p:cNvGrpSpPr/>
+        <p:nvPr/>
+      </p:nvGrpSpPr>
+      <p:grpSpPr>
+        <a:xfrm>
+          <a:off x="0" y="0"/>
+          <a:ext cx="0" cy="0"/>
+          <a:chOff x="0" y="0"/>
+          <a:chExt cx="0" cy="0"/>
+        </a:xfrm>
+      </p:grpSpPr>
+    </p:spTree>
+    <p:extLst>
+      <p:ext uri="{BB962C8B-B14F-4D97-AF65-F5344CB8AC3E}">
+        <p14:creationId xmlns:p14="http://schemas.microsoft.com/office/powerpoint/2010/main" val="2432614502"/>
+      </p:ext>
+    </p:extLst>
+  </p:cSld>
+  <p:clrMapOvr>
+    <a:masterClrMapping/>
+  </p:clrMapOvr>
+</p:sld>
+</file>
+
 <file path=ppt/slides/slide2.xml><?xml version="1.0" encoding="utf-8"?>
 <p:sld xmlns:a="http://schemas.openxmlformats.org/drawingml/2006/main" xmlns:r="http://schemas.openxmlformats.org/officeDocument/2006/relationships" xmlns:p="http://schemas.openxmlformats.org/presentationml/2006/main">
   <p:cSld>

--- a/流程圖.pptx
+++ b/流程圖.pptx
@@ -18,8 +18,7 @@
     <p:sldId id="266" r:id="rId12"/>
     <p:sldId id="267" r:id="rId13"/>
     <p:sldId id="268" r:id="rId14"/>
-    <p:sldId id="269" r:id="rId15"/>
-    <p:sldId id="270" r:id="rId16"/>
+    <p:sldId id="270" r:id="rId15"/>
   </p:sldIdLst>
   <p:sldSz cx="12192000" cy="6858000"/>
   <p:notesSz cx="6858000" cy="9144000"/>
@@ -319,7 +318,7 @@
           <a:p>
             <a:fld id="{A82C37CB-E071-4591-97EF-45EBE93349F3}" type="datetimeFigureOut">
               <a:rPr lang="zh-TW" altLang="en-US" smtClean="0"/>
-              <a:t>2020/4/29</a:t>
+              <a:t>2020/4/30</a:t>
             </a:fld>
             <a:endParaRPr lang="zh-TW" altLang="en-US"/>
           </a:p>
@@ -489,7 +488,7 @@
           <a:p>
             <a:fld id="{A82C37CB-E071-4591-97EF-45EBE93349F3}" type="datetimeFigureOut">
               <a:rPr lang="zh-TW" altLang="en-US" smtClean="0"/>
-              <a:t>2020/4/29</a:t>
+              <a:t>2020/4/30</a:t>
             </a:fld>
             <a:endParaRPr lang="zh-TW" altLang="en-US"/>
           </a:p>
@@ -669,7 +668,7 @@
           <a:p>
             <a:fld id="{A82C37CB-E071-4591-97EF-45EBE93349F3}" type="datetimeFigureOut">
               <a:rPr lang="zh-TW" altLang="en-US" smtClean="0"/>
-              <a:t>2020/4/29</a:t>
+              <a:t>2020/4/30</a:t>
             </a:fld>
             <a:endParaRPr lang="zh-TW" altLang="en-US"/>
           </a:p>
@@ -839,7 +838,7 @@
           <a:p>
             <a:fld id="{A82C37CB-E071-4591-97EF-45EBE93349F3}" type="datetimeFigureOut">
               <a:rPr lang="zh-TW" altLang="en-US" smtClean="0"/>
-              <a:t>2020/4/29</a:t>
+              <a:t>2020/4/30</a:t>
             </a:fld>
             <a:endParaRPr lang="zh-TW" altLang="en-US"/>
           </a:p>
@@ -1085,7 +1084,7 @@
           <a:p>
             <a:fld id="{A82C37CB-E071-4591-97EF-45EBE93349F3}" type="datetimeFigureOut">
               <a:rPr lang="zh-TW" altLang="en-US" smtClean="0"/>
-              <a:t>2020/4/29</a:t>
+              <a:t>2020/4/30</a:t>
             </a:fld>
             <a:endParaRPr lang="zh-TW" altLang="en-US"/>
           </a:p>
@@ -1317,7 +1316,7 @@
           <a:p>
             <a:fld id="{A82C37CB-E071-4591-97EF-45EBE93349F3}" type="datetimeFigureOut">
               <a:rPr lang="zh-TW" altLang="en-US" smtClean="0"/>
-              <a:t>2020/4/29</a:t>
+              <a:t>2020/4/30</a:t>
             </a:fld>
             <a:endParaRPr lang="zh-TW" altLang="en-US"/>
           </a:p>
@@ -1684,7 +1683,7 @@
           <a:p>
             <a:fld id="{A82C37CB-E071-4591-97EF-45EBE93349F3}" type="datetimeFigureOut">
               <a:rPr lang="zh-TW" altLang="en-US" smtClean="0"/>
-              <a:t>2020/4/29</a:t>
+              <a:t>2020/4/30</a:t>
             </a:fld>
             <a:endParaRPr lang="zh-TW" altLang="en-US"/>
           </a:p>
@@ -1802,7 +1801,7 @@
           <a:p>
             <a:fld id="{A82C37CB-E071-4591-97EF-45EBE93349F3}" type="datetimeFigureOut">
               <a:rPr lang="zh-TW" altLang="en-US" smtClean="0"/>
-              <a:t>2020/4/29</a:t>
+              <a:t>2020/4/30</a:t>
             </a:fld>
             <a:endParaRPr lang="zh-TW" altLang="en-US"/>
           </a:p>
@@ -1897,7 +1896,7 @@
           <a:p>
             <a:fld id="{A82C37CB-E071-4591-97EF-45EBE93349F3}" type="datetimeFigureOut">
               <a:rPr lang="zh-TW" altLang="en-US" smtClean="0"/>
-              <a:t>2020/4/29</a:t>
+              <a:t>2020/4/30</a:t>
             </a:fld>
             <a:endParaRPr lang="zh-TW" altLang="en-US"/>
           </a:p>
@@ -2174,7 +2173,7 @@
           <a:p>
             <a:fld id="{A82C37CB-E071-4591-97EF-45EBE93349F3}" type="datetimeFigureOut">
               <a:rPr lang="zh-TW" altLang="en-US" smtClean="0"/>
-              <a:t>2020/4/29</a:t>
+              <a:t>2020/4/30</a:t>
             </a:fld>
             <a:endParaRPr lang="zh-TW" altLang="en-US"/>
           </a:p>
@@ -2427,7 +2426,7 @@
           <a:p>
             <a:fld id="{A82C37CB-E071-4591-97EF-45EBE93349F3}" type="datetimeFigureOut">
               <a:rPr lang="zh-TW" altLang="en-US" smtClean="0"/>
-              <a:t>2020/4/29</a:t>
+              <a:t>2020/4/30</a:t>
             </a:fld>
             <a:endParaRPr lang="zh-TW" altLang="en-US"/>
           </a:p>
@@ -2640,7 +2639,7 @@
           <a:p>
             <a:fld id="{A82C37CB-E071-4591-97EF-45EBE93349F3}" type="datetimeFigureOut">
               <a:rPr lang="zh-TW" altLang="en-US" smtClean="0"/>
-              <a:t>2020/4/29</a:t>
+              <a:t>2020/4/30</a:t>
             </a:fld>
             <a:endParaRPr lang="zh-TW" altLang="en-US"/>
           </a:p>
@@ -9728,36 +9727,1393 @@
           <a:chExt cx="0" cy="0"/>
         </a:xfrm>
       </p:grpSpPr>
-    </p:spTree>
-    <p:extLst>
-      <p:ext uri="{BB962C8B-B14F-4D97-AF65-F5344CB8AC3E}">
-        <p14:creationId xmlns:p14="http://schemas.microsoft.com/office/powerpoint/2010/main" val="2342552225"/>
-      </p:ext>
-    </p:extLst>
-  </p:cSld>
-  <p:clrMapOvr>
-    <a:masterClrMapping/>
-  </p:clrMapOvr>
-</p:sld>
-</file>
-
-<file path=ppt/slides/slide15.xml><?xml version="1.0" encoding="utf-8"?>
-<p:sld xmlns:a="http://schemas.openxmlformats.org/drawingml/2006/main" xmlns:r="http://schemas.openxmlformats.org/officeDocument/2006/relationships" xmlns:p="http://schemas.openxmlformats.org/presentationml/2006/main">
-  <p:cSld>
-    <p:spTree>
-      <p:nvGrpSpPr>
-        <p:cNvPr id="1" name=""/>
-        <p:cNvGrpSpPr/>
-        <p:nvPr/>
-      </p:nvGrpSpPr>
-      <p:grpSpPr>
-        <a:xfrm>
-          <a:off x="0" y="0"/>
-          <a:ext cx="0" cy="0"/>
-          <a:chOff x="0" y="0"/>
-          <a:chExt cx="0" cy="0"/>
-        </a:xfrm>
-      </p:grpSpPr>
+      <p:graphicFrame>
+        <p:nvGraphicFramePr>
+          <p:cNvPr id="4" name="表格 3"/>
+          <p:cNvGraphicFramePr>
+            <a:graphicFrameLocks noGrp="1"/>
+          </p:cNvGraphicFramePr>
+          <p:nvPr>
+            <p:extLst>
+              <p:ext uri="{D42A27DB-BD31-4B8C-83A1-F6EECF244321}">
+                <p14:modId xmlns:p14="http://schemas.microsoft.com/office/powerpoint/2010/main" val="256053846"/>
+              </p:ext>
+            </p:extLst>
+          </p:nvPr>
+        </p:nvGraphicFramePr>
+        <p:xfrm>
+          <a:off x="219456" y="691551"/>
+          <a:ext cx="11704320" cy="5968606"/>
+        </p:xfrm>
+        <a:graphic>
+          <a:graphicData uri="http://schemas.openxmlformats.org/drawingml/2006/table">
+            <a:tbl>
+              <a:tblPr firstRow="1" bandRow="1">
+                <a:tableStyleId>{93296810-A885-4BE3-A3E7-6D5BEEA58F35}</a:tableStyleId>
+              </a:tblPr>
+              <a:tblGrid>
+                <a:gridCol w="1728216"/>
+                <a:gridCol w="3364992"/>
+                <a:gridCol w="3529584"/>
+                <a:gridCol w="3081528"/>
+              </a:tblGrid>
+              <a:tr h="500953">
+                <a:tc>
+                  <a:txBody>
+                    <a:bodyPr/>
+                    <a:lstStyle/>
+                    <a:p>
+                      <a:pPr algn="ctr">
+                        <a:lnSpc>
+                          <a:spcPct val="150000"/>
+                        </a:lnSpc>
+                        <a:spcAft>
+                          <a:spcPts val="0"/>
+                        </a:spcAft>
+                      </a:pPr>
+                      <a:r>
+                        <a:rPr lang="zh-TW" sz="1800" b="0" kern="100">
+                          <a:effectLst/>
+                          <a:latin typeface="+mn-lt"/>
+                          <a:ea typeface="標楷體" panose="03000509000000000000" pitchFamily="65" charset="-120"/>
+                        </a:rPr>
+                        <a:t>比較方面</a:t>
+                      </a:r>
+                      <a:r>
+                        <a:rPr lang="en-US" sz="1800" b="0" kern="100">
+                          <a:effectLst/>
+                          <a:latin typeface="+mn-lt"/>
+                          <a:ea typeface="標楷體" panose="03000509000000000000" pitchFamily="65" charset="-120"/>
+                        </a:rPr>
+                        <a:t> </a:t>
+                      </a:r>
+                      <a:endParaRPr lang="zh-TW" sz="1800" b="0" kern="100">
+                        <a:effectLst/>
+                        <a:latin typeface="+mn-lt"/>
+                        <a:ea typeface="標楷體" panose="03000509000000000000" pitchFamily="65" charset="-120"/>
+                        <a:cs typeface="Times New Roman" panose="02020603050405020304" pitchFamily="18" charset="0"/>
+                      </a:endParaRPr>
+                    </a:p>
+                  </a:txBody>
+                  <a:tcPr marL="68580" marR="68580" marT="0" marB="0" anchor="ctr">
+                    <a:solidFill>
+                      <a:schemeClr val="accent1">
+                        <a:lumMod val="75000"/>
+                      </a:schemeClr>
+                    </a:solidFill>
+                  </a:tcPr>
+                </a:tc>
+                <a:tc>
+                  <a:txBody>
+                    <a:bodyPr/>
+                    <a:lstStyle/>
+                    <a:p>
+                      <a:pPr algn="ctr">
+                        <a:lnSpc>
+                          <a:spcPct val="150000"/>
+                        </a:lnSpc>
+                        <a:spcAft>
+                          <a:spcPts val="0"/>
+                        </a:spcAft>
+                      </a:pPr>
+                      <a:r>
+                        <a:rPr lang="zh-TW" sz="1600" b="0" kern="100">
+                          <a:effectLst/>
+                          <a:latin typeface="+mn-lt"/>
+                          <a:ea typeface="標楷體" panose="03000509000000000000" pitchFamily="65" charset="-120"/>
+                        </a:rPr>
+                        <a:t>每個具體類一</a:t>
+                      </a:r>
+                      <a:r>
+                        <a:rPr lang="zh-TW" sz="1600" b="0" kern="100">
+                          <a:effectLst/>
+                          <a:latin typeface="+mn-lt"/>
+                          <a:ea typeface="標楷體" panose="03000509000000000000" pitchFamily="65" charset="-120"/>
+                        </a:rPr>
+                        <a:t>張</a:t>
+                      </a:r>
+                      <a:r>
+                        <a:rPr lang="zh-TW" sz="1600" b="0" kern="100" smtClean="0">
+                          <a:effectLst/>
+                          <a:latin typeface="+mn-lt"/>
+                          <a:ea typeface="標楷體" panose="03000509000000000000" pitchFamily="65" charset="-120"/>
+                        </a:rPr>
+                        <a:t>表</a:t>
+                      </a:r>
+                      <a:r>
+                        <a:rPr lang="en-US" sz="1600" b="0" kern="100" smtClean="0">
+                          <a:effectLst/>
+                          <a:latin typeface="+mn-lt"/>
+                          <a:ea typeface="標楷體" panose="03000509000000000000" pitchFamily="65" charset="-120"/>
+                        </a:rPr>
+                        <a:t> </a:t>
+                      </a:r>
+                      <a:r>
+                        <a:rPr lang="en-US" altLang="zh-TW" sz="1600" b="0" kern="100" smtClean="0">
+                          <a:effectLst/>
+                          <a:latin typeface="+mn-lt"/>
+                          <a:ea typeface="標楷體" panose="03000509000000000000" pitchFamily="65" charset="-120"/>
+                        </a:rPr>
+                        <a:t>(union-subclass)</a:t>
+                      </a:r>
+                      <a:endParaRPr lang="zh-TW" sz="1600" b="0" kern="100">
+                        <a:effectLst/>
+                        <a:latin typeface="+mn-lt"/>
+                        <a:ea typeface="標楷體" panose="03000509000000000000" pitchFamily="65" charset="-120"/>
+                        <a:cs typeface="Times New Roman" panose="02020603050405020304" pitchFamily="18" charset="0"/>
+                      </a:endParaRPr>
+                    </a:p>
+                  </a:txBody>
+                  <a:tcPr marL="68580" marR="68580" marT="0" marB="0" anchor="ctr"/>
+                </a:tc>
+                <a:tc>
+                  <a:txBody>
+                    <a:bodyPr/>
+                    <a:lstStyle/>
+                    <a:p>
+                      <a:pPr algn="ctr">
+                        <a:lnSpc>
+                          <a:spcPct val="150000"/>
+                        </a:lnSpc>
+                        <a:spcAft>
+                          <a:spcPts val="0"/>
+                        </a:spcAft>
+                      </a:pPr>
+                      <a:r>
+                        <a:rPr lang="zh-TW" sz="1600" b="0" kern="100">
+                          <a:effectLst/>
+                          <a:latin typeface="+mn-lt"/>
+                          <a:ea typeface="標楷體" panose="03000509000000000000" pitchFamily="65" charset="-120"/>
+                        </a:rPr>
+                        <a:t>每個分層結構一</a:t>
+                      </a:r>
+                      <a:r>
+                        <a:rPr lang="zh-TW" sz="1600" b="0" kern="100">
+                          <a:effectLst/>
+                          <a:latin typeface="+mn-lt"/>
+                          <a:ea typeface="標楷體" panose="03000509000000000000" pitchFamily="65" charset="-120"/>
+                        </a:rPr>
+                        <a:t>張</a:t>
+                      </a:r>
+                      <a:r>
+                        <a:rPr lang="zh-TW" sz="1600" b="0" kern="100" smtClean="0">
+                          <a:effectLst/>
+                          <a:latin typeface="+mn-lt"/>
+                          <a:ea typeface="標楷體" panose="03000509000000000000" pitchFamily="65" charset="-120"/>
+                        </a:rPr>
+                        <a:t>表</a:t>
+                      </a:r>
+                      <a:r>
+                        <a:rPr lang="en-US" sz="1600" b="0" kern="100">
+                          <a:effectLst/>
+                          <a:latin typeface="+mn-lt"/>
+                          <a:ea typeface="標楷體" panose="03000509000000000000" pitchFamily="65" charset="-120"/>
+                        </a:rPr>
+                        <a:t> </a:t>
+                      </a:r>
+                      <a:r>
+                        <a:rPr lang="en-US" altLang="zh-TW" sz="1600" b="0" kern="100" smtClean="0">
+                          <a:effectLst/>
+                          <a:latin typeface="+mn-lt"/>
+                          <a:ea typeface="標楷體" panose="03000509000000000000" pitchFamily="65" charset="-120"/>
+                        </a:rPr>
+                        <a:t>(subclass) </a:t>
+                      </a:r>
+                      <a:endParaRPr lang="zh-TW" sz="1600" b="0" kern="100">
+                        <a:effectLst/>
+                        <a:latin typeface="+mn-lt"/>
+                        <a:ea typeface="標楷體" panose="03000509000000000000" pitchFamily="65" charset="-120"/>
+                        <a:cs typeface="Times New Roman" panose="02020603050405020304" pitchFamily="18" charset="0"/>
+                      </a:endParaRPr>
+                    </a:p>
+                  </a:txBody>
+                  <a:tcPr marL="68580" marR="68580" marT="0" marB="0" anchor="ctr"/>
+                </a:tc>
+                <a:tc>
+                  <a:txBody>
+                    <a:bodyPr/>
+                    <a:lstStyle/>
+                    <a:p>
+                      <a:pPr algn="ctr">
+                        <a:lnSpc>
+                          <a:spcPct val="150000"/>
+                        </a:lnSpc>
+                        <a:spcAft>
+                          <a:spcPts val="0"/>
+                        </a:spcAft>
+                      </a:pPr>
+                      <a:r>
+                        <a:rPr lang="en-US" sz="1600" b="0" kern="100">
+                          <a:effectLst/>
+                          <a:latin typeface="+mn-lt"/>
+                          <a:ea typeface="標楷體" panose="03000509000000000000" pitchFamily="65" charset="-120"/>
+                        </a:rPr>
+                        <a:t> </a:t>
+                      </a:r>
+                      <a:r>
+                        <a:rPr lang="zh-TW" sz="1600" b="0" kern="100">
+                          <a:effectLst/>
+                          <a:latin typeface="+mn-lt"/>
+                          <a:ea typeface="標楷體" panose="03000509000000000000" pitchFamily="65" charset="-120"/>
+                        </a:rPr>
+                        <a:t>每個子類一</a:t>
+                      </a:r>
+                      <a:r>
+                        <a:rPr lang="zh-TW" sz="1600" b="0" kern="100">
+                          <a:effectLst/>
+                          <a:latin typeface="+mn-lt"/>
+                          <a:ea typeface="標楷體" panose="03000509000000000000" pitchFamily="65" charset="-120"/>
+                        </a:rPr>
+                        <a:t>張</a:t>
+                      </a:r>
+                      <a:r>
+                        <a:rPr lang="zh-TW" sz="1600" b="0" kern="100" smtClean="0">
+                          <a:effectLst/>
+                          <a:latin typeface="+mn-lt"/>
+                          <a:ea typeface="標楷體" panose="03000509000000000000" pitchFamily="65" charset="-120"/>
+                        </a:rPr>
+                        <a:t>表</a:t>
+                      </a:r>
+                      <a:r>
+                        <a:rPr lang="en-US" altLang="zh-TW" sz="1600" b="0" kern="100" smtClean="0">
+                          <a:effectLst/>
+                          <a:latin typeface="+mn-lt"/>
+                          <a:ea typeface="標楷體" panose="03000509000000000000" pitchFamily="65" charset="-120"/>
+                        </a:rPr>
+                        <a:t>(</a:t>
+                      </a:r>
+                      <a:r>
+                        <a:rPr lang="en-US" altLang="zh-TW" sz="1600" b="0" kern="100" smtClean="0">
+                          <a:effectLst/>
+                          <a:latin typeface="+mn-lt"/>
+                          <a:ea typeface="標楷體" panose="03000509000000000000" pitchFamily="65" charset="-120"/>
+                        </a:rPr>
+                        <a:t>joined-subclass</a:t>
+                      </a:r>
+                      <a:r>
+                        <a:rPr lang="en-US" altLang="zh-TW" sz="1600" b="0" kern="100" smtClean="0">
+                          <a:effectLst/>
+                          <a:latin typeface="+mn-lt"/>
+                          <a:ea typeface="標楷體" panose="03000509000000000000" pitchFamily="65" charset="-120"/>
+                        </a:rPr>
+                        <a:t>)</a:t>
+                      </a:r>
+                      <a:endParaRPr lang="zh-TW" sz="1600" b="0" kern="100">
+                        <a:effectLst/>
+                        <a:latin typeface="+mn-lt"/>
+                        <a:ea typeface="標楷體" panose="03000509000000000000" pitchFamily="65" charset="-120"/>
+                        <a:cs typeface="Times New Roman" panose="02020603050405020304" pitchFamily="18" charset="0"/>
+                      </a:endParaRPr>
+                    </a:p>
+                  </a:txBody>
+                  <a:tcPr marL="68580" marR="68580" marT="0" marB="0" anchor="ctr"/>
+                </a:tc>
+              </a:tr>
+              <a:tr h="875873">
+                <a:tc>
+                  <a:txBody>
+                    <a:bodyPr/>
+                    <a:lstStyle/>
+                    <a:p>
+                      <a:pPr algn="ctr">
+                        <a:lnSpc>
+                          <a:spcPct val="150000"/>
+                        </a:lnSpc>
+                        <a:spcAft>
+                          <a:spcPts val="0"/>
+                        </a:spcAft>
+                      </a:pPr>
+                      <a:r>
+                        <a:rPr lang="en-US" sz="1400" b="0" kern="100">
+                          <a:effectLst/>
+                          <a:latin typeface="+mn-lt"/>
+                          <a:ea typeface="標楷體" panose="03000509000000000000" pitchFamily="65" charset="-120"/>
+                        </a:rPr>
+                        <a:t> </a:t>
+                      </a:r>
+                      <a:r>
+                        <a:rPr lang="zh-TW" sz="1400" b="0" kern="100">
+                          <a:effectLst/>
+                          <a:latin typeface="+mn-lt"/>
+                          <a:ea typeface="標楷體" panose="03000509000000000000" pitchFamily="65" charset="-120"/>
+                        </a:rPr>
+                        <a:t>建立關系模型原則</a:t>
+                      </a:r>
+                      <a:endParaRPr lang="zh-TW" sz="1400" b="0" kern="100">
+                        <a:effectLst/>
+                        <a:latin typeface="+mn-lt"/>
+                        <a:ea typeface="標楷體" panose="03000509000000000000" pitchFamily="65" charset="-120"/>
+                        <a:cs typeface="Times New Roman" panose="02020603050405020304" pitchFamily="18" charset="0"/>
+                      </a:endParaRPr>
+                    </a:p>
+                  </a:txBody>
+                  <a:tcPr marL="68580" marR="68580" marT="0" marB="0" anchor="ctr">
+                    <a:solidFill>
+                      <a:srgbClr val="FFC000"/>
+                    </a:solidFill>
+                  </a:tcPr>
+                </a:tc>
+                <a:tc>
+                  <a:txBody>
+                    <a:bodyPr/>
+                    <a:lstStyle/>
+                    <a:p>
+                      <a:pPr>
+                        <a:lnSpc>
+                          <a:spcPct val="150000"/>
+                        </a:lnSpc>
+                        <a:spcAft>
+                          <a:spcPts val="0"/>
+                        </a:spcAft>
+                      </a:pPr>
+                      <a:r>
+                        <a:rPr lang="zh-TW" sz="1400" b="0" kern="100" smtClean="0">
+                          <a:effectLst/>
+                          <a:latin typeface="+mn-lt"/>
+                          <a:ea typeface="標楷體" panose="03000509000000000000" pitchFamily="65" charset="-120"/>
+                        </a:rPr>
+                        <a:t>每</a:t>
+                      </a:r>
+                      <a:r>
+                        <a:rPr lang="zh-TW" sz="1400" b="0" kern="100">
+                          <a:effectLst/>
+                          <a:latin typeface="+mn-lt"/>
+                          <a:ea typeface="標楷體" panose="03000509000000000000" pitchFamily="65" charset="-120"/>
+                        </a:rPr>
+                        <a:t>個具體類對應一張表，有多少具體類就需要建立多少個獨立的表</a:t>
+                      </a:r>
+                      <a:endParaRPr lang="zh-TW" sz="1400" b="0" kern="100">
+                        <a:effectLst/>
+                        <a:latin typeface="+mn-lt"/>
+                        <a:ea typeface="標楷體" panose="03000509000000000000" pitchFamily="65" charset="-120"/>
+                        <a:cs typeface="Times New Roman" panose="02020603050405020304" pitchFamily="18" charset="0"/>
+                      </a:endParaRPr>
+                    </a:p>
+                  </a:txBody>
+                  <a:tcPr marL="68580" marR="68580" marT="0" marB="0" anchor="ctr"/>
+                </a:tc>
+                <a:tc>
+                  <a:txBody>
+                    <a:bodyPr/>
+                    <a:lstStyle/>
+                    <a:p>
+                      <a:pPr>
+                        <a:lnSpc>
+                          <a:spcPct val="150000"/>
+                        </a:lnSpc>
+                        <a:spcAft>
+                          <a:spcPts val="0"/>
+                        </a:spcAft>
+                      </a:pPr>
+                      <a:r>
+                        <a:rPr lang="zh-TW" sz="1400" b="0" kern="100" smtClean="0">
+                          <a:effectLst/>
+                          <a:latin typeface="+mn-lt"/>
+                          <a:ea typeface="標楷體" panose="03000509000000000000" pitchFamily="65" charset="-120"/>
+                        </a:rPr>
+                        <a:t>描述</a:t>
+                      </a:r>
+                      <a:r>
+                        <a:rPr lang="zh-TW" sz="1400" b="0" kern="100">
+                          <a:effectLst/>
+                          <a:latin typeface="+mn-lt"/>
+                          <a:ea typeface="標楷體" panose="03000509000000000000" pitchFamily="65" charset="-120"/>
+                        </a:rPr>
+                        <a:t>一個繼承關系只用一張表，也就是說子類所使用的表與父類相同</a:t>
+                      </a:r>
+                      <a:endParaRPr lang="zh-TW" sz="1400" b="0" kern="100">
+                        <a:effectLst/>
+                        <a:latin typeface="+mn-lt"/>
+                        <a:ea typeface="標楷體" panose="03000509000000000000" pitchFamily="65" charset="-120"/>
+                        <a:cs typeface="Times New Roman" panose="02020603050405020304" pitchFamily="18" charset="0"/>
+                      </a:endParaRPr>
+                    </a:p>
+                  </a:txBody>
+                  <a:tcPr marL="68580" marR="68580" marT="0" marB="0" anchor="ctr"/>
+                </a:tc>
+                <a:tc>
+                  <a:txBody>
+                    <a:bodyPr/>
+                    <a:lstStyle/>
+                    <a:p>
+                      <a:pPr>
+                        <a:lnSpc>
+                          <a:spcPct val="150000"/>
+                        </a:lnSpc>
+                        <a:spcAft>
+                          <a:spcPts val="0"/>
+                        </a:spcAft>
+                      </a:pPr>
+                      <a:r>
+                        <a:rPr lang="zh-TW" sz="1400" b="0" kern="100" smtClean="0">
+                          <a:effectLst/>
+                          <a:latin typeface="+mn-lt"/>
+                          <a:ea typeface="標楷體" panose="03000509000000000000" pitchFamily="65" charset="-120"/>
+                        </a:rPr>
+                        <a:t>每</a:t>
+                      </a:r>
+                      <a:r>
+                        <a:rPr lang="zh-TW" sz="1400" b="0" kern="100">
+                          <a:effectLst/>
+                          <a:latin typeface="+mn-lt"/>
+                          <a:ea typeface="標楷體" panose="03000509000000000000" pitchFamily="65" charset="-120"/>
+                        </a:rPr>
+                        <a:t>個子類使用一張表，但這些子類所對應的表都關聯到基類所對應的表中</a:t>
+                      </a:r>
+                      <a:endParaRPr lang="zh-TW" sz="1400" b="0" kern="100">
+                        <a:effectLst/>
+                        <a:latin typeface="+mn-lt"/>
+                        <a:ea typeface="標楷體" panose="03000509000000000000" pitchFamily="65" charset="-120"/>
+                        <a:cs typeface="Times New Roman" panose="02020603050405020304" pitchFamily="18" charset="0"/>
+                      </a:endParaRPr>
+                    </a:p>
+                  </a:txBody>
+                  <a:tcPr marL="68580" marR="68580" marT="0" marB="0" anchor="ctr"/>
+                </a:tc>
+              </a:tr>
+              <a:tr h="1481249">
+                <a:tc>
+                  <a:txBody>
+                    <a:bodyPr/>
+                    <a:lstStyle/>
+                    <a:p>
+                      <a:pPr algn="ctr">
+                        <a:lnSpc>
+                          <a:spcPct val="150000"/>
+                        </a:lnSpc>
+                        <a:spcAft>
+                          <a:spcPts val="0"/>
+                        </a:spcAft>
+                      </a:pPr>
+                      <a:r>
+                        <a:rPr lang="en-US" sz="1400" b="0" kern="100">
+                          <a:effectLst/>
+                          <a:latin typeface="+mn-lt"/>
+                          <a:ea typeface="標楷體" panose="03000509000000000000" pitchFamily="65" charset="-120"/>
+                        </a:rPr>
+                        <a:t> </a:t>
+                      </a:r>
+                      <a:r>
+                        <a:rPr lang="zh-TW" sz="1400" b="0" kern="100">
+                          <a:effectLst/>
+                          <a:latin typeface="+mn-lt"/>
+                          <a:ea typeface="標楷體" panose="03000509000000000000" pitchFamily="65" charset="-120"/>
+                        </a:rPr>
+                        <a:t>關系模型的優缺點</a:t>
+                      </a:r>
+                      <a:endParaRPr lang="zh-TW" sz="1400" b="0" kern="100">
+                        <a:effectLst/>
+                        <a:latin typeface="+mn-lt"/>
+                        <a:ea typeface="標楷體" panose="03000509000000000000" pitchFamily="65" charset="-120"/>
+                        <a:cs typeface="Times New Roman" panose="02020603050405020304" pitchFamily="18" charset="0"/>
+                      </a:endParaRPr>
+                    </a:p>
+                  </a:txBody>
+                  <a:tcPr marL="68580" marR="68580" marT="0" marB="0" anchor="ctr">
+                    <a:solidFill>
+                      <a:srgbClr val="FFC000"/>
+                    </a:solidFill>
+                  </a:tcPr>
+                </a:tc>
+                <a:tc>
+                  <a:txBody>
+                    <a:bodyPr/>
+                    <a:lstStyle/>
+                    <a:p>
+                      <a:pPr>
+                        <a:lnSpc>
+                          <a:spcPct val="150000"/>
+                        </a:lnSpc>
+                        <a:spcAft>
+                          <a:spcPts val="0"/>
+                        </a:spcAft>
+                      </a:pPr>
+                      <a:r>
+                        <a:rPr lang="zh-TW" sz="1400" b="0" kern="100">
+                          <a:effectLst/>
+                          <a:latin typeface="+mn-lt"/>
+                          <a:ea typeface="標楷體" panose="03000509000000000000" pitchFamily="65" charset="-120"/>
+                        </a:rPr>
+                        <a:t>這種設計方式符合關系模型的設計原則，</a:t>
+                      </a:r>
+                      <a:r>
+                        <a:rPr lang="zh-TW" sz="1400" b="0" kern="100">
+                          <a:solidFill>
+                            <a:srgbClr val="FF0000"/>
+                          </a:solidFill>
+                          <a:effectLst/>
+                          <a:latin typeface="+mn-lt"/>
+                          <a:ea typeface="標楷體" panose="03000509000000000000" pitchFamily="65" charset="-120"/>
+                        </a:rPr>
+                        <a:t>但有表中存在重復字段的問題</a:t>
+                      </a:r>
+                      <a:r>
+                        <a:rPr lang="en-US" sz="1400" b="0" kern="100">
+                          <a:solidFill>
+                            <a:srgbClr val="FF0000"/>
+                          </a:solidFill>
+                          <a:effectLst/>
+                          <a:latin typeface="+mn-lt"/>
+                          <a:ea typeface="標楷體" panose="03000509000000000000" pitchFamily="65" charset="-120"/>
+                        </a:rPr>
+                        <a:t> </a:t>
+                      </a:r>
+                      <a:endParaRPr lang="zh-TW" sz="1400" b="0" kern="100">
+                        <a:solidFill>
+                          <a:srgbClr val="FF0000"/>
+                        </a:solidFill>
+                        <a:effectLst/>
+                        <a:latin typeface="+mn-lt"/>
+                        <a:ea typeface="標楷體" panose="03000509000000000000" pitchFamily="65" charset="-120"/>
+                        <a:cs typeface="Times New Roman" panose="02020603050405020304" pitchFamily="18" charset="0"/>
+                      </a:endParaRPr>
+                    </a:p>
+                  </a:txBody>
+                  <a:tcPr marL="68580" marR="68580" marT="0" marB="0" anchor="ctr"/>
+                </a:tc>
+                <a:tc>
+                  <a:txBody>
+                    <a:bodyPr/>
+                    <a:lstStyle/>
+                    <a:p>
+                      <a:pPr>
+                        <a:lnSpc>
+                          <a:spcPct val="150000"/>
+                        </a:lnSpc>
+                        <a:spcAft>
+                          <a:spcPts val="0"/>
+                        </a:spcAft>
+                      </a:pPr>
+                      <a:r>
+                        <a:rPr lang="zh-TW" sz="1400" b="0" kern="100" smtClean="0">
+                          <a:solidFill>
+                            <a:srgbClr val="FF0000"/>
+                          </a:solidFill>
+                          <a:effectLst/>
+                          <a:latin typeface="+mn-lt"/>
+                          <a:ea typeface="標楷體" panose="03000509000000000000" pitchFamily="65" charset="-120"/>
+                        </a:rPr>
+                        <a:t>缺點</a:t>
+                      </a:r>
+                      <a:r>
+                        <a:rPr lang="zh-TW" sz="1400" b="0" kern="100">
+                          <a:solidFill>
+                            <a:srgbClr val="FF0000"/>
+                          </a:solidFill>
+                          <a:effectLst/>
+                          <a:latin typeface="+mn-lt"/>
+                          <a:ea typeface="標楷體" panose="03000509000000000000" pitchFamily="65" charset="-120"/>
+                        </a:rPr>
+                        <a:t>有二：首先表中引入的區分子類的字段，也就是包括了描述其他字段的字段。其次，如果某個子類的某個屬性不能為空，那么在數據庫一級不能設置該字段</a:t>
+                      </a:r>
+                      <a:r>
+                        <a:rPr lang="en-US" sz="1400" b="0" kern="100">
+                          <a:solidFill>
+                            <a:srgbClr val="FF0000"/>
+                          </a:solidFill>
+                          <a:effectLst/>
+                          <a:latin typeface="+mn-lt"/>
+                          <a:ea typeface="標楷體" panose="03000509000000000000" pitchFamily="65" charset="-120"/>
+                        </a:rPr>
+                        <a:t>not null(</a:t>
+                      </a:r>
+                      <a:r>
+                        <a:rPr lang="zh-TW" sz="1400" b="0" kern="100">
+                          <a:solidFill>
+                            <a:srgbClr val="FF0000"/>
+                          </a:solidFill>
+                          <a:effectLst/>
+                          <a:latin typeface="+mn-lt"/>
+                          <a:ea typeface="標楷體" panose="03000509000000000000" pitchFamily="65" charset="-120"/>
+                        </a:rPr>
+                        <a:t>非空</a:t>
+                      </a:r>
+                      <a:r>
+                        <a:rPr lang="en-US" sz="1400" b="0" kern="100">
+                          <a:solidFill>
+                            <a:srgbClr val="FF0000"/>
+                          </a:solidFill>
+                          <a:effectLst/>
+                          <a:latin typeface="+mn-lt"/>
+                          <a:ea typeface="標楷體" panose="03000509000000000000" pitchFamily="65" charset="-120"/>
+                        </a:rPr>
+                        <a:t>)</a:t>
+                      </a:r>
+                      <a:endParaRPr lang="zh-TW" sz="1400" b="0" kern="100">
+                        <a:solidFill>
+                          <a:srgbClr val="FF0000"/>
+                        </a:solidFill>
+                        <a:effectLst/>
+                        <a:latin typeface="+mn-lt"/>
+                        <a:ea typeface="標楷體" panose="03000509000000000000" pitchFamily="65" charset="-120"/>
+                        <a:cs typeface="Times New Roman" panose="02020603050405020304" pitchFamily="18" charset="0"/>
+                      </a:endParaRPr>
+                    </a:p>
+                  </a:txBody>
+                  <a:tcPr marL="68580" marR="68580" marT="0" marB="0" anchor="ctr"/>
+                </a:tc>
+                <a:tc>
+                  <a:txBody>
+                    <a:bodyPr/>
+                    <a:lstStyle/>
+                    <a:p>
+                      <a:pPr>
+                        <a:lnSpc>
+                          <a:spcPct val="150000"/>
+                        </a:lnSpc>
+                        <a:spcAft>
+                          <a:spcPts val="0"/>
+                        </a:spcAft>
+                      </a:pPr>
+                      <a:r>
+                        <a:rPr lang="zh-TW" sz="1400" b="0" kern="100" smtClean="0">
+                          <a:effectLst/>
+                          <a:latin typeface="+mn-lt"/>
+                          <a:ea typeface="標楷體" panose="03000509000000000000" pitchFamily="65" charset="-120"/>
+                        </a:rPr>
+                        <a:t>這</a:t>
+                      </a:r>
+                      <a:r>
+                        <a:rPr lang="zh-TW" sz="1400" b="0" kern="100">
+                          <a:effectLst/>
+                          <a:latin typeface="+mn-lt"/>
+                          <a:ea typeface="標楷體" panose="03000509000000000000" pitchFamily="65" charset="-120"/>
+                        </a:rPr>
+                        <a:t>種設計方式完全符合關系模型的設計原則，且不存在冗余</a:t>
+                      </a:r>
+                      <a:endParaRPr lang="zh-TW" sz="1400" b="0" kern="100">
+                        <a:effectLst/>
+                        <a:latin typeface="+mn-lt"/>
+                        <a:ea typeface="標楷體" panose="03000509000000000000" pitchFamily="65" charset="-120"/>
+                        <a:cs typeface="Times New Roman" panose="02020603050405020304" pitchFamily="18" charset="0"/>
+                      </a:endParaRPr>
+                    </a:p>
+                  </a:txBody>
+                  <a:tcPr marL="68580" marR="68580" marT="0" marB="0" anchor="ctr"/>
+                </a:tc>
+              </a:tr>
+              <a:tr h="988181">
+                <a:tc>
+                  <a:txBody>
+                    <a:bodyPr/>
+                    <a:lstStyle/>
+                    <a:p>
+                      <a:pPr algn="ctr">
+                        <a:lnSpc>
+                          <a:spcPct val="150000"/>
+                        </a:lnSpc>
+                        <a:spcAft>
+                          <a:spcPts val="0"/>
+                        </a:spcAft>
+                      </a:pPr>
+                      <a:r>
+                        <a:rPr lang="en-US" sz="1400" b="0" kern="100">
+                          <a:effectLst/>
+                          <a:latin typeface="+mn-lt"/>
+                          <a:ea typeface="標楷體" panose="03000509000000000000" pitchFamily="65" charset="-120"/>
+                        </a:rPr>
+                        <a:t> </a:t>
+                      </a:r>
+                      <a:r>
+                        <a:rPr lang="zh-TW" sz="1400" b="0" kern="100">
+                          <a:effectLst/>
+                          <a:latin typeface="+mn-lt"/>
+                          <a:ea typeface="標楷體" panose="03000509000000000000" pitchFamily="65" charset="-120"/>
+                        </a:rPr>
+                        <a:t>可維護性</a:t>
+                      </a:r>
+                      <a:endParaRPr lang="zh-TW" sz="1400" b="0" kern="100">
+                        <a:effectLst/>
+                        <a:latin typeface="+mn-lt"/>
+                        <a:ea typeface="標楷體" panose="03000509000000000000" pitchFamily="65" charset="-120"/>
+                        <a:cs typeface="Times New Roman" panose="02020603050405020304" pitchFamily="18" charset="0"/>
+                      </a:endParaRPr>
+                    </a:p>
+                  </a:txBody>
+                  <a:tcPr marL="68580" marR="68580" marT="0" marB="0" anchor="ctr">
+                    <a:solidFill>
+                      <a:srgbClr val="FFC000"/>
+                    </a:solidFill>
+                  </a:tcPr>
+                </a:tc>
+                <a:tc>
+                  <a:txBody>
+                    <a:bodyPr/>
+                    <a:lstStyle/>
+                    <a:p>
+                      <a:pPr>
+                        <a:lnSpc>
+                          <a:spcPct val="150000"/>
+                        </a:lnSpc>
+                        <a:spcAft>
+                          <a:spcPts val="0"/>
+                        </a:spcAft>
+                      </a:pPr>
+                      <a:r>
+                        <a:rPr lang="zh-TW" sz="1400" b="0" kern="100">
+                          <a:solidFill>
+                            <a:srgbClr val="FF0000"/>
+                          </a:solidFill>
+                          <a:effectLst/>
+                          <a:latin typeface="+mn-lt"/>
+                          <a:ea typeface="標楷體" panose="03000509000000000000" pitchFamily="65" charset="-120"/>
+                        </a:rPr>
+                        <a:t>如果需要對基類進行修改，則需要對基類以及該類的子類所對應的所有表都進行修改</a:t>
+                      </a:r>
+                      <a:r>
+                        <a:rPr lang="en-US" sz="1400" b="0" kern="100">
+                          <a:effectLst/>
+                          <a:latin typeface="+mn-lt"/>
+                          <a:ea typeface="標楷體" panose="03000509000000000000" pitchFamily="65" charset="-120"/>
+                        </a:rPr>
+                        <a:t> </a:t>
+                      </a:r>
+                      <a:endParaRPr lang="zh-TW" sz="1400" b="0" kern="100">
+                        <a:effectLst/>
+                        <a:latin typeface="+mn-lt"/>
+                        <a:ea typeface="標楷體" panose="03000509000000000000" pitchFamily="65" charset="-120"/>
+                        <a:cs typeface="Times New Roman" panose="02020603050405020304" pitchFamily="18" charset="0"/>
+                      </a:endParaRPr>
+                    </a:p>
+                  </a:txBody>
+                  <a:tcPr marL="68580" marR="68580" marT="0" marB="0" anchor="ctr"/>
+                </a:tc>
+                <a:tc>
+                  <a:txBody>
+                    <a:bodyPr/>
+                    <a:lstStyle/>
+                    <a:p>
+                      <a:pPr>
+                        <a:lnSpc>
+                          <a:spcPct val="150000"/>
+                        </a:lnSpc>
+                        <a:spcAft>
+                          <a:spcPts val="0"/>
+                        </a:spcAft>
+                      </a:pPr>
+                      <a:r>
+                        <a:rPr lang="zh-TW" sz="1400" b="0" kern="100" smtClean="0">
+                          <a:effectLst/>
+                          <a:latin typeface="+mn-lt"/>
+                          <a:ea typeface="標楷體" panose="03000509000000000000" pitchFamily="65" charset="-120"/>
+                        </a:rPr>
+                        <a:t>維護</a:t>
+                      </a:r>
+                      <a:r>
+                        <a:rPr lang="zh-TW" sz="1400" b="0" kern="100">
+                          <a:effectLst/>
+                          <a:latin typeface="+mn-lt"/>
+                          <a:ea typeface="標楷體" panose="03000509000000000000" pitchFamily="65" charset="-120"/>
+                        </a:rPr>
+                        <a:t>起來方便，只需要修改一個表</a:t>
+                      </a:r>
+                      <a:endParaRPr lang="zh-TW" sz="1400" b="0" kern="100">
+                        <a:effectLst/>
+                        <a:latin typeface="+mn-lt"/>
+                        <a:ea typeface="標楷體" panose="03000509000000000000" pitchFamily="65" charset="-120"/>
+                        <a:cs typeface="Times New Roman" panose="02020603050405020304" pitchFamily="18" charset="0"/>
+                      </a:endParaRPr>
+                    </a:p>
+                  </a:txBody>
+                  <a:tcPr marL="68580" marR="68580" marT="0" marB="0" anchor="ctr"/>
+                </a:tc>
+                <a:tc>
+                  <a:txBody>
+                    <a:bodyPr/>
+                    <a:lstStyle/>
+                    <a:p>
+                      <a:pPr>
+                        <a:lnSpc>
+                          <a:spcPct val="150000"/>
+                        </a:lnSpc>
+                        <a:spcAft>
+                          <a:spcPts val="0"/>
+                        </a:spcAft>
+                      </a:pPr>
+                      <a:r>
+                        <a:rPr lang="zh-TW" sz="1400" b="0" kern="100" smtClean="0">
+                          <a:effectLst/>
+                          <a:latin typeface="+mn-lt"/>
+                          <a:ea typeface="標楷體" panose="03000509000000000000" pitchFamily="65" charset="-120"/>
+                        </a:rPr>
+                        <a:t>維護</a:t>
+                      </a:r>
+                      <a:r>
+                        <a:rPr lang="zh-TW" sz="1400" b="0" kern="100">
+                          <a:effectLst/>
+                          <a:latin typeface="+mn-lt"/>
+                          <a:ea typeface="標楷體" panose="03000509000000000000" pitchFamily="65" charset="-120"/>
+                        </a:rPr>
+                        <a:t>起來比較方便，對每個類的修改只需要修改其所對應的表</a:t>
+                      </a:r>
+                      <a:endParaRPr lang="zh-TW" sz="1400" b="0" kern="100">
+                        <a:effectLst/>
+                        <a:latin typeface="+mn-lt"/>
+                        <a:ea typeface="標楷體" panose="03000509000000000000" pitchFamily="65" charset="-120"/>
+                        <a:cs typeface="Times New Roman" panose="02020603050405020304" pitchFamily="18" charset="0"/>
+                      </a:endParaRPr>
+                    </a:p>
+                  </a:txBody>
+                  <a:tcPr marL="68580" marR="68580" marT="0" marB="0" anchor="ctr"/>
+                </a:tc>
+              </a:tr>
+              <a:tr h="741135">
+                <a:tc>
+                  <a:txBody>
+                    <a:bodyPr/>
+                    <a:lstStyle/>
+                    <a:p>
+                      <a:pPr algn="ctr">
+                        <a:lnSpc>
+                          <a:spcPct val="150000"/>
+                        </a:lnSpc>
+                        <a:spcAft>
+                          <a:spcPts val="0"/>
+                        </a:spcAft>
+                      </a:pPr>
+                      <a:r>
+                        <a:rPr lang="en-US" sz="1400" b="0" kern="100">
+                          <a:effectLst/>
+                          <a:latin typeface="+mn-lt"/>
+                          <a:ea typeface="標楷體" panose="03000509000000000000" pitchFamily="65" charset="-120"/>
+                        </a:rPr>
+                        <a:t> </a:t>
+                      </a:r>
+                      <a:r>
+                        <a:rPr lang="zh-TW" sz="1400" b="0" kern="100">
+                          <a:effectLst/>
+                          <a:latin typeface="+mn-lt"/>
+                          <a:ea typeface="標楷體" panose="03000509000000000000" pitchFamily="65" charset="-120"/>
+                        </a:rPr>
+                        <a:t>靈活性</a:t>
+                      </a:r>
+                      <a:endParaRPr lang="zh-TW" sz="1400" b="0" kern="100">
+                        <a:effectLst/>
+                        <a:latin typeface="+mn-lt"/>
+                        <a:ea typeface="標楷體" panose="03000509000000000000" pitchFamily="65" charset="-120"/>
+                        <a:cs typeface="Times New Roman" panose="02020603050405020304" pitchFamily="18" charset="0"/>
+                      </a:endParaRPr>
+                    </a:p>
+                  </a:txBody>
+                  <a:tcPr marL="68580" marR="68580" marT="0" marB="0" anchor="ctr">
+                    <a:solidFill>
+                      <a:srgbClr val="FFC000"/>
+                    </a:solidFill>
+                  </a:tcPr>
+                </a:tc>
+                <a:tc>
+                  <a:txBody>
+                    <a:bodyPr/>
+                    <a:lstStyle/>
+                    <a:p>
+                      <a:pPr>
+                        <a:lnSpc>
+                          <a:spcPct val="150000"/>
+                        </a:lnSpc>
+                        <a:spcAft>
+                          <a:spcPts val="0"/>
+                        </a:spcAft>
+                      </a:pPr>
+                      <a:r>
+                        <a:rPr lang="zh-TW" sz="1400" b="0" kern="100" smtClean="0">
+                          <a:effectLst/>
+                          <a:latin typeface="+mn-lt"/>
+                          <a:ea typeface="標楷體" panose="03000509000000000000" pitchFamily="65" charset="-120"/>
+                        </a:rPr>
+                        <a:t>映射</a:t>
+                      </a:r>
+                      <a:r>
+                        <a:rPr lang="zh-TW" sz="1400" b="0" kern="100">
+                          <a:effectLst/>
+                          <a:latin typeface="+mn-lt"/>
+                          <a:ea typeface="標楷體" panose="03000509000000000000" pitchFamily="65" charset="-120"/>
+                        </a:rPr>
+                        <a:t>的靈活性很大，子類可以包括基類屬性在內的每一個屬性進行單獨配置</a:t>
+                      </a:r>
+                      <a:endParaRPr lang="zh-TW" sz="1400" b="0" kern="100">
+                        <a:effectLst/>
+                        <a:latin typeface="+mn-lt"/>
+                        <a:ea typeface="標楷體" panose="03000509000000000000" pitchFamily="65" charset="-120"/>
+                        <a:cs typeface="Times New Roman" panose="02020603050405020304" pitchFamily="18" charset="0"/>
+                      </a:endParaRPr>
+                    </a:p>
+                  </a:txBody>
+                  <a:tcPr marL="68580" marR="68580" marT="0" marB="0" anchor="ctr"/>
+                </a:tc>
+                <a:tc>
+                  <a:txBody>
+                    <a:bodyPr/>
+                    <a:lstStyle/>
+                    <a:p>
+                      <a:pPr>
+                        <a:lnSpc>
+                          <a:spcPct val="150000"/>
+                        </a:lnSpc>
+                        <a:spcAft>
+                          <a:spcPts val="0"/>
+                        </a:spcAft>
+                      </a:pPr>
+                      <a:r>
+                        <a:rPr lang="zh-TW" sz="1400" b="0" kern="100" smtClean="0">
+                          <a:solidFill>
+                            <a:srgbClr val="FF0000"/>
+                          </a:solidFill>
+                          <a:effectLst/>
+                          <a:latin typeface="+mn-lt"/>
+                          <a:ea typeface="標楷體" panose="03000509000000000000" pitchFamily="65" charset="-120"/>
+                        </a:rPr>
+                        <a:t>靈活</a:t>
+                      </a:r>
+                      <a:r>
+                        <a:rPr lang="zh-TW" sz="1400" b="0" kern="100">
+                          <a:solidFill>
+                            <a:srgbClr val="FF0000"/>
+                          </a:solidFill>
+                          <a:effectLst/>
+                          <a:latin typeface="+mn-lt"/>
+                          <a:ea typeface="標楷體" panose="03000509000000000000" pitchFamily="65" charset="-120"/>
+                        </a:rPr>
+                        <a:t>性差，表中冗余字段會隨着子類的增多而越來越多</a:t>
+                      </a:r>
+                      <a:endParaRPr lang="zh-TW" sz="1400" b="0" kern="100">
+                        <a:solidFill>
+                          <a:srgbClr val="FF0000"/>
+                        </a:solidFill>
+                        <a:effectLst/>
+                        <a:latin typeface="+mn-lt"/>
+                        <a:ea typeface="標楷體" panose="03000509000000000000" pitchFamily="65" charset="-120"/>
+                        <a:cs typeface="Times New Roman" panose="02020603050405020304" pitchFamily="18" charset="0"/>
+                      </a:endParaRPr>
+                    </a:p>
+                  </a:txBody>
+                  <a:tcPr marL="68580" marR="68580" marT="0" marB="0" anchor="ctr"/>
+                </a:tc>
+                <a:tc>
+                  <a:txBody>
+                    <a:bodyPr/>
+                    <a:lstStyle/>
+                    <a:p>
+                      <a:pPr>
+                        <a:lnSpc>
+                          <a:spcPct val="150000"/>
+                        </a:lnSpc>
+                        <a:spcAft>
+                          <a:spcPts val="0"/>
+                        </a:spcAft>
+                      </a:pPr>
+                      <a:r>
+                        <a:rPr lang="zh-TW" sz="1400" b="0" kern="100" smtClean="0">
+                          <a:effectLst/>
+                          <a:latin typeface="+mn-lt"/>
+                          <a:ea typeface="標楷體" panose="03000509000000000000" pitchFamily="65" charset="-120"/>
+                        </a:rPr>
+                        <a:t>靈活</a:t>
+                      </a:r>
+                      <a:r>
+                        <a:rPr lang="zh-TW" sz="1400" b="0" kern="100">
+                          <a:effectLst/>
+                          <a:latin typeface="+mn-lt"/>
+                          <a:ea typeface="標楷體" panose="03000509000000000000" pitchFamily="65" charset="-120"/>
+                        </a:rPr>
+                        <a:t>性很好，完全是參照對象繼承的方式進行配置</a:t>
+                      </a:r>
+                      <a:endParaRPr lang="zh-TW" sz="1400" b="0" kern="100">
+                        <a:effectLst/>
+                        <a:latin typeface="+mn-lt"/>
+                        <a:ea typeface="標楷體" panose="03000509000000000000" pitchFamily="65" charset="-120"/>
+                        <a:cs typeface="Times New Roman" panose="02020603050405020304" pitchFamily="18" charset="0"/>
+                      </a:endParaRPr>
+                    </a:p>
+                  </a:txBody>
+                  <a:tcPr marL="68580" marR="68580" marT="0" marB="0" anchor="ctr"/>
+                </a:tc>
+              </a:tr>
+              <a:tr h="741135">
+                <a:tc>
+                  <a:txBody>
+                    <a:bodyPr/>
+                    <a:lstStyle/>
+                    <a:p>
+                      <a:pPr algn="ctr">
+                        <a:lnSpc>
+                          <a:spcPct val="150000"/>
+                        </a:lnSpc>
+                        <a:spcAft>
+                          <a:spcPts val="0"/>
+                        </a:spcAft>
+                      </a:pPr>
+                      <a:r>
+                        <a:rPr lang="en-US" sz="1400" b="0" kern="100">
+                          <a:effectLst/>
+                          <a:latin typeface="+mn-lt"/>
+                          <a:ea typeface="標楷體" panose="03000509000000000000" pitchFamily="65" charset="-120"/>
+                        </a:rPr>
+                        <a:t> </a:t>
+                      </a:r>
+                      <a:r>
+                        <a:rPr lang="zh-TW" sz="1400" b="0" kern="100">
+                          <a:effectLst/>
+                          <a:latin typeface="+mn-lt"/>
+                          <a:ea typeface="標楷體" panose="03000509000000000000" pitchFamily="65" charset="-120"/>
+                        </a:rPr>
+                        <a:t>查詢性能</a:t>
+                      </a:r>
+                      <a:endParaRPr lang="zh-TW" sz="1400" b="0" kern="100">
+                        <a:effectLst/>
+                        <a:latin typeface="+mn-lt"/>
+                        <a:ea typeface="標楷體" panose="03000509000000000000" pitchFamily="65" charset="-120"/>
+                        <a:cs typeface="Times New Roman" panose="02020603050405020304" pitchFamily="18" charset="0"/>
+                      </a:endParaRPr>
+                    </a:p>
+                  </a:txBody>
+                  <a:tcPr marL="68580" marR="68580" marT="0" marB="0" anchor="ctr">
+                    <a:solidFill>
+                      <a:srgbClr val="FFC000"/>
+                    </a:solidFill>
+                  </a:tcPr>
+                </a:tc>
+                <a:tc>
+                  <a:txBody>
+                    <a:bodyPr/>
+                    <a:lstStyle/>
+                    <a:p>
+                      <a:pPr>
+                        <a:lnSpc>
+                          <a:spcPct val="150000"/>
+                        </a:lnSpc>
+                        <a:spcAft>
+                          <a:spcPts val="0"/>
+                        </a:spcAft>
+                      </a:pPr>
+                      <a:r>
+                        <a:rPr lang="zh-TW" sz="1400" b="0" kern="100" smtClean="0">
+                          <a:effectLst/>
+                          <a:latin typeface="+mn-lt"/>
+                          <a:ea typeface="標楷體" panose="03000509000000000000" pitchFamily="65" charset="-120"/>
+                        </a:rPr>
+                        <a:t>對於</a:t>
+                      </a:r>
+                      <a:r>
+                        <a:rPr lang="zh-TW" sz="1400" b="0" kern="100">
+                          <a:effectLst/>
+                          <a:latin typeface="+mn-lt"/>
+                          <a:ea typeface="標楷體" panose="03000509000000000000" pitchFamily="65" charset="-120"/>
+                        </a:rPr>
+                        <a:t>子類的查詢只需要訪問單獨的表，對父類查詢怎需要檢索所有的表</a:t>
+                      </a:r>
+                      <a:endParaRPr lang="zh-TW" sz="1400" b="0" kern="100">
+                        <a:effectLst/>
+                        <a:latin typeface="+mn-lt"/>
+                        <a:ea typeface="標楷體" panose="03000509000000000000" pitchFamily="65" charset="-120"/>
+                        <a:cs typeface="Times New Roman" panose="02020603050405020304" pitchFamily="18" charset="0"/>
+                      </a:endParaRPr>
+                    </a:p>
+                  </a:txBody>
+                  <a:tcPr marL="68580" marR="68580" marT="0" marB="0" anchor="ctr"/>
+                </a:tc>
+                <a:tc>
+                  <a:txBody>
+                    <a:bodyPr/>
+                    <a:lstStyle/>
+                    <a:p>
+                      <a:pPr>
+                        <a:lnSpc>
+                          <a:spcPct val="150000"/>
+                        </a:lnSpc>
+                        <a:spcAft>
+                          <a:spcPts val="0"/>
+                        </a:spcAft>
+                      </a:pPr>
+                      <a:r>
+                        <a:rPr lang="zh-TW" sz="1400" b="0" kern="100" smtClean="0">
+                          <a:effectLst/>
+                          <a:latin typeface="+mn-lt"/>
+                          <a:ea typeface="標楷體" panose="03000509000000000000" pitchFamily="65" charset="-120"/>
+                        </a:rPr>
+                        <a:t>在</a:t>
+                      </a:r>
+                      <a:r>
+                        <a:rPr lang="zh-TW" sz="1400" b="0" kern="100">
+                          <a:effectLst/>
+                          <a:latin typeface="+mn-lt"/>
+                          <a:ea typeface="標楷體" panose="03000509000000000000" pitchFamily="65" charset="-120"/>
+                        </a:rPr>
+                        <a:t>任何情況下，都只需處理一個表</a:t>
+                      </a:r>
+                      <a:endParaRPr lang="zh-TW" sz="1400" b="0" kern="100">
+                        <a:effectLst/>
+                        <a:latin typeface="+mn-lt"/>
+                        <a:ea typeface="標楷體" panose="03000509000000000000" pitchFamily="65" charset="-120"/>
+                        <a:cs typeface="Times New Roman" panose="02020603050405020304" pitchFamily="18" charset="0"/>
+                      </a:endParaRPr>
+                    </a:p>
+                  </a:txBody>
+                  <a:tcPr marL="68580" marR="68580" marT="0" marB="0" anchor="ctr"/>
+                </a:tc>
+                <a:tc>
+                  <a:txBody>
+                    <a:bodyPr/>
+                    <a:lstStyle/>
+                    <a:p>
+                      <a:pPr>
+                        <a:lnSpc>
+                          <a:spcPct val="150000"/>
+                        </a:lnSpc>
+                        <a:spcAft>
+                          <a:spcPts val="0"/>
+                        </a:spcAft>
+                      </a:pPr>
+                      <a:r>
+                        <a:rPr lang="zh-TW" sz="1400" b="0" kern="100" smtClean="0">
+                          <a:solidFill>
+                            <a:srgbClr val="FF0000"/>
+                          </a:solidFill>
+                          <a:effectLst/>
+                          <a:latin typeface="+mn-lt"/>
+                          <a:ea typeface="標楷體" panose="03000509000000000000" pitchFamily="65" charset="-120"/>
+                        </a:rPr>
+                        <a:t>對於</a:t>
+                      </a:r>
+                      <a:r>
+                        <a:rPr lang="zh-TW" sz="1400" b="0" kern="100">
+                          <a:solidFill>
+                            <a:srgbClr val="FF0000"/>
+                          </a:solidFill>
+                          <a:effectLst/>
+                          <a:latin typeface="+mn-lt"/>
+                          <a:ea typeface="標楷體" panose="03000509000000000000" pitchFamily="65" charset="-120"/>
+                        </a:rPr>
+                        <a:t>父類的查詢需要使用左外鏈接，對於子類查詢需要使用內鏈接</a:t>
+                      </a:r>
+                      <a:endParaRPr lang="zh-TW" sz="1400" b="0" kern="100">
+                        <a:solidFill>
+                          <a:srgbClr val="FF0000"/>
+                        </a:solidFill>
+                        <a:effectLst/>
+                        <a:latin typeface="+mn-lt"/>
+                        <a:ea typeface="標楷體" panose="03000509000000000000" pitchFamily="65" charset="-120"/>
+                        <a:cs typeface="Times New Roman" panose="02020603050405020304" pitchFamily="18" charset="0"/>
+                      </a:endParaRPr>
+                    </a:p>
+                  </a:txBody>
+                  <a:tcPr marL="68580" marR="68580" marT="0" marB="0" anchor="ctr"/>
+                </a:tc>
+              </a:tr>
+              <a:tr h="573185">
+                <a:tc>
+                  <a:txBody>
+                    <a:bodyPr/>
+                    <a:lstStyle/>
+                    <a:p>
+                      <a:pPr algn="ctr">
+                        <a:lnSpc>
+                          <a:spcPct val="150000"/>
+                        </a:lnSpc>
+                        <a:spcAft>
+                          <a:spcPts val="0"/>
+                        </a:spcAft>
+                      </a:pPr>
+                      <a:r>
+                        <a:rPr lang="en-US" sz="1400" b="0" kern="100">
+                          <a:effectLst/>
+                          <a:latin typeface="+mn-lt"/>
+                          <a:ea typeface="標楷體" panose="03000509000000000000" pitchFamily="65" charset="-120"/>
+                        </a:rPr>
+                        <a:t> </a:t>
+                      </a:r>
+                      <a:r>
+                        <a:rPr lang="zh-TW" sz="1400" b="0" kern="100">
+                          <a:effectLst/>
+                          <a:latin typeface="+mn-lt"/>
+                          <a:ea typeface="標楷體" panose="03000509000000000000" pitchFamily="65" charset="-120"/>
+                        </a:rPr>
+                        <a:t>維護性能</a:t>
+                      </a:r>
+                      <a:endParaRPr lang="zh-TW" sz="1400" b="0" kern="100">
+                        <a:effectLst/>
+                        <a:latin typeface="+mn-lt"/>
+                        <a:ea typeface="標楷體" panose="03000509000000000000" pitchFamily="65" charset="-120"/>
+                        <a:cs typeface="Times New Roman" panose="02020603050405020304" pitchFamily="18" charset="0"/>
+                      </a:endParaRPr>
+                    </a:p>
+                  </a:txBody>
+                  <a:tcPr marL="68580" marR="68580" marT="0" marB="0" anchor="ctr">
+                    <a:solidFill>
+                      <a:srgbClr val="FFC000"/>
+                    </a:solidFill>
+                  </a:tcPr>
+                </a:tc>
+                <a:tc>
+                  <a:txBody>
+                    <a:bodyPr/>
+                    <a:lstStyle/>
+                    <a:p>
+                      <a:pPr>
+                        <a:lnSpc>
+                          <a:spcPct val="150000"/>
+                        </a:lnSpc>
+                        <a:spcAft>
+                          <a:spcPts val="0"/>
+                        </a:spcAft>
+                      </a:pPr>
+                      <a:r>
+                        <a:rPr lang="zh-TW" sz="1400" b="0" kern="100" smtClean="0">
+                          <a:effectLst/>
+                          <a:latin typeface="+mn-lt"/>
+                          <a:ea typeface="標楷體" panose="03000509000000000000" pitchFamily="65" charset="-120"/>
+                        </a:rPr>
+                        <a:t>對於</a:t>
+                      </a:r>
+                      <a:r>
+                        <a:rPr lang="zh-TW" sz="1400" b="0" kern="100">
+                          <a:effectLst/>
+                          <a:latin typeface="+mn-lt"/>
+                          <a:ea typeface="標楷體" panose="03000509000000000000" pitchFamily="65" charset="-120"/>
+                        </a:rPr>
+                        <a:t>單個對象持久話操作只需要處理一個表</a:t>
+                      </a:r>
+                      <a:endParaRPr lang="zh-TW" sz="1400" b="0" kern="100">
+                        <a:effectLst/>
+                        <a:latin typeface="+mn-lt"/>
+                        <a:ea typeface="標楷體" panose="03000509000000000000" pitchFamily="65" charset="-120"/>
+                        <a:cs typeface="Times New Roman" panose="02020603050405020304" pitchFamily="18" charset="0"/>
+                      </a:endParaRPr>
+                    </a:p>
+                  </a:txBody>
+                  <a:tcPr marL="68580" marR="68580" marT="0" marB="0" anchor="ctr"/>
+                </a:tc>
+                <a:tc>
+                  <a:txBody>
+                    <a:bodyPr/>
+                    <a:lstStyle/>
+                    <a:p>
+                      <a:pPr>
+                        <a:lnSpc>
+                          <a:spcPct val="150000"/>
+                        </a:lnSpc>
+                        <a:spcAft>
+                          <a:spcPts val="0"/>
+                        </a:spcAft>
+                      </a:pPr>
+                      <a:r>
+                        <a:rPr lang="zh-TW" sz="1400" b="0" kern="100">
+                          <a:effectLst/>
+                          <a:latin typeface="+mn-lt"/>
+                          <a:ea typeface="標楷體" panose="03000509000000000000" pitchFamily="65" charset="-120"/>
+                        </a:rPr>
+                        <a:t>對於單個對象的持久話操作只需要處理一個表</a:t>
+                      </a:r>
+                      <a:r>
+                        <a:rPr lang="en-US" sz="1400" b="0" kern="100">
+                          <a:effectLst/>
+                          <a:latin typeface="+mn-lt"/>
+                          <a:ea typeface="標楷體" panose="03000509000000000000" pitchFamily="65" charset="-120"/>
+                        </a:rPr>
+                        <a:t> </a:t>
+                      </a:r>
+                      <a:endParaRPr lang="zh-TW" sz="1400" b="0" kern="100">
+                        <a:effectLst/>
+                        <a:latin typeface="+mn-lt"/>
+                        <a:ea typeface="標楷體" panose="03000509000000000000" pitchFamily="65" charset="-120"/>
+                        <a:cs typeface="Times New Roman" panose="02020603050405020304" pitchFamily="18" charset="0"/>
+                      </a:endParaRPr>
+                    </a:p>
+                  </a:txBody>
+                  <a:tcPr marL="68580" marR="68580" marT="0" marB="0" anchor="ctr"/>
+                </a:tc>
+                <a:tc>
+                  <a:txBody>
+                    <a:bodyPr/>
+                    <a:lstStyle/>
+                    <a:p>
+                      <a:pPr>
+                        <a:lnSpc>
+                          <a:spcPct val="150000"/>
+                        </a:lnSpc>
+                        <a:spcAft>
+                          <a:spcPts val="0"/>
+                        </a:spcAft>
+                      </a:pPr>
+                      <a:r>
+                        <a:rPr lang="zh-TW" sz="1400" b="0" kern="100" smtClean="0">
+                          <a:solidFill>
+                            <a:srgbClr val="FF0000"/>
+                          </a:solidFill>
+                          <a:effectLst/>
+                          <a:latin typeface="+mn-lt"/>
+                          <a:ea typeface="標楷體" panose="03000509000000000000" pitchFamily="65" charset="-120"/>
+                        </a:rPr>
+                        <a:t>對於</a:t>
+                      </a:r>
+                      <a:r>
+                        <a:rPr lang="zh-TW" sz="1400" b="0" kern="100">
+                          <a:solidFill>
+                            <a:srgbClr val="FF0000"/>
+                          </a:solidFill>
+                          <a:effectLst/>
+                          <a:latin typeface="+mn-lt"/>
+                          <a:ea typeface="標楷體" panose="03000509000000000000" pitchFamily="65" charset="-120"/>
+                        </a:rPr>
+                        <a:t>子類的持久話至少要處理兩個表</a:t>
+                      </a:r>
+                      <a:endParaRPr lang="zh-TW" sz="1400" b="0" kern="100">
+                        <a:solidFill>
+                          <a:srgbClr val="FF0000"/>
+                        </a:solidFill>
+                        <a:effectLst/>
+                        <a:latin typeface="+mn-lt"/>
+                        <a:ea typeface="標楷體" panose="03000509000000000000" pitchFamily="65" charset="-120"/>
+                        <a:cs typeface="Times New Roman" panose="02020603050405020304" pitchFamily="18" charset="0"/>
+                      </a:endParaRPr>
+                    </a:p>
+                  </a:txBody>
+                  <a:tcPr marL="68580" marR="68580" marT="0" marB="0" anchor="ctr"/>
+                </a:tc>
+              </a:tr>
+            </a:tbl>
+          </a:graphicData>
+        </a:graphic>
+      </p:graphicFrame>
+      <p:sp>
+        <p:nvSpPr>
+          <p:cNvPr id="5" name="文字方塊 4"/>
+          <p:cNvSpPr txBox="1"/>
+          <p:nvPr/>
+        </p:nvSpPr>
+        <p:spPr>
+          <a:xfrm>
+            <a:off x="2304288" y="27432"/>
+            <a:ext cx="6867144" cy="584775"/>
+          </a:xfrm>
+          <a:prstGeom prst="rect">
+            <a:avLst/>
+          </a:prstGeom>
+          <a:noFill/>
+          <a:ln>
+            <a:solidFill>
+              <a:schemeClr val="tx1"/>
+            </a:solidFill>
+          </a:ln>
+        </p:spPr>
+        <p:txBody>
+          <a:bodyPr wrap="square" rtlCol="0">
+            <a:spAutoFit/>
+          </a:bodyPr>
+          <a:lstStyle/>
+          <a:p>
+            <a:pPr algn="ctr"/>
+            <a:r>
+              <a:rPr lang="en-US" altLang="zh-TW" sz="3200" b="1" smtClean="0"/>
+              <a:t>Hibernate </a:t>
+            </a:r>
+            <a:r>
+              <a:rPr lang="zh-TW" altLang="en-US" sz="3200" b="1" smtClean="0"/>
+              <a:t>繼承映射</a:t>
+            </a:r>
+            <a:endParaRPr lang="zh-TW" altLang="en-US" sz="3200" b="1"/>
+          </a:p>
+        </p:txBody>
+      </p:sp>
     </p:spTree>
     <p:extLst>
       <p:ext uri="{BB962C8B-B14F-4D97-AF65-F5344CB8AC3E}">

--- a/流程圖.pptx
+++ b/流程圖.pptx
@@ -19,6 +19,7 @@
     <p:sldId id="267" r:id="rId13"/>
     <p:sldId id="268" r:id="rId14"/>
     <p:sldId id="270" r:id="rId15"/>
+    <p:sldId id="271" r:id="rId16"/>
   </p:sldIdLst>
   <p:sldSz cx="12192000" cy="6858000"/>
   <p:notesSz cx="6858000" cy="9144000"/>
@@ -318,7 +319,7 @@
           <a:p>
             <a:fld id="{A82C37CB-E071-4591-97EF-45EBE93349F3}" type="datetimeFigureOut">
               <a:rPr lang="zh-TW" altLang="en-US" smtClean="0"/>
-              <a:t>2020/4/30</a:t>
+              <a:t>2020/5/5</a:t>
             </a:fld>
             <a:endParaRPr lang="zh-TW" altLang="en-US"/>
           </a:p>
@@ -488,7 +489,7 @@
           <a:p>
             <a:fld id="{A82C37CB-E071-4591-97EF-45EBE93349F3}" type="datetimeFigureOut">
               <a:rPr lang="zh-TW" altLang="en-US" smtClean="0"/>
-              <a:t>2020/4/30</a:t>
+              <a:t>2020/5/5</a:t>
             </a:fld>
             <a:endParaRPr lang="zh-TW" altLang="en-US"/>
           </a:p>
@@ -668,7 +669,7 @@
           <a:p>
             <a:fld id="{A82C37CB-E071-4591-97EF-45EBE93349F3}" type="datetimeFigureOut">
               <a:rPr lang="zh-TW" altLang="en-US" smtClean="0"/>
-              <a:t>2020/4/30</a:t>
+              <a:t>2020/5/5</a:t>
             </a:fld>
             <a:endParaRPr lang="zh-TW" altLang="en-US"/>
           </a:p>
@@ -838,7 +839,7 @@
           <a:p>
             <a:fld id="{A82C37CB-E071-4591-97EF-45EBE93349F3}" type="datetimeFigureOut">
               <a:rPr lang="zh-TW" altLang="en-US" smtClean="0"/>
-              <a:t>2020/4/30</a:t>
+              <a:t>2020/5/5</a:t>
             </a:fld>
             <a:endParaRPr lang="zh-TW" altLang="en-US"/>
           </a:p>
@@ -1084,7 +1085,7 @@
           <a:p>
             <a:fld id="{A82C37CB-E071-4591-97EF-45EBE93349F3}" type="datetimeFigureOut">
               <a:rPr lang="zh-TW" altLang="en-US" smtClean="0"/>
-              <a:t>2020/4/30</a:t>
+              <a:t>2020/5/5</a:t>
             </a:fld>
             <a:endParaRPr lang="zh-TW" altLang="en-US"/>
           </a:p>
@@ -1316,7 +1317,7 @@
           <a:p>
             <a:fld id="{A82C37CB-E071-4591-97EF-45EBE93349F3}" type="datetimeFigureOut">
               <a:rPr lang="zh-TW" altLang="en-US" smtClean="0"/>
-              <a:t>2020/4/30</a:t>
+              <a:t>2020/5/5</a:t>
             </a:fld>
             <a:endParaRPr lang="zh-TW" altLang="en-US"/>
           </a:p>
@@ -1683,7 +1684,7 @@
           <a:p>
             <a:fld id="{A82C37CB-E071-4591-97EF-45EBE93349F3}" type="datetimeFigureOut">
               <a:rPr lang="zh-TW" altLang="en-US" smtClean="0"/>
-              <a:t>2020/4/30</a:t>
+              <a:t>2020/5/5</a:t>
             </a:fld>
             <a:endParaRPr lang="zh-TW" altLang="en-US"/>
           </a:p>
@@ -1801,7 +1802,7 @@
           <a:p>
             <a:fld id="{A82C37CB-E071-4591-97EF-45EBE93349F3}" type="datetimeFigureOut">
               <a:rPr lang="zh-TW" altLang="en-US" smtClean="0"/>
-              <a:t>2020/4/30</a:t>
+              <a:t>2020/5/5</a:t>
             </a:fld>
             <a:endParaRPr lang="zh-TW" altLang="en-US"/>
           </a:p>
@@ -1896,7 +1897,7 @@
           <a:p>
             <a:fld id="{A82C37CB-E071-4591-97EF-45EBE93349F3}" type="datetimeFigureOut">
               <a:rPr lang="zh-TW" altLang="en-US" smtClean="0"/>
-              <a:t>2020/4/30</a:t>
+              <a:t>2020/5/5</a:t>
             </a:fld>
             <a:endParaRPr lang="zh-TW" altLang="en-US"/>
           </a:p>
@@ -2173,7 +2174,7 @@
           <a:p>
             <a:fld id="{A82C37CB-E071-4591-97EF-45EBE93349F3}" type="datetimeFigureOut">
               <a:rPr lang="zh-TW" altLang="en-US" smtClean="0"/>
-              <a:t>2020/4/30</a:t>
+              <a:t>2020/5/5</a:t>
             </a:fld>
             <a:endParaRPr lang="zh-TW" altLang="en-US"/>
           </a:p>
@@ -2426,7 +2427,7 @@
           <a:p>
             <a:fld id="{A82C37CB-E071-4591-97EF-45EBE93349F3}" type="datetimeFigureOut">
               <a:rPr lang="zh-TW" altLang="en-US" smtClean="0"/>
-              <a:t>2020/4/30</a:t>
+              <a:t>2020/5/5</a:t>
             </a:fld>
             <a:endParaRPr lang="zh-TW" altLang="en-US"/>
           </a:p>
@@ -2639,7 +2640,7 @@
           <a:p>
             <a:fld id="{A82C37CB-E071-4591-97EF-45EBE93349F3}" type="datetimeFigureOut">
               <a:rPr lang="zh-TW" altLang="en-US" smtClean="0"/>
-              <a:t>2020/4/30</a:t>
+              <a:t>2020/5/5</a:t>
             </a:fld>
             <a:endParaRPr lang="zh-TW" altLang="en-US"/>
           </a:p>
@@ -9822,15 +9823,7 @@
                           <a:latin typeface="+mn-lt"/>
                           <a:ea typeface="標楷體" panose="03000509000000000000" pitchFamily="65" charset="-120"/>
                         </a:rPr>
-                        <a:t>每個具體類一</a:t>
-                      </a:r>
-                      <a:r>
-                        <a:rPr lang="zh-TW" sz="1600" b="0" kern="100">
-                          <a:effectLst/>
-                          <a:latin typeface="+mn-lt"/>
-                          <a:ea typeface="標楷體" panose="03000509000000000000" pitchFamily="65" charset="-120"/>
-                        </a:rPr>
-                        <a:t>張</a:t>
+                        <a:t>每個具體類一張</a:t>
                       </a:r>
                       <a:r>
                         <a:rPr lang="zh-TW" sz="1600" b="0" kern="100" smtClean="0">
@@ -9885,15 +9878,7 @@
                           <a:latin typeface="+mn-lt"/>
                           <a:ea typeface="標楷體" panose="03000509000000000000" pitchFamily="65" charset="-120"/>
                         </a:rPr>
-                        <a:t>每個分層結構一</a:t>
-                      </a:r>
-                      <a:r>
-                        <a:rPr lang="zh-TW" sz="1600" b="0" kern="100">
-                          <a:effectLst/>
-                          <a:latin typeface="+mn-lt"/>
-                          <a:ea typeface="標楷體" panose="03000509000000000000" pitchFamily="65" charset="-120"/>
-                        </a:rPr>
-                        <a:t>張</a:t>
+                        <a:t>每個分層結構一張</a:t>
                       </a:r>
                       <a:r>
                         <a:rPr lang="zh-TW" sz="1600" b="0" kern="100" smtClean="0">
@@ -9956,15 +9941,7 @@
                           <a:latin typeface="+mn-lt"/>
                           <a:ea typeface="標楷體" panose="03000509000000000000" pitchFamily="65" charset="-120"/>
                         </a:rPr>
-                        <a:t>每個子類一</a:t>
-                      </a:r>
-                      <a:r>
-                        <a:rPr lang="zh-TW" sz="1600" b="0" kern="100">
-                          <a:effectLst/>
-                          <a:latin typeface="+mn-lt"/>
-                          <a:ea typeface="標楷體" panose="03000509000000000000" pitchFamily="65" charset="-120"/>
-                        </a:rPr>
-                        <a:t>張</a:t>
+                        <a:t>每個子類一張</a:t>
                       </a:r>
                       <a:r>
                         <a:rPr lang="zh-TW" sz="1600" b="0" kern="100" smtClean="0">
@@ -9980,23 +9957,7 @@
                           <a:latin typeface="+mn-lt"/>
                           <a:ea typeface="標楷體" panose="03000509000000000000" pitchFamily="65" charset="-120"/>
                         </a:rPr>
-                        <a:t>(</a:t>
-                      </a:r>
-                      <a:r>
-                        <a:rPr lang="en-US" altLang="zh-TW" sz="1600" b="0" kern="100" smtClean="0">
-                          <a:effectLst/>
-                          <a:latin typeface="+mn-lt"/>
-                          <a:ea typeface="標楷體" panose="03000509000000000000" pitchFamily="65" charset="-120"/>
-                        </a:rPr>
-                        <a:t>joined-subclass</a:t>
-                      </a:r>
-                      <a:r>
-                        <a:rPr lang="en-US" altLang="zh-TW" sz="1600" b="0" kern="100" smtClean="0">
-                          <a:effectLst/>
-                          <a:latin typeface="+mn-lt"/>
-                          <a:ea typeface="標楷體" panose="03000509000000000000" pitchFamily="65" charset="-120"/>
-                        </a:rPr>
-                        <a:t>)</a:t>
+                        <a:t>(joined-subclass)</a:t>
                       </a:r>
                       <a:endParaRPr lang="zh-TW" sz="1600" b="0" kern="100">
                         <a:effectLst/>
@@ -11127,6 +11088,36 @@
 </p:sld>
 </file>
 
+<file path=ppt/slides/slide15.xml><?xml version="1.0" encoding="utf-8"?>
+<p:sld xmlns:a="http://schemas.openxmlformats.org/drawingml/2006/main" xmlns:r="http://schemas.openxmlformats.org/officeDocument/2006/relationships" xmlns:p="http://schemas.openxmlformats.org/presentationml/2006/main">
+  <p:cSld>
+    <p:spTree>
+      <p:nvGrpSpPr>
+        <p:cNvPr id="1" name=""/>
+        <p:cNvGrpSpPr/>
+        <p:nvPr/>
+      </p:nvGrpSpPr>
+      <p:grpSpPr>
+        <a:xfrm>
+          <a:off x="0" y="0"/>
+          <a:ext cx="0" cy="0"/>
+          <a:chOff x="0" y="0"/>
+          <a:chExt cx="0" cy="0"/>
+        </a:xfrm>
+      </p:grpSpPr>
+    </p:spTree>
+    <p:extLst>
+      <p:ext uri="{BB962C8B-B14F-4D97-AF65-F5344CB8AC3E}">
+        <p14:creationId xmlns:p14="http://schemas.microsoft.com/office/powerpoint/2010/main" val="2713706318"/>
+      </p:ext>
+    </p:extLst>
+  </p:cSld>
+  <p:clrMapOvr>
+    <a:masterClrMapping/>
+  </p:clrMapOvr>
+</p:sld>
+</file>
+
 <file path=ppt/slides/slide2.xml><?xml version="1.0" encoding="utf-8"?>
 <p:sld xmlns:a="http://schemas.openxmlformats.org/drawingml/2006/main" xmlns:r="http://schemas.openxmlformats.org/officeDocument/2006/relationships" xmlns:p="http://schemas.openxmlformats.org/presentationml/2006/main">
   <p:cSld>

--- a/流程圖.pptx
+++ b/流程圖.pptx
@@ -20,6 +20,7 @@
     <p:sldId id="268" r:id="rId14"/>
     <p:sldId id="270" r:id="rId15"/>
     <p:sldId id="271" r:id="rId16"/>
+    <p:sldId id="272" r:id="rId17"/>
   </p:sldIdLst>
   <p:sldSz cx="12192000" cy="6858000"/>
   <p:notesSz cx="6858000" cy="9144000"/>
@@ -319,7 +320,7 @@
           <a:p>
             <a:fld id="{A82C37CB-E071-4591-97EF-45EBE93349F3}" type="datetimeFigureOut">
               <a:rPr lang="zh-TW" altLang="en-US" smtClean="0"/>
-              <a:t>2020/5/5</a:t>
+              <a:t>2020/5/11</a:t>
             </a:fld>
             <a:endParaRPr lang="zh-TW" altLang="en-US"/>
           </a:p>
@@ -489,7 +490,7 @@
           <a:p>
             <a:fld id="{A82C37CB-E071-4591-97EF-45EBE93349F3}" type="datetimeFigureOut">
               <a:rPr lang="zh-TW" altLang="en-US" smtClean="0"/>
-              <a:t>2020/5/5</a:t>
+              <a:t>2020/5/11</a:t>
             </a:fld>
             <a:endParaRPr lang="zh-TW" altLang="en-US"/>
           </a:p>
@@ -669,7 +670,7 @@
           <a:p>
             <a:fld id="{A82C37CB-E071-4591-97EF-45EBE93349F3}" type="datetimeFigureOut">
               <a:rPr lang="zh-TW" altLang="en-US" smtClean="0"/>
-              <a:t>2020/5/5</a:t>
+              <a:t>2020/5/11</a:t>
             </a:fld>
             <a:endParaRPr lang="zh-TW" altLang="en-US"/>
           </a:p>
@@ -839,7 +840,7 @@
           <a:p>
             <a:fld id="{A82C37CB-E071-4591-97EF-45EBE93349F3}" type="datetimeFigureOut">
               <a:rPr lang="zh-TW" altLang="en-US" smtClean="0"/>
-              <a:t>2020/5/5</a:t>
+              <a:t>2020/5/11</a:t>
             </a:fld>
             <a:endParaRPr lang="zh-TW" altLang="en-US"/>
           </a:p>
@@ -1085,7 +1086,7 @@
           <a:p>
             <a:fld id="{A82C37CB-E071-4591-97EF-45EBE93349F3}" type="datetimeFigureOut">
               <a:rPr lang="zh-TW" altLang="en-US" smtClean="0"/>
-              <a:t>2020/5/5</a:t>
+              <a:t>2020/5/11</a:t>
             </a:fld>
             <a:endParaRPr lang="zh-TW" altLang="en-US"/>
           </a:p>
@@ -1317,7 +1318,7 @@
           <a:p>
             <a:fld id="{A82C37CB-E071-4591-97EF-45EBE93349F3}" type="datetimeFigureOut">
               <a:rPr lang="zh-TW" altLang="en-US" smtClean="0"/>
-              <a:t>2020/5/5</a:t>
+              <a:t>2020/5/11</a:t>
             </a:fld>
             <a:endParaRPr lang="zh-TW" altLang="en-US"/>
           </a:p>
@@ -1684,7 +1685,7 @@
           <a:p>
             <a:fld id="{A82C37CB-E071-4591-97EF-45EBE93349F3}" type="datetimeFigureOut">
               <a:rPr lang="zh-TW" altLang="en-US" smtClean="0"/>
-              <a:t>2020/5/5</a:t>
+              <a:t>2020/5/11</a:t>
             </a:fld>
             <a:endParaRPr lang="zh-TW" altLang="en-US"/>
           </a:p>
@@ -1802,7 +1803,7 @@
           <a:p>
             <a:fld id="{A82C37CB-E071-4591-97EF-45EBE93349F3}" type="datetimeFigureOut">
               <a:rPr lang="zh-TW" altLang="en-US" smtClean="0"/>
-              <a:t>2020/5/5</a:t>
+              <a:t>2020/5/11</a:t>
             </a:fld>
             <a:endParaRPr lang="zh-TW" altLang="en-US"/>
           </a:p>
@@ -1897,7 +1898,7 @@
           <a:p>
             <a:fld id="{A82C37CB-E071-4591-97EF-45EBE93349F3}" type="datetimeFigureOut">
               <a:rPr lang="zh-TW" altLang="en-US" smtClean="0"/>
-              <a:t>2020/5/5</a:t>
+              <a:t>2020/5/11</a:t>
             </a:fld>
             <a:endParaRPr lang="zh-TW" altLang="en-US"/>
           </a:p>
@@ -2174,7 +2175,7 @@
           <a:p>
             <a:fld id="{A82C37CB-E071-4591-97EF-45EBE93349F3}" type="datetimeFigureOut">
               <a:rPr lang="zh-TW" altLang="en-US" smtClean="0"/>
-              <a:t>2020/5/5</a:t>
+              <a:t>2020/5/11</a:t>
             </a:fld>
             <a:endParaRPr lang="zh-TW" altLang="en-US"/>
           </a:p>
@@ -2427,7 +2428,7 @@
           <a:p>
             <a:fld id="{A82C37CB-E071-4591-97EF-45EBE93349F3}" type="datetimeFigureOut">
               <a:rPr lang="zh-TW" altLang="en-US" smtClean="0"/>
-              <a:t>2020/5/5</a:t>
+              <a:t>2020/5/11</a:t>
             </a:fld>
             <a:endParaRPr lang="zh-TW" altLang="en-US"/>
           </a:p>
@@ -2640,7 +2641,7 @@
           <a:p>
             <a:fld id="{A82C37CB-E071-4591-97EF-45EBE93349F3}" type="datetimeFigureOut">
               <a:rPr lang="zh-TW" altLang="en-US" smtClean="0"/>
-              <a:t>2020/5/5</a:t>
+              <a:t>2020/5/11</a:t>
             </a:fld>
             <a:endParaRPr lang="zh-TW" altLang="en-US"/>
           </a:p>
@@ -11105,10 +11106,1635 @@
           <a:chExt cx="0" cy="0"/>
         </a:xfrm>
       </p:grpSpPr>
+      <p:graphicFrame>
+        <p:nvGraphicFramePr>
+          <p:cNvPr id="5" name="表格 4"/>
+          <p:cNvGraphicFramePr>
+            <a:graphicFrameLocks noGrp="1"/>
+          </p:cNvGraphicFramePr>
+          <p:nvPr>
+            <p:extLst>
+              <p:ext uri="{D42A27DB-BD31-4B8C-83A1-F6EECF244321}">
+                <p14:modId xmlns:p14="http://schemas.microsoft.com/office/powerpoint/2010/main" val="3294705054"/>
+              </p:ext>
+            </p:extLst>
+          </p:nvPr>
+        </p:nvGraphicFramePr>
+        <p:xfrm>
+          <a:off x="914404" y="1261638"/>
+          <a:ext cx="10208867" cy="5278058"/>
+        </p:xfrm>
+        <a:graphic>
+          <a:graphicData uri="http://schemas.openxmlformats.org/drawingml/2006/table">
+            <a:tbl>
+              <a:tblPr firstRow="1" firstCol="1" bandRow="1">
+                <a:tableStyleId>{93296810-A885-4BE3-A3E7-6D5BEEA58F35}</a:tableStyleId>
+              </a:tblPr>
+              <a:tblGrid>
+                <a:gridCol w="2092817"/>
+                <a:gridCol w="3132081"/>
+                <a:gridCol w="4983969"/>
+              </a:tblGrid>
+              <a:tr h="306729">
+                <a:tc>
+                  <a:txBody>
+                    <a:bodyPr/>
+                    <a:lstStyle/>
+                    <a:p>
+                      <a:pPr algn="ctr">
+                        <a:spcAft>
+                          <a:spcPts val="0"/>
+                        </a:spcAft>
+                      </a:pPr>
+                      <a:r>
+                        <a:rPr lang="zh-TW" sz="1800" kern="100">
+                          <a:effectLst/>
+                          <a:latin typeface="Malgun Gothic" panose="020B0503020000020004" pitchFamily="34" charset="-127"/>
+                          <a:ea typeface="Malgun Gothic" panose="020B0503020000020004" pitchFamily="34" charset="-127"/>
+                          <a:cs typeface="Arial Unicode MS" panose="020B0604020202020204" pitchFamily="34" charset="-120"/>
+                        </a:rPr>
+                        <a:t>表達式含義</a:t>
+                      </a:r>
+                    </a:p>
+                  </a:txBody>
+                  <a:tcPr marL="68580" marR="68580" marT="0" marB="0" anchor="ctr"/>
+                </a:tc>
+                <a:tc>
+                  <a:txBody>
+                    <a:bodyPr/>
+                    <a:lstStyle/>
+                    <a:p>
+                      <a:pPr algn="ctr">
+                        <a:spcAft>
+                          <a:spcPts val="0"/>
+                        </a:spcAft>
+                      </a:pPr>
+                      <a:r>
+                        <a:rPr lang="en-US" sz="1800" kern="100">
+                          <a:effectLst/>
+                          <a:latin typeface="Malgun Gothic" panose="020B0503020000020004" pitchFamily="34" charset="-127"/>
+                          <a:ea typeface="Malgun Gothic" panose="020B0503020000020004" pitchFamily="34" charset="-127"/>
+                          <a:cs typeface="Arial Unicode MS" panose="020B0604020202020204" pitchFamily="34" charset="-120"/>
+                        </a:rPr>
+                        <a:t>HQL</a:t>
+                      </a:r>
+                      <a:endParaRPr lang="zh-TW" sz="1800" kern="100">
+                        <a:effectLst/>
+                        <a:latin typeface="Malgun Gothic" panose="020B0503020000020004" pitchFamily="34" charset="-127"/>
+                        <a:ea typeface="Malgun Gothic" panose="020B0503020000020004" pitchFamily="34" charset="-127"/>
+                        <a:cs typeface="Arial Unicode MS" panose="020B0604020202020204" pitchFamily="34" charset="-120"/>
+                      </a:endParaRPr>
+                    </a:p>
+                  </a:txBody>
+                  <a:tcPr marL="68580" marR="68580" marT="0" marB="0" anchor="ctr"/>
+                </a:tc>
+                <a:tc>
+                  <a:txBody>
+                    <a:bodyPr/>
+                    <a:lstStyle/>
+                    <a:p>
+                      <a:pPr algn="ctr">
+                        <a:spcAft>
+                          <a:spcPts val="0"/>
+                        </a:spcAft>
+                      </a:pPr>
+                      <a:r>
+                        <a:rPr lang="en-US" sz="1800" kern="100">
+                          <a:effectLst/>
+                          <a:latin typeface="Malgun Gothic" panose="020B0503020000020004" pitchFamily="34" charset="-127"/>
+                          <a:ea typeface="Malgun Gothic" panose="020B0503020000020004" pitchFamily="34" charset="-127"/>
+                          <a:cs typeface="Arial Unicode MS" panose="020B0604020202020204" pitchFamily="34" charset="-120"/>
+                        </a:rPr>
+                        <a:t>QBC</a:t>
+                      </a:r>
+                      <a:endParaRPr lang="zh-TW" sz="1800" kern="100">
+                        <a:effectLst/>
+                        <a:latin typeface="Malgun Gothic" panose="020B0503020000020004" pitchFamily="34" charset="-127"/>
+                        <a:ea typeface="Malgun Gothic" panose="020B0503020000020004" pitchFamily="34" charset="-127"/>
+                        <a:cs typeface="Arial Unicode MS" panose="020B0604020202020204" pitchFamily="34" charset="-120"/>
+                      </a:endParaRPr>
+                    </a:p>
+                  </a:txBody>
+                  <a:tcPr marL="68580" marR="68580" marT="0" marB="0" anchor="ctr"/>
+                </a:tc>
+              </a:tr>
+              <a:tr h="306729">
+                <a:tc>
+                  <a:txBody>
+                    <a:bodyPr/>
+                    <a:lstStyle/>
+                    <a:p>
+                      <a:pPr algn="ctr">
+                        <a:spcAft>
+                          <a:spcPts val="0"/>
+                        </a:spcAft>
+                      </a:pPr>
+                      <a:r>
+                        <a:rPr lang="zh-TW" sz="1800" kern="100">
+                          <a:effectLst/>
+                          <a:latin typeface="Malgun Gothic" panose="020B0503020000020004" pitchFamily="34" charset="-127"/>
+                          <a:ea typeface="Malgun Gothic" panose="020B0503020000020004" pitchFamily="34" charset="-127"/>
+                          <a:cs typeface="Arial Unicode MS" panose="020B0604020202020204" pitchFamily="34" charset="-120"/>
+                        </a:rPr>
+                        <a:t>大於等於</a:t>
+                      </a:r>
+                    </a:p>
+                  </a:txBody>
+                  <a:tcPr marL="68580" marR="68580" marT="0" marB="0" anchor="ctr"/>
+                </a:tc>
+                <a:tc>
+                  <a:txBody>
+                    <a:bodyPr/>
+                    <a:lstStyle/>
+                    <a:p>
+                      <a:pPr algn="ctr">
+                        <a:spcAft>
+                          <a:spcPts val="0"/>
+                        </a:spcAft>
+                      </a:pPr>
+                      <a:r>
+                        <a:rPr lang="en-US" sz="1800" kern="100">
+                          <a:effectLst/>
+                          <a:latin typeface="Arial Unicode MS" panose="020B0604020202020204" pitchFamily="34" charset="-120"/>
+                          <a:ea typeface="Arial Unicode MS" panose="020B0604020202020204" pitchFamily="34" charset="-120"/>
+                          <a:cs typeface="Arial Unicode MS" panose="020B0604020202020204" pitchFamily="34" charset="-120"/>
+                        </a:rPr>
+                        <a:t>&gt;=</a:t>
+                      </a:r>
+                      <a:endParaRPr lang="zh-TW" sz="1800" kern="100">
+                        <a:effectLst/>
+                        <a:latin typeface="Arial Unicode MS" panose="020B0604020202020204" pitchFamily="34" charset="-120"/>
+                        <a:ea typeface="Arial Unicode MS" panose="020B0604020202020204" pitchFamily="34" charset="-120"/>
+                        <a:cs typeface="Arial Unicode MS" panose="020B0604020202020204" pitchFamily="34" charset="-120"/>
+                      </a:endParaRPr>
+                    </a:p>
+                  </a:txBody>
+                  <a:tcPr marL="68580" marR="68580" marT="0" marB="0" anchor="ctr"/>
+                </a:tc>
+                <a:tc>
+                  <a:txBody>
+                    <a:bodyPr/>
+                    <a:lstStyle/>
+                    <a:p>
+                      <a:pPr algn="l">
+                        <a:spcAft>
+                          <a:spcPts val="0"/>
+                        </a:spcAft>
+                      </a:pPr>
+                      <a:r>
+                        <a:rPr lang="en-US" sz="1800" kern="100">
+                          <a:effectLst/>
+                          <a:latin typeface="Arial Unicode MS" panose="020B0604020202020204" pitchFamily="34" charset="-120"/>
+                          <a:ea typeface="Arial Unicode MS" panose="020B0604020202020204" pitchFamily="34" charset="-120"/>
+                          <a:cs typeface="Arial Unicode MS" panose="020B0604020202020204" pitchFamily="34" charset="-120"/>
+                        </a:rPr>
+                        <a:t>Restrictions.ge()</a:t>
+                      </a:r>
+                      <a:endParaRPr lang="zh-TW" sz="1800" kern="100">
+                        <a:effectLst/>
+                        <a:latin typeface="Arial Unicode MS" panose="020B0604020202020204" pitchFamily="34" charset="-120"/>
+                        <a:ea typeface="Arial Unicode MS" panose="020B0604020202020204" pitchFamily="34" charset="-120"/>
+                        <a:cs typeface="Arial Unicode MS" panose="020B0604020202020204" pitchFamily="34" charset="-120"/>
+                      </a:endParaRPr>
+                    </a:p>
+                  </a:txBody>
+                  <a:tcPr marL="68580" marR="68580" marT="0" marB="0" anchor="ctr"/>
+                </a:tc>
+              </a:tr>
+              <a:tr h="306729">
+                <a:tc>
+                  <a:txBody>
+                    <a:bodyPr/>
+                    <a:lstStyle/>
+                    <a:p>
+                      <a:pPr algn="ctr">
+                        <a:spcAft>
+                          <a:spcPts val="0"/>
+                        </a:spcAft>
+                      </a:pPr>
+                      <a:r>
+                        <a:rPr lang="zh-TW" sz="1800" kern="100">
+                          <a:effectLst/>
+                          <a:latin typeface="Malgun Gothic" panose="020B0503020000020004" pitchFamily="34" charset="-127"/>
+                          <a:ea typeface="Malgun Gothic" panose="020B0503020000020004" pitchFamily="34" charset="-127"/>
+                          <a:cs typeface="Arial Unicode MS" panose="020B0604020202020204" pitchFamily="34" charset="-120"/>
+                        </a:rPr>
+                        <a:t>大於</a:t>
+                      </a:r>
+                    </a:p>
+                  </a:txBody>
+                  <a:tcPr marL="68580" marR="68580" marT="0" marB="0" anchor="ctr"/>
+                </a:tc>
+                <a:tc>
+                  <a:txBody>
+                    <a:bodyPr/>
+                    <a:lstStyle/>
+                    <a:p>
+                      <a:pPr algn="ctr">
+                        <a:spcAft>
+                          <a:spcPts val="0"/>
+                        </a:spcAft>
+                      </a:pPr>
+                      <a:r>
+                        <a:rPr lang="en-US" sz="1800" kern="100">
+                          <a:effectLst/>
+                          <a:latin typeface="Arial Unicode MS" panose="020B0604020202020204" pitchFamily="34" charset="-120"/>
+                          <a:ea typeface="Arial Unicode MS" panose="020B0604020202020204" pitchFamily="34" charset="-120"/>
+                          <a:cs typeface="Arial Unicode MS" panose="020B0604020202020204" pitchFamily="34" charset="-120"/>
+                        </a:rPr>
+                        <a:t>&gt; </a:t>
+                      </a:r>
+                      <a:endParaRPr lang="zh-TW" sz="1800" kern="100">
+                        <a:effectLst/>
+                        <a:latin typeface="Arial Unicode MS" panose="020B0604020202020204" pitchFamily="34" charset="-120"/>
+                        <a:ea typeface="Arial Unicode MS" panose="020B0604020202020204" pitchFamily="34" charset="-120"/>
+                        <a:cs typeface="Arial Unicode MS" panose="020B0604020202020204" pitchFamily="34" charset="-120"/>
+                      </a:endParaRPr>
+                    </a:p>
+                  </a:txBody>
+                  <a:tcPr marL="68580" marR="68580" marT="0" marB="0" anchor="ctr"/>
+                </a:tc>
+                <a:tc>
+                  <a:txBody>
+                    <a:bodyPr/>
+                    <a:lstStyle/>
+                    <a:p>
+                      <a:pPr algn="l">
+                        <a:spcAft>
+                          <a:spcPts val="0"/>
+                        </a:spcAft>
+                      </a:pPr>
+                      <a:r>
+                        <a:rPr lang="en-US" sz="1800" kern="100">
+                          <a:effectLst/>
+                          <a:latin typeface="Arial Unicode MS" panose="020B0604020202020204" pitchFamily="34" charset="-120"/>
+                          <a:ea typeface="Arial Unicode MS" panose="020B0604020202020204" pitchFamily="34" charset="-120"/>
+                          <a:cs typeface="Arial Unicode MS" panose="020B0604020202020204" pitchFamily="34" charset="-120"/>
+                        </a:rPr>
+                        <a:t>Restrictions.gt()</a:t>
+                      </a:r>
+                      <a:endParaRPr lang="zh-TW" sz="1800" kern="100">
+                        <a:effectLst/>
+                        <a:latin typeface="Arial Unicode MS" panose="020B0604020202020204" pitchFamily="34" charset="-120"/>
+                        <a:ea typeface="Arial Unicode MS" panose="020B0604020202020204" pitchFamily="34" charset="-120"/>
+                        <a:cs typeface="Arial Unicode MS" panose="020B0604020202020204" pitchFamily="34" charset="-120"/>
+                      </a:endParaRPr>
+                    </a:p>
+                  </a:txBody>
+                  <a:tcPr marL="68580" marR="68580" marT="0" marB="0" anchor="ctr"/>
+                </a:tc>
+              </a:tr>
+              <a:tr h="306729">
+                <a:tc>
+                  <a:txBody>
+                    <a:bodyPr/>
+                    <a:lstStyle/>
+                    <a:p>
+                      <a:pPr algn="ctr">
+                        <a:spcAft>
+                          <a:spcPts val="0"/>
+                        </a:spcAft>
+                      </a:pPr>
+                      <a:r>
+                        <a:rPr lang="zh-TW" sz="1800" kern="100">
+                          <a:effectLst/>
+                          <a:latin typeface="Malgun Gothic" panose="020B0503020000020004" pitchFamily="34" charset="-127"/>
+                          <a:ea typeface="Malgun Gothic" panose="020B0503020000020004" pitchFamily="34" charset="-127"/>
+                          <a:cs typeface="Arial Unicode MS" panose="020B0604020202020204" pitchFamily="34" charset="-120"/>
+                        </a:rPr>
+                        <a:t>小於等於</a:t>
+                      </a:r>
+                    </a:p>
+                  </a:txBody>
+                  <a:tcPr marL="68580" marR="68580" marT="0" marB="0" anchor="ctr"/>
+                </a:tc>
+                <a:tc>
+                  <a:txBody>
+                    <a:bodyPr/>
+                    <a:lstStyle/>
+                    <a:p>
+                      <a:pPr algn="ctr">
+                        <a:spcAft>
+                          <a:spcPts val="0"/>
+                        </a:spcAft>
+                      </a:pPr>
+                      <a:r>
+                        <a:rPr lang="en-US" sz="1800" kern="100">
+                          <a:effectLst/>
+                          <a:latin typeface="Arial Unicode MS" panose="020B0604020202020204" pitchFamily="34" charset="-120"/>
+                          <a:ea typeface="Arial Unicode MS" panose="020B0604020202020204" pitchFamily="34" charset="-120"/>
+                          <a:cs typeface="Arial Unicode MS" panose="020B0604020202020204" pitchFamily="34" charset="-120"/>
+                        </a:rPr>
+                        <a:t>&lt;=</a:t>
+                      </a:r>
+                      <a:endParaRPr lang="zh-TW" sz="1800" kern="100">
+                        <a:effectLst/>
+                        <a:latin typeface="Arial Unicode MS" panose="020B0604020202020204" pitchFamily="34" charset="-120"/>
+                        <a:ea typeface="Arial Unicode MS" panose="020B0604020202020204" pitchFamily="34" charset="-120"/>
+                        <a:cs typeface="Arial Unicode MS" panose="020B0604020202020204" pitchFamily="34" charset="-120"/>
+                      </a:endParaRPr>
+                    </a:p>
+                  </a:txBody>
+                  <a:tcPr marL="68580" marR="68580" marT="0" marB="0" anchor="ctr"/>
+                </a:tc>
+                <a:tc>
+                  <a:txBody>
+                    <a:bodyPr/>
+                    <a:lstStyle/>
+                    <a:p>
+                      <a:pPr algn="l">
+                        <a:spcAft>
+                          <a:spcPts val="0"/>
+                        </a:spcAft>
+                      </a:pPr>
+                      <a:r>
+                        <a:rPr lang="en-US" sz="1800" kern="100">
+                          <a:effectLst/>
+                          <a:latin typeface="Arial Unicode MS" panose="020B0604020202020204" pitchFamily="34" charset="-120"/>
+                          <a:ea typeface="Arial Unicode MS" panose="020B0604020202020204" pitchFamily="34" charset="-120"/>
+                          <a:cs typeface="Arial Unicode MS" panose="020B0604020202020204" pitchFamily="34" charset="-120"/>
+                        </a:rPr>
+                        <a:t>Restrictions.le()</a:t>
+                      </a:r>
+                      <a:endParaRPr lang="zh-TW" sz="1800" kern="100">
+                        <a:effectLst/>
+                        <a:latin typeface="Arial Unicode MS" panose="020B0604020202020204" pitchFamily="34" charset="-120"/>
+                        <a:ea typeface="Arial Unicode MS" panose="020B0604020202020204" pitchFamily="34" charset="-120"/>
+                        <a:cs typeface="Arial Unicode MS" panose="020B0604020202020204" pitchFamily="34" charset="-120"/>
+                      </a:endParaRPr>
+                    </a:p>
+                  </a:txBody>
+                  <a:tcPr marL="68580" marR="68580" marT="0" marB="0" anchor="ctr"/>
+                </a:tc>
+              </a:tr>
+              <a:tr h="306729">
+                <a:tc>
+                  <a:txBody>
+                    <a:bodyPr/>
+                    <a:lstStyle/>
+                    <a:p>
+                      <a:pPr algn="ctr">
+                        <a:spcAft>
+                          <a:spcPts val="0"/>
+                        </a:spcAft>
+                      </a:pPr>
+                      <a:r>
+                        <a:rPr lang="zh-TW" sz="1800" kern="100">
+                          <a:effectLst/>
+                          <a:latin typeface="Malgun Gothic" panose="020B0503020000020004" pitchFamily="34" charset="-127"/>
+                          <a:ea typeface="Malgun Gothic" panose="020B0503020000020004" pitchFamily="34" charset="-127"/>
+                          <a:cs typeface="Arial Unicode MS" panose="020B0604020202020204" pitchFamily="34" charset="-120"/>
+                        </a:rPr>
+                        <a:t>小於</a:t>
+                      </a:r>
+                    </a:p>
+                  </a:txBody>
+                  <a:tcPr marL="68580" marR="68580" marT="0" marB="0" anchor="ctr"/>
+                </a:tc>
+                <a:tc>
+                  <a:txBody>
+                    <a:bodyPr/>
+                    <a:lstStyle/>
+                    <a:p>
+                      <a:pPr algn="ctr">
+                        <a:spcAft>
+                          <a:spcPts val="0"/>
+                        </a:spcAft>
+                      </a:pPr>
+                      <a:r>
+                        <a:rPr lang="en-US" sz="1800" kern="100">
+                          <a:effectLst/>
+                          <a:latin typeface="Arial Unicode MS" panose="020B0604020202020204" pitchFamily="34" charset="-120"/>
+                          <a:ea typeface="Arial Unicode MS" panose="020B0604020202020204" pitchFamily="34" charset="-120"/>
+                          <a:cs typeface="Arial Unicode MS" panose="020B0604020202020204" pitchFamily="34" charset="-120"/>
+                        </a:rPr>
+                        <a:t>&lt; </a:t>
+                      </a:r>
+                      <a:endParaRPr lang="zh-TW" sz="1800" kern="100">
+                        <a:effectLst/>
+                        <a:latin typeface="Arial Unicode MS" panose="020B0604020202020204" pitchFamily="34" charset="-120"/>
+                        <a:ea typeface="Arial Unicode MS" panose="020B0604020202020204" pitchFamily="34" charset="-120"/>
+                        <a:cs typeface="Arial Unicode MS" panose="020B0604020202020204" pitchFamily="34" charset="-120"/>
+                      </a:endParaRPr>
+                    </a:p>
+                  </a:txBody>
+                  <a:tcPr marL="68580" marR="68580" marT="0" marB="0" anchor="ctr"/>
+                </a:tc>
+                <a:tc>
+                  <a:txBody>
+                    <a:bodyPr/>
+                    <a:lstStyle/>
+                    <a:p>
+                      <a:pPr algn="l">
+                        <a:spcAft>
+                          <a:spcPts val="0"/>
+                        </a:spcAft>
+                      </a:pPr>
+                      <a:r>
+                        <a:rPr lang="en-US" sz="1800" kern="100">
+                          <a:effectLst/>
+                          <a:latin typeface="Arial Unicode MS" panose="020B0604020202020204" pitchFamily="34" charset="-120"/>
+                          <a:ea typeface="Arial Unicode MS" panose="020B0604020202020204" pitchFamily="34" charset="-120"/>
+                          <a:cs typeface="Arial Unicode MS" panose="020B0604020202020204" pitchFamily="34" charset="-120"/>
+                        </a:rPr>
+                        <a:t>Restrictions.lt()</a:t>
+                      </a:r>
+                      <a:endParaRPr lang="zh-TW" sz="1800" kern="100">
+                        <a:effectLst/>
+                        <a:latin typeface="Arial Unicode MS" panose="020B0604020202020204" pitchFamily="34" charset="-120"/>
+                        <a:ea typeface="Arial Unicode MS" panose="020B0604020202020204" pitchFamily="34" charset="-120"/>
+                        <a:cs typeface="Arial Unicode MS" panose="020B0604020202020204" pitchFamily="34" charset="-120"/>
+                      </a:endParaRPr>
+                    </a:p>
+                  </a:txBody>
+                  <a:tcPr marL="68580" marR="68580" marT="0" marB="0" anchor="ctr"/>
+                </a:tc>
+              </a:tr>
+              <a:tr h="306729">
+                <a:tc>
+                  <a:txBody>
+                    <a:bodyPr/>
+                    <a:lstStyle/>
+                    <a:p>
+                      <a:pPr algn="ctr">
+                        <a:spcAft>
+                          <a:spcPts val="0"/>
+                        </a:spcAft>
+                      </a:pPr>
+                      <a:r>
+                        <a:rPr lang="zh-TW" sz="1800" kern="100">
+                          <a:effectLst/>
+                          <a:latin typeface="Malgun Gothic" panose="020B0503020000020004" pitchFamily="34" charset="-127"/>
+                          <a:ea typeface="Malgun Gothic" panose="020B0503020000020004" pitchFamily="34" charset="-127"/>
+                          <a:cs typeface="Arial Unicode MS" panose="020B0604020202020204" pitchFamily="34" charset="-120"/>
+                        </a:rPr>
+                        <a:t>等於</a:t>
+                      </a:r>
+                    </a:p>
+                  </a:txBody>
+                  <a:tcPr marL="68580" marR="68580" marT="0" marB="0" anchor="ctr"/>
+                </a:tc>
+                <a:tc>
+                  <a:txBody>
+                    <a:bodyPr/>
+                    <a:lstStyle/>
+                    <a:p>
+                      <a:pPr algn="ctr">
+                        <a:spcAft>
+                          <a:spcPts val="0"/>
+                        </a:spcAft>
+                      </a:pPr>
+                      <a:r>
+                        <a:rPr lang="en-US" sz="1800" kern="100">
+                          <a:effectLst/>
+                          <a:latin typeface="Arial Unicode MS" panose="020B0604020202020204" pitchFamily="34" charset="-120"/>
+                          <a:ea typeface="Arial Unicode MS" panose="020B0604020202020204" pitchFamily="34" charset="-120"/>
+                          <a:cs typeface="Arial Unicode MS" panose="020B0604020202020204" pitchFamily="34" charset="-120"/>
+                        </a:rPr>
+                        <a:t>=</a:t>
+                      </a:r>
+                      <a:endParaRPr lang="zh-TW" sz="1800" kern="100">
+                        <a:effectLst/>
+                        <a:latin typeface="Arial Unicode MS" panose="020B0604020202020204" pitchFamily="34" charset="-120"/>
+                        <a:ea typeface="Arial Unicode MS" panose="020B0604020202020204" pitchFamily="34" charset="-120"/>
+                        <a:cs typeface="Arial Unicode MS" panose="020B0604020202020204" pitchFamily="34" charset="-120"/>
+                      </a:endParaRPr>
+                    </a:p>
+                  </a:txBody>
+                  <a:tcPr marL="68580" marR="68580" marT="0" marB="0" anchor="ctr"/>
+                </a:tc>
+                <a:tc>
+                  <a:txBody>
+                    <a:bodyPr/>
+                    <a:lstStyle/>
+                    <a:p>
+                      <a:pPr algn="l">
+                        <a:spcAft>
+                          <a:spcPts val="0"/>
+                        </a:spcAft>
+                      </a:pPr>
+                      <a:r>
+                        <a:rPr lang="en-US" sz="1800" kern="100">
+                          <a:effectLst/>
+                          <a:latin typeface="Arial Unicode MS" panose="020B0604020202020204" pitchFamily="34" charset="-120"/>
+                          <a:ea typeface="Arial Unicode MS" panose="020B0604020202020204" pitchFamily="34" charset="-120"/>
+                          <a:cs typeface="Arial Unicode MS" panose="020B0604020202020204" pitchFamily="34" charset="-120"/>
+                        </a:rPr>
+                        <a:t>Restrictions.eq()</a:t>
+                      </a:r>
+                      <a:endParaRPr lang="zh-TW" sz="1800" kern="100">
+                        <a:effectLst/>
+                        <a:latin typeface="Arial Unicode MS" panose="020B0604020202020204" pitchFamily="34" charset="-120"/>
+                        <a:ea typeface="Arial Unicode MS" panose="020B0604020202020204" pitchFamily="34" charset="-120"/>
+                        <a:cs typeface="Arial Unicode MS" panose="020B0604020202020204" pitchFamily="34" charset="-120"/>
+                      </a:endParaRPr>
+                    </a:p>
+                  </a:txBody>
+                  <a:tcPr marL="68580" marR="68580" marT="0" marB="0" anchor="ctr"/>
+                </a:tc>
+              </a:tr>
+              <a:tr h="370394">
+                <a:tc>
+                  <a:txBody>
+                    <a:bodyPr/>
+                    <a:lstStyle/>
+                    <a:p>
+                      <a:pPr algn="ctr">
+                        <a:spcAft>
+                          <a:spcPts val="0"/>
+                        </a:spcAft>
+                      </a:pPr>
+                      <a:r>
+                        <a:rPr lang="zh-TW" sz="1800" kern="100">
+                          <a:effectLst/>
+                          <a:latin typeface="Malgun Gothic" panose="020B0503020000020004" pitchFamily="34" charset="-127"/>
+                          <a:ea typeface="Malgun Gothic" panose="020B0503020000020004" pitchFamily="34" charset="-127"/>
+                          <a:cs typeface="Arial Unicode MS" panose="020B0604020202020204" pitchFamily="34" charset="-120"/>
+                        </a:rPr>
+                        <a:t>不等於</a:t>
+                      </a:r>
+                    </a:p>
+                  </a:txBody>
+                  <a:tcPr marL="68580" marR="68580" marT="0" marB="0" anchor="ctr"/>
+                </a:tc>
+                <a:tc>
+                  <a:txBody>
+                    <a:bodyPr/>
+                    <a:lstStyle/>
+                    <a:p>
+                      <a:pPr algn="ctr">
+                        <a:spcAft>
+                          <a:spcPts val="0"/>
+                        </a:spcAft>
+                      </a:pPr>
+                      <a:r>
+                        <a:rPr lang="en-US" sz="1800" kern="100">
+                          <a:effectLst/>
+                          <a:latin typeface="Arial Unicode MS" panose="020B0604020202020204" pitchFamily="34" charset="-120"/>
+                          <a:ea typeface="Arial Unicode MS" panose="020B0604020202020204" pitchFamily="34" charset="-120"/>
+                          <a:cs typeface="Arial Unicode MS" panose="020B0604020202020204" pitchFamily="34" charset="-120"/>
+                        </a:rPr>
+                        <a:t>&lt;&gt;</a:t>
+                      </a:r>
+                      <a:r>
+                        <a:rPr lang="zh-TW" sz="1800" kern="100">
+                          <a:effectLst/>
+                          <a:latin typeface="Arial Unicode MS" panose="020B0604020202020204" pitchFamily="34" charset="-120"/>
+                          <a:ea typeface="Arial Unicode MS" panose="020B0604020202020204" pitchFamily="34" charset="-120"/>
+                          <a:cs typeface="Arial Unicode MS" panose="020B0604020202020204" pitchFamily="34" charset="-120"/>
+                        </a:rPr>
+                        <a:t>或者</a:t>
+                      </a:r>
+                      <a:r>
+                        <a:rPr lang="en-US" sz="1800" kern="100">
+                          <a:effectLst/>
+                          <a:latin typeface="Arial Unicode MS" panose="020B0604020202020204" pitchFamily="34" charset="-120"/>
+                          <a:ea typeface="Arial Unicode MS" panose="020B0604020202020204" pitchFamily="34" charset="-120"/>
+                          <a:cs typeface="Arial Unicode MS" panose="020B0604020202020204" pitchFamily="34" charset="-120"/>
+                        </a:rPr>
+                        <a:t>!=</a:t>
+                      </a:r>
+                      <a:endParaRPr lang="zh-TW" sz="1800" kern="100">
+                        <a:effectLst/>
+                        <a:latin typeface="Arial Unicode MS" panose="020B0604020202020204" pitchFamily="34" charset="-120"/>
+                        <a:ea typeface="Arial Unicode MS" panose="020B0604020202020204" pitchFamily="34" charset="-120"/>
+                        <a:cs typeface="Arial Unicode MS" panose="020B0604020202020204" pitchFamily="34" charset="-120"/>
+                      </a:endParaRPr>
+                    </a:p>
+                  </a:txBody>
+                  <a:tcPr marL="68580" marR="68580" marT="0" marB="0" anchor="ctr"/>
+                </a:tc>
+                <a:tc>
+                  <a:txBody>
+                    <a:bodyPr/>
+                    <a:lstStyle/>
+                    <a:p>
+                      <a:pPr algn="l">
+                        <a:spcAft>
+                          <a:spcPts val="0"/>
+                        </a:spcAft>
+                      </a:pPr>
+                      <a:r>
+                        <a:rPr lang="en-US" sz="1800" kern="100">
+                          <a:effectLst/>
+                          <a:latin typeface="Arial Unicode MS" panose="020B0604020202020204" pitchFamily="34" charset="-120"/>
+                          <a:ea typeface="Arial Unicode MS" panose="020B0604020202020204" pitchFamily="34" charset="-120"/>
+                          <a:cs typeface="Arial Unicode MS" panose="020B0604020202020204" pitchFamily="34" charset="-120"/>
+                        </a:rPr>
+                        <a:t>Restrictions.ne() </a:t>
+                      </a:r>
+                      <a:endParaRPr lang="zh-TW" sz="1800" kern="100">
+                        <a:effectLst/>
+                        <a:latin typeface="Arial Unicode MS" panose="020B0604020202020204" pitchFamily="34" charset="-120"/>
+                        <a:ea typeface="Arial Unicode MS" panose="020B0604020202020204" pitchFamily="34" charset="-120"/>
+                        <a:cs typeface="Arial Unicode MS" panose="020B0604020202020204" pitchFamily="34" charset="-120"/>
+                      </a:endParaRPr>
+                    </a:p>
+                  </a:txBody>
+                  <a:tcPr marL="68580" marR="68580" marT="0" marB="0" anchor="ctr"/>
+                </a:tc>
+              </a:tr>
+              <a:tr h="306729">
+                <a:tc>
+                  <a:txBody>
+                    <a:bodyPr/>
+                    <a:lstStyle/>
+                    <a:p>
+                      <a:pPr algn="ctr">
+                        <a:spcAft>
+                          <a:spcPts val="0"/>
+                        </a:spcAft>
+                      </a:pPr>
+                      <a:r>
+                        <a:rPr lang="zh-TW" sz="1800" kern="100">
+                          <a:effectLst/>
+                          <a:latin typeface="Malgun Gothic" panose="020B0503020000020004" pitchFamily="34" charset="-127"/>
+                          <a:ea typeface="Malgun Gothic" panose="020B0503020000020004" pitchFamily="34" charset="-127"/>
+                          <a:cs typeface="Arial Unicode MS" panose="020B0604020202020204" pitchFamily="34" charset="-120"/>
+                        </a:rPr>
+                        <a:t>為空</a:t>
+                      </a:r>
+                    </a:p>
+                  </a:txBody>
+                  <a:tcPr marL="68580" marR="68580" marT="0" marB="0" anchor="ctr"/>
+                </a:tc>
+                <a:tc>
+                  <a:txBody>
+                    <a:bodyPr/>
+                    <a:lstStyle/>
+                    <a:p>
+                      <a:pPr algn="ctr">
+                        <a:spcAft>
+                          <a:spcPts val="0"/>
+                        </a:spcAft>
+                      </a:pPr>
+                      <a:r>
+                        <a:rPr lang="en-US" sz="1800" kern="100">
+                          <a:effectLst/>
+                          <a:latin typeface="Arial Unicode MS" panose="020B0604020202020204" pitchFamily="34" charset="-120"/>
+                          <a:ea typeface="Arial Unicode MS" panose="020B0604020202020204" pitchFamily="34" charset="-120"/>
+                          <a:cs typeface="Arial Unicode MS" panose="020B0604020202020204" pitchFamily="34" charset="-120"/>
+                        </a:rPr>
+                        <a:t>is null</a:t>
+                      </a:r>
+                      <a:endParaRPr lang="zh-TW" sz="1800" kern="100">
+                        <a:effectLst/>
+                        <a:latin typeface="Arial Unicode MS" panose="020B0604020202020204" pitchFamily="34" charset="-120"/>
+                        <a:ea typeface="Arial Unicode MS" panose="020B0604020202020204" pitchFamily="34" charset="-120"/>
+                        <a:cs typeface="Arial Unicode MS" panose="020B0604020202020204" pitchFamily="34" charset="-120"/>
+                      </a:endParaRPr>
+                    </a:p>
+                  </a:txBody>
+                  <a:tcPr marL="68580" marR="68580" marT="0" marB="0" anchor="ctr"/>
+                </a:tc>
+                <a:tc>
+                  <a:txBody>
+                    <a:bodyPr/>
+                    <a:lstStyle/>
+                    <a:p>
+                      <a:pPr algn="l">
+                        <a:spcAft>
+                          <a:spcPts val="0"/>
+                        </a:spcAft>
+                      </a:pPr>
+                      <a:r>
+                        <a:rPr lang="en-US" sz="1800" kern="100">
+                          <a:effectLst/>
+                          <a:latin typeface="Arial Unicode MS" panose="020B0604020202020204" pitchFamily="34" charset="-120"/>
+                          <a:ea typeface="Arial Unicode MS" panose="020B0604020202020204" pitchFamily="34" charset="-120"/>
+                          <a:cs typeface="Arial Unicode MS" panose="020B0604020202020204" pitchFamily="34" charset="-120"/>
+                        </a:rPr>
+                        <a:t>Restrictions.isNull()</a:t>
+                      </a:r>
+                      <a:endParaRPr lang="zh-TW" sz="1800" kern="100">
+                        <a:effectLst/>
+                        <a:latin typeface="Arial Unicode MS" panose="020B0604020202020204" pitchFamily="34" charset="-120"/>
+                        <a:ea typeface="Arial Unicode MS" panose="020B0604020202020204" pitchFamily="34" charset="-120"/>
+                        <a:cs typeface="Arial Unicode MS" panose="020B0604020202020204" pitchFamily="34" charset="-120"/>
+                      </a:endParaRPr>
+                    </a:p>
+                  </a:txBody>
+                  <a:tcPr marL="68580" marR="68580" marT="0" marB="0" anchor="ctr"/>
+                </a:tc>
+              </a:tr>
+              <a:tr h="306729">
+                <a:tc>
+                  <a:txBody>
+                    <a:bodyPr/>
+                    <a:lstStyle/>
+                    <a:p>
+                      <a:pPr algn="ctr">
+                        <a:spcAft>
+                          <a:spcPts val="0"/>
+                        </a:spcAft>
+                      </a:pPr>
+                      <a:r>
+                        <a:rPr lang="zh-TW" sz="1800" kern="100">
+                          <a:effectLst/>
+                          <a:latin typeface="Malgun Gothic" panose="020B0503020000020004" pitchFamily="34" charset="-127"/>
+                          <a:ea typeface="Malgun Gothic" panose="020B0503020000020004" pitchFamily="34" charset="-127"/>
+                          <a:cs typeface="Arial Unicode MS" panose="020B0604020202020204" pitchFamily="34" charset="-120"/>
+                        </a:rPr>
+                        <a:t>不為空</a:t>
+                      </a:r>
+                    </a:p>
+                  </a:txBody>
+                  <a:tcPr marL="68580" marR="68580" marT="0" marB="0" anchor="ctr"/>
+                </a:tc>
+                <a:tc>
+                  <a:txBody>
+                    <a:bodyPr/>
+                    <a:lstStyle/>
+                    <a:p>
+                      <a:pPr algn="ctr">
+                        <a:spcAft>
+                          <a:spcPts val="0"/>
+                        </a:spcAft>
+                      </a:pPr>
+                      <a:r>
+                        <a:rPr lang="en-US" sz="1800" kern="100">
+                          <a:effectLst/>
+                          <a:latin typeface="Arial Unicode MS" panose="020B0604020202020204" pitchFamily="34" charset="-120"/>
+                          <a:ea typeface="Arial Unicode MS" panose="020B0604020202020204" pitchFamily="34" charset="-120"/>
+                          <a:cs typeface="Arial Unicode MS" panose="020B0604020202020204" pitchFamily="34" charset="-120"/>
+                        </a:rPr>
+                        <a:t>is notnull</a:t>
+                      </a:r>
+                      <a:endParaRPr lang="zh-TW" sz="1800" kern="100">
+                        <a:effectLst/>
+                        <a:latin typeface="Arial Unicode MS" panose="020B0604020202020204" pitchFamily="34" charset="-120"/>
+                        <a:ea typeface="Arial Unicode MS" panose="020B0604020202020204" pitchFamily="34" charset="-120"/>
+                        <a:cs typeface="Arial Unicode MS" panose="020B0604020202020204" pitchFamily="34" charset="-120"/>
+                      </a:endParaRPr>
+                    </a:p>
+                  </a:txBody>
+                  <a:tcPr marL="68580" marR="68580" marT="0" marB="0" anchor="ctr"/>
+                </a:tc>
+                <a:tc>
+                  <a:txBody>
+                    <a:bodyPr/>
+                    <a:lstStyle/>
+                    <a:p>
+                      <a:pPr algn="l">
+                        <a:spcAft>
+                          <a:spcPts val="0"/>
+                        </a:spcAft>
+                      </a:pPr>
+                      <a:r>
+                        <a:rPr lang="en-US" sz="1800" kern="100">
+                          <a:effectLst/>
+                          <a:latin typeface="Arial Unicode MS" panose="020B0604020202020204" pitchFamily="34" charset="-120"/>
+                          <a:ea typeface="Arial Unicode MS" panose="020B0604020202020204" pitchFamily="34" charset="-120"/>
+                          <a:cs typeface="Arial Unicode MS" panose="020B0604020202020204" pitchFamily="34" charset="-120"/>
+                        </a:rPr>
+                        <a:t>Restrictions.isNotNull()</a:t>
+                      </a:r>
+                      <a:endParaRPr lang="zh-TW" sz="1800" kern="100">
+                        <a:effectLst/>
+                        <a:latin typeface="Arial Unicode MS" panose="020B0604020202020204" pitchFamily="34" charset="-120"/>
+                        <a:ea typeface="Arial Unicode MS" panose="020B0604020202020204" pitchFamily="34" charset="-120"/>
+                        <a:cs typeface="Arial Unicode MS" panose="020B0604020202020204" pitchFamily="34" charset="-120"/>
+                      </a:endParaRPr>
+                    </a:p>
+                  </a:txBody>
+                  <a:tcPr marL="68580" marR="68580" marT="0" marB="0" anchor="ctr"/>
+                </a:tc>
+              </a:tr>
+              <a:tr h="306729">
+                <a:tc>
+                  <a:txBody>
+                    <a:bodyPr/>
+                    <a:lstStyle/>
+                    <a:p>
+                      <a:pPr algn="ctr">
+                        <a:spcAft>
+                          <a:spcPts val="0"/>
+                        </a:spcAft>
+                      </a:pPr>
+                      <a:r>
+                        <a:rPr lang="zh-TW" sz="1800" kern="100">
+                          <a:effectLst/>
+                          <a:latin typeface="Malgun Gothic" panose="020B0503020000020004" pitchFamily="34" charset="-127"/>
+                          <a:ea typeface="Malgun Gothic" panose="020B0503020000020004" pitchFamily="34" charset="-127"/>
+                          <a:cs typeface="Arial Unicode MS" panose="020B0604020202020204" pitchFamily="34" charset="-120"/>
+                        </a:rPr>
+                        <a:t>在指定范圍內</a:t>
+                      </a:r>
+                    </a:p>
+                  </a:txBody>
+                  <a:tcPr marL="68580" marR="68580" marT="0" marB="0" anchor="ctr"/>
+                </a:tc>
+                <a:tc>
+                  <a:txBody>
+                    <a:bodyPr/>
+                    <a:lstStyle/>
+                    <a:p>
+                      <a:pPr algn="ctr">
+                        <a:spcAft>
+                          <a:spcPts val="0"/>
+                        </a:spcAft>
+                      </a:pPr>
+                      <a:r>
+                        <a:rPr lang="en-US" sz="1800" kern="100">
+                          <a:effectLst/>
+                          <a:latin typeface="Arial Unicode MS" panose="020B0604020202020204" pitchFamily="34" charset="-120"/>
+                          <a:ea typeface="Arial Unicode MS" panose="020B0604020202020204" pitchFamily="34" charset="-120"/>
+                          <a:cs typeface="Arial Unicode MS" panose="020B0604020202020204" pitchFamily="34" charset="-120"/>
+                        </a:rPr>
+                        <a:t>betweenand</a:t>
+                      </a:r>
+                      <a:endParaRPr lang="zh-TW" sz="1800" kern="100">
+                        <a:effectLst/>
+                        <a:latin typeface="Arial Unicode MS" panose="020B0604020202020204" pitchFamily="34" charset="-120"/>
+                        <a:ea typeface="Arial Unicode MS" panose="020B0604020202020204" pitchFamily="34" charset="-120"/>
+                        <a:cs typeface="Arial Unicode MS" panose="020B0604020202020204" pitchFamily="34" charset="-120"/>
+                      </a:endParaRPr>
+                    </a:p>
+                  </a:txBody>
+                  <a:tcPr marL="68580" marR="68580" marT="0" marB="0" anchor="ctr"/>
+                </a:tc>
+                <a:tc>
+                  <a:txBody>
+                    <a:bodyPr/>
+                    <a:lstStyle/>
+                    <a:p>
+                      <a:pPr algn="l">
+                        <a:spcAft>
+                          <a:spcPts val="0"/>
+                        </a:spcAft>
+                      </a:pPr>
+                      <a:r>
+                        <a:rPr lang="en-US" sz="1800" kern="100">
+                          <a:effectLst/>
+                          <a:latin typeface="Arial Unicode MS" panose="020B0604020202020204" pitchFamily="34" charset="-120"/>
+                          <a:ea typeface="Arial Unicode MS" panose="020B0604020202020204" pitchFamily="34" charset="-120"/>
+                          <a:cs typeface="Arial Unicode MS" panose="020B0604020202020204" pitchFamily="34" charset="-120"/>
+                        </a:rPr>
+                        <a:t>Restrictions.between()</a:t>
+                      </a:r>
+                      <a:endParaRPr lang="zh-TW" sz="1800" kern="100">
+                        <a:effectLst/>
+                        <a:latin typeface="Arial Unicode MS" panose="020B0604020202020204" pitchFamily="34" charset="-120"/>
+                        <a:ea typeface="Arial Unicode MS" panose="020B0604020202020204" pitchFamily="34" charset="-120"/>
+                        <a:cs typeface="Arial Unicode MS" panose="020B0604020202020204" pitchFamily="34" charset="-120"/>
+                      </a:endParaRPr>
+                    </a:p>
+                  </a:txBody>
+                  <a:tcPr marL="68580" marR="68580" marT="0" marB="0" anchor="ctr"/>
+                </a:tc>
+              </a:tr>
+              <a:tr h="306729">
+                <a:tc>
+                  <a:txBody>
+                    <a:bodyPr/>
+                    <a:lstStyle/>
+                    <a:p>
+                      <a:pPr algn="ctr">
+                        <a:spcAft>
+                          <a:spcPts val="0"/>
+                        </a:spcAft>
+                      </a:pPr>
+                      <a:r>
+                        <a:rPr lang="zh-TW" sz="1800" kern="100">
+                          <a:effectLst/>
+                          <a:latin typeface="Malgun Gothic" panose="020B0503020000020004" pitchFamily="34" charset="-127"/>
+                          <a:ea typeface="Malgun Gothic" panose="020B0503020000020004" pitchFamily="34" charset="-127"/>
+                          <a:cs typeface="Arial Unicode MS" panose="020B0604020202020204" pitchFamily="34" charset="-120"/>
+                        </a:rPr>
+                        <a:t>不在指定范圍</a:t>
+                      </a:r>
+                    </a:p>
+                  </a:txBody>
+                  <a:tcPr marL="68580" marR="68580" marT="0" marB="0" anchor="ctr"/>
+                </a:tc>
+                <a:tc>
+                  <a:txBody>
+                    <a:bodyPr/>
+                    <a:lstStyle/>
+                    <a:p>
+                      <a:pPr algn="ctr">
+                        <a:spcAft>
+                          <a:spcPts val="0"/>
+                        </a:spcAft>
+                      </a:pPr>
+                      <a:r>
+                        <a:rPr lang="en-US" sz="1800" kern="100">
+                          <a:effectLst/>
+                          <a:latin typeface="Arial Unicode MS" panose="020B0604020202020204" pitchFamily="34" charset="-120"/>
+                          <a:ea typeface="Arial Unicode MS" panose="020B0604020202020204" pitchFamily="34" charset="-120"/>
+                          <a:cs typeface="Arial Unicode MS" panose="020B0604020202020204" pitchFamily="34" charset="-120"/>
+                        </a:rPr>
+                        <a:t>not betweenand</a:t>
+                      </a:r>
+                      <a:endParaRPr lang="zh-TW" sz="1800" kern="100">
+                        <a:effectLst/>
+                        <a:latin typeface="Arial Unicode MS" panose="020B0604020202020204" pitchFamily="34" charset="-120"/>
+                        <a:ea typeface="Arial Unicode MS" panose="020B0604020202020204" pitchFamily="34" charset="-120"/>
+                        <a:cs typeface="Arial Unicode MS" panose="020B0604020202020204" pitchFamily="34" charset="-120"/>
+                      </a:endParaRPr>
+                    </a:p>
+                  </a:txBody>
+                  <a:tcPr marL="68580" marR="68580" marT="0" marB="0" anchor="ctr"/>
+                </a:tc>
+                <a:tc>
+                  <a:txBody>
+                    <a:bodyPr/>
+                    <a:lstStyle/>
+                    <a:p>
+                      <a:pPr algn="l">
+                        <a:spcAft>
+                          <a:spcPts val="0"/>
+                        </a:spcAft>
+                      </a:pPr>
+                      <a:r>
+                        <a:rPr lang="en-US" sz="1800" kern="100">
+                          <a:effectLst/>
+                          <a:latin typeface="Arial Unicode MS" panose="020B0604020202020204" pitchFamily="34" charset="-120"/>
+                          <a:ea typeface="Arial Unicode MS" panose="020B0604020202020204" pitchFamily="34" charset="-120"/>
+                          <a:cs typeface="Arial Unicode MS" panose="020B0604020202020204" pitchFamily="34" charset="-120"/>
+                        </a:rPr>
+                        <a:t>Restrictions.not(Restrictions.between())</a:t>
+                      </a:r>
+                      <a:endParaRPr lang="zh-TW" sz="1800" kern="100">
+                        <a:effectLst/>
+                        <a:latin typeface="Arial Unicode MS" panose="020B0604020202020204" pitchFamily="34" charset="-120"/>
+                        <a:ea typeface="Arial Unicode MS" panose="020B0604020202020204" pitchFamily="34" charset="-120"/>
+                        <a:cs typeface="Arial Unicode MS" panose="020B0604020202020204" pitchFamily="34" charset="-120"/>
+                      </a:endParaRPr>
+                    </a:p>
+                  </a:txBody>
+                  <a:tcPr marL="68580" marR="68580" marT="0" marB="0" anchor="ctr"/>
+                </a:tc>
+              </a:tr>
+              <a:tr h="306729">
+                <a:tc>
+                  <a:txBody>
+                    <a:bodyPr/>
+                    <a:lstStyle/>
+                    <a:p>
+                      <a:pPr algn="ctr">
+                        <a:spcAft>
+                          <a:spcPts val="0"/>
+                        </a:spcAft>
+                      </a:pPr>
+                      <a:r>
+                        <a:rPr lang="zh-TW" sz="1800" kern="100">
+                          <a:effectLst/>
+                          <a:latin typeface="Malgun Gothic" panose="020B0503020000020004" pitchFamily="34" charset="-127"/>
+                          <a:ea typeface="Malgun Gothic" panose="020B0503020000020004" pitchFamily="34" charset="-127"/>
+                          <a:cs typeface="Arial Unicode MS" panose="020B0604020202020204" pitchFamily="34" charset="-120"/>
+                        </a:rPr>
+                        <a:t>屬於某個集合</a:t>
+                      </a:r>
+                    </a:p>
+                  </a:txBody>
+                  <a:tcPr marL="68580" marR="68580" marT="0" marB="0" anchor="ctr"/>
+                </a:tc>
+                <a:tc>
+                  <a:txBody>
+                    <a:bodyPr/>
+                    <a:lstStyle/>
+                    <a:p>
+                      <a:pPr algn="ctr">
+                        <a:spcAft>
+                          <a:spcPts val="0"/>
+                        </a:spcAft>
+                      </a:pPr>
+                      <a:r>
+                        <a:rPr lang="en-US" sz="1800" kern="100">
+                          <a:effectLst/>
+                          <a:latin typeface="Arial Unicode MS" panose="020B0604020202020204" pitchFamily="34" charset="-120"/>
+                          <a:ea typeface="Arial Unicode MS" panose="020B0604020202020204" pitchFamily="34" charset="-120"/>
+                          <a:cs typeface="Arial Unicode MS" panose="020B0604020202020204" pitchFamily="34" charset="-120"/>
+                        </a:rPr>
+                        <a:t>in</a:t>
+                      </a:r>
+                      <a:endParaRPr lang="zh-TW" sz="1800" kern="100">
+                        <a:effectLst/>
+                        <a:latin typeface="Arial Unicode MS" panose="020B0604020202020204" pitchFamily="34" charset="-120"/>
+                        <a:ea typeface="Arial Unicode MS" panose="020B0604020202020204" pitchFamily="34" charset="-120"/>
+                        <a:cs typeface="Arial Unicode MS" panose="020B0604020202020204" pitchFamily="34" charset="-120"/>
+                      </a:endParaRPr>
+                    </a:p>
+                  </a:txBody>
+                  <a:tcPr marL="68580" marR="68580" marT="0" marB="0" anchor="ctr"/>
+                </a:tc>
+                <a:tc>
+                  <a:txBody>
+                    <a:bodyPr/>
+                    <a:lstStyle/>
+                    <a:p>
+                      <a:pPr algn="l">
+                        <a:spcAft>
+                          <a:spcPts val="0"/>
+                        </a:spcAft>
+                      </a:pPr>
+                      <a:r>
+                        <a:rPr lang="en-US" sz="1800" kern="100">
+                          <a:effectLst/>
+                          <a:latin typeface="Arial Unicode MS" panose="020B0604020202020204" pitchFamily="34" charset="-120"/>
+                          <a:ea typeface="Arial Unicode MS" panose="020B0604020202020204" pitchFamily="34" charset="-120"/>
+                          <a:cs typeface="Arial Unicode MS" panose="020B0604020202020204" pitchFamily="34" charset="-120"/>
+                        </a:rPr>
+                        <a:t>Restrictions.in()</a:t>
+                      </a:r>
+                      <a:endParaRPr lang="zh-TW" sz="1800" kern="100">
+                        <a:effectLst/>
+                        <a:latin typeface="Arial Unicode MS" panose="020B0604020202020204" pitchFamily="34" charset="-120"/>
+                        <a:ea typeface="Arial Unicode MS" panose="020B0604020202020204" pitchFamily="34" charset="-120"/>
+                        <a:cs typeface="Arial Unicode MS" panose="020B0604020202020204" pitchFamily="34" charset="-120"/>
+                      </a:endParaRPr>
+                    </a:p>
+                  </a:txBody>
+                  <a:tcPr marL="68580" marR="68580" marT="0" marB="0" anchor="ctr"/>
+                </a:tc>
+              </a:tr>
+              <a:tr h="306729">
+                <a:tc>
+                  <a:txBody>
+                    <a:bodyPr/>
+                    <a:lstStyle/>
+                    <a:p>
+                      <a:pPr algn="ctr">
+                        <a:spcAft>
+                          <a:spcPts val="0"/>
+                        </a:spcAft>
+                      </a:pPr>
+                      <a:r>
+                        <a:rPr lang="zh-TW" sz="1800" kern="100">
+                          <a:effectLst/>
+                          <a:latin typeface="Malgun Gothic" panose="020B0503020000020004" pitchFamily="34" charset="-127"/>
+                          <a:ea typeface="Malgun Gothic" panose="020B0503020000020004" pitchFamily="34" charset="-127"/>
+                          <a:cs typeface="Arial Unicode MS" panose="020B0604020202020204" pitchFamily="34" charset="-120"/>
+                        </a:rPr>
+                        <a:t>不屬於某個集合</a:t>
+                      </a:r>
+                    </a:p>
+                  </a:txBody>
+                  <a:tcPr marL="68580" marR="68580" marT="0" marB="0" anchor="ctr"/>
+                </a:tc>
+                <a:tc>
+                  <a:txBody>
+                    <a:bodyPr/>
+                    <a:lstStyle/>
+                    <a:p>
+                      <a:pPr algn="ctr">
+                        <a:spcAft>
+                          <a:spcPts val="0"/>
+                        </a:spcAft>
+                      </a:pPr>
+                      <a:r>
+                        <a:rPr lang="en-US" sz="1800" kern="100">
+                          <a:effectLst/>
+                          <a:latin typeface="Arial Unicode MS" panose="020B0604020202020204" pitchFamily="34" charset="-120"/>
+                          <a:ea typeface="Arial Unicode MS" panose="020B0604020202020204" pitchFamily="34" charset="-120"/>
+                          <a:cs typeface="Arial Unicode MS" panose="020B0604020202020204" pitchFamily="34" charset="-120"/>
+                        </a:rPr>
+                        <a:t>notin</a:t>
+                      </a:r>
+                      <a:endParaRPr lang="zh-TW" sz="1800" kern="100">
+                        <a:effectLst/>
+                        <a:latin typeface="Arial Unicode MS" panose="020B0604020202020204" pitchFamily="34" charset="-120"/>
+                        <a:ea typeface="Arial Unicode MS" panose="020B0604020202020204" pitchFamily="34" charset="-120"/>
+                        <a:cs typeface="Arial Unicode MS" panose="020B0604020202020204" pitchFamily="34" charset="-120"/>
+                      </a:endParaRPr>
+                    </a:p>
+                  </a:txBody>
+                  <a:tcPr marL="68580" marR="68580" marT="0" marB="0" anchor="ctr"/>
+                </a:tc>
+                <a:tc>
+                  <a:txBody>
+                    <a:bodyPr/>
+                    <a:lstStyle/>
+                    <a:p>
+                      <a:pPr algn="l">
+                        <a:spcAft>
+                          <a:spcPts val="0"/>
+                        </a:spcAft>
+                      </a:pPr>
+                      <a:r>
+                        <a:rPr lang="en-US" sz="1800" kern="100">
+                          <a:effectLst/>
+                          <a:latin typeface="Arial Unicode MS" panose="020B0604020202020204" pitchFamily="34" charset="-120"/>
+                          <a:ea typeface="Arial Unicode MS" panose="020B0604020202020204" pitchFamily="34" charset="-120"/>
+                          <a:cs typeface="Arial Unicode MS" panose="020B0604020202020204" pitchFamily="34" charset="-120"/>
+                        </a:rPr>
+                        <a:t>Restrictions.not(Restrictions.in())</a:t>
+                      </a:r>
+                      <a:endParaRPr lang="zh-TW" sz="1800" kern="100">
+                        <a:effectLst/>
+                        <a:latin typeface="Arial Unicode MS" panose="020B0604020202020204" pitchFamily="34" charset="-120"/>
+                        <a:ea typeface="Arial Unicode MS" panose="020B0604020202020204" pitchFamily="34" charset="-120"/>
+                        <a:cs typeface="Arial Unicode MS" panose="020B0604020202020204" pitchFamily="34" charset="-120"/>
+                      </a:endParaRPr>
+                    </a:p>
+                  </a:txBody>
+                  <a:tcPr marL="68580" marR="68580" marT="0" marB="0" anchor="ctr"/>
+                </a:tc>
+              </a:tr>
+              <a:tr h="306729">
+                <a:tc>
+                  <a:txBody>
+                    <a:bodyPr/>
+                    <a:lstStyle/>
+                    <a:p>
+                      <a:pPr algn="ctr">
+                        <a:spcAft>
+                          <a:spcPts val="0"/>
+                        </a:spcAft>
+                      </a:pPr>
+                      <a:r>
+                        <a:rPr lang="zh-TW" sz="1800" kern="100">
+                          <a:effectLst/>
+                          <a:latin typeface="Malgun Gothic" panose="020B0503020000020004" pitchFamily="34" charset="-127"/>
+                          <a:ea typeface="Malgun Gothic" panose="020B0503020000020004" pitchFamily="34" charset="-127"/>
+                          <a:cs typeface="Arial Unicode MS" panose="020B0604020202020204" pitchFamily="34" charset="-120"/>
+                        </a:rPr>
+                        <a:t>與</a:t>
+                      </a:r>
+                    </a:p>
+                  </a:txBody>
+                  <a:tcPr marL="68580" marR="68580" marT="0" marB="0" anchor="ctr"/>
+                </a:tc>
+                <a:tc>
+                  <a:txBody>
+                    <a:bodyPr/>
+                    <a:lstStyle/>
+                    <a:p>
+                      <a:pPr algn="ctr">
+                        <a:spcAft>
+                          <a:spcPts val="0"/>
+                        </a:spcAft>
+                      </a:pPr>
+                      <a:r>
+                        <a:rPr lang="en-US" sz="1800" kern="100">
+                          <a:effectLst/>
+                          <a:latin typeface="Arial Unicode MS" panose="020B0604020202020204" pitchFamily="34" charset="-120"/>
+                          <a:ea typeface="Arial Unicode MS" panose="020B0604020202020204" pitchFamily="34" charset="-120"/>
+                          <a:cs typeface="Arial Unicode MS" panose="020B0604020202020204" pitchFamily="34" charset="-120"/>
+                        </a:rPr>
+                        <a:t>and</a:t>
+                      </a:r>
+                      <a:endParaRPr lang="zh-TW" sz="1800" kern="100">
+                        <a:effectLst/>
+                        <a:latin typeface="Arial Unicode MS" panose="020B0604020202020204" pitchFamily="34" charset="-120"/>
+                        <a:ea typeface="Arial Unicode MS" panose="020B0604020202020204" pitchFamily="34" charset="-120"/>
+                        <a:cs typeface="Arial Unicode MS" panose="020B0604020202020204" pitchFamily="34" charset="-120"/>
+                      </a:endParaRPr>
+                    </a:p>
+                  </a:txBody>
+                  <a:tcPr marL="68580" marR="68580" marT="0" marB="0" anchor="ctr"/>
+                </a:tc>
+                <a:tc>
+                  <a:txBody>
+                    <a:bodyPr/>
+                    <a:lstStyle/>
+                    <a:p>
+                      <a:pPr algn="l">
+                        <a:spcAft>
+                          <a:spcPts val="0"/>
+                        </a:spcAft>
+                      </a:pPr>
+                      <a:r>
+                        <a:rPr lang="en-US" sz="1800" kern="100">
+                          <a:effectLst/>
+                          <a:latin typeface="Arial Unicode MS" panose="020B0604020202020204" pitchFamily="34" charset="-120"/>
+                          <a:ea typeface="Arial Unicode MS" panose="020B0604020202020204" pitchFamily="34" charset="-120"/>
+                          <a:cs typeface="Arial Unicode MS" panose="020B0604020202020204" pitchFamily="34" charset="-120"/>
+                        </a:rPr>
+                        <a:t>Restrictions.and()</a:t>
+                      </a:r>
+                      <a:endParaRPr lang="zh-TW" sz="1800" kern="100">
+                        <a:effectLst/>
+                        <a:latin typeface="Arial Unicode MS" panose="020B0604020202020204" pitchFamily="34" charset="-120"/>
+                        <a:ea typeface="Arial Unicode MS" panose="020B0604020202020204" pitchFamily="34" charset="-120"/>
+                        <a:cs typeface="Arial Unicode MS" panose="020B0604020202020204" pitchFamily="34" charset="-120"/>
+                      </a:endParaRPr>
+                    </a:p>
+                  </a:txBody>
+                  <a:tcPr marL="68580" marR="68580" marT="0" marB="0" anchor="ctr"/>
+                </a:tc>
+              </a:tr>
+              <a:tr h="306729">
+                <a:tc>
+                  <a:txBody>
+                    <a:bodyPr/>
+                    <a:lstStyle/>
+                    <a:p>
+                      <a:pPr algn="ctr">
+                        <a:spcAft>
+                          <a:spcPts val="0"/>
+                        </a:spcAft>
+                      </a:pPr>
+                      <a:r>
+                        <a:rPr lang="zh-TW" sz="1800" kern="100">
+                          <a:effectLst/>
+                          <a:latin typeface="Malgun Gothic" panose="020B0503020000020004" pitchFamily="34" charset="-127"/>
+                          <a:ea typeface="Malgun Gothic" panose="020B0503020000020004" pitchFamily="34" charset="-127"/>
+                          <a:cs typeface="Arial Unicode MS" panose="020B0604020202020204" pitchFamily="34" charset="-120"/>
+                        </a:rPr>
+                        <a:t>或</a:t>
+                      </a:r>
+                    </a:p>
+                  </a:txBody>
+                  <a:tcPr marL="68580" marR="68580" marT="0" marB="0" anchor="ctr"/>
+                </a:tc>
+                <a:tc>
+                  <a:txBody>
+                    <a:bodyPr/>
+                    <a:lstStyle/>
+                    <a:p>
+                      <a:pPr algn="ctr">
+                        <a:spcAft>
+                          <a:spcPts val="0"/>
+                        </a:spcAft>
+                      </a:pPr>
+                      <a:r>
+                        <a:rPr lang="en-US" sz="1800" kern="100">
+                          <a:effectLst/>
+                          <a:latin typeface="Arial Unicode MS" panose="020B0604020202020204" pitchFamily="34" charset="-120"/>
+                          <a:ea typeface="Arial Unicode MS" panose="020B0604020202020204" pitchFamily="34" charset="-120"/>
+                          <a:cs typeface="Arial Unicode MS" panose="020B0604020202020204" pitchFamily="34" charset="-120"/>
+                        </a:rPr>
+                        <a:t>or</a:t>
+                      </a:r>
+                      <a:endParaRPr lang="zh-TW" sz="1800" kern="100">
+                        <a:effectLst/>
+                        <a:latin typeface="Arial Unicode MS" panose="020B0604020202020204" pitchFamily="34" charset="-120"/>
+                        <a:ea typeface="Arial Unicode MS" panose="020B0604020202020204" pitchFamily="34" charset="-120"/>
+                        <a:cs typeface="Arial Unicode MS" panose="020B0604020202020204" pitchFamily="34" charset="-120"/>
+                      </a:endParaRPr>
+                    </a:p>
+                  </a:txBody>
+                  <a:tcPr marL="68580" marR="68580" marT="0" marB="0" anchor="ctr"/>
+                </a:tc>
+                <a:tc>
+                  <a:txBody>
+                    <a:bodyPr/>
+                    <a:lstStyle/>
+                    <a:p>
+                      <a:pPr algn="l">
+                        <a:spcAft>
+                          <a:spcPts val="0"/>
+                        </a:spcAft>
+                      </a:pPr>
+                      <a:r>
+                        <a:rPr lang="en-US" sz="1800" kern="100">
+                          <a:effectLst/>
+                          <a:latin typeface="Arial Unicode MS" panose="020B0604020202020204" pitchFamily="34" charset="-120"/>
+                          <a:ea typeface="Arial Unicode MS" panose="020B0604020202020204" pitchFamily="34" charset="-120"/>
+                          <a:cs typeface="Arial Unicode MS" panose="020B0604020202020204" pitchFamily="34" charset="-120"/>
+                        </a:rPr>
+                        <a:t>Restrictions.or()</a:t>
+                      </a:r>
+                      <a:endParaRPr lang="zh-TW" sz="1800" kern="100">
+                        <a:effectLst/>
+                        <a:latin typeface="Arial Unicode MS" panose="020B0604020202020204" pitchFamily="34" charset="-120"/>
+                        <a:ea typeface="Arial Unicode MS" panose="020B0604020202020204" pitchFamily="34" charset="-120"/>
+                        <a:cs typeface="Arial Unicode MS" panose="020B0604020202020204" pitchFamily="34" charset="-120"/>
+                      </a:endParaRPr>
+                    </a:p>
+                  </a:txBody>
+                  <a:tcPr marL="68580" marR="68580" marT="0" marB="0" anchor="ctr"/>
+                </a:tc>
+              </a:tr>
+              <a:tr h="306729">
+                <a:tc>
+                  <a:txBody>
+                    <a:bodyPr/>
+                    <a:lstStyle/>
+                    <a:p>
+                      <a:pPr algn="ctr">
+                        <a:spcAft>
+                          <a:spcPts val="0"/>
+                        </a:spcAft>
+                      </a:pPr>
+                      <a:r>
+                        <a:rPr lang="zh-TW" sz="1800" kern="100">
+                          <a:effectLst/>
+                          <a:latin typeface="Malgun Gothic" panose="020B0503020000020004" pitchFamily="34" charset="-127"/>
+                          <a:ea typeface="Malgun Gothic" panose="020B0503020000020004" pitchFamily="34" charset="-127"/>
+                          <a:cs typeface="Arial Unicode MS" panose="020B0604020202020204" pitchFamily="34" charset="-120"/>
+                        </a:rPr>
+                        <a:t>非</a:t>
+                      </a:r>
+                    </a:p>
+                  </a:txBody>
+                  <a:tcPr marL="68580" marR="68580" marT="0" marB="0" anchor="ctr"/>
+                </a:tc>
+                <a:tc>
+                  <a:txBody>
+                    <a:bodyPr/>
+                    <a:lstStyle/>
+                    <a:p>
+                      <a:pPr algn="ctr">
+                        <a:spcAft>
+                          <a:spcPts val="0"/>
+                        </a:spcAft>
+                      </a:pPr>
+                      <a:r>
+                        <a:rPr lang="en-US" sz="1800" kern="100">
+                          <a:effectLst/>
+                          <a:latin typeface="Arial Unicode MS" panose="020B0604020202020204" pitchFamily="34" charset="-120"/>
+                          <a:ea typeface="Arial Unicode MS" panose="020B0604020202020204" pitchFamily="34" charset="-120"/>
+                          <a:cs typeface="Arial Unicode MS" panose="020B0604020202020204" pitchFamily="34" charset="-120"/>
+                        </a:rPr>
+                        <a:t>not</a:t>
+                      </a:r>
+                      <a:endParaRPr lang="zh-TW" sz="1800" kern="100">
+                        <a:effectLst/>
+                        <a:latin typeface="Arial Unicode MS" panose="020B0604020202020204" pitchFamily="34" charset="-120"/>
+                        <a:ea typeface="Arial Unicode MS" panose="020B0604020202020204" pitchFamily="34" charset="-120"/>
+                        <a:cs typeface="Arial Unicode MS" panose="020B0604020202020204" pitchFamily="34" charset="-120"/>
+                      </a:endParaRPr>
+                    </a:p>
+                  </a:txBody>
+                  <a:tcPr marL="68580" marR="68580" marT="0" marB="0" anchor="ctr"/>
+                </a:tc>
+                <a:tc>
+                  <a:txBody>
+                    <a:bodyPr/>
+                    <a:lstStyle/>
+                    <a:p>
+                      <a:pPr algn="l">
+                        <a:spcAft>
+                          <a:spcPts val="0"/>
+                        </a:spcAft>
+                      </a:pPr>
+                      <a:r>
+                        <a:rPr lang="en-US" sz="1800" kern="100">
+                          <a:effectLst/>
+                          <a:latin typeface="Arial Unicode MS" panose="020B0604020202020204" pitchFamily="34" charset="-120"/>
+                          <a:ea typeface="Arial Unicode MS" panose="020B0604020202020204" pitchFamily="34" charset="-120"/>
+                          <a:cs typeface="Arial Unicode MS" panose="020B0604020202020204" pitchFamily="34" charset="-120"/>
+                        </a:rPr>
+                        <a:t>Restrictions.not()</a:t>
+                      </a:r>
+                      <a:endParaRPr lang="zh-TW" sz="1800" kern="100">
+                        <a:effectLst/>
+                        <a:latin typeface="Arial Unicode MS" panose="020B0604020202020204" pitchFamily="34" charset="-120"/>
+                        <a:ea typeface="Arial Unicode MS" panose="020B0604020202020204" pitchFamily="34" charset="-120"/>
+                        <a:cs typeface="Arial Unicode MS" panose="020B0604020202020204" pitchFamily="34" charset="-120"/>
+                      </a:endParaRPr>
+                    </a:p>
+                  </a:txBody>
+                  <a:tcPr marL="68580" marR="68580" marT="0" marB="0" anchor="ctr"/>
+                </a:tc>
+              </a:tr>
+              <a:tr h="306729">
+                <a:tc>
+                  <a:txBody>
+                    <a:bodyPr/>
+                    <a:lstStyle/>
+                    <a:p>
+                      <a:pPr algn="ctr">
+                        <a:spcAft>
+                          <a:spcPts val="0"/>
+                        </a:spcAft>
+                      </a:pPr>
+                      <a:r>
+                        <a:rPr lang="zh-TW" sz="1800" kern="100">
+                          <a:effectLst/>
+                          <a:latin typeface="Malgun Gothic" panose="020B0503020000020004" pitchFamily="34" charset="-127"/>
+                          <a:ea typeface="Malgun Gothic" panose="020B0503020000020004" pitchFamily="34" charset="-127"/>
+                          <a:cs typeface="Arial Unicode MS" panose="020B0604020202020204" pitchFamily="34" charset="-120"/>
+                        </a:rPr>
+                        <a:t>模糊查詢</a:t>
+                      </a:r>
+                    </a:p>
+                  </a:txBody>
+                  <a:tcPr marL="68580" marR="68580" marT="0" marB="0" anchor="ctr"/>
+                </a:tc>
+                <a:tc>
+                  <a:txBody>
+                    <a:bodyPr/>
+                    <a:lstStyle/>
+                    <a:p>
+                      <a:pPr algn="ctr">
+                        <a:spcAft>
+                          <a:spcPts val="0"/>
+                        </a:spcAft>
+                      </a:pPr>
+                      <a:r>
+                        <a:rPr lang="en-US" sz="1800" kern="100">
+                          <a:effectLst/>
+                          <a:latin typeface="Arial Unicode MS" panose="020B0604020202020204" pitchFamily="34" charset="-120"/>
+                          <a:ea typeface="Arial Unicode MS" panose="020B0604020202020204" pitchFamily="34" charset="-120"/>
+                          <a:cs typeface="Arial Unicode MS" panose="020B0604020202020204" pitchFamily="34" charset="-120"/>
+                        </a:rPr>
+                        <a:t>like</a:t>
+                      </a:r>
+                      <a:endParaRPr lang="zh-TW" sz="1800" kern="100">
+                        <a:effectLst/>
+                        <a:latin typeface="Arial Unicode MS" panose="020B0604020202020204" pitchFamily="34" charset="-120"/>
+                        <a:ea typeface="Arial Unicode MS" panose="020B0604020202020204" pitchFamily="34" charset="-120"/>
+                        <a:cs typeface="Arial Unicode MS" panose="020B0604020202020204" pitchFamily="34" charset="-120"/>
+                      </a:endParaRPr>
+                    </a:p>
+                  </a:txBody>
+                  <a:tcPr marL="68580" marR="68580" marT="0" marB="0" anchor="ctr"/>
+                </a:tc>
+                <a:tc>
+                  <a:txBody>
+                    <a:bodyPr/>
+                    <a:lstStyle/>
+                    <a:p>
+                      <a:pPr algn="l">
+                        <a:spcAft>
+                          <a:spcPts val="0"/>
+                        </a:spcAft>
+                      </a:pPr>
+                      <a:r>
+                        <a:rPr lang="en-US" sz="1800" kern="100">
+                          <a:effectLst/>
+                          <a:latin typeface="Arial Unicode MS" panose="020B0604020202020204" pitchFamily="34" charset="-120"/>
+                          <a:ea typeface="Arial Unicode MS" panose="020B0604020202020204" pitchFamily="34" charset="-120"/>
+                          <a:cs typeface="Arial Unicode MS" panose="020B0604020202020204" pitchFamily="34" charset="-120"/>
+                        </a:rPr>
+                        <a:t>Restrictions.like</a:t>
+                      </a:r>
+                      <a:endParaRPr lang="zh-TW" sz="1800" kern="100">
+                        <a:effectLst/>
+                        <a:latin typeface="Arial Unicode MS" panose="020B0604020202020204" pitchFamily="34" charset="-120"/>
+                        <a:ea typeface="Arial Unicode MS" panose="020B0604020202020204" pitchFamily="34" charset="-120"/>
+                        <a:cs typeface="Arial Unicode MS" panose="020B0604020202020204" pitchFamily="34" charset="-120"/>
+                      </a:endParaRPr>
+                    </a:p>
+                  </a:txBody>
+                  <a:tcPr marL="68580" marR="68580" marT="0" marB="0" anchor="ctr"/>
+                </a:tc>
+              </a:tr>
+            </a:tbl>
+          </a:graphicData>
+        </a:graphic>
+      </p:graphicFrame>
+      <p:sp>
+        <p:nvSpPr>
+          <p:cNvPr id="6" name="標題 1"/>
+          <p:cNvSpPr>
+            <a:spLocks noGrp="1"/>
+          </p:cNvSpPr>
+          <p:nvPr>
+            <p:ph type="title"/>
+          </p:nvPr>
+        </p:nvSpPr>
+        <p:spPr>
+          <a:xfrm>
+            <a:off x="335669" y="523243"/>
+            <a:ext cx="5416950" cy="460606"/>
+          </a:xfrm>
+          <a:ln>
+            <a:solidFill>
+              <a:schemeClr val="tx1"/>
+            </a:solidFill>
+          </a:ln>
+        </p:spPr>
+        <p:txBody>
+          <a:bodyPr>
+            <a:noAutofit/>
+          </a:bodyPr>
+          <a:lstStyle/>
+          <a:p>
+            <a:r>
+              <a:rPr lang="zh-TW" altLang="zh-TW" sz="2000">
+                <a:latin typeface="Arial Unicode MS" panose="020B0604020202020204" pitchFamily="34" charset="-120"/>
+                <a:ea typeface="Arial Unicode MS" panose="020B0604020202020204" pitchFamily="34" charset="-120"/>
+                <a:cs typeface="Arial Unicode MS" panose="020B0604020202020204" pitchFamily="34" charset="-120"/>
+              </a:rPr>
+              <a:t>下面是就</a:t>
+            </a:r>
+            <a:r>
+              <a:rPr lang="en-US" altLang="zh-TW" sz="2000">
+                <a:latin typeface="Arial Unicode MS" panose="020B0604020202020204" pitchFamily="34" charset="-120"/>
+                <a:ea typeface="Arial Unicode MS" panose="020B0604020202020204" pitchFamily="34" charset="-120"/>
+                <a:cs typeface="Arial Unicode MS" panose="020B0604020202020204" pitchFamily="34" charset="-120"/>
+              </a:rPr>
+              <a:t>HQL</a:t>
+            </a:r>
+            <a:r>
+              <a:rPr lang="zh-TW" altLang="zh-TW" sz="2000">
+                <a:latin typeface="Arial Unicode MS" panose="020B0604020202020204" pitchFamily="34" charset="-120"/>
+                <a:ea typeface="Arial Unicode MS" panose="020B0604020202020204" pitchFamily="34" charset="-120"/>
+                <a:cs typeface="Arial Unicode MS" panose="020B0604020202020204" pitchFamily="34" charset="-120"/>
+              </a:rPr>
+              <a:t>和</a:t>
+            </a:r>
+            <a:r>
+              <a:rPr lang="en-US" altLang="zh-TW" sz="2000">
+                <a:latin typeface="Arial Unicode MS" panose="020B0604020202020204" pitchFamily="34" charset="-120"/>
+                <a:ea typeface="Arial Unicode MS" panose="020B0604020202020204" pitchFamily="34" charset="-120"/>
+                <a:cs typeface="Arial Unicode MS" panose="020B0604020202020204" pitchFamily="34" charset="-120"/>
+              </a:rPr>
+              <a:t>QBC</a:t>
+            </a:r>
+            <a:r>
+              <a:rPr lang="zh-TW" altLang="zh-TW" sz="2000">
+                <a:latin typeface="Arial Unicode MS" panose="020B0604020202020204" pitchFamily="34" charset="-120"/>
+                <a:ea typeface="Arial Unicode MS" panose="020B0604020202020204" pitchFamily="34" charset="-120"/>
+                <a:cs typeface="Arial Unicode MS" panose="020B0604020202020204" pitchFamily="34" charset="-120"/>
+              </a:rPr>
+              <a:t>常用的查詢條件做的比較</a:t>
+            </a:r>
+          </a:p>
+        </p:txBody>
+      </p:sp>
     </p:spTree>
     <p:extLst>
       <p:ext uri="{BB962C8B-B14F-4D97-AF65-F5344CB8AC3E}">
         <p14:creationId xmlns:p14="http://schemas.microsoft.com/office/powerpoint/2010/main" val="2713706318"/>
+      </p:ext>
+    </p:extLst>
+  </p:cSld>
+  <p:clrMapOvr>
+    <a:masterClrMapping/>
+  </p:clrMapOvr>
+</p:sld>
+</file>
+
+<file path=ppt/slides/slide16.xml><?xml version="1.0" encoding="utf-8"?>
+<p:sld xmlns:a="http://schemas.openxmlformats.org/drawingml/2006/main" xmlns:r="http://schemas.openxmlformats.org/officeDocument/2006/relationships" xmlns:p="http://schemas.openxmlformats.org/presentationml/2006/main">
+  <p:cSld>
+    <p:spTree>
+      <p:nvGrpSpPr>
+        <p:cNvPr id="1" name=""/>
+        <p:cNvGrpSpPr/>
+        <p:nvPr/>
+      </p:nvGrpSpPr>
+      <p:grpSpPr>
+        <a:xfrm>
+          <a:off x="0" y="0"/>
+          <a:ext cx="0" cy="0"/>
+          <a:chOff x="0" y="0"/>
+          <a:chExt cx="0" cy="0"/>
+        </a:xfrm>
+      </p:grpSpPr>
+      <p:sp>
+        <p:nvSpPr>
+          <p:cNvPr id="2" name="標題 1"/>
+          <p:cNvSpPr>
+            <a:spLocks noGrp="1"/>
+          </p:cNvSpPr>
+          <p:nvPr>
+            <p:ph type="title"/>
+          </p:nvPr>
+        </p:nvSpPr>
+        <p:spPr>
+          <a:xfrm>
+            <a:off x="2921643" y="156781"/>
+            <a:ext cx="6187633" cy="977538"/>
+          </a:xfrm>
+        </p:spPr>
+        <p:txBody>
+          <a:bodyPr>
+            <a:normAutofit/>
+          </a:bodyPr>
+          <a:lstStyle/>
+          <a:p>
+            <a:r>
+              <a:rPr lang="en-US" altLang="zh-TW" smtClean="0"/>
+              <a:t>Hibernate </a:t>
+            </a:r>
+            <a:r>
+              <a:rPr lang="zh-TW" altLang="en-US" smtClean="0"/>
+              <a:t>二級緩存結構</a:t>
+            </a:r>
+            <a:endParaRPr lang="zh-TW" altLang="en-US"/>
+          </a:p>
+        </p:txBody>
+      </p:sp>
+      <p:pic>
+        <p:nvPicPr>
+          <p:cNvPr id="4" name="圖片 3"/>
+          <p:cNvPicPr>
+            <a:picLocks noChangeAspect="1"/>
+          </p:cNvPicPr>
+          <p:nvPr/>
+        </p:nvPicPr>
+        <p:blipFill>
+          <a:blip r:embed="rId2"/>
+          <a:stretch>
+            <a:fillRect/>
+          </a:stretch>
+        </p:blipFill>
+        <p:spPr>
+          <a:xfrm>
+            <a:off x="2805895" y="1284790"/>
+            <a:ext cx="6419127" cy="5408904"/>
+          </a:xfrm>
+          <a:prstGeom prst="rect">
+            <a:avLst/>
+          </a:prstGeom>
+          <a:ln>
+            <a:solidFill>
+              <a:schemeClr val="tx1"/>
+            </a:solidFill>
+          </a:ln>
+        </p:spPr>
+      </p:pic>
+    </p:spTree>
+    <p:extLst>
+      <p:ext uri="{BB962C8B-B14F-4D97-AF65-F5344CB8AC3E}">
+        <p14:creationId xmlns:p14="http://schemas.microsoft.com/office/powerpoint/2010/main" val="4074827446"/>
       </p:ext>
     </p:extLst>
   </p:cSld>

--- a/流程圖.pptx
+++ b/流程圖.pptx
@@ -21,6 +21,8 @@
     <p:sldId id="270" r:id="rId15"/>
     <p:sldId id="271" r:id="rId16"/>
     <p:sldId id="272" r:id="rId17"/>
+    <p:sldId id="273" r:id="rId18"/>
+    <p:sldId id="274" r:id="rId19"/>
   </p:sldIdLst>
   <p:sldSz cx="12192000" cy="6858000"/>
   <p:notesSz cx="6858000" cy="9144000"/>
@@ -320,7 +322,7 @@
           <a:p>
             <a:fld id="{A82C37CB-E071-4591-97EF-45EBE93349F3}" type="datetimeFigureOut">
               <a:rPr lang="zh-TW" altLang="en-US" smtClean="0"/>
-              <a:t>2020/5/11</a:t>
+              <a:t>2020/5/22</a:t>
             </a:fld>
             <a:endParaRPr lang="zh-TW" altLang="en-US"/>
           </a:p>
@@ -490,7 +492,7 @@
           <a:p>
             <a:fld id="{A82C37CB-E071-4591-97EF-45EBE93349F3}" type="datetimeFigureOut">
               <a:rPr lang="zh-TW" altLang="en-US" smtClean="0"/>
-              <a:t>2020/5/11</a:t>
+              <a:t>2020/5/22</a:t>
             </a:fld>
             <a:endParaRPr lang="zh-TW" altLang="en-US"/>
           </a:p>
@@ -670,7 +672,7 @@
           <a:p>
             <a:fld id="{A82C37CB-E071-4591-97EF-45EBE93349F3}" type="datetimeFigureOut">
               <a:rPr lang="zh-TW" altLang="en-US" smtClean="0"/>
-              <a:t>2020/5/11</a:t>
+              <a:t>2020/5/22</a:t>
             </a:fld>
             <a:endParaRPr lang="zh-TW" altLang="en-US"/>
           </a:p>
@@ -840,7 +842,7 @@
           <a:p>
             <a:fld id="{A82C37CB-E071-4591-97EF-45EBE93349F3}" type="datetimeFigureOut">
               <a:rPr lang="zh-TW" altLang="en-US" smtClean="0"/>
-              <a:t>2020/5/11</a:t>
+              <a:t>2020/5/22</a:t>
             </a:fld>
             <a:endParaRPr lang="zh-TW" altLang="en-US"/>
           </a:p>
@@ -1086,7 +1088,7 @@
           <a:p>
             <a:fld id="{A82C37CB-E071-4591-97EF-45EBE93349F3}" type="datetimeFigureOut">
               <a:rPr lang="zh-TW" altLang="en-US" smtClean="0"/>
-              <a:t>2020/5/11</a:t>
+              <a:t>2020/5/22</a:t>
             </a:fld>
             <a:endParaRPr lang="zh-TW" altLang="en-US"/>
           </a:p>
@@ -1318,7 +1320,7 @@
           <a:p>
             <a:fld id="{A82C37CB-E071-4591-97EF-45EBE93349F3}" type="datetimeFigureOut">
               <a:rPr lang="zh-TW" altLang="en-US" smtClean="0"/>
-              <a:t>2020/5/11</a:t>
+              <a:t>2020/5/22</a:t>
             </a:fld>
             <a:endParaRPr lang="zh-TW" altLang="en-US"/>
           </a:p>
@@ -1685,7 +1687,7 @@
           <a:p>
             <a:fld id="{A82C37CB-E071-4591-97EF-45EBE93349F3}" type="datetimeFigureOut">
               <a:rPr lang="zh-TW" altLang="en-US" smtClean="0"/>
-              <a:t>2020/5/11</a:t>
+              <a:t>2020/5/22</a:t>
             </a:fld>
             <a:endParaRPr lang="zh-TW" altLang="en-US"/>
           </a:p>
@@ -1803,7 +1805,7 @@
           <a:p>
             <a:fld id="{A82C37CB-E071-4591-97EF-45EBE93349F3}" type="datetimeFigureOut">
               <a:rPr lang="zh-TW" altLang="en-US" smtClean="0"/>
-              <a:t>2020/5/11</a:t>
+              <a:t>2020/5/22</a:t>
             </a:fld>
             <a:endParaRPr lang="zh-TW" altLang="en-US"/>
           </a:p>
@@ -1898,7 +1900,7 @@
           <a:p>
             <a:fld id="{A82C37CB-E071-4591-97EF-45EBE93349F3}" type="datetimeFigureOut">
               <a:rPr lang="zh-TW" altLang="en-US" smtClean="0"/>
-              <a:t>2020/5/11</a:t>
+              <a:t>2020/5/22</a:t>
             </a:fld>
             <a:endParaRPr lang="zh-TW" altLang="en-US"/>
           </a:p>
@@ -2175,7 +2177,7 @@
           <a:p>
             <a:fld id="{A82C37CB-E071-4591-97EF-45EBE93349F3}" type="datetimeFigureOut">
               <a:rPr lang="zh-TW" altLang="en-US" smtClean="0"/>
-              <a:t>2020/5/11</a:t>
+              <a:t>2020/5/22</a:t>
             </a:fld>
             <a:endParaRPr lang="zh-TW" altLang="en-US"/>
           </a:p>
@@ -2428,7 +2430,7 @@
           <a:p>
             <a:fld id="{A82C37CB-E071-4591-97EF-45EBE93349F3}" type="datetimeFigureOut">
               <a:rPr lang="zh-TW" altLang="en-US" smtClean="0"/>
-              <a:t>2020/5/11</a:t>
+              <a:t>2020/5/22</a:t>
             </a:fld>
             <a:endParaRPr lang="zh-TW" altLang="en-US"/>
           </a:p>
@@ -2641,7 +2643,7 @@
           <a:p>
             <a:fld id="{A82C37CB-E071-4591-97EF-45EBE93349F3}" type="datetimeFigureOut">
               <a:rPr lang="zh-TW" altLang="en-US" smtClean="0"/>
-              <a:t>2020/5/11</a:t>
+              <a:t>2020/5/22</a:t>
             </a:fld>
             <a:endParaRPr lang="zh-TW" altLang="en-US"/>
           </a:p>
@@ -12744,6 +12746,142 @@
 </p:sld>
 </file>
 
+<file path=ppt/slides/slide17.xml><?xml version="1.0" encoding="utf-8"?>
+<p:sld xmlns:a="http://schemas.openxmlformats.org/drawingml/2006/main" xmlns:r="http://schemas.openxmlformats.org/officeDocument/2006/relationships" xmlns:p="http://schemas.openxmlformats.org/presentationml/2006/main">
+  <p:cSld>
+    <p:spTree>
+      <p:nvGrpSpPr>
+        <p:cNvPr id="1" name=""/>
+        <p:cNvGrpSpPr/>
+        <p:nvPr/>
+      </p:nvGrpSpPr>
+      <p:grpSpPr>
+        <a:xfrm>
+          <a:off x="0" y="0"/>
+          <a:ext cx="0" cy="0"/>
+          <a:chOff x="0" y="0"/>
+          <a:chExt cx="0" cy="0"/>
+        </a:xfrm>
+      </p:grpSpPr>
+      <p:pic>
+        <p:nvPicPr>
+          <p:cNvPr id="1026" name="Picture 2" descr="https://img-blog.csdnimg.cn/20190829210445286.png?x-oss-process=image/watermark,type_ZmFuZ3poZW5naGVpdGk,shadow_10,text_aHR0cHM6Ly9saXV6aC5ibG9nLmNzZG4ubmV0,size_16,color_FFFFFF,t_70"/>
+          <p:cNvPicPr>
+            <a:picLocks noChangeAspect="1" noChangeArrowheads="1"/>
+          </p:cNvPicPr>
+          <p:nvPr/>
+        </p:nvPicPr>
+        <p:blipFill>
+          <a:blip r:embed="rId2">
+            <a:extLst>
+              <a:ext uri="{28A0092B-C50C-407E-A947-70E740481C1C}">
+                <a14:useLocalDpi xmlns:a14="http://schemas.microsoft.com/office/drawing/2010/main" val="0"/>
+              </a:ext>
+            </a:extLst>
+          </a:blip>
+          <a:srcRect/>
+          <a:stretch>
+            <a:fillRect/>
+          </a:stretch>
+        </p:blipFill>
+        <p:spPr bwMode="auto">
+          <a:xfrm>
+            <a:off x="-14246408" y="1165929"/>
+            <a:ext cx="44357684" cy="6679857"/>
+          </a:xfrm>
+          <a:prstGeom prst="rect">
+            <a:avLst/>
+          </a:prstGeom>
+          <a:noFill/>
+          <a:extLst>
+            <a:ext uri="{909E8E84-426E-40DD-AFC4-6F175D3DCCD1}">
+              <a14:hiddenFill xmlns:a14="http://schemas.microsoft.com/office/drawing/2010/main">
+                <a:solidFill>
+                  <a:srgbClr val="FFFFFF"/>
+                </a:solidFill>
+              </a14:hiddenFill>
+            </a:ext>
+          </a:extLst>
+        </p:spPr>
+      </p:pic>
+      <p:sp>
+        <p:nvSpPr>
+          <p:cNvPr id="5" name="標題 1"/>
+          <p:cNvSpPr>
+            <a:spLocks noGrp="1"/>
+          </p:cNvSpPr>
+          <p:nvPr>
+            <p:ph type="title"/>
+          </p:nvPr>
+        </p:nvSpPr>
+        <p:spPr>
+          <a:xfrm>
+            <a:off x="3590510" y="266847"/>
+            <a:ext cx="6187633" cy="977538"/>
+          </a:xfrm>
+        </p:spPr>
+        <p:txBody>
+          <a:bodyPr>
+            <a:normAutofit/>
+          </a:bodyPr>
+          <a:lstStyle/>
+          <a:p>
+            <a:pPr algn="ctr"/>
+            <a:r>
+              <a:rPr lang="en-US" altLang="zh-TW" smtClean="0"/>
+              <a:t>Aware</a:t>
+            </a:r>
+            <a:r>
+              <a:rPr lang="zh-TW" altLang="en-US" smtClean="0"/>
+              <a:t> 各種方法</a:t>
+            </a:r>
+            <a:endParaRPr lang="zh-TW" altLang="en-US"/>
+          </a:p>
+        </p:txBody>
+      </p:sp>
+    </p:spTree>
+    <p:extLst>
+      <p:ext uri="{BB962C8B-B14F-4D97-AF65-F5344CB8AC3E}">
+        <p14:creationId xmlns:p14="http://schemas.microsoft.com/office/powerpoint/2010/main" val="1189890520"/>
+      </p:ext>
+    </p:extLst>
+  </p:cSld>
+  <p:clrMapOvr>
+    <a:masterClrMapping/>
+  </p:clrMapOvr>
+</p:sld>
+</file>
+
+<file path=ppt/slides/slide18.xml><?xml version="1.0" encoding="utf-8"?>
+<p:sld xmlns:a="http://schemas.openxmlformats.org/drawingml/2006/main" xmlns:r="http://schemas.openxmlformats.org/officeDocument/2006/relationships" xmlns:p="http://schemas.openxmlformats.org/presentationml/2006/main">
+  <p:cSld>
+    <p:spTree>
+      <p:nvGrpSpPr>
+        <p:cNvPr id="1" name=""/>
+        <p:cNvGrpSpPr/>
+        <p:nvPr/>
+      </p:nvGrpSpPr>
+      <p:grpSpPr>
+        <a:xfrm>
+          <a:off x="0" y="0"/>
+          <a:ext cx="0" cy="0"/>
+          <a:chOff x="0" y="0"/>
+          <a:chExt cx="0" cy="0"/>
+        </a:xfrm>
+      </p:grpSpPr>
+    </p:spTree>
+    <p:extLst>
+      <p:ext uri="{BB962C8B-B14F-4D97-AF65-F5344CB8AC3E}">
+        <p14:creationId xmlns:p14="http://schemas.microsoft.com/office/powerpoint/2010/main" val="339076250"/>
+      </p:ext>
+    </p:extLst>
+  </p:cSld>
+  <p:clrMapOvr>
+    <a:masterClrMapping/>
+  </p:clrMapOvr>
+</p:sld>
+</file>
+
 <file path=ppt/slides/slide2.xml><?xml version="1.0" encoding="utf-8"?>
 <p:sld xmlns:a="http://schemas.openxmlformats.org/drawingml/2006/main" xmlns:r="http://schemas.openxmlformats.org/officeDocument/2006/relationships" xmlns:p="http://schemas.openxmlformats.org/presentationml/2006/main">
   <p:cSld>

--- a/流程圖.pptx
+++ b/流程圖.pptx
@@ -322,7 +322,7 @@
           <a:p>
             <a:fld id="{A82C37CB-E071-4591-97EF-45EBE93349F3}" type="datetimeFigureOut">
               <a:rPr lang="zh-TW" altLang="en-US" smtClean="0"/>
-              <a:t>2020/5/22</a:t>
+              <a:t>2020/11/10</a:t>
             </a:fld>
             <a:endParaRPr lang="zh-TW" altLang="en-US"/>
           </a:p>
@@ -492,7 +492,7 @@
           <a:p>
             <a:fld id="{A82C37CB-E071-4591-97EF-45EBE93349F3}" type="datetimeFigureOut">
               <a:rPr lang="zh-TW" altLang="en-US" smtClean="0"/>
-              <a:t>2020/5/22</a:t>
+              <a:t>2020/11/10</a:t>
             </a:fld>
             <a:endParaRPr lang="zh-TW" altLang="en-US"/>
           </a:p>
@@ -672,7 +672,7 @@
           <a:p>
             <a:fld id="{A82C37CB-E071-4591-97EF-45EBE93349F3}" type="datetimeFigureOut">
               <a:rPr lang="zh-TW" altLang="en-US" smtClean="0"/>
-              <a:t>2020/5/22</a:t>
+              <a:t>2020/11/10</a:t>
             </a:fld>
             <a:endParaRPr lang="zh-TW" altLang="en-US"/>
           </a:p>
@@ -842,7 +842,7 @@
           <a:p>
             <a:fld id="{A82C37CB-E071-4591-97EF-45EBE93349F3}" type="datetimeFigureOut">
               <a:rPr lang="zh-TW" altLang="en-US" smtClean="0"/>
-              <a:t>2020/5/22</a:t>
+              <a:t>2020/11/10</a:t>
             </a:fld>
             <a:endParaRPr lang="zh-TW" altLang="en-US"/>
           </a:p>
@@ -1088,7 +1088,7 @@
           <a:p>
             <a:fld id="{A82C37CB-E071-4591-97EF-45EBE93349F3}" type="datetimeFigureOut">
               <a:rPr lang="zh-TW" altLang="en-US" smtClean="0"/>
-              <a:t>2020/5/22</a:t>
+              <a:t>2020/11/10</a:t>
             </a:fld>
             <a:endParaRPr lang="zh-TW" altLang="en-US"/>
           </a:p>
@@ -1320,7 +1320,7 @@
           <a:p>
             <a:fld id="{A82C37CB-E071-4591-97EF-45EBE93349F3}" type="datetimeFigureOut">
               <a:rPr lang="zh-TW" altLang="en-US" smtClean="0"/>
-              <a:t>2020/5/22</a:t>
+              <a:t>2020/11/10</a:t>
             </a:fld>
             <a:endParaRPr lang="zh-TW" altLang="en-US"/>
           </a:p>
@@ -1687,7 +1687,7 @@
           <a:p>
             <a:fld id="{A82C37CB-E071-4591-97EF-45EBE93349F3}" type="datetimeFigureOut">
               <a:rPr lang="zh-TW" altLang="en-US" smtClean="0"/>
-              <a:t>2020/5/22</a:t>
+              <a:t>2020/11/10</a:t>
             </a:fld>
             <a:endParaRPr lang="zh-TW" altLang="en-US"/>
           </a:p>
@@ -1805,7 +1805,7 @@
           <a:p>
             <a:fld id="{A82C37CB-E071-4591-97EF-45EBE93349F3}" type="datetimeFigureOut">
               <a:rPr lang="zh-TW" altLang="en-US" smtClean="0"/>
-              <a:t>2020/5/22</a:t>
+              <a:t>2020/11/10</a:t>
             </a:fld>
             <a:endParaRPr lang="zh-TW" altLang="en-US"/>
           </a:p>
@@ -1900,7 +1900,7 @@
           <a:p>
             <a:fld id="{A82C37CB-E071-4591-97EF-45EBE93349F3}" type="datetimeFigureOut">
               <a:rPr lang="zh-TW" altLang="en-US" smtClean="0"/>
-              <a:t>2020/5/22</a:t>
+              <a:t>2020/11/10</a:t>
             </a:fld>
             <a:endParaRPr lang="zh-TW" altLang="en-US"/>
           </a:p>
@@ -2177,7 +2177,7 @@
           <a:p>
             <a:fld id="{A82C37CB-E071-4591-97EF-45EBE93349F3}" type="datetimeFigureOut">
               <a:rPr lang="zh-TW" altLang="en-US" smtClean="0"/>
-              <a:t>2020/5/22</a:t>
+              <a:t>2020/11/10</a:t>
             </a:fld>
             <a:endParaRPr lang="zh-TW" altLang="en-US"/>
           </a:p>
@@ -2430,7 +2430,7 @@
           <a:p>
             <a:fld id="{A82C37CB-E071-4591-97EF-45EBE93349F3}" type="datetimeFigureOut">
               <a:rPr lang="zh-TW" altLang="en-US" smtClean="0"/>
-              <a:t>2020/5/22</a:t>
+              <a:t>2020/11/10</a:t>
             </a:fld>
             <a:endParaRPr lang="zh-TW" altLang="en-US"/>
           </a:p>
@@ -2643,7 +2643,7 @@
           <a:p>
             <a:fld id="{A82C37CB-E071-4591-97EF-45EBE93349F3}" type="datetimeFigureOut">
               <a:rPr lang="zh-TW" altLang="en-US" smtClean="0"/>
-              <a:t>2020/5/22</a:t>
+              <a:t>2020/11/10</a:t>
             </a:fld>
             <a:endParaRPr lang="zh-TW" altLang="en-US"/>
           </a:p>
@@ -3093,6 +3093,13 @@
   <p:clrMapOvr>
     <a:masterClrMapping/>
   </p:clrMapOvr>
+  <p:timing>
+    <p:tnLst>
+      <p:par>
+        <p:cTn id="1" dur="indefinite" restart="never" nodeType="tmRoot"/>
+      </p:par>
+    </p:tnLst>
+  </p:timing>
 </p:sld>
 </file>
 
@@ -16886,6 +16893,13 @@
   <p:clrMapOvr>
     <a:masterClrMapping/>
   </p:clrMapOvr>
+  <p:timing>
+    <p:tnLst>
+      <p:par>
+        <p:cTn id="1" dur="indefinite" restart="never" nodeType="tmRoot"/>
+      </p:par>
+    </p:tnLst>
+  </p:timing>
 </p:sld>
 </file>
 
@@ -16948,6 +16962,13 @@
   <p:clrMapOvr>
     <a:masterClrMapping/>
   </p:clrMapOvr>
+  <p:timing>
+    <p:tnLst>
+      <p:par>
+        <p:cTn id="1" dur="indefinite" restart="never" nodeType="tmRoot"/>
+      </p:par>
+    </p:tnLst>
+  </p:timing>
 </p:sld>
 </file>
 
